--- a/Figure/asr/asr.pptx
+++ b/Figure/asr/asr.pptx
@@ -2,10 +2,10 @@
 <file path=ppt/presentation.xml><?xml version="1.0" encoding="utf-8"?>
 <p:presentation xmlns:a="http://schemas.openxmlformats.org/drawingml/2006/main" xmlns:r="http://schemas.openxmlformats.org/officeDocument/2006/relationships" xmlns:p="http://schemas.openxmlformats.org/presentationml/2006/main" saveSubsetFonts="1">
   <p:sldMasterIdLst>
-    <p:sldMasterId id="2147483648" r:id="rId1"/>
+    <p:sldMasterId id="2147483684" r:id="rId1"/>
   </p:sldMasterIdLst>
   <p:notesMasterIdLst>
-    <p:notesMasterId r:id="rId8"/>
+    <p:notesMasterId r:id="rId10"/>
   </p:notesMasterIdLst>
   <p:sldIdLst>
     <p:sldId id="256" r:id="rId2"/>
@@ -13,15 +13,17 @@
     <p:sldId id="258" r:id="rId4"/>
     <p:sldId id="259" r:id="rId5"/>
     <p:sldId id="260" r:id="rId6"/>
-    <p:sldId id="261" r:id="rId7"/>
+    <p:sldId id="262" r:id="rId7"/>
+    <p:sldId id="261" r:id="rId8"/>
+    <p:sldId id="263" r:id="rId9"/>
   </p:sldIdLst>
-  <p:sldSz cx="12192000" cy="6858000"/>
+  <p:sldSz cx="18000663" cy="9601200"/>
   <p:notesSz cx="6858000" cy="9144000"/>
   <p:defaultTextStyle>
     <a:defPPr>
-      <a:defRPr lang="zh-CN"/>
+      <a:defRPr lang="en-US"/>
     </a:defPPr>
-    <a:lvl1pPr marL="0" algn="l" defTabSz="914400" rtl="0" eaLnBrk="1" latinLnBrk="0" hangingPunct="1">
+    <a:lvl1pPr marL="0" algn="l" defTabSz="457200" rtl="0" eaLnBrk="1" latinLnBrk="0" hangingPunct="1">
       <a:defRPr sz="1800" kern="1200">
         <a:solidFill>
           <a:schemeClr val="tx1"/>
@@ -31,7 +33,7 @@
         <a:cs typeface="+mn-cs"/>
       </a:defRPr>
     </a:lvl1pPr>
-    <a:lvl2pPr marL="457200" algn="l" defTabSz="914400" rtl="0" eaLnBrk="1" latinLnBrk="0" hangingPunct="1">
+    <a:lvl2pPr marL="457200" algn="l" defTabSz="457200" rtl="0" eaLnBrk="1" latinLnBrk="0" hangingPunct="1">
       <a:defRPr sz="1800" kern="1200">
         <a:solidFill>
           <a:schemeClr val="tx1"/>
@@ -41,7 +43,7 @@
         <a:cs typeface="+mn-cs"/>
       </a:defRPr>
     </a:lvl2pPr>
-    <a:lvl3pPr marL="914400" algn="l" defTabSz="914400" rtl="0" eaLnBrk="1" latinLnBrk="0" hangingPunct="1">
+    <a:lvl3pPr marL="914400" algn="l" defTabSz="457200" rtl="0" eaLnBrk="1" latinLnBrk="0" hangingPunct="1">
       <a:defRPr sz="1800" kern="1200">
         <a:solidFill>
           <a:schemeClr val="tx1"/>
@@ -51,7 +53,7 @@
         <a:cs typeface="+mn-cs"/>
       </a:defRPr>
     </a:lvl3pPr>
-    <a:lvl4pPr marL="1371600" algn="l" defTabSz="914400" rtl="0" eaLnBrk="1" latinLnBrk="0" hangingPunct="1">
+    <a:lvl4pPr marL="1371600" algn="l" defTabSz="457200" rtl="0" eaLnBrk="1" latinLnBrk="0" hangingPunct="1">
       <a:defRPr sz="1800" kern="1200">
         <a:solidFill>
           <a:schemeClr val="tx1"/>
@@ -61,7 +63,7 @@
         <a:cs typeface="+mn-cs"/>
       </a:defRPr>
     </a:lvl4pPr>
-    <a:lvl5pPr marL="1828800" algn="l" defTabSz="914400" rtl="0" eaLnBrk="1" latinLnBrk="0" hangingPunct="1">
+    <a:lvl5pPr marL="1828800" algn="l" defTabSz="457200" rtl="0" eaLnBrk="1" latinLnBrk="0" hangingPunct="1">
       <a:defRPr sz="1800" kern="1200">
         <a:solidFill>
           <a:schemeClr val="tx1"/>
@@ -71,7 +73,7 @@
         <a:cs typeface="+mn-cs"/>
       </a:defRPr>
     </a:lvl5pPr>
-    <a:lvl6pPr marL="2286000" algn="l" defTabSz="914400" rtl="0" eaLnBrk="1" latinLnBrk="0" hangingPunct="1">
+    <a:lvl6pPr marL="2286000" algn="l" defTabSz="457200" rtl="0" eaLnBrk="1" latinLnBrk="0" hangingPunct="1">
       <a:defRPr sz="1800" kern="1200">
         <a:solidFill>
           <a:schemeClr val="tx1"/>
@@ -81,7 +83,7 @@
         <a:cs typeface="+mn-cs"/>
       </a:defRPr>
     </a:lvl6pPr>
-    <a:lvl7pPr marL="2743200" algn="l" defTabSz="914400" rtl="0" eaLnBrk="1" latinLnBrk="0" hangingPunct="1">
+    <a:lvl7pPr marL="2743200" algn="l" defTabSz="457200" rtl="0" eaLnBrk="1" latinLnBrk="0" hangingPunct="1">
       <a:defRPr sz="1800" kern="1200">
         <a:solidFill>
           <a:schemeClr val="tx1"/>
@@ -91,7 +93,7 @@
         <a:cs typeface="+mn-cs"/>
       </a:defRPr>
     </a:lvl7pPr>
-    <a:lvl8pPr marL="3200400" algn="l" defTabSz="914400" rtl="0" eaLnBrk="1" latinLnBrk="0" hangingPunct="1">
+    <a:lvl8pPr marL="3200400" algn="l" defTabSz="457200" rtl="0" eaLnBrk="1" latinLnBrk="0" hangingPunct="1">
       <a:defRPr sz="1800" kern="1200">
         <a:solidFill>
           <a:schemeClr val="tx1"/>
@@ -101,7 +103,7 @@
         <a:cs typeface="+mn-cs"/>
       </a:defRPr>
     </a:lvl8pPr>
-    <a:lvl9pPr marL="3657600" algn="l" defTabSz="914400" rtl="0" eaLnBrk="1" latinLnBrk="0" hangingPunct="1">
+    <a:lvl9pPr marL="3657600" algn="l" defTabSz="457200" rtl="0" eaLnBrk="1" latinLnBrk="0" hangingPunct="1">
       <a:defRPr sz="1800" kern="1200">
         <a:solidFill>
           <a:schemeClr val="tx1"/>
@@ -112,6 +114,11 @@
       </a:defRPr>
     </a:lvl9pPr>
   </p:defaultTextStyle>
+  <p:extLst>
+    <p:ext uri="{EFAFB233-063F-42B5-8137-9DF3F51BA10A}">
+      <p15:sldGuideLst xmlns:p15="http://schemas.microsoft.com/office/powerpoint/2012/main"/>
+    </p:ext>
+  </p:extLst>
 </p:presentation>
 </file>
 
@@ -197,7 +204,7 @@
           <a:p>
             <a:fld id="{EE7C11CE-9749-499C-A126-5A53CC0AE764}" type="datetimeFigureOut">
               <a:rPr lang="zh-CN" altLang="en-US" smtClean="0"/>
-              <a:t>2020/8/2</a:t>
+              <a:t>2020/8/3</a:t>
             </a:fld>
             <a:endParaRPr lang="zh-CN" altLang="en-US"/>
           </a:p>
@@ -215,8 +222,8 @@
         </p:nvSpPr>
         <p:spPr>
           <a:xfrm>
-            <a:off x="685800" y="1143000"/>
-            <a:ext cx="5486400" cy="3086100"/>
+            <a:off x="536575" y="1143000"/>
+            <a:ext cx="5784850" cy="3086100"/>
           </a:xfrm>
           <a:prstGeom prst="rect">
             <a:avLst/>
@@ -483,13 +490,7 @@
       </p:grpSpPr>
       <p:sp>
         <p:nvSpPr>
-          <p:cNvPr id="2" name="标题 1">
-            <a:extLst>
-              <a:ext uri="{FF2B5EF4-FFF2-40B4-BE49-F238E27FC236}">
-                <a16:creationId xmlns:a16="http://schemas.microsoft.com/office/drawing/2014/main" id="{A099F696-4EE1-4CE8-9F79-D87A8047C736}"/>
-              </a:ext>
-            </a:extLst>
-          </p:cNvPr>
+          <p:cNvPr id="2" name="Title 1"/>
           <p:cNvSpPr>
             <a:spLocks noGrp="1"/>
           </p:cNvSpPr>
@@ -499,15 +500,15 @@
         </p:nvSpPr>
         <p:spPr>
           <a:xfrm>
-            <a:off x="1524000" y="1122363"/>
-            <a:ext cx="9144000" cy="2387600"/>
+            <a:off x="2250083" y="1571308"/>
+            <a:ext cx="13500497" cy="3342640"/>
           </a:xfrm>
         </p:spPr>
         <p:txBody>
           <a:bodyPr anchor="b"/>
           <a:lstStyle>
             <a:lvl1pPr algn="ctr">
-              <a:defRPr sz="6000"/>
+              <a:defRPr sz="8400"/>
             </a:lvl1pPr>
           </a:lstStyle>
           <a:p>
@@ -515,18 +516,13 @@
               <a:rPr lang="zh-CN" altLang="en-US"/>
               <a:t>单击此处编辑母版标题样式</a:t>
             </a:r>
-          </a:p>
-        </p:txBody>
-      </p:sp>
-      <p:sp>
-        <p:nvSpPr>
-          <p:cNvPr id="3" name="副标题 2">
-            <a:extLst>
-              <a:ext uri="{FF2B5EF4-FFF2-40B4-BE49-F238E27FC236}">
-                <a16:creationId xmlns:a16="http://schemas.microsoft.com/office/drawing/2014/main" id="{FBDF1575-C3A3-44BB-BE8D-78BF051C9112}"/>
-              </a:ext>
-            </a:extLst>
-          </p:cNvPr>
+            <a:endParaRPr lang="en-US" dirty="0"/>
+          </a:p>
+        </p:txBody>
+      </p:sp>
+      <p:sp>
+        <p:nvSpPr>
+          <p:cNvPr id="3" name="Subtitle 2"/>
           <p:cNvSpPr>
             <a:spLocks noGrp="1"/>
           </p:cNvSpPr>
@@ -536,8 +532,8 @@
         </p:nvSpPr>
         <p:spPr>
           <a:xfrm>
-            <a:off x="1524000" y="3602038"/>
-            <a:ext cx="9144000" cy="1655762"/>
+            <a:off x="2250083" y="5042853"/>
+            <a:ext cx="13500497" cy="2318067"/>
           </a:xfrm>
         </p:spPr>
         <p:txBody>
@@ -545,39 +541,39 @@
           <a:lstStyle>
             <a:lvl1pPr marL="0" indent="0" algn="ctr">
               <a:buNone/>
-              <a:defRPr sz="2400"/>
+              <a:defRPr sz="3360"/>
             </a:lvl1pPr>
-            <a:lvl2pPr marL="457200" indent="0" algn="ctr">
+            <a:lvl2pPr marL="640080" indent="0" algn="ctr">
               <a:buNone/>
-              <a:defRPr sz="2000"/>
+              <a:defRPr sz="2800"/>
             </a:lvl2pPr>
-            <a:lvl3pPr marL="914400" indent="0" algn="ctr">
+            <a:lvl3pPr marL="1280160" indent="0" algn="ctr">
               <a:buNone/>
-              <a:defRPr sz="1800"/>
+              <a:defRPr sz="2520"/>
             </a:lvl3pPr>
-            <a:lvl4pPr marL="1371600" indent="0" algn="ctr">
+            <a:lvl4pPr marL="1920240" indent="0" algn="ctr">
               <a:buNone/>
-              <a:defRPr sz="1600"/>
+              <a:defRPr sz="2240"/>
             </a:lvl4pPr>
-            <a:lvl5pPr marL="1828800" indent="0" algn="ctr">
+            <a:lvl5pPr marL="2560320" indent="0" algn="ctr">
               <a:buNone/>
-              <a:defRPr sz="1600"/>
+              <a:defRPr sz="2240"/>
             </a:lvl5pPr>
-            <a:lvl6pPr marL="2286000" indent="0" algn="ctr">
+            <a:lvl6pPr marL="3200400" indent="0" algn="ctr">
               <a:buNone/>
-              <a:defRPr sz="1600"/>
+              <a:defRPr sz="2240"/>
             </a:lvl6pPr>
-            <a:lvl7pPr marL="2743200" indent="0" algn="ctr">
+            <a:lvl7pPr marL="3840480" indent="0" algn="ctr">
               <a:buNone/>
-              <a:defRPr sz="1600"/>
+              <a:defRPr sz="2240"/>
             </a:lvl7pPr>
-            <a:lvl8pPr marL="3200400" indent="0" algn="ctr">
+            <a:lvl8pPr marL="4480560" indent="0" algn="ctr">
               <a:buNone/>
-              <a:defRPr sz="1600"/>
+              <a:defRPr sz="2240"/>
             </a:lvl8pPr>
-            <a:lvl9pPr marL="3657600" indent="0" algn="ctr">
+            <a:lvl9pPr marL="5120640" indent="0" algn="ctr">
               <a:buNone/>
-              <a:defRPr sz="1600"/>
+              <a:defRPr sz="2240"/>
             </a:lvl9pPr>
           </a:lstStyle>
           <a:p>
@@ -585,18 +581,13 @@
               <a:rPr lang="zh-CN" altLang="en-US"/>
               <a:t>单击此处编辑母版副标题样式</a:t>
             </a:r>
-          </a:p>
-        </p:txBody>
-      </p:sp>
-      <p:sp>
-        <p:nvSpPr>
-          <p:cNvPr id="4" name="日期占位符 3">
-            <a:extLst>
-              <a:ext uri="{FF2B5EF4-FFF2-40B4-BE49-F238E27FC236}">
-                <a16:creationId xmlns:a16="http://schemas.microsoft.com/office/drawing/2014/main" id="{0AB84B58-0583-4CC3-B27F-6312A6E3112C}"/>
-              </a:ext>
-            </a:extLst>
-          </p:cNvPr>
+            <a:endParaRPr lang="en-US" dirty="0"/>
+          </a:p>
+        </p:txBody>
+      </p:sp>
+      <p:sp>
+        <p:nvSpPr>
+          <p:cNvPr id="4" name="Date Placeholder 3"/>
           <p:cNvSpPr>
             <a:spLocks noGrp="1"/>
           </p:cNvSpPr>
@@ -611,7 +602,7 @@
           <a:p>
             <a:fld id="{10DD3163-A593-45A8-89FE-8F3E8DA0C8D6}" type="datetimeFigureOut">
               <a:rPr lang="zh-CN" altLang="en-US" smtClean="0"/>
-              <a:t>2020/8/2</a:t>
+              <a:t>2020/8/3</a:t>
             </a:fld>
             <a:endParaRPr lang="zh-CN" altLang="en-US"/>
           </a:p>
@@ -619,13 +610,7 @@
       </p:sp>
       <p:sp>
         <p:nvSpPr>
-          <p:cNvPr id="5" name="页脚占位符 4">
-            <a:extLst>
-              <a:ext uri="{FF2B5EF4-FFF2-40B4-BE49-F238E27FC236}">
-                <a16:creationId xmlns:a16="http://schemas.microsoft.com/office/drawing/2014/main" id="{B617DA8B-9C92-4B62-9096-8E9F56C0EF00}"/>
-              </a:ext>
-            </a:extLst>
-          </p:cNvPr>
+          <p:cNvPr id="5" name="Footer Placeholder 4"/>
           <p:cNvSpPr>
             <a:spLocks noGrp="1"/>
           </p:cNvSpPr>
@@ -644,13 +629,7 @@
       </p:sp>
       <p:sp>
         <p:nvSpPr>
-          <p:cNvPr id="6" name="灯片编号占位符 5">
-            <a:extLst>
-              <a:ext uri="{FF2B5EF4-FFF2-40B4-BE49-F238E27FC236}">
-                <a16:creationId xmlns:a16="http://schemas.microsoft.com/office/drawing/2014/main" id="{360064DD-5443-44FF-B4A7-024A60DEB3A9}"/>
-              </a:ext>
-            </a:extLst>
-          </p:cNvPr>
+          <p:cNvPr id="6" name="Slide Number Placeholder 5"/>
           <p:cNvSpPr>
             <a:spLocks noGrp="1"/>
           </p:cNvSpPr>
@@ -674,7 +653,7 @@
     </p:spTree>
     <p:extLst>
       <p:ext uri="{BB962C8B-B14F-4D97-AF65-F5344CB8AC3E}">
-        <p14:creationId xmlns:p14="http://schemas.microsoft.com/office/powerpoint/2010/main" val="1132267467"/>
+        <p14:creationId xmlns:p14="http://schemas.microsoft.com/office/powerpoint/2010/main" val="715246572"/>
       </p:ext>
     </p:extLst>
   </p:cSld>
@@ -703,13 +682,7 @@
       </p:grpSpPr>
       <p:sp>
         <p:nvSpPr>
-          <p:cNvPr id="2" name="标题 1">
-            <a:extLst>
-              <a:ext uri="{FF2B5EF4-FFF2-40B4-BE49-F238E27FC236}">
-                <a16:creationId xmlns:a16="http://schemas.microsoft.com/office/drawing/2014/main" id="{A1ADB3A0-B801-49E5-9F49-4CFEA74954A4}"/>
-              </a:ext>
-            </a:extLst>
-          </p:cNvPr>
+          <p:cNvPr id="2" name="Title 1"/>
           <p:cNvSpPr>
             <a:spLocks noGrp="1"/>
           </p:cNvSpPr>
@@ -726,18 +699,13 @@
               <a:rPr lang="zh-CN" altLang="en-US"/>
               <a:t>单击此处编辑母版标题样式</a:t>
             </a:r>
-          </a:p>
-        </p:txBody>
-      </p:sp>
-      <p:sp>
-        <p:nvSpPr>
-          <p:cNvPr id="3" name="竖排文字占位符 2">
-            <a:extLst>
-              <a:ext uri="{FF2B5EF4-FFF2-40B4-BE49-F238E27FC236}">
-                <a16:creationId xmlns:a16="http://schemas.microsoft.com/office/drawing/2014/main" id="{52C3FFC0-F9BD-4B54-B46B-66F1E46D6344}"/>
-              </a:ext>
-            </a:extLst>
-          </p:cNvPr>
+            <a:endParaRPr lang="en-US" dirty="0"/>
+          </a:p>
+        </p:txBody>
+      </p:sp>
+      <p:sp>
+        <p:nvSpPr>
+          <p:cNvPr id="3" name="Vertical Text Placeholder 2"/>
           <p:cNvSpPr>
             <a:spLocks noGrp="1"/>
           </p:cNvSpPr>
@@ -783,18 +751,13 @@
               <a:rPr lang="zh-CN" altLang="en-US"/>
               <a:t>五级</a:t>
             </a:r>
-          </a:p>
-        </p:txBody>
-      </p:sp>
-      <p:sp>
-        <p:nvSpPr>
-          <p:cNvPr id="4" name="日期占位符 3">
-            <a:extLst>
-              <a:ext uri="{FF2B5EF4-FFF2-40B4-BE49-F238E27FC236}">
-                <a16:creationId xmlns:a16="http://schemas.microsoft.com/office/drawing/2014/main" id="{C0A45790-5455-4722-B3F2-8155AA779B38}"/>
-              </a:ext>
-            </a:extLst>
-          </p:cNvPr>
+            <a:endParaRPr lang="en-US" dirty="0"/>
+          </a:p>
+        </p:txBody>
+      </p:sp>
+      <p:sp>
+        <p:nvSpPr>
+          <p:cNvPr id="4" name="Date Placeholder 3"/>
           <p:cNvSpPr>
             <a:spLocks noGrp="1"/>
           </p:cNvSpPr>
@@ -809,7 +772,7 @@
           <a:p>
             <a:fld id="{10DD3163-A593-45A8-89FE-8F3E8DA0C8D6}" type="datetimeFigureOut">
               <a:rPr lang="zh-CN" altLang="en-US" smtClean="0"/>
-              <a:t>2020/8/2</a:t>
+              <a:t>2020/8/3</a:t>
             </a:fld>
             <a:endParaRPr lang="zh-CN" altLang="en-US"/>
           </a:p>
@@ -817,13 +780,7 @@
       </p:sp>
       <p:sp>
         <p:nvSpPr>
-          <p:cNvPr id="5" name="页脚占位符 4">
-            <a:extLst>
-              <a:ext uri="{FF2B5EF4-FFF2-40B4-BE49-F238E27FC236}">
-                <a16:creationId xmlns:a16="http://schemas.microsoft.com/office/drawing/2014/main" id="{4F6E1C40-6B13-4A5A-947E-C3F2FA3C6567}"/>
-              </a:ext>
-            </a:extLst>
-          </p:cNvPr>
+          <p:cNvPr id="5" name="Footer Placeholder 4"/>
           <p:cNvSpPr>
             <a:spLocks noGrp="1"/>
           </p:cNvSpPr>
@@ -842,13 +799,7 @@
       </p:sp>
       <p:sp>
         <p:nvSpPr>
-          <p:cNvPr id="6" name="灯片编号占位符 5">
-            <a:extLst>
-              <a:ext uri="{FF2B5EF4-FFF2-40B4-BE49-F238E27FC236}">
-                <a16:creationId xmlns:a16="http://schemas.microsoft.com/office/drawing/2014/main" id="{EE5212D4-0FCD-41FA-AED1-4D7AD9D1061C}"/>
-              </a:ext>
-            </a:extLst>
-          </p:cNvPr>
+          <p:cNvPr id="6" name="Slide Number Placeholder 5"/>
           <p:cNvSpPr>
             <a:spLocks noGrp="1"/>
           </p:cNvSpPr>
@@ -872,7 +823,7 @@
     </p:spTree>
     <p:extLst>
       <p:ext uri="{BB962C8B-B14F-4D97-AF65-F5344CB8AC3E}">
-        <p14:creationId xmlns:p14="http://schemas.microsoft.com/office/powerpoint/2010/main" val="2499366135"/>
+        <p14:creationId xmlns:p14="http://schemas.microsoft.com/office/powerpoint/2010/main" val="1341173905"/>
       </p:ext>
     </p:extLst>
   </p:cSld>
@@ -901,13 +852,7 @@
       </p:grpSpPr>
       <p:sp>
         <p:nvSpPr>
-          <p:cNvPr id="2" name="竖排标题 1">
-            <a:extLst>
-              <a:ext uri="{FF2B5EF4-FFF2-40B4-BE49-F238E27FC236}">
-                <a16:creationId xmlns:a16="http://schemas.microsoft.com/office/drawing/2014/main" id="{EB410585-730F-43FA-94AC-E63BC4D1E82E}"/>
-              </a:ext>
-            </a:extLst>
-          </p:cNvPr>
+          <p:cNvPr id="2" name="Vertical Title 1"/>
           <p:cNvSpPr>
             <a:spLocks noGrp="1"/>
           </p:cNvSpPr>
@@ -917,8 +862,8 @@
         </p:nvSpPr>
         <p:spPr>
           <a:xfrm>
-            <a:off x="8724900" y="365125"/>
-            <a:ext cx="2628900" cy="5811838"/>
+            <a:off x="12881724" y="511175"/>
+            <a:ext cx="3881393" cy="8136573"/>
           </a:xfrm>
         </p:spPr>
         <p:txBody>
@@ -929,18 +874,13 @@
               <a:rPr lang="zh-CN" altLang="en-US"/>
               <a:t>单击此处编辑母版标题样式</a:t>
             </a:r>
-          </a:p>
-        </p:txBody>
-      </p:sp>
-      <p:sp>
-        <p:nvSpPr>
-          <p:cNvPr id="3" name="竖排文字占位符 2">
-            <a:extLst>
-              <a:ext uri="{FF2B5EF4-FFF2-40B4-BE49-F238E27FC236}">
-                <a16:creationId xmlns:a16="http://schemas.microsoft.com/office/drawing/2014/main" id="{BB899941-EBF5-4A97-B1C3-AA1EE29887B4}"/>
-              </a:ext>
-            </a:extLst>
-          </p:cNvPr>
+            <a:endParaRPr lang="en-US" dirty="0"/>
+          </a:p>
+        </p:txBody>
+      </p:sp>
+      <p:sp>
+        <p:nvSpPr>
+          <p:cNvPr id="3" name="Vertical Text Placeholder 2"/>
           <p:cNvSpPr>
             <a:spLocks noGrp="1"/>
           </p:cNvSpPr>
@@ -950,8 +890,8 @@
         </p:nvSpPr>
         <p:spPr>
           <a:xfrm>
-            <a:off x="838200" y="365125"/>
-            <a:ext cx="7734300" cy="5811838"/>
+            <a:off x="1237545" y="511175"/>
+            <a:ext cx="11419171" cy="8136573"/>
           </a:xfrm>
         </p:spPr>
         <p:txBody>
@@ -991,18 +931,13 @@
               <a:rPr lang="zh-CN" altLang="en-US"/>
               <a:t>五级</a:t>
             </a:r>
-          </a:p>
-        </p:txBody>
-      </p:sp>
-      <p:sp>
-        <p:nvSpPr>
-          <p:cNvPr id="4" name="日期占位符 3">
-            <a:extLst>
-              <a:ext uri="{FF2B5EF4-FFF2-40B4-BE49-F238E27FC236}">
-                <a16:creationId xmlns:a16="http://schemas.microsoft.com/office/drawing/2014/main" id="{BCDC54B7-F629-4744-914C-B13619E6D872}"/>
-              </a:ext>
-            </a:extLst>
-          </p:cNvPr>
+            <a:endParaRPr lang="en-US" dirty="0"/>
+          </a:p>
+        </p:txBody>
+      </p:sp>
+      <p:sp>
+        <p:nvSpPr>
+          <p:cNvPr id="4" name="Date Placeholder 3"/>
           <p:cNvSpPr>
             <a:spLocks noGrp="1"/>
           </p:cNvSpPr>
@@ -1017,7 +952,7 @@
           <a:p>
             <a:fld id="{10DD3163-A593-45A8-89FE-8F3E8DA0C8D6}" type="datetimeFigureOut">
               <a:rPr lang="zh-CN" altLang="en-US" smtClean="0"/>
-              <a:t>2020/8/2</a:t>
+              <a:t>2020/8/3</a:t>
             </a:fld>
             <a:endParaRPr lang="zh-CN" altLang="en-US"/>
           </a:p>
@@ -1025,13 +960,7 @@
       </p:sp>
       <p:sp>
         <p:nvSpPr>
-          <p:cNvPr id="5" name="页脚占位符 4">
-            <a:extLst>
-              <a:ext uri="{FF2B5EF4-FFF2-40B4-BE49-F238E27FC236}">
-                <a16:creationId xmlns:a16="http://schemas.microsoft.com/office/drawing/2014/main" id="{DAAB83CD-154C-48A5-96E0-FC6173BAEE24}"/>
-              </a:ext>
-            </a:extLst>
-          </p:cNvPr>
+          <p:cNvPr id="5" name="Footer Placeholder 4"/>
           <p:cNvSpPr>
             <a:spLocks noGrp="1"/>
           </p:cNvSpPr>
@@ -1050,13 +979,7 @@
       </p:sp>
       <p:sp>
         <p:nvSpPr>
-          <p:cNvPr id="6" name="灯片编号占位符 5">
-            <a:extLst>
-              <a:ext uri="{FF2B5EF4-FFF2-40B4-BE49-F238E27FC236}">
-                <a16:creationId xmlns:a16="http://schemas.microsoft.com/office/drawing/2014/main" id="{5C459860-4D8C-4E7B-A3CF-12EEAB142062}"/>
-              </a:ext>
-            </a:extLst>
-          </p:cNvPr>
+          <p:cNvPr id="6" name="Slide Number Placeholder 5"/>
           <p:cNvSpPr>
             <a:spLocks noGrp="1"/>
           </p:cNvSpPr>
@@ -1080,7 +1003,7 @@
     </p:spTree>
     <p:extLst>
       <p:ext uri="{BB962C8B-B14F-4D97-AF65-F5344CB8AC3E}">
-        <p14:creationId xmlns:p14="http://schemas.microsoft.com/office/powerpoint/2010/main" val="2241845233"/>
+        <p14:creationId xmlns:p14="http://schemas.microsoft.com/office/powerpoint/2010/main" val="2509595451"/>
       </p:ext>
     </p:extLst>
   </p:cSld>
@@ -1109,13 +1032,7 @@
       </p:grpSpPr>
       <p:sp>
         <p:nvSpPr>
-          <p:cNvPr id="2" name="标题 1">
-            <a:extLst>
-              <a:ext uri="{FF2B5EF4-FFF2-40B4-BE49-F238E27FC236}">
-                <a16:creationId xmlns:a16="http://schemas.microsoft.com/office/drawing/2014/main" id="{04BF14D0-6428-4297-87B9-D88C6A4BB7A2}"/>
-              </a:ext>
-            </a:extLst>
-          </p:cNvPr>
+          <p:cNvPr id="2" name="Title 1"/>
           <p:cNvSpPr>
             <a:spLocks noGrp="1"/>
           </p:cNvSpPr>
@@ -1132,18 +1049,13 @@
               <a:rPr lang="zh-CN" altLang="en-US"/>
               <a:t>单击此处编辑母版标题样式</a:t>
             </a:r>
-          </a:p>
-        </p:txBody>
-      </p:sp>
-      <p:sp>
-        <p:nvSpPr>
-          <p:cNvPr id="3" name="内容占位符 2">
-            <a:extLst>
-              <a:ext uri="{FF2B5EF4-FFF2-40B4-BE49-F238E27FC236}">
-                <a16:creationId xmlns:a16="http://schemas.microsoft.com/office/drawing/2014/main" id="{D82CC146-0422-4612-B50B-AE61F5A14E4F}"/>
-              </a:ext>
-            </a:extLst>
-          </p:cNvPr>
+            <a:endParaRPr lang="en-US" dirty="0"/>
+          </a:p>
+        </p:txBody>
+      </p:sp>
+      <p:sp>
+        <p:nvSpPr>
+          <p:cNvPr id="3" name="Content Placeholder 2"/>
           <p:cNvSpPr>
             <a:spLocks noGrp="1"/>
           </p:cNvSpPr>
@@ -1189,18 +1101,13 @@
               <a:rPr lang="zh-CN" altLang="en-US"/>
               <a:t>五级</a:t>
             </a:r>
-          </a:p>
-        </p:txBody>
-      </p:sp>
-      <p:sp>
-        <p:nvSpPr>
-          <p:cNvPr id="4" name="日期占位符 3">
-            <a:extLst>
-              <a:ext uri="{FF2B5EF4-FFF2-40B4-BE49-F238E27FC236}">
-                <a16:creationId xmlns:a16="http://schemas.microsoft.com/office/drawing/2014/main" id="{CE416F1F-1CB1-424C-85C2-CD07A6672325}"/>
-              </a:ext>
-            </a:extLst>
-          </p:cNvPr>
+            <a:endParaRPr lang="en-US" dirty="0"/>
+          </a:p>
+        </p:txBody>
+      </p:sp>
+      <p:sp>
+        <p:nvSpPr>
+          <p:cNvPr id="4" name="Date Placeholder 3"/>
           <p:cNvSpPr>
             <a:spLocks noGrp="1"/>
           </p:cNvSpPr>
@@ -1215,7 +1122,7 @@
           <a:p>
             <a:fld id="{10DD3163-A593-45A8-89FE-8F3E8DA0C8D6}" type="datetimeFigureOut">
               <a:rPr lang="zh-CN" altLang="en-US" smtClean="0"/>
-              <a:t>2020/8/2</a:t>
+              <a:t>2020/8/3</a:t>
             </a:fld>
             <a:endParaRPr lang="zh-CN" altLang="en-US"/>
           </a:p>
@@ -1223,13 +1130,7 @@
       </p:sp>
       <p:sp>
         <p:nvSpPr>
-          <p:cNvPr id="5" name="页脚占位符 4">
-            <a:extLst>
-              <a:ext uri="{FF2B5EF4-FFF2-40B4-BE49-F238E27FC236}">
-                <a16:creationId xmlns:a16="http://schemas.microsoft.com/office/drawing/2014/main" id="{69BD5920-849A-470F-B453-9588C3DDBF20}"/>
-              </a:ext>
-            </a:extLst>
-          </p:cNvPr>
+          <p:cNvPr id="5" name="Footer Placeholder 4"/>
           <p:cNvSpPr>
             <a:spLocks noGrp="1"/>
           </p:cNvSpPr>
@@ -1248,13 +1149,7 @@
       </p:sp>
       <p:sp>
         <p:nvSpPr>
-          <p:cNvPr id="6" name="灯片编号占位符 5">
-            <a:extLst>
-              <a:ext uri="{FF2B5EF4-FFF2-40B4-BE49-F238E27FC236}">
-                <a16:creationId xmlns:a16="http://schemas.microsoft.com/office/drawing/2014/main" id="{C9F5A5E1-D9FB-4BCD-9135-5452970FC82E}"/>
-              </a:ext>
-            </a:extLst>
-          </p:cNvPr>
+          <p:cNvPr id="6" name="Slide Number Placeholder 5"/>
           <p:cNvSpPr>
             <a:spLocks noGrp="1"/>
           </p:cNvSpPr>
@@ -1278,7 +1173,7 @@
     </p:spTree>
     <p:extLst>
       <p:ext uri="{BB962C8B-B14F-4D97-AF65-F5344CB8AC3E}">
-        <p14:creationId xmlns:p14="http://schemas.microsoft.com/office/powerpoint/2010/main" val="2643852118"/>
+        <p14:creationId xmlns:p14="http://schemas.microsoft.com/office/powerpoint/2010/main" val="3595299696"/>
       </p:ext>
     </p:extLst>
   </p:cSld>
@@ -1307,13 +1202,7 @@
       </p:grpSpPr>
       <p:sp>
         <p:nvSpPr>
-          <p:cNvPr id="2" name="标题 1">
-            <a:extLst>
-              <a:ext uri="{FF2B5EF4-FFF2-40B4-BE49-F238E27FC236}">
-                <a16:creationId xmlns:a16="http://schemas.microsoft.com/office/drawing/2014/main" id="{E6BC443A-7315-4BB5-A284-7F7E4B79BEE5}"/>
-              </a:ext>
-            </a:extLst>
-          </p:cNvPr>
+          <p:cNvPr id="2" name="Title 1"/>
           <p:cNvSpPr>
             <a:spLocks noGrp="1"/>
           </p:cNvSpPr>
@@ -1323,15 +1212,15 @@
         </p:nvSpPr>
         <p:spPr>
           <a:xfrm>
-            <a:off x="831850" y="1709738"/>
-            <a:ext cx="10515600" cy="2852737"/>
+            <a:off x="1228170" y="2393634"/>
+            <a:ext cx="15525572" cy="3993832"/>
           </a:xfrm>
         </p:spPr>
         <p:txBody>
           <a:bodyPr anchor="b"/>
           <a:lstStyle>
             <a:lvl1pPr>
-              <a:defRPr sz="6000"/>
+              <a:defRPr sz="8400"/>
             </a:lvl1pPr>
           </a:lstStyle>
           <a:p>
@@ -1339,18 +1228,13 @@
               <a:rPr lang="zh-CN" altLang="en-US"/>
               <a:t>单击此处编辑母版标题样式</a:t>
             </a:r>
-          </a:p>
-        </p:txBody>
-      </p:sp>
-      <p:sp>
-        <p:nvSpPr>
-          <p:cNvPr id="3" name="文本占位符 2">
-            <a:extLst>
-              <a:ext uri="{FF2B5EF4-FFF2-40B4-BE49-F238E27FC236}">
-                <a16:creationId xmlns:a16="http://schemas.microsoft.com/office/drawing/2014/main" id="{79B8E3F5-8748-44B2-87F8-7CB758BAC30C}"/>
-              </a:ext>
-            </a:extLst>
-          </p:cNvPr>
+            <a:endParaRPr lang="en-US" dirty="0"/>
+          </a:p>
+        </p:txBody>
+      </p:sp>
+      <p:sp>
+        <p:nvSpPr>
+          <p:cNvPr id="3" name="Text Placeholder 2"/>
           <p:cNvSpPr>
             <a:spLocks noGrp="1"/>
           </p:cNvSpPr>
@@ -1360,8 +1244,8 @@
         </p:nvSpPr>
         <p:spPr>
           <a:xfrm>
-            <a:off x="831850" y="4589463"/>
-            <a:ext cx="10515600" cy="1500187"/>
+            <a:off x="1228170" y="6425249"/>
+            <a:ext cx="15525572" cy="2100262"/>
           </a:xfrm>
         </p:spPr>
         <p:txBody>
@@ -1369,7 +1253,7 @@
           <a:lstStyle>
             <a:lvl1pPr marL="0" indent="0">
               <a:buNone/>
-              <a:defRPr sz="2400">
+              <a:defRPr sz="3360">
                 <a:solidFill>
                   <a:schemeClr val="tx1">
                     <a:tint val="75000"/>
@@ -1377,9 +1261,9 @@
                 </a:solidFill>
               </a:defRPr>
             </a:lvl1pPr>
-            <a:lvl2pPr marL="457200" indent="0">
+            <a:lvl2pPr marL="640080" indent="0">
               <a:buNone/>
-              <a:defRPr sz="2000">
+              <a:defRPr sz="2800">
                 <a:solidFill>
                   <a:schemeClr val="tx1">
                     <a:tint val="75000"/>
@@ -1387,9 +1271,9 @@
                 </a:solidFill>
               </a:defRPr>
             </a:lvl2pPr>
-            <a:lvl3pPr marL="914400" indent="0">
+            <a:lvl3pPr marL="1280160" indent="0">
               <a:buNone/>
-              <a:defRPr sz="1800">
+              <a:defRPr sz="2520">
                 <a:solidFill>
                   <a:schemeClr val="tx1">
                     <a:tint val="75000"/>
@@ -1397,9 +1281,9 @@
                 </a:solidFill>
               </a:defRPr>
             </a:lvl3pPr>
-            <a:lvl4pPr marL="1371600" indent="0">
+            <a:lvl4pPr marL="1920240" indent="0">
               <a:buNone/>
-              <a:defRPr sz="1600">
+              <a:defRPr sz="2240">
                 <a:solidFill>
                   <a:schemeClr val="tx1">
                     <a:tint val="75000"/>
@@ -1407,9 +1291,9 @@
                 </a:solidFill>
               </a:defRPr>
             </a:lvl4pPr>
-            <a:lvl5pPr marL="1828800" indent="0">
+            <a:lvl5pPr marL="2560320" indent="0">
               <a:buNone/>
-              <a:defRPr sz="1600">
+              <a:defRPr sz="2240">
                 <a:solidFill>
                   <a:schemeClr val="tx1">
                     <a:tint val="75000"/>
@@ -1417,9 +1301,9 @@
                 </a:solidFill>
               </a:defRPr>
             </a:lvl5pPr>
-            <a:lvl6pPr marL="2286000" indent="0">
+            <a:lvl6pPr marL="3200400" indent="0">
               <a:buNone/>
-              <a:defRPr sz="1600">
+              <a:defRPr sz="2240">
                 <a:solidFill>
                   <a:schemeClr val="tx1">
                     <a:tint val="75000"/>
@@ -1427,9 +1311,9 @@
                 </a:solidFill>
               </a:defRPr>
             </a:lvl6pPr>
-            <a:lvl7pPr marL="2743200" indent="0">
+            <a:lvl7pPr marL="3840480" indent="0">
               <a:buNone/>
-              <a:defRPr sz="1600">
+              <a:defRPr sz="2240">
                 <a:solidFill>
                   <a:schemeClr val="tx1">
                     <a:tint val="75000"/>
@@ -1437,9 +1321,9 @@
                 </a:solidFill>
               </a:defRPr>
             </a:lvl7pPr>
-            <a:lvl8pPr marL="3200400" indent="0">
+            <a:lvl8pPr marL="4480560" indent="0">
               <a:buNone/>
-              <a:defRPr sz="1600">
+              <a:defRPr sz="2240">
                 <a:solidFill>
                   <a:schemeClr val="tx1">
                     <a:tint val="75000"/>
@@ -1447,9 +1331,9 @@
                 </a:solidFill>
               </a:defRPr>
             </a:lvl8pPr>
-            <a:lvl9pPr marL="3657600" indent="0">
+            <a:lvl9pPr marL="5120640" indent="0">
               <a:buNone/>
-              <a:defRPr sz="1600">
+              <a:defRPr sz="2240">
                 <a:solidFill>
                   <a:schemeClr val="tx1">
                     <a:tint val="75000"/>
@@ -1469,13 +1353,7 @@
       </p:sp>
       <p:sp>
         <p:nvSpPr>
-          <p:cNvPr id="4" name="日期占位符 3">
-            <a:extLst>
-              <a:ext uri="{FF2B5EF4-FFF2-40B4-BE49-F238E27FC236}">
-                <a16:creationId xmlns:a16="http://schemas.microsoft.com/office/drawing/2014/main" id="{277862BB-96B3-47F4-8D54-52BADCB20D7D}"/>
-              </a:ext>
-            </a:extLst>
-          </p:cNvPr>
+          <p:cNvPr id="4" name="Date Placeholder 3"/>
           <p:cNvSpPr>
             <a:spLocks noGrp="1"/>
           </p:cNvSpPr>
@@ -1490,7 +1368,7 @@
           <a:p>
             <a:fld id="{10DD3163-A593-45A8-89FE-8F3E8DA0C8D6}" type="datetimeFigureOut">
               <a:rPr lang="zh-CN" altLang="en-US" smtClean="0"/>
-              <a:t>2020/8/2</a:t>
+              <a:t>2020/8/3</a:t>
             </a:fld>
             <a:endParaRPr lang="zh-CN" altLang="en-US"/>
           </a:p>
@@ -1498,13 +1376,7 @@
       </p:sp>
       <p:sp>
         <p:nvSpPr>
-          <p:cNvPr id="5" name="页脚占位符 4">
-            <a:extLst>
-              <a:ext uri="{FF2B5EF4-FFF2-40B4-BE49-F238E27FC236}">
-                <a16:creationId xmlns:a16="http://schemas.microsoft.com/office/drawing/2014/main" id="{2F37FD1A-A2FD-4307-9AF6-18F182F76EF3}"/>
-              </a:ext>
-            </a:extLst>
-          </p:cNvPr>
+          <p:cNvPr id="5" name="Footer Placeholder 4"/>
           <p:cNvSpPr>
             <a:spLocks noGrp="1"/>
           </p:cNvSpPr>
@@ -1523,13 +1395,7 @@
       </p:sp>
       <p:sp>
         <p:nvSpPr>
-          <p:cNvPr id="6" name="灯片编号占位符 5">
-            <a:extLst>
-              <a:ext uri="{FF2B5EF4-FFF2-40B4-BE49-F238E27FC236}">
-                <a16:creationId xmlns:a16="http://schemas.microsoft.com/office/drawing/2014/main" id="{78248EEF-A196-4256-BCD3-46567FABDD29}"/>
-              </a:ext>
-            </a:extLst>
-          </p:cNvPr>
+          <p:cNvPr id="6" name="Slide Number Placeholder 5"/>
           <p:cNvSpPr>
             <a:spLocks noGrp="1"/>
           </p:cNvSpPr>
@@ -1553,7 +1419,7 @@
     </p:spTree>
     <p:extLst>
       <p:ext uri="{BB962C8B-B14F-4D97-AF65-F5344CB8AC3E}">
-        <p14:creationId xmlns:p14="http://schemas.microsoft.com/office/powerpoint/2010/main" val="1162968695"/>
+        <p14:creationId xmlns:p14="http://schemas.microsoft.com/office/powerpoint/2010/main" val="1231617824"/>
       </p:ext>
     </p:extLst>
   </p:cSld>
@@ -1582,13 +1448,7 @@
       </p:grpSpPr>
       <p:sp>
         <p:nvSpPr>
-          <p:cNvPr id="2" name="标题 1">
-            <a:extLst>
-              <a:ext uri="{FF2B5EF4-FFF2-40B4-BE49-F238E27FC236}">
-                <a16:creationId xmlns:a16="http://schemas.microsoft.com/office/drawing/2014/main" id="{3D7EFC04-AC89-4C22-8FF5-9C9CD31A7123}"/>
-              </a:ext>
-            </a:extLst>
-          </p:cNvPr>
+          <p:cNvPr id="2" name="Title 1"/>
           <p:cNvSpPr>
             <a:spLocks noGrp="1"/>
           </p:cNvSpPr>
@@ -1605,18 +1465,13 @@
               <a:rPr lang="zh-CN" altLang="en-US"/>
               <a:t>单击此处编辑母版标题样式</a:t>
             </a:r>
-          </a:p>
-        </p:txBody>
-      </p:sp>
-      <p:sp>
-        <p:nvSpPr>
-          <p:cNvPr id="3" name="内容占位符 2">
-            <a:extLst>
-              <a:ext uri="{FF2B5EF4-FFF2-40B4-BE49-F238E27FC236}">
-                <a16:creationId xmlns:a16="http://schemas.microsoft.com/office/drawing/2014/main" id="{B7619848-E44D-458B-8E4E-069CAA59874F}"/>
-              </a:ext>
-            </a:extLst>
-          </p:cNvPr>
+            <a:endParaRPr lang="en-US" dirty="0"/>
+          </a:p>
+        </p:txBody>
+      </p:sp>
+      <p:sp>
+        <p:nvSpPr>
+          <p:cNvPr id="3" name="Content Placeholder 2"/>
           <p:cNvSpPr>
             <a:spLocks noGrp="1"/>
           </p:cNvSpPr>
@@ -1626,8 +1481,8 @@
         </p:nvSpPr>
         <p:spPr>
           <a:xfrm>
-            <a:off x="838200" y="1825625"/>
-            <a:ext cx="5181600" cy="4351338"/>
+            <a:off x="1237545" y="2555875"/>
+            <a:ext cx="7650282" cy="6091873"/>
           </a:xfrm>
         </p:spPr>
         <p:txBody>
@@ -1667,18 +1522,13 @@
               <a:rPr lang="zh-CN" altLang="en-US"/>
               <a:t>五级</a:t>
             </a:r>
-          </a:p>
-        </p:txBody>
-      </p:sp>
-      <p:sp>
-        <p:nvSpPr>
-          <p:cNvPr id="4" name="内容占位符 3">
-            <a:extLst>
-              <a:ext uri="{FF2B5EF4-FFF2-40B4-BE49-F238E27FC236}">
-                <a16:creationId xmlns:a16="http://schemas.microsoft.com/office/drawing/2014/main" id="{009113E3-A2AA-420C-8C20-1A0E087045C6}"/>
-              </a:ext>
-            </a:extLst>
-          </p:cNvPr>
+            <a:endParaRPr lang="en-US" dirty="0"/>
+          </a:p>
+        </p:txBody>
+      </p:sp>
+      <p:sp>
+        <p:nvSpPr>
+          <p:cNvPr id="4" name="Content Placeholder 3"/>
           <p:cNvSpPr>
             <a:spLocks noGrp="1"/>
           </p:cNvSpPr>
@@ -1688,8 +1538,8 @@
         </p:nvSpPr>
         <p:spPr>
           <a:xfrm>
-            <a:off x="6172200" y="1825625"/>
-            <a:ext cx="5181600" cy="4351338"/>
+            <a:off x="9112836" y="2555875"/>
+            <a:ext cx="7650282" cy="6091873"/>
           </a:xfrm>
         </p:spPr>
         <p:txBody>
@@ -1729,18 +1579,13 @@
               <a:rPr lang="zh-CN" altLang="en-US"/>
               <a:t>五级</a:t>
             </a:r>
-          </a:p>
-        </p:txBody>
-      </p:sp>
-      <p:sp>
-        <p:nvSpPr>
-          <p:cNvPr id="5" name="日期占位符 4">
-            <a:extLst>
-              <a:ext uri="{FF2B5EF4-FFF2-40B4-BE49-F238E27FC236}">
-                <a16:creationId xmlns:a16="http://schemas.microsoft.com/office/drawing/2014/main" id="{BD978038-EE8D-4B57-8416-3F13DB7B7240}"/>
-              </a:ext>
-            </a:extLst>
-          </p:cNvPr>
+            <a:endParaRPr lang="en-US" dirty="0"/>
+          </a:p>
+        </p:txBody>
+      </p:sp>
+      <p:sp>
+        <p:nvSpPr>
+          <p:cNvPr id="5" name="Date Placeholder 4"/>
           <p:cNvSpPr>
             <a:spLocks noGrp="1"/>
           </p:cNvSpPr>
@@ -1755,7 +1600,7 @@
           <a:p>
             <a:fld id="{10DD3163-A593-45A8-89FE-8F3E8DA0C8D6}" type="datetimeFigureOut">
               <a:rPr lang="zh-CN" altLang="en-US" smtClean="0"/>
-              <a:t>2020/8/2</a:t>
+              <a:t>2020/8/3</a:t>
             </a:fld>
             <a:endParaRPr lang="zh-CN" altLang="en-US"/>
           </a:p>
@@ -1763,13 +1608,7 @@
       </p:sp>
       <p:sp>
         <p:nvSpPr>
-          <p:cNvPr id="6" name="页脚占位符 5">
-            <a:extLst>
-              <a:ext uri="{FF2B5EF4-FFF2-40B4-BE49-F238E27FC236}">
-                <a16:creationId xmlns:a16="http://schemas.microsoft.com/office/drawing/2014/main" id="{C21EB6DC-3851-47E1-BEE4-E858739BA36A}"/>
-              </a:ext>
-            </a:extLst>
-          </p:cNvPr>
+          <p:cNvPr id="6" name="Footer Placeholder 5"/>
           <p:cNvSpPr>
             <a:spLocks noGrp="1"/>
           </p:cNvSpPr>
@@ -1788,13 +1627,7 @@
       </p:sp>
       <p:sp>
         <p:nvSpPr>
-          <p:cNvPr id="7" name="灯片编号占位符 6">
-            <a:extLst>
-              <a:ext uri="{FF2B5EF4-FFF2-40B4-BE49-F238E27FC236}">
-                <a16:creationId xmlns:a16="http://schemas.microsoft.com/office/drawing/2014/main" id="{7F9A48F0-6365-4344-922C-EE99912B2FE1}"/>
-              </a:ext>
-            </a:extLst>
-          </p:cNvPr>
+          <p:cNvPr id="7" name="Slide Number Placeholder 6"/>
           <p:cNvSpPr>
             <a:spLocks noGrp="1"/>
           </p:cNvSpPr>
@@ -1818,7 +1651,7 @@
     </p:spTree>
     <p:extLst>
       <p:ext uri="{BB962C8B-B14F-4D97-AF65-F5344CB8AC3E}">
-        <p14:creationId xmlns:p14="http://schemas.microsoft.com/office/powerpoint/2010/main" val="2190000477"/>
+        <p14:creationId xmlns:p14="http://schemas.microsoft.com/office/powerpoint/2010/main" val="3980594165"/>
       </p:ext>
     </p:extLst>
   </p:cSld>
@@ -1847,13 +1680,7 @@
       </p:grpSpPr>
       <p:sp>
         <p:nvSpPr>
-          <p:cNvPr id="2" name="标题 1">
-            <a:extLst>
-              <a:ext uri="{FF2B5EF4-FFF2-40B4-BE49-F238E27FC236}">
-                <a16:creationId xmlns:a16="http://schemas.microsoft.com/office/drawing/2014/main" id="{752430C9-C7CE-41B4-AA5A-69C699C253ED}"/>
-              </a:ext>
-            </a:extLst>
-          </p:cNvPr>
+          <p:cNvPr id="2" name="Title 1"/>
           <p:cNvSpPr>
             <a:spLocks noGrp="1"/>
           </p:cNvSpPr>
@@ -1863,8 +1690,8 @@
         </p:nvSpPr>
         <p:spPr>
           <a:xfrm>
-            <a:off x="839788" y="365125"/>
-            <a:ext cx="10515600" cy="1325563"/>
+            <a:off x="1239890" y="511176"/>
+            <a:ext cx="15525572" cy="1855788"/>
           </a:xfrm>
         </p:spPr>
         <p:txBody>
@@ -1875,18 +1702,13 @@
               <a:rPr lang="zh-CN" altLang="en-US"/>
               <a:t>单击此处编辑母版标题样式</a:t>
             </a:r>
-          </a:p>
-        </p:txBody>
-      </p:sp>
-      <p:sp>
-        <p:nvSpPr>
-          <p:cNvPr id="3" name="文本占位符 2">
-            <a:extLst>
-              <a:ext uri="{FF2B5EF4-FFF2-40B4-BE49-F238E27FC236}">
-                <a16:creationId xmlns:a16="http://schemas.microsoft.com/office/drawing/2014/main" id="{2F866173-F8C8-4490-8F48-C08267E52ED5}"/>
-              </a:ext>
-            </a:extLst>
-          </p:cNvPr>
+            <a:endParaRPr lang="en-US" dirty="0"/>
+          </a:p>
+        </p:txBody>
+      </p:sp>
+      <p:sp>
+        <p:nvSpPr>
+          <p:cNvPr id="3" name="Text Placeholder 2"/>
           <p:cNvSpPr>
             <a:spLocks noGrp="1"/>
           </p:cNvSpPr>
@@ -1896,8 +1718,8 @@
         </p:nvSpPr>
         <p:spPr>
           <a:xfrm>
-            <a:off x="839788" y="1681163"/>
-            <a:ext cx="5157787" cy="823912"/>
+            <a:off x="1239891" y="2353628"/>
+            <a:ext cx="7615123" cy="1153477"/>
           </a:xfrm>
         </p:spPr>
         <p:txBody>
@@ -1905,39 +1727,39 @@
           <a:lstStyle>
             <a:lvl1pPr marL="0" indent="0">
               <a:buNone/>
-              <a:defRPr sz="2400" b="1"/>
+              <a:defRPr sz="3360" b="1"/>
             </a:lvl1pPr>
-            <a:lvl2pPr marL="457200" indent="0">
+            <a:lvl2pPr marL="640080" indent="0">
               <a:buNone/>
-              <a:defRPr sz="2000" b="1"/>
+              <a:defRPr sz="2800" b="1"/>
             </a:lvl2pPr>
-            <a:lvl3pPr marL="914400" indent="0">
+            <a:lvl3pPr marL="1280160" indent="0">
               <a:buNone/>
-              <a:defRPr sz="1800" b="1"/>
+              <a:defRPr sz="2520" b="1"/>
             </a:lvl3pPr>
-            <a:lvl4pPr marL="1371600" indent="0">
+            <a:lvl4pPr marL="1920240" indent="0">
               <a:buNone/>
-              <a:defRPr sz="1600" b="1"/>
+              <a:defRPr sz="2240" b="1"/>
             </a:lvl4pPr>
-            <a:lvl5pPr marL="1828800" indent="0">
+            <a:lvl5pPr marL="2560320" indent="0">
               <a:buNone/>
-              <a:defRPr sz="1600" b="1"/>
+              <a:defRPr sz="2240" b="1"/>
             </a:lvl5pPr>
-            <a:lvl6pPr marL="2286000" indent="0">
+            <a:lvl6pPr marL="3200400" indent="0">
               <a:buNone/>
-              <a:defRPr sz="1600" b="1"/>
+              <a:defRPr sz="2240" b="1"/>
             </a:lvl6pPr>
-            <a:lvl7pPr marL="2743200" indent="0">
+            <a:lvl7pPr marL="3840480" indent="0">
               <a:buNone/>
-              <a:defRPr sz="1600" b="1"/>
+              <a:defRPr sz="2240" b="1"/>
             </a:lvl7pPr>
-            <a:lvl8pPr marL="3200400" indent="0">
+            <a:lvl8pPr marL="4480560" indent="0">
               <a:buNone/>
-              <a:defRPr sz="1600" b="1"/>
+              <a:defRPr sz="2240" b="1"/>
             </a:lvl8pPr>
-            <a:lvl9pPr marL="3657600" indent="0">
+            <a:lvl9pPr marL="5120640" indent="0">
               <a:buNone/>
-              <a:defRPr sz="1600" b="1"/>
+              <a:defRPr sz="2240" b="1"/>
             </a:lvl9pPr>
           </a:lstStyle>
           <a:p>
@@ -1951,13 +1773,7 @@
       </p:sp>
       <p:sp>
         <p:nvSpPr>
-          <p:cNvPr id="4" name="内容占位符 3">
-            <a:extLst>
-              <a:ext uri="{FF2B5EF4-FFF2-40B4-BE49-F238E27FC236}">
-                <a16:creationId xmlns:a16="http://schemas.microsoft.com/office/drawing/2014/main" id="{B7FA171D-73A3-41FB-8DBD-8C65777D1D66}"/>
-              </a:ext>
-            </a:extLst>
-          </p:cNvPr>
+          <p:cNvPr id="4" name="Content Placeholder 3"/>
           <p:cNvSpPr>
             <a:spLocks noGrp="1"/>
           </p:cNvSpPr>
@@ -1967,8 +1783,8 @@
         </p:nvSpPr>
         <p:spPr>
           <a:xfrm>
-            <a:off x="839788" y="2505075"/>
-            <a:ext cx="5157787" cy="3684588"/>
+            <a:off x="1239891" y="3507105"/>
+            <a:ext cx="7615123" cy="5158423"/>
           </a:xfrm>
         </p:spPr>
         <p:txBody>
@@ -2008,18 +1824,13 @@
               <a:rPr lang="zh-CN" altLang="en-US"/>
               <a:t>五级</a:t>
             </a:r>
-          </a:p>
-        </p:txBody>
-      </p:sp>
-      <p:sp>
-        <p:nvSpPr>
-          <p:cNvPr id="5" name="文本占位符 4">
-            <a:extLst>
-              <a:ext uri="{FF2B5EF4-FFF2-40B4-BE49-F238E27FC236}">
-                <a16:creationId xmlns:a16="http://schemas.microsoft.com/office/drawing/2014/main" id="{65D5A3B1-AF4A-4125-8CFB-64F6B366EFE2}"/>
-              </a:ext>
-            </a:extLst>
-          </p:cNvPr>
+            <a:endParaRPr lang="en-US" dirty="0"/>
+          </a:p>
+        </p:txBody>
+      </p:sp>
+      <p:sp>
+        <p:nvSpPr>
+          <p:cNvPr id="5" name="Text Placeholder 4"/>
           <p:cNvSpPr>
             <a:spLocks noGrp="1"/>
           </p:cNvSpPr>
@@ -2029,8 +1840,8 @@
         </p:nvSpPr>
         <p:spPr>
           <a:xfrm>
-            <a:off x="6172200" y="1681163"/>
-            <a:ext cx="5183188" cy="823912"/>
+            <a:off x="9112836" y="2353628"/>
+            <a:ext cx="7652626" cy="1153477"/>
           </a:xfrm>
         </p:spPr>
         <p:txBody>
@@ -2038,39 +1849,39 @@
           <a:lstStyle>
             <a:lvl1pPr marL="0" indent="0">
               <a:buNone/>
-              <a:defRPr sz="2400" b="1"/>
+              <a:defRPr sz="3360" b="1"/>
             </a:lvl1pPr>
-            <a:lvl2pPr marL="457200" indent="0">
+            <a:lvl2pPr marL="640080" indent="0">
               <a:buNone/>
-              <a:defRPr sz="2000" b="1"/>
+              <a:defRPr sz="2800" b="1"/>
             </a:lvl2pPr>
-            <a:lvl3pPr marL="914400" indent="0">
+            <a:lvl3pPr marL="1280160" indent="0">
               <a:buNone/>
-              <a:defRPr sz="1800" b="1"/>
+              <a:defRPr sz="2520" b="1"/>
             </a:lvl3pPr>
-            <a:lvl4pPr marL="1371600" indent="0">
+            <a:lvl4pPr marL="1920240" indent="0">
               <a:buNone/>
-              <a:defRPr sz="1600" b="1"/>
+              <a:defRPr sz="2240" b="1"/>
             </a:lvl4pPr>
-            <a:lvl5pPr marL="1828800" indent="0">
+            <a:lvl5pPr marL="2560320" indent="0">
               <a:buNone/>
-              <a:defRPr sz="1600" b="1"/>
+              <a:defRPr sz="2240" b="1"/>
             </a:lvl5pPr>
-            <a:lvl6pPr marL="2286000" indent="0">
+            <a:lvl6pPr marL="3200400" indent="0">
               <a:buNone/>
-              <a:defRPr sz="1600" b="1"/>
+              <a:defRPr sz="2240" b="1"/>
             </a:lvl6pPr>
-            <a:lvl7pPr marL="2743200" indent="0">
+            <a:lvl7pPr marL="3840480" indent="0">
               <a:buNone/>
-              <a:defRPr sz="1600" b="1"/>
+              <a:defRPr sz="2240" b="1"/>
             </a:lvl7pPr>
-            <a:lvl8pPr marL="3200400" indent="0">
+            <a:lvl8pPr marL="4480560" indent="0">
               <a:buNone/>
-              <a:defRPr sz="1600" b="1"/>
+              <a:defRPr sz="2240" b="1"/>
             </a:lvl8pPr>
-            <a:lvl9pPr marL="3657600" indent="0">
+            <a:lvl9pPr marL="5120640" indent="0">
               <a:buNone/>
-              <a:defRPr sz="1600" b="1"/>
+              <a:defRPr sz="2240" b="1"/>
             </a:lvl9pPr>
           </a:lstStyle>
           <a:p>
@@ -2084,13 +1895,7 @@
       </p:sp>
       <p:sp>
         <p:nvSpPr>
-          <p:cNvPr id="6" name="内容占位符 5">
-            <a:extLst>
-              <a:ext uri="{FF2B5EF4-FFF2-40B4-BE49-F238E27FC236}">
-                <a16:creationId xmlns:a16="http://schemas.microsoft.com/office/drawing/2014/main" id="{83D8CBF2-AC6B-4B5B-B5CD-C252048E59FC}"/>
-              </a:ext>
-            </a:extLst>
-          </p:cNvPr>
+          <p:cNvPr id="6" name="Content Placeholder 5"/>
           <p:cNvSpPr>
             <a:spLocks noGrp="1"/>
           </p:cNvSpPr>
@@ -2100,8 +1905,8 @@
         </p:nvSpPr>
         <p:spPr>
           <a:xfrm>
-            <a:off x="6172200" y="2505075"/>
-            <a:ext cx="5183188" cy="3684588"/>
+            <a:off x="9112836" y="3507105"/>
+            <a:ext cx="7652626" cy="5158423"/>
           </a:xfrm>
         </p:spPr>
         <p:txBody>
@@ -2141,18 +1946,13 @@
               <a:rPr lang="zh-CN" altLang="en-US"/>
               <a:t>五级</a:t>
             </a:r>
-          </a:p>
-        </p:txBody>
-      </p:sp>
-      <p:sp>
-        <p:nvSpPr>
-          <p:cNvPr id="7" name="日期占位符 6">
-            <a:extLst>
-              <a:ext uri="{FF2B5EF4-FFF2-40B4-BE49-F238E27FC236}">
-                <a16:creationId xmlns:a16="http://schemas.microsoft.com/office/drawing/2014/main" id="{2277EFED-56EE-4575-9CD3-7082A6C103B6}"/>
-              </a:ext>
-            </a:extLst>
-          </p:cNvPr>
+            <a:endParaRPr lang="en-US" dirty="0"/>
+          </a:p>
+        </p:txBody>
+      </p:sp>
+      <p:sp>
+        <p:nvSpPr>
+          <p:cNvPr id="7" name="Date Placeholder 6"/>
           <p:cNvSpPr>
             <a:spLocks noGrp="1"/>
           </p:cNvSpPr>
@@ -2167,7 +1967,7 @@
           <a:p>
             <a:fld id="{10DD3163-A593-45A8-89FE-8F3E8DA0C8D6}" type="datetimeFigureOut">
               <a:rPr lang="zh-CN" altLang="en-US" smtClean="0"/>
-              <a:t>2020/8/2</a:t>
+              <a:t>2020/8/3</a:t>
             </a:fld>
             <a:endParaRPr lang="zh-CN" altLang="en-US"/>
           </a:p>
@@ -2175,13 +1975,7 @@
       </p:sp>
       <p:sp>
         <p:nvSpPr>
-          <p:cNvPr id="8" name="页脚占位符 7">
-            <a:extLst>
-              <a:ext uri="{FF2B5EF4-FFF2-40B4-BE49-F238E27FC236}">
-                <a16:creationId xmlns:a16="http://schemas.microsoft.com/office/drawing/2014/main" id="{3B7542C8-B206-43E7-9EEE-64082D38CB1E}"/>
-              </a:ext>
-            </a:extLst>
-          </p:cNvPr>
+          <p:cNvPr id="8" name="Footer Placeholder 7"/>
           <p:cNvSpPr>
             <a:spLocks noGrp="1"/>
           </p:cNvSpPr>
@@ -2200,13 +1994,7 @@
       </p:sp>
       <p:sp>
         <p:nvSpPr>
-          <p:cNvPr id="9" name="灯片编号占位符 8">
-            <a:extLst>
-              <a:ext uri="{FF2B5EF4-FFF2-40B4-BE49-F238E27FC236}">
-                <a16:creationId xmlns:a16="http://schemas.microsoft.com/office/drawing/2014/main" id="{01E0D748-7A45-4DAF-A4F6-386B2CD7A171}"/>
-              </a:ext>
-            </a:extLst>
-          </p:cNvPr>
+          <p:cNvPr id="9" name="Slide Number Placeholder 8"/>
           <p:cNvSpPr>
             <a:spLocks noGrp="1"/>
           </p:cNvSpPr>
@@ -2230,7 +2018,7 @@
     </p:spTree>
     <p:extLst>
       <p:ext uri="{BB962C8B-B14F-4D97-AF65-F5344CB8AC3E}">
-        <p14:creationId xmlns:p14="http://schemas.microsoft.com/office/powerpoint/2010/main" val="1814784961"/>
+        <p14:creationId xmlns:p14="http://schemas.microsoft.com/office/powerpoint/2010/main" val="520213508"/>
       </p:ext>
     </p:extLst>
   </p:cSld>
@@ -2259,13 +2047,7 @@
       </p:grpSpPr>
       <p:sp>
         <p:nvSpPr>
-          <p:cNvPr id="2" name="标题 1">
-            <a:extLst>
-              <a:ext uri="{FF2B5EF4-FFF2-40B4-BE49-F238E27FC236}">
-                <a16:creationId xmlns:a16="http://schemas.microsoft.com/office/drawing/2014/main" id="{E04439D4-4928-4826-8CE7-1331FE2CA867}"/>
-              </a:ext>
-            </a:extLst>
-          </p:cNvPr>
+          <p:cNvPr id="2" name="Title 1"/>
           <p:cNvSpPr>
             <a:spLocks noGrp="1"/>
           </p:cNvSpPr>
@@ -2282,18 +2064,13 @@
               <a:rPr lang="zh-CN" altLang="en-US"/>
               <a:t>单击此处编辑母版标题样式</a:t>
             </a:r>
-          </a:p>
-        </p:txBody>
-      </p:sp>
-      <p:sp>
-        <p:nvSpPr>
-          <p:cNvPr id="3" name="日期占位符 2">
-            <a:extLst>
-              <a:ext uri="{FF2B5EF4-FFF2-40B4-BE49-F238E27FC236}">
-                <a16:creationId xmlns:a16="http://schemas.microsoft.com/office/drawing/2014/main" id="{8380BF5E-3FB8-4A31-B800-417C633F4617}"/>
-              </a:ext>
-            </a:extLst>
-          </p:cNvPr>
+            <a:endParaRPr lang="en-US" dirty="0"/>
+          </a:p>
+        </p:txBody>
+      </p:sp>
+      <p:sp>
+        <p:nvSpPr>
+          <p:cNvPr id="3" name="Date Placeholder 2"/>
           <p:cNvSpPr>
             <a:spLocks noGrp="1"/>
           </p:cNvSpPr>
@@ -2308,7 +2085,7 @@
           <a:p>
             <a:fld id="{10DD3163-A593-45A8-89FE-8F3E8DA0C8D6}" type="datetimeFigureOut">
               <a:rPr lang="zh-CN" altLang="en-US" smtClean="0"/>
-              <a:t>2020/8/2</a:t>
+              <a:t>2020/8/3</a:t>
             </a:fld>
             <a:endParaRPr lang="zh-CN" altLang="en-US"/>
           </a:p>
@@ -2316,13 +2093,7 @@
       </p:sp>
       <p:sp>
         <p:nvSpPr>
-          <p:cNvPr id="4" name="页脚占位符 3">
-            <a:extLst>
-              <a:ext uri="{FF2B5EF4-FFF2-40B4-BE49-F238E27FC236}">
-                <a16:creationId xmlns:a16="http://schemas.microsoft.com/office/drawing/2014/main" id="{B1BE763F-54FB-4F22-8902-C0C944C44390}"/>
-              </a:ext>
-            </a:extLst>
-          </p:cNvPr>
+          <p:cNvPr id="4" name="Footer Placeholder 3"/>
           <p:cNvSpPr>
             <a:spLocks noGrp="1"/>
           </p:cNvSpPr>
@@ -2341,13 +2112,7 @@
       </p:sp>
       <p:sp>
         <p:nvSpPr>
-          <p:cNvPr id="5" name="灯片编号占位符 4">
-            <a:extLst>
-              <a:ext uri="{FF2B5EF4-FFF2-40B4-BE49-F238E27FC236}">
-                <a16:creationId xmlns:a16="http://schemas.microsoft.com/office/drawing/2014/main" id="{1035E034-520B-46FC-89E0-0C7B71EF052E}"/>
-              </a:ext>
-            </a:extLst>
-          </p:cNvPr>
+          <p:cNvPr id="5" name="Slide Number Placeholder 4"/>
           <p:cNvSpPr>
             <a:spLocks noGrp="1"/>
           </p:cNvSpPr>
@@ -2371,7 +2136,7 @@
     </p:spTree>
     <p:extLst>
       <p:ext uri="{BB962C8B-B14F-4D97-AF65-F5344CB8AC3E}">
-        <p14:creationId xmlns:p14="http://schemas.microsoft.com/office/powerpoint/2010/main" val="1830098894"/>
+        <p14:creationId xmlns:p14="http://schemas.microsoft.com/office/powerpoint/2010/main" val="1405960927"/>
       </p:ext>
     </p:extLst>
   </p:cSld>
@@ -2400,13 +2165,7 @@
       </p:grpSpPr>
       <p:sp>
         <p:nvSpPr>
-          <p:cNvPr id="2" name="日期占位符 1">
-            <a:extLst>
-              <a:ext uri="{FF2B5EF4-FFF2-40B4-BE49-F238E27FC236}">
-                <a16:creationId xmlns:a16="http://schemas.microsoft.com/office/drawing/2014/main" id="{65548567-45E6-4E7E-A325-C4B4E54EC630}"/>
-              </a:ext>
-            </a:extLst>
-          </p:cNvPr>
+          <p:cNvPr id="2" name="Date Placeholder 1"/>
           <p:cNvSpPr>
             <a:spLocks noGrp="1"/>
           </p:cNvSpPr>
@@ -2421,7 +2180,7 @@
           <a:p>
             <a:fld id="{10DD3163-A593-45A8-89FE-8F3E8DA0C8D6}" type="datetimeFigureOut">
               <a:rPr lang="zh-CN" altLang="en-US" smtClean="0"/>
-              <a:t>2020/8/2</a:t>
+              <a:t>2020/8/3</a:t>
             </a:fld>
             <a:endParaRPr lang="zh-CN" altLang="en-US"/>
           </a:p>
@@ -2429,13 +2188,7 @@
       </p:sp>
       <p:sp>
         <p:nvSpPr>
-          <p:cNvPr id="3" name="页脚占位符 2">
-            <a:extLst>
-              <a:ext uri="{FF2B5EF4-FFF2-40B4-BE49-F238E27FC236}">
-                <a16:creationId xmlns:a16="http://schemas.microsoft.com/office/drawing/2014/main" id="{42059734-7E2C-4A67-9CF9-6F1C05EC8D22}"/>
-              </a:ext>
-            </a:extLst>
-          </p:cNvPr>
+          <p:cNvPr id="3" name="Footer Placeholder 2"/>
           <p:cNvSpPr>
             <a:spLocks noGrp="1"/>
           </p:cNvSpPr>
@@ -2454,13 +2207,7 @@
       </p:sp>
       <p:sp>
         <p:nvSpPr>
-          <p:cNvPr id="4" name="灯片编号占位符 3">
-            <a:extLst>
-              <a:ext uri="{FF2B5EF4-FFF2-40B4-BE49-F238E27FC236}">
-                <a16:creationId xmlns:a16="http://schemas.microsoft.com/office/drawing/2014/main" id="{FC5A9E01-F880-49F2-915D-B93033622B51}"/>
-              </a:ext>
-            </a:extLst>
-          </p:cNvPr>
+          <p:cNvPr id="4" name="Slide Number Placeholder 3"/>
           <p:cNvSpPr>
             <a:spLocks noGrp="1"/>
           </p:cNvSpPr>
@@ -2484,7 +2231,7 @@
     </p:spTree>
     <p:extLst>
       <p:ext uri="{BB962C8B-B14F-4D97-AF65-F5344CB8AC3E}">
-        <p14:creationId xmlns:p14="http://schemas.microsoft.com/office/powerpoint/2010/main" val="3897473147"/>
+        <p14:creationId xmlns:p14="http://schemas.microsoft.com/office/powerpoint/2010/main" val="3646233430"/>
       </p:ext>
     </p:extLst>
   </p:cSld>
@@ -2513,13 +2260,7 @@
       </p:grpSpPr>
       <p:sp>
         <p:nvSpPr>
-          <p:cNvPr id="2" name="标题 1">
-            <a:extLst>
-              <a:ext uri="{FF2B5EF4-FFF2-40B4-BE49-F238E27FC236}">
-                <a16:creationId xmlns:a16="http://schemas.microsoft.com/office/drawing/2014/main" id="{655E5EF2-4D19-4223-8834-20F6354F43A3}"/>
-              </a:ext>
-            </a:extLst>
-          </p:cNvPr>
+          <p:cNvPr id="2" name="Title 1"/>
           <p:cNvSpPr>
             <a:spLocks noGrp="1"/>
           </p:cNvSpPr>
@@ -2529,15 +2270,15 @@
         </p:nvSpPr>
         <p:spPr>
           <a:xfrm>
-            <a:off x="839788" y="457200"/>
-            <a:ext cx="3932237" cy="1600200"/>
+            <a:off x="1239891" y="640080"/>
+            <a:ext cx="5805682" cy="2240280"/>
           </a:xfrm>
         </p:spPr>
         <p:txBody>
           <a:bodyPr anchor="b"/>
           <a:lstStyle>
             <a:lvl1pPr>
-              <a:defRPr sz="3200"/>
+              <a:defRPr sz="4480"/>
             </a:lvl1pPr>
           </a:lstStyle>
           <a:p>
@@ -2545,18 +2286,13 @@
               <a:rPr lang="zh-CN" altLang="en-US"/>
               <a:t>单击此处编辑母版标题样式</a:t>
             </a:r>
-          </a:p>
-        </p:txBody>
-      </p:sp>
-      <p:sp>
-        <p:nvSpPr>
-          <p:cNvPr id="3" name="内容占位符 2">
-            <a:extLst>
-              <a:ext uri="{FF2B5EF4-FFF2-40B4-BE49-F238E27FC236}">
-                <a16:creationId xmlns:a16="http://schemas.microsoft.com/office/drawing/2014/main" id="{8210A157-610C-42F9-8898-3D8A0C9F4E4A}"/>
-              </a:ext>
-            </a:extLst>
-          </p:cNvPr>
+            <a:endParaRPr lang="en-US" dirty="0"/>
+          </a:p>
+        </p:txBody>
+      </p:sp>
+      <p:sp>
+        <p:nvSpPr>
+          <p:cNvPr id="3" name="Content Placeholder 2"/>
           <p:cNvSpPr>
             <a:spLocks noGrp="1"/>
           </p:cNvSpPr>
@@ -2566,39 +2302,39 @@
         </p:nvSpPr>
         <p:spPr>
           <a:xfrm>
-            <a:off x="5183188" y="987425"/>
-            <a:ext cx="6172200" cy="4873625"/>
+            <a:off x="7652626" y="1382396"/>
+            <a:ext cx="9112836" cy="6823075"/>
           </a:xfrm>
         </p:spPr>
         <p:txBody>
           <a:bodyPr/>
           <a:lstStyle>
             <a:lvl1pPr>
-              <a:defRPr sz="3200"/>
+              <a:defRPr sz="4480"/>
             </a:lvl1pPr>
             <a:lvl2pPr>
-              <a:defRPr sz="2800"/>
+              <a:defRPr sz="3920"/>
             </a:lvl2pPr>
             <a:lvl3pPr>
-              <a:defRPr sz="2400"/>
+              <a:defRPr sz="3360"/>
             </a:lvl3pPr>
             <a:lvl4pPr>
-              <a:defRPr sz="2000"/>
+              <a:defRPr sz="2800"/>
             </a:lvl4pPr>
             <a:lvl5pPr>
-              <a:defRPr sz="2000"/>
+              <a:defRPr sz="2800"/>
             </a:lvl5pPr>
             <a:lvl6pPr>
-              <a:defRPr sz="2000"/>
+              <a:defRPr sz="2800"/>
             </a:lvl6pPr>
             <a:lvl7pPr>
-              <a:defRPr sz="2000"/>
+              <a:defRPr sz="2800"/>
             </a:lvl7pPr>
             <a:lvl8pPr>
-              <a:defRPr sz="2000"/>
+              <a:defRPr sz="2800"/>
             </a:lvl8pPr>
             <a:lvl9pPr>
-              <a:defRPr sz="2000"/>
+              <a:defRPr sz="2800"/>
             </a:lvl9pPr>
           </a:lstStyle>
           <a:p>
@@ -2635,18 +2371,13 @@
               <a:rPr lang="zh-CN" altLang="en-US"/>
               <a:t>五级</a:t>
             </a:r>
-          </a:p>
-        </p:txBody>
-      </p:sp>
-      <p:sp>
-        <p:nvSpPr>
-          <p:cNvPr id="4" name="文本占位符 3">
-            <a:extLst>
-              <a:ext uri="{FF2B5EF4-FFF2-40B4-BE49-F238E27FC236}">
-                <a16:creationId xmlns:a16="http://schemas.microsoft.com/office/drawing/2014/main" id="{7A74EDAC-EF6B-44FE-B574-2F5B681854E8}"/>
-              </a:ext>
-            </a:extLst>
-          </p:cNvPr>
+            <a:endParaRPr lang="en-US" dirty="0"/>
+          </a:p>
+        </p:txBody>
+      </p:sp>
+      <p:sp>
+        <p:nvSpPr>
+          <p:cNvPr id="4" name="Text Placeholder 3"/>
           <p:cNvSpPr>
             <a:spLocks noGrp="1"/>
           </p:cNvSpPr>
@@ -2656,8 +2387,8 @@
         </p:nvSpPr>
         <p:spPr>
           <a:xfrm>
-            <a:off x="839788" y="2057400"/>
-            <a:ext cx="3932237" cy="3811588"/>
+            <a:off x="1239891" y="2880360"/>
+            <a:ext cx="5805682" cy="5336223"/>
           </a:xfrm>
         </p:spPr>
         <p:txBody>
@@ -2665,39 +2396,39 @@
           <a:lstStyle>
             <a:lvl1pPr marL="0" indent="0">
               <a:buNone/>
-              <a:defRPr sz="1600"/>
+              <a:defRPr sz="2240"/>
             </a:lvl1pPr>
-            <a:lvl2pPr marL="457200" indent="0">
+            <a:lvl2pPr marL="640080" indent="0">
+              <a:buNone/>
+              <a:defRPr sz="1960"/>
+            </a:lvl2pPr>
+            <a:lvl3pPr marL="1280160" indent="0">
+              <a:buNone/>
+              <a:defRPr sz="1680"/>
+            </a:lvl3pPr>
+            <a:lvl4pPr marL="1920240" indent="0">
               <a:buNone/>
               <a:defRPr sz="1400"/>
-            </a:lvl2pPr>
-            <a:lvl3pPr marL="914400" indent="0">
+            </a:lvl4pPr>
+            <a:lvl5pPr marL="2560320" indent="0">
               <a:buNone/>
-              <a:defRPr sz="1200"/>
-            </a:lvl3pPr>
-            <a:lvl4pPr marL="1371600" indent="0">
+              <a:defRPr sz="1400"/>
+            </a:lvl5pPr>
+            <a:lvl6pPr marL="3200400" indent="0">
               <a:buNone/>
-              <a:defRPr sz="1000"/>
-            </a:lvl4pPr>
-            <a:lvl5pPr marL="1828800" indent="0">
+              <a:defRPr sz="1400"/>
+            </a:lvl6pPr>
+            <a:lvl7pPr marL="3840480" indent="0">
               <a:buNone/>
-              <a:defRPr sz="1000"/>
-            </a:lvl5pPr>
-            <a:lvl6pPr marL="2286000" indent="0">
+              <a:defRPr sz="1400"/>
+            </a:lvl7pPr>
+            <a:lvl8pPr marL="4480560" indent="0">
               <a:buNone/>
-              <a:defRPr sz="1000"/>
-            </a:lvl6pPr>
-            <a:lvl7pPr marL="2743200" indent="0">
+              <a:defRPr sz="1400"/>
+            </a:lvl8pPr>
+            <a:lvl9pPr marL="5120640" indent="0">
               <a:buNone/>
-              <a:defRPr sz="1000"/>
-            </a:lvl7pPr>
-            <a:lvl8pPr marL="3200400" indent="0">
-              <a:buNone/>
-              <a:defRPr sz="1000"/>
-            </a:lvl8pPr>
-            <a:lvl9pPr marL="3657600" indent="0">
-              <a:buNone/>
-              <a:defRPr sz="1000"/>
+              <a:defRPr sz="1400"/>
             </a:lvl9pPr>
           </a:lstStyle>
           <a:p>
@@ -2711,13 +2442,7 @@
       </p:sp>
       <p:sp>
         <p:nvSpPr>
-          <p:cNvPr id="5" name="日期占位符 4">
-            <a:extLst>
-              <a:ext uri="{FF2B5EF4-FFF2-40B4-BE49-F238E27FC236}">
-                <a16:creationId xmlns:a16="http://schemas.microsoft.com/office/drawing/2014/main" id="{990AF2F3-8E74-4EB2-AE34-20FFB406C893}"/>
-              </a:ext>
-            </a:extLst>
-          </p:cNvPr>
+          <p:cNvPr id="5" name="Date Placeholder 4"/>
           <p:cNvSpPr>
             <a:spLocks noGrp="1"/>
           </p:cNvSpPr>
@@ -2732,7 +2457,7 @@
           <a:p>
             <a:fld id="{10DD3163-A593-45A8-89FE-8F3E8DA0C8D6}" type="datetimeFigureOut">
               <a:rPr lang="zh-CN" altLang="en-US" smtClean="0"/>
-              <a:t>2020/8/2</a:t>
+              <a:t>2020/8/3</a:t>
             </a:fld>
             <a:endParaRPr lang="zh-CN" altLang="en-US"/>
           </a:p>
@@ -2740,13 +2465,7 @@
       </p:sp>
       <p:sp>
         <p:nvSpPr>
-          <p:cNvPr id="6" name="页脚占位符 5">
-            <a:extLst>
-              <a:ext uri="{FF2B5EF4-FFF2-40B4-BE49-F238E27FC236}">
-                <a16:creationId xmlns:a16="http://schemas.microsoft.com/office/drawing/2014/main" id="{2CAE7B43-0C5A-4905-8EF7-F00B3383A74A}"/>
-              </a:ext>
-            </a:extLst>
-          </p:cNvPr>
+          <p:cNvPr id="6" name="Footer Placeholder 5"/>
           <p:cNvSpPr>
             <a:spLocks noGrp="1"/>
           </p:cNvSpPr>
@@ -2765,13 +2484,7 @@
       </p:sp>
       <p:sp>
         <p:nvSpPr>
-          <p:cNvPr id="7" name="灯片编号占位符 6">
-            <a:extLst>
-              <a:ext uri="{FF2B5EF4-FFF2-40B4-BE49-F238E27FC236}">
-                <a16:creationId xmlns:a16="http://schemas.microsoft.com/office/drawing/2014/main" id="{BFC8EA33-F637-40A8-AC7E-F3BDB1EE6FD3}"/>
-              </a:ext>
-            </a:extLst>
-          </p:cNvPr>
+          <p:cNvPr id="7" name="Slide Number Placeholder 6"/>
           <p:cNvSpPr>
             <a:spLocks noGrp="1"/>
           </p:cNvSpPr>
@@ -2795,7 +2508,7 @@
     </p:spTree>
     <p:extLst>
       <p:ext uri="{BB962C8B-B14F-4D97-AF65-F5344CB8AC3E}">
-        <p14:creationId xmlns:p14="http://schemas.microsoft.com/office/powerpoint/2010/main" val="2319750890"/>
+        <p14:creationId xmlns:p14="http://schemas.microsoft.com/office/powerpoint/2010/main" val="578389086"/>
       </p:ext>
     </p:extLst>
   </p:cSld>
@@ -2824,13 +2537,7 @@
       </p:grpSpPr>
       <p:sp>
         <p:nvSpPr>
-          <p:cNvPr id="2" name="标题 1">
-            <a:extLst>
-              <a:ext uri="{FF2B5EF4-FFF2-40B4-BE49-F238E27FC236}">
-                <a16:creationId xmlns:a16="http://schemas.microsoft.com/office/drawing/2014/main" id="{EB9729E8-A2C9-4DAE-B539-25CC26573650}"/>
-              </a:ext>
-            </a:extLst>
-          </p:cNvPr>
+          <p:cNvPr id="2" name="Title 1"/>
           <p:cNvSpPr>
             <a:spLocks noGrp="1"/>
           </p:cNvSpPr>
@@ -2840,15 +2547,15 @@
         </p:nvSpPr>
         <p:spPr>
           <a:xfrm>
-            <a:off x="839788" y="457200"/>
-            <a:ext cx="3932237" cy="1600200"/>
+            <a:off x="1239891" y="640080"/>
+            <a:ext cx="5805682" cy="2240280"/>
           </a:xfrm>
         </p:spPr>
         <p:txBody>
           <a:bodyPr anchor="b"/>
           <a:lstStyle>
             <a:lvl1pPr>
-              <a:defRPr sz="3200"/>
+              <a:defRPr sz="4480"/>
             </a:lvl1pPr>
           </a:lstStyle>
           <a:p>
@@ -2856,20 +2563,15 @@
               <a:rPr lang="zh-CN" altLang="en-US"/>
               <a:t>单击此处编辑母版标题样式</a:t>
             </a:r>
-          </a:p>
-        </p:txBody>
-      </p:sp>
-      <p:sp>
-        <p:nvSpPr>
-          <p:cNvPr id="3" name="图片占位符 2">
-            <a:extLst>
-              <a:ext uri="{FF2B5EF4-FFF2-40B4-BE49-F238E27FC236}">
-                <a16:creationId xmlns:a16="http://schemas.microsoft.com/office/drawing/2014/main" id="{3A7DFF0F-98AA-4DAC-9DEE-C05E6E225F63}"/>
-              </a:ext>
-            </a:extLst>
-          </p:cNvPr>
+            <a:endParaRPr lang="en-US" dirty="0"/>
+          </a:p>
+        </p:txBody>
+      </p:sp>
+      <p:sp>
+        <p:nvSpPr>
+          <p:cNvPr id="3" name="Picture Placeholder 2"/>
           <p:cNvSpPr>
-            <a:spLocks noGrp="1"/>
+            <a:spLocks noGrp="1" noChangeAspect="1"/>
           </p:cNvSpPr>
           <p:nvPr>
             <p:ph type="pic" idx="1"/>
@@ -2877,64 +2579,62 @@
         </p:nvSpPr>
         <p:spPr>
           <a:xfrm>
-            <a:off x="5183188" y="987425"/>
-            <a:ext cx="6172200" cy="4873625"/>
-          </a:xfrm>
-        </p:spPr>
-        <p:txBody>
-          <a:bodyPr/>
+            <a:off x="7652626" y="1382396"/>
+            <a:ext cx="9112836" cy="6823075"/>
+          </a:xfrm>
+        </p:spPr>
+        <p:txBody>
+          <a:bodyPr anchor="t"/>
           <a:lstStyle>
             <a:lvl1pPr marL="0" indent="0">
               <a:buNone/>
-              <a:defRPr sz="3200"/>
+              <a:defRPr sz="4480"/>
             </a:lvl1pPr>
-            <a:lvl2pPr marL="457200" indent="0">
+            <a:lvl2pPr marL="640080" indent="0">
+              <a:buNone/>
+              <a:defRPr sz="3920"/>
+            </a:lvl2pPr>
+            <a:lvl3pPr marL="1280160" indent="0">
+              <a:buNone/>
+              <a:defRPr sz="3360"/>
+            </a:lvl3pPr>
+            <a:lvl4pPr marL="1920240" indent="0">
               <a:buNone/>
               <a:defRPr sz="2800"/>
-            </a:lvl2pPr>
-            <a:lvl3pPr marL="914400" indent="0">
+            </a:lvl4pPr>
+            <a:lvl5pPr marL="2560320" indent="0">
               <a:buNone/>
-              <a:defRPr sz="2400"/>
-            </a:lvl3pPr>
-            <a:lvl4pPr marL="1371600" indent="0">
+              <a:defRPr sz="2800"/>
+            </a:lvl5pPr>
+            <a:lvl6pPr marL="3200400" indent="0">
               <a:buNone/>
-              <a:defRPr sz="2000"/>
-            </a:lvl4pPr>
-            <a:lvl5pPr marL="1828800" indent="0">
+              <a:defRPr sz="2800"/>
+            </a:lvl6pPr>
+            <a:lvl7pPr marL="3840480" indent="0">
               <a:buNone/>
-              <a:defRPr sz="2000"/>
-            </a:lvl5pPr>
-            <a:lvl6pPr marL="2286000" indent="0">
+              <a:defRPr sz="2800"/>
+            </a:lvl7pPr>
+            <a:lvl8pPr marL="4480560" indent="0">
               <a:buNone/>
-              <a:defRPr sz="2000"/>
-            </a:lvl6pPr>
-            <a:lvl7pPr marL="2743200" indent="0">
+              <a:defRPr sz="2800"/>
+            </a:lvl8pPr>
+            <a:lvl9pPr marL="5120640" indent="0">
               <a:buNone/>
-              <a:defRPr sz="2000"/>
-            </a:lvl7pPr>
-            <a:lvl8pPr marL="3200400" indent="0">
-              <a:buNone/>
-              <a:defRPr sz="2000"/>
-            </a:lvl8pPr>
-            <a:lvl9pPr marL="3657600" indent="0">
-              <a:buNone/>
-              <a:defRPr sz="2000"/>
+              <a:defRPr sz="2800"/>
             </a:lvl9pPr>
           </a:lstStyle>
           <a:p>
-            <a:endParaRPr lang="zh-CN" altLang="en-US"/>
-          </a:p>
-        </p:txBody>
-      </p:sp>
-      <p:sp>
-        <p:nvSpPr>
-          <p:cNvPr id="4" name="文本占位符 3">
-            <a:extLst>
-              <a:ext uri="{FF2B5EF4-FFF2-40B4-BE49-F238E27FC236}">
-                <a16:creationId xmlns:a16="http://schemas.microsoft.com/office/drawing/2014/main" id="{F42FEE12-5473-48F2-9705-0AF3E6B0FABF}"/>
-              </a:ext>
-            </a:extLst>
-          </p:cNvPr>
+            <a:r>
+              <a:rPr lang="zh-CN" altLang="en-US"/>
+              <a:t>单击图标添加图片</a:t>
+            </a:r>
+            <a:endParaRPr lang="en-US" dirty="0"/>
+          </a:p>
+        </p:txBody>
+      </p:sp>
+      <p:sp>
+        <p:nvSpPr>
+          <p:cNvPr id="4" name="Text Placeholder 3"/>
           <p:cNvSpPr>
             <a:spLocks noGrp="1"/>
           </p:cNvSpPr>
@@ -2944,8 +2644,8 @@
         </p:nvSpPr>
         <p:spPr>
           <a:xfrm>
-            <a:off x="839788" y="2057400"/>
-            <a:ext cx="3932237" cy="3811588"/>
+            <a:off x="1239891" y="2880360"/>
+            <a:ext cx="5805682" cy="5336223"/>
           </a:xfrm>
         </p:spPr>
         <p:txBody>
@@ -2953,39 +2653,39 @@
           <a:lstStyle>
             <a:lvl1pPr marL="0" indent="0">
               <a:buNone/>
-              <a:defRPr sz="1600"/>
+              <a:defRPr sz="2240"/>
             </a:lvl1pPr>
-            <a:lvl2pPr marL="457200" indent="0">
+            <a:lvl2pPr marL="640080" indent="0">
+              <a:buNone/>
+              <a:defRPr sz="1960"/>
+            </a:lvl2pPr>
+            <a:lvl3pPr marL="1280160" indent="0">
+              <a:buNone/>
+              <a:defRPr sz="1680"/>
+            </a:lvl3pPr>
+            <a:lvl4pPr marL="1920240" indent="0">
               <a:buNone/>
               <a:defRPr sz="1400"/>
-            </a:lvl2pPr>
-            <a:lvl3pPr marL="914400" indent="0">
+            </a:lvl4pPr>
+            <a:lvl5pPr marL="2560320" indent="0">
               <a:buNone/>
-              <a:defRPr sz="1200"/>
-            </a:lvl3pPr>
-            <a:lvl4pPr marL="1371600" indent="0">
+              <a:defRPr sz="1400"/>
+            </a:lvl5pPr>
+            <a:lvl6pPr marL="3200400" indent="0">
               <a:buNone/>
-              <a:defRPr sz="1000"/>
-            </a:lvl4pPr>
-            <a:lvl5pPr marL="1828800" indent="0">
+              <a:defRPr sz="1400"/>
+            </a:lvl6pPr>
+            <a:lvl7pPr marL="3840480" indent="0">
               <a:buNone/>
-              <a:defRPr sz="1000"/>
-            </a:lvl5pPr>
-            <a:lvl6pPr marL="2286000" indent="0">
+              <a:defRPr sz="1400"/>
+            </a:lvl7pPr>
+            <a:lvl8pPr marL="4480560" indent="0">
               <a:buNone/>
-              <a:defRPr sz="1000"/>
-            </a:lvl6pPr>
-            <a:lvl7pPr marL="2743200" indent="0">
+              <a:defRPr sz="1400"/>
+            </a:lvl8pPr>
+            <a:lvl9pPr marL="5120640" indent="0">
               <a:buNone/>
-              <a:defRPr sz="1000"/>
-            </a:lvl7pPr>
-            <a:lvl8pPr marL="3200400" indent="0">
-              <a:buNone/>
-              <a:defRPr sz="1000"/>
-            </a:lvl8pPr>
-            <a:lvl9pPr marL="3657600" indent="0">
-              <a:buNone/>
-              <a:defRPr sz="1000"/>
+              <a:defRPr sz="1400"/>
             </a:lvl9pPr>
           </a:lstStyle>
           <a:p>
@@ -2999,13 +2699,7 @@
       </p:sp>
       <p:sp>
         <p:nvSpPr>
-          <p:cNvPr id="5" name="日期占位符 4">
-            <a:extLst>
-              <a:ext uri="{FF2B5EF4-FFF2-40B4-BE49-F238E27FC236}">
-                <a16:creationId xmlns:a16="http://schemas.microsoft.com/office/drawing/2014/main" id="{AD4D4EC1-A154-431D-946C-86DDF743FBD0}"/>
-              </a:ext>
-            </a:extLst>
-          </p:cNvPr>
+          <p:cNvPr id="5" name="Date Placeholder 4"/>
           <p:cNvSpPr>
             <a:spLocks noGrp="1"/>
           </p:cNvSpPr>
@@ -3020,7 +2714,7 @@
           <a:p>
             <a:fld id="{10DD3163-A593-45A8-89FE-8F3E8DA0C8D6}" type="datetimeFigureOut">
               <a:rPr lang="zh-CN" altLang="en-US" smtClean="0"/>
-              <a:t>2020/8/2</a:t>
+              <a:t>2020/8/3</a:t>
             </a:fld>
             <a:endParaRPr lang="zh-CN" altLang="en-US"/>
           </a:p>
@@ -3028,13 +2722,7 @@
       </p:sp>
       <p:sp>
         <p:nvSpPr>
-          <p:cNvPr id="6" name="页脚占位符 5">
-            <a:extLst>
-              <a:ext uri="{FF2B5EF4-FFF2-40B4-BE49-F238E27FC236}">
-                <a16:creationId xmlns:a16="http://schemas.microsoft.com/office/drawing/2014/main" id="{E7DBF718-42E2-4F95-8124-672616698B02}"/>
-              </a:ext>
-            </a:extLst>
-          </p:cNvPr>
+          <p:cNvPr id="6" name="Footer Placeholder 5"/>
           <p:cNvSpPr>
             <a:spLocks noGrp="1"/>
           </p:cNvSpPr>
@@ -3053,13 +2741,7 @@
       </p:sp>
       <p:sp>
         <p:nvSpPr>
-          <p:cNvPr id="7" name="灯片编号占位符 6">
-            <a:extLst>
-              <a:ext uri="{FF2B5EF4-FFF2-40B4-BE49-F238E27FC236}">
-                <a16:creationId xmlns:a16="http://schemas.microsoft.com/office/drawing/2014/main" id="{1A2CAA54-B810-488E-B5D4-BCC9FF9E99D9}"/>
-              </a:ext>
-            </a:extLst>
-          </p:cNvPr>
+          <p:cNvPr id="7" name="Slide Number Placeholder 6"/>
           <p:cNvSpPr>
             <a:spLocks noGrp="1"/>
           </p:cNvSpPr>
@@ -3083,7 +2765,7 @@
     </p:spTree>
     <p:extLst>
       <p:ext uri="{BB962C8B-B14F-4D97-AF65-F5344CB8AC3E}">
-        <p14:creationId xmlns:p14="http://schemas.microsoft.com/office/powerpoint/2010/main" val="1053126179"/>
+        <p14:creationId xmlns:p14="http://schemas.microsoft.com/office/powerpoint/2010/main" val="3338204134"/>
       </p:ext>
     </p:extLst>
   </p:cSld>
@@ -3117,13 +2799,7 @@
       </p:grpSpPr>
       <p:sp>
         <p:nvSpPr>
-          <p:cNvPr id="2" name="标题占位符 1">
-            <a:extLst>
-              <a:ext uri="{FF2B5EF4-FFF2-40B4-BE49-F238E27FC236}">
-                <a16:creationId xmlns:a16="http://schemas.microsoft.com/office/drawing/2014/main" id="{E3ADAF5C-A776-4804-8968-BCDED09A7969}"/>
-              </a:ext>
-            </a:extLst>
-          </p:cNvPr>
+          <p:cNvPr id="2" name="Title Placeholder 1"/>
           <p:cNvSpPr>
             <a:spLocks noGrp="1"/>
           </p:cNvSpPr>
@@ -3133,8 +2809,8 @@
         </p:nvSpPr>
         <p:spPr>
           <a:xfrm>
-            <a:off x="838200" y="365125"/>
-            <a:ext cx="10515600" cy="1325563"/>
+            <a:off x="1237546" y="511176"/>
+            <a:ext cx="15525572" cy="1855788"/>
           </a:xfrm>
           <a:prstGeom prst="rect">
             <a:avLst/>
@@ -3150,18 +2826,13 @@
               <a:rPr lang="zh-CN" altLang="en-US"/>
               <a:t>单击此处编辑母版标题样式</a:t>
             </a:r>
-          </a:p>
-        </p:txBody>
-      </p:sp>
-      <p:sp>
-        <p:nvSpPr>
-          <p:cNvPr id="3" name="文本占位符 2">
-            <a:extLst>
-              <a:ext uri="{FF2B5EF4-FFF2-40B4-BE49-F238E27FC236}">
-                <a16:creationId xmlns:a16="http://schemas.microsoft.com/office/drawing/2014/main" id="{06FC1E02-D916-474C-8732-AFF5B152993A}"/>
-              </a:ext>
-            </a:extLst>
-          </p:cNvPr>
+            <a:endParaRPr lang="en-US" dirty="0"/>
+          </a:p>
+        </p:txBody>
+      </p:sp>
+      <p:sp>
+        <p:nvSpPr>
+          <p:cNvPr id="3" name="Text Placeholder 2"/>
           <p:cNvSpPr>
             <a:spLocks noGrp="1"/>
           </p:cNvSpPr>
@@ -3171,8 +2842,8 @@
         </p:nvSpPr>
         <p:spPr>
           <a:xfrm>
-            <a:off x="838200" y="1825625"/>
-            <a:ext cx="10515600" cy="4351338"/>
+            <a:off x="1237546" y="2555875"/>
+            <a:ext cx="15525572" cy="6091873"/>
           </a:xfrm>
           <a:prstGeom prst="rect">
             <a:avLst/>
@@ -3217,18 +2888,13 @@
               <a:rPr lang="zh-CN" altLang="en-US"/>
               <a:t>五级</a:t>
             </a:r>
-          </a:p>
-        </p:txBody>
-      </p:sp>
-      <p:sp>
-        <p:nvSpPr>
-          <p:cNvPr id="4" name="日期占位符 3">
-            <a:extLst>
-              <a:ext uri="{FF2B5EF4-FFF2-40B4-BE49-F238E27FC236}">
-                <a16:creationId xmlns:a16="http://schemas.microsoft.com/office/drawing/2014/main" id="{D05653D2-48C1-4BB2-AC94-9D50CCD6AA3F}"/>
-              </a:ext>
-            </a:extLst>
-          </p:cNvPr>
+            <a:endParaRPr lang="en-US" dirty="0"/>
+          </a:p>
+        </p:txBody>
+      </p:sp>
+      <p:sp>
+        <p:nvSpPr>
+          <p:cNvPr id="4" name="Date Placeholder 3"/>
           <p:cNvSpPr>
             <a:spLocks noGrp="1"/>
           </p:cNvSpPr>
@@ -3238,8 +2904,8 @@
         </p:nvSpPr>
         <p:spPr>
           <a:xfrm>
-            <a:off x="838200" y="6356350"/>
-            <a:ext cx="2743200" cy="365125"/>
+            <a:off x="1237546" y="8898891"/>
+            <a:ext cx="4050149" cy="511175"/>
           </a:xfrm>
           <a:prstGeom prst="rect">
             <a:avLst/>
@@ -3249,7 +2915,7 @@
           <a:bodyPr vert="horz" lIns="91440" tIns="45720" rIns="91440" bIns="45720" rtlCol="0" anchor="ctr"/>
           <a:lstStyle>
             <a:lvl1pPr algn="l">
-              <a:defRPr sz="1200">
+              <a:defRPr sz="1680">
                 <a:solidFill>
                   <a:schemeClr val="tx1">
                     <a:tint val="75000"/>
@@ -3261,7 +2927,7 @@
           <a:p>
             <a:fld id="{10DD3163-A593-45A8-89FE-8F3E8DA0C8D6}" type="datetimeFigureOut">
               <a:rPr lang="zh-CN" altLang="en-US" smtClean="0"/>
-              <a:t>2020/8/2</a:t>
+              <a:t>2020/8/3</a:t>
             </a:fld>
             <a:endParaRPr lang="zh-CN" altLang="en-US"/>
           </a:p>
@@ -3269,13 +2935,7 @@
       </p:sp>
       <p:sp>
         <p:nvSpPr>
-          <p:cNvPr id="5" name="页脚占位符 4">
-            <a:extLst>
-              <a:ext uri="{FF2B5EF4-FFF2-40B4-BE49-F238E27FC236}">
-                <a16:creationId xmlns:a16="http://schemas.microsoft.com/office/drawing/2014/main" id="{33A2F0D9-6121-442E-9EF6-A92EF614510C}"/>
-              </a:ext>
-            </a:extLst>
-          </p:cNvPr>
+          <p:cNvPr id="5" name="Footer Placeholder 4"/>
           <p:cNvSpPr>
             <a:spLocks noGrp="1"/>
           </p:cNvSpPr>
@@ -3285,8 +2945,8 @@
         </p:nvSpPr>
         <p:spPr>
           <a:xfrm>
-            <a:off x="4038600" y="6356350"/>
-            <a:ext cx="4114800" cy="365125"/>
+            <a:off x="5962720" y="8898891"/>
+            <a:ext cx="6075224" cy="511175"/>
           </a:xfrm>
           <a:prstGeom prst="rect">
             <a:avLst/>
@@ -3296,7 +2956,7 @@
           <a:bodyPr vert="horz" lIns="91440" tIns="45720" rIns="91440" bIns="45720" rtlCol="0" anchor="ctr"/>
           <a:lstStyle>
             <a:lvl1pPr algn="ctr">
-              <a:defRPr sz="1200">
+              <a:defRPr sz="1680">
                 <a:solidFill>
                   <a:schemeClr val="tx1">
                     <a:tint val="75000"/>
@@ -3312,13 +2972,7 @@
       </p:sp>
       <p:sp>
         <p:nvSpPr>
-          <p:cNvPr id="6" name="灯片编号占位符 5">
-            <a:extLst>
-              <a:ext uri="{FF2B5EF4-FFF2-40B4-BE49-F238E27FC236}">
-                <a16:creationId xmlns:a16="http://schemas.microsoft.com/office/drawing/2014/main" id="{4DEB0025-330F-4A6D-8041-2C9F27338287}"/>
-              </a:ext>
-            </a:extLst>
-          </p:cNvPr>
+          <p:cNvPr id="6" name="Slide Number Placeholder 5"/>
           <p:cNvSpPr>
             <a:spLocks noGrp="1"/>
           </p:cNvSpPr>
@@ -3328,8 +2982,8 @@
         </p:nvSpPr>
         <p:spPr>
           <a:xfrm>
-            <a:off x="8610600" y="6356350"/>
-            <a:ext cx="2743200" cy="365125"/>
+            <a:off x="12712968" y="8898891"/>
+            <a:ext cx="4050149" cy="511175"/>
           </a:xfrm>
           <a:prstGeom prst="rect">
             <a:avLst/>
@@ -3339,7 +2993,7 @@
           <a:bodyPr vert="horz" lIns="91440" tIns="45720" rIns="91440" bIns="45720" rtlCol="0" anchor="ctr"/>
           <a:lstStyle>
             <a:lvl1pPr algn="r">
-              <a:defRPr sz="1200">
+              <a:defRPr sz="1680">
                 <a:solidFill>
                   <a:schemeClr val="tx1">
                     <a:tint val="75000"/>
@@ -3360,27 +3014,27 @@
     </p:spTree>
     <p:extLst>
       <p:ext uri="{BB962C8B-B14F-4D97-AF65-F5344CB8AC3E}">
-        <p14:creationId xmlns:p14="http://schemas.microsoft.com/office/powerpoint/2010/main" val="3809045247"/>
+        <p14:creationId xmlns:p14="http://schemas.microsoft.com/office/powerpoint/2010/main" val="1697259096"/>
       </p:ext>
     </p:extLst>
   </p:cSld>
   <p:clrMap bg1="lt1" tx1="dk1" bg2="lt2" tx2="dk2" accent1="accent1" accent2="accent2" accent3="accent3" accent4="accent4" accent5="accent5" accent6="accent6" hlink="hlink" folHlink="folHlink"/>
   <p:sldLayoutIdLst>
-    <p:sldLayoutId id="2147483649" r:id="rId1"/>
-    <p:sldLayoutId id="2147483650" r:id="rId2"/>
-    <p:sldLayoutId id="2147483651" r:id="rId3"/>
-    <p:sldLayoutId id="2147483652" r:id="rId4"/>
-    <p:sldLayoutId id="2147483653" r:id="rId5"/>
-    <p:sldLayoutId id="2147483654" r:id="rId6"/>
-    <p:sldLayoutId id="2147483655" r:id="rId7"/>
-    <p:sldLayoutId id="2147483656" r:id="rId8"/>
-    <p:sldLayoutId id="2147483657" r:id="rId9"/>
-    <p:sldLayoutId id="2147483658" r:id="rId10"/>
-    <p:sldLayoutId id="2147483659" r:id="rId11"/>
+    <p:sldLayoutId id="2147483685" r:id="rId1"/>
+    <p:sldLayoutId id="2147483686" r:id="rId2"/>
+    <p:sldLayoutId id="2147483687" r:id="rId3"/>
+    <p:sldLayoutId id="2147483688" r:id="rId4"/>
+    <p:sldLayoutId id="2147483689" r:id="rId5"/>
+    <p:sldLayoutId id="2147483690" r:id="rId6"/>
+    <p:sldLayoutId id="2147483691" r:id="rId7"/>
+    <p:sldLayoutId id="2147483692" r:id="rId8"/>
+    <p:sldLayoutId id="2147483693" r:id="rId9"/>
+    <p:sldLayoutId id="2147483694" r:id="rId10"/>
+    <p:sldLayoutId id="2147483695" r:id="rId11"/>
   </p:sldLayoutIdLst>
   <p:txStyles>
     <p:titleStyle>
-      <a:lvl1pPr algn="l" defTabSz="914400" rtl="0" eaLnBrk="1" latinLnBrk="0" hangingPunct="1">
+      <a:lvl1pPr algn="l" defTabSz="1280160" rtl="0" eaLnBrk="1" latinLnBrk="0" hangingPunct="1">
         <a:lnSpc>
           <a:spcPct val="90000"/>
         </a:lnSpc>
@@ -3388,7 +3042,7 @@
           <a:spcPct val="0"/>
         </a:spcBef>
         <a:buNone/>
-        <a:defRPr sz="4400" kern="1200">
+        <a:defRPr sz="6160" kern="1200">
           <a:solidFill>
             <a:schemeClr val="tx1"/>
           </a:solidFill>
@@ -3399,12 +3053,48 @@
       </a:lvl1pPr>
     </p:titleStyle>
     <p:bodyStyle>
-      <a:lvl1pPr marL="228600" indent="-228600" algn="l" defTabSz="914400" rtl="0" eaLnBrk="1" latinLnBrk="0" hangingPunct="1">
+      <a:lvl1pPr marL="320040" indent="-320040" algn="l" defTabSz="1280160" rtl="0" eaLnBrk="1" latinLnBrk="0" hangingPunct="1">
         <a:lnSpc>
           <a:spcPct val="90000"/>
         </a:lnSpc>
         <a:spcBef>
-          <a:spcPts val="1000"/>
+          <a:spcPts val="1400"/>
+        </a:spcBef>
+        <a:buFont typeface="Arial" panose="020B0604020202020204" pitchFamily="34" charset="0"/>
+        <a:buChar char="•"/>
+        <a:defRPr sz="3920" kern="1200">
+          <a:solidFill>
+            <a:schemeClr val="tx1"/>
+          </a:solidFill>
+          <a:latin typeface="+mn-lt"/>
+          <a:ea typeface="+mn-ea"/>
+          <a:cs typeface="+mn-cs"/>
+        </a:defRPr>
+      </a:lvl1pPr>
+      <a:lvl2pPr marL="960120" indent="-320040" algn="l" defTabSz="1280160" rtl="0" eaLnBrk="1" latinLnBrk="0" hangingPunct="1">
+        <a:lnSpc>
+          <a:spcPct val="90000"/>
+        </a:lnSpc>
+        <a:spcBef>
+          <a:spcPts val="700"/>
+        </a:spcBef>
+        <a:buFont typeface="Arial" panose="020B0604020202020204" pitchFamily="34" charset="0"/>
+        <a:buChar char="•"/>
+        <a:defRPr sz="3360" kern="1200">
+          <a:solidFill>
+            <a:schemeClr val="tx1"/>
+          </a:solidFill>
+          <a:latin typeface="+mn-lt"/>
+          <a:ea typeface="+mn-ea"/>
+          <a:cs typeface="+mn-cs"/>
+        </a:defRPr>
+      </a:lvl2pPr>
+      <a:lvl3pPr marL="1600200" indent="-320040" algn="l" defTabSz="1280160" rtl="0" eaLnBrk="1" latinLnBrk="0" hangingPunct="1">
+        <a:lnSpc>
+          <a:spcPct val="90000"/>
+        </a:lnSpc>
+        <a:spcBef>
+          <a:spcPts val="700"/>
         </a:spcBef>
         <a:buFont typeface="Arial" panose="020B0604020202020204" pitchFamily="34" charset="0"/>
         <a:buChar char="•"/>
@@ -3416,53 +3106,17 @@
           <a:ea typeface="+mn-ea"/>
           <a:cs typeface="+mn-cs"/>
         </a:defRPr>
-      </a:lvl1pPr>
-      <a:lvl2pPr marL="685800" indent="-228600" algn="l" defTabSz="914400" rtl="0" eaLnBrk="1" latinLnBrk="0" hangingPunct="1">
+      </a:lvl3pPr>
+      <a:lvl4pPr marL="2240280" indent="-320040" algn="l" defTabSz="1280160" rtl="0" eaLnBrk="1" latinLnBrk="0" hangingPunct="1">
         <a:lnSpc>
           <a:spcPct val="90000"/>
         </a:lnSpc>
         <a:spcBef>
-          <a:spcPts val="500"/>
+          <a:spcPts val="700"/>
         </a:spcBef>
         <a:buFont typeface="Arial" panose="020B0604020202020204" pitchFamily="34" charset="0"/>
         <a:buChar char="•"/>
-        <a:defRPr sz="2400" kern="1200">
-          <a:solidFill>
-            <a:schemeClr val="tx1"/>
-          </a:solidFill>
-          <a:latin typeface="+mn-lt"/>
-          <a:ea typeface="+mn-ea"/>
-          <a:cs typeface="+mn-cs"/>
-        </a:defRPr>
-      </a:lvl2pPr>
-      <a:lvl3pPr marL="1143000" indent="-228600" algn="l" defTabSz="914400" rtl="0" eaLnBrk="1" latinLnBrk="0" hangingPunct="1">
-        <a:lnSpc>
-          <a:spcPct val="90000"/>
-        </a:lnSpc>
-        <a:spcBef>
-          <a:spcPts val="500"/>
-        </a:spcBef>
-        <a:buFont typeface="Arial" panose="020B0604020202020204" pitchFamily="34" charset="0"/>
-        <a:buChar char="•"/>
-        <a:defRPr sz="2000" kern="1200">
-          <a:solidFill>
-            <a:schemeClr val="tx1"/>
-          </a:solidFill>
-          <a:latin typeface="+mn-lt"/>
-          <a:ea typeface="+mn-ea"/>
-          <a:cs typeface="+mn-cs"/>
-        </a:defRPr>
-      </a:lvl3pPr>
-      <a:lvl4pPr marL="1600200" indent="-228600" algn="l" defTabSz="914400" rtl="0" eaLnBrk="1" latinLnBrk="0" hangingPunct="1">
-        <a:lnSpc>
-          <a:spcPct val="90000"/>
-        </a:lnSpc>
-        <a:spcBef>
-          <a:spcPts val="500"/>
-        </a:spcBef>
-        <a:buFont typeface="Arial" panose="020B0604020202020204" pitchFamily="34" charset="0"/>
-        <a:buChar char="•"/>
-        <a:defRPr sz="1800" kern="1200">
+        <a:defRPr sz="2520" kern="1200">
           <a:solidFill>
             <a:schemeClr val="tx1"/>
           </a:solidFill>
@@ -3471,16 +3125,16 @@
           <a:cs typeface="+mn-cs"/>
         </a:defRPr>
       </a:lvl4pPr>
-      <a:lvl5pPr marL="2057400" indent="-228600" algn="l" defTabSz="914400" rtl="0" eaLnBrk="1" latinLnBrk="0" hangingPunct="1">
+      <a:lvl5pPr marL="2880360" indent="-320040" algn="l" defTabSz="1280160" rtl="0" eaLnBrk="1" latinLnBrk="0" hangingPunct="1">
         <a:lnSpc>
           <a:spcPct val="90000"/>
         </a:lnSpc>
         <a:spcBef>
-          <a:spcPts val="500"/>
+          <a:spcPts val="700"/>
         </a:spcBef>
         <a:buFont typeface="Arial" panose="020B0604020202020204" pitchFamily="34" charset="0"/>
         <a:buChar char="•"/>
-        <a:defRPr sz="1800" kern="1200">
+        <a:defRPr sz="2520" kern="1200">
           <a:solidFill>
             <a:schemeClr val="tx1"/>
           </a:solidFill>
@@ -3489,16 +3143,16 @@
           <a:cs typeface="+mn-cs"/>
         </a:defRPr>
       </a:lvl5pPr>
-      <a:lvl6pPr marL="2514600" indent="-228600" algn="l" defTabSz="914400" rtl="0" eaLnBrk="1" latinLnBrk="0" hangingPunct="1">
+      <a:lvl6pPr marL="3520440" indent="-320040" algn="l" defTabSz="1280160" rtl="0" eaLnBrk="1" latinLnBrk="0" hangingPunct="1">
         <a:lnSpc>
           <a:spcPct val="90000"/>
         </a:lnSpc>
         <a:spcBef>
-          <a:spcPts val="500"/>
+          <a:spcPts val="700"/>
         </a:spcBef>
         <a:buFont typeface="Arial" panose="020B0604020202020204" pitchFamily="34" charset="0"/>
         <a:buChar char="•"/>
-        <a:defRPr sz="1800" kern="1200">
+        <a:defRPr sz="2520" kern="1200">
           <a:solidFill>
             <a:schemeClr val="tx1"/>
           </a:solidFill>
@@ -3507,16 +3161,16 @@
           <a:cs typeface="+mn-cs"/>
         </a:defRPr>
       </a:lvl6pPr>
-      <a:lvl7pPr marL="2971800" indent="-228600" algn="l" defTabSz="914400" rtl="0" eaLnBrk="1" latinLnBrk="0" hangingPunct="1">
+      <a:lvl7pPr marL="4160520" indent="-320040" algn="l" defTabSz="1280160" rtl="0" eaLnBrk="1" latinLnBrk="0" hangingPunct="1">
         <a:lnSpc>
           <a:spcPct val="90000"/>
         </a:lnSpc>
         <a:spcBef>
-          <a:spcPts val="500"/>
+          <a:spcPts val="700"/>
         </a:spcBef>
         <a:buFont typeface="Arial" panose="020B0604020202020204" pitchFamily="34" charset="0"/>
         <a:buChar char="•"/>
-        <a:defRPr sz="1800" kern="1200">
+        <a:defRPr sz="2520" kern="1200">
           <a:solidFill>
             <a:schemeClr val="tx1"/>
           </a:solidFill>
@@ -3525,16 +3179,16 @@
           <a:cs typeface="+mn-cs"/>
         </a:defRPr>
       </a:lvl7pPr>
-      <a:lvl8pPr marL="3429000" indent="-228600" algn="l" defTabSz="914400" rtl="0" eaLnBrk="1" latinLnBrk="0" hangingPunct="1">
+      <a:lvl8pPr marL="4800600" indent="-320040" algn="l" defTabSz="1280160" rtl="0" eaLnBrk="1" latinLnBrk="0" hangingPunct="1">
         <a:lnSpc>
           <a:spcPct val="90000"/>
         </a:lnSpc>
         <a:spcBef>
-          <a:spcPts val="500"/>
+          <a:spcPts val="700"/>
         </a:spcBef>
         <a:buFont typeface="Arial" panose="020B0604020202020204" pitchFamily="34" charset="0"/>
         <a:buChar char="•"/>
-        <a:defRPr sz="1800" kern="1200">
+        <a:defRPr sz="2520" kern="1200">
           <a:solidFill>
             <a:schemeClr val="tx1"/>
           </a:solidFill>
@@ -3543,16 +3197,16 @@
           <a:cs typeface="+mn-cs"/>
         </a:defRPr>
       </a:lvl8pPr>
-      <a:lvl9pPr marL="3886200" indent="-228600" algn="l" defTabSz="914400" rtl="0" eaLnBrk="1" latinLnBrk="0" hangingPunct="1">
+      <a:lvl9pPr marL="5440680" indent="-320040" algn="l" defTabSz="1280160" rtl="0" eaLnBrk="1" latinLnBrk="0" hangingPunct="1">
         <a:lnSpc>
           <a:spcPct val="90000"/>
         </a:lnSpc>
         <a:spcBef>
-          <a:spcPts val="500"/>
+          <a:spcPts val="700"/>
         </a:spcBef>
         <a:buFont typeface="Arial" panose="020B0604020202020204" pitchFamily="34" charset="0"/>
         <a:buChar char="•"/>
-        <a:defRPr sz="1800" kern="1200">
+        <a:defRPr sz="2520" kern="1200">
           <a:solidFill>
             <a:schemeClr val="tx1"/>
           </a:solidFill>
@@ -3564,10 +3218,10 @@
     </p:bodyStyle>
     <p:otherStyle>
       <a:defPPr>
-        <a:defRPr lang="zh-CN"/>
+        <a:defRPr lang="en-US"/>
       </a:defPPr>
-      <a:lvl1pPr marL="0" algn="l" defTabSz="914400" rtl="0" eaLnBrk="1" latinLnBrk="0" hangingPunct="1">
-        <a:defRPr sz="1800" kern="1200">
+      <a:lvl1pPr marL="0" algn="l" defTabSz="1280160" rtl="0" eaLnBrk="1" latinLnBrk="0" hangingPunct="1">
+        <a:defRPr sz="2520" kern="1200">
           <a:solidFill>
             <a:schemeClr val="tx1"/>
           </a:solidFill>
@@ -3576,8 +3230,8 @@
           <a:cs typeface="+mn-cs"/>
         </a:defRPr>
       </a:lvl1pPr>
-      <a:lvl2pPr marL="457200" algn="l" defTabSz="914400" rtl="0" eaLnBrk="1" latinLnBrk="0" hangingPunct="1">
-        <a:defRPr sz="1800" kern="1200">
+      <a:lvl2pPr marL="640080" algn="l" defTabSz="1280160" rtl="0" eaLnBrk="1" latinLnBrk="0" hangingPunct="1">
+        <a:defRPr sz="2520" kern="1200">
           <a:solidFill>
             <a:schemeClr val="tx1"/>
           </a:solidFill>
@@ -3586,8 +3240,8 @@
           <a:cs typeface="+mn-cs"/>
         </a:defRPr>
       </a:lvl2pPr>
-      <a:lvl3pPr marL="914400" algn="l" defTabSz="914400" rtl="0" eaLnBrk="1" latinLnBrk="0" hangingPunct="1">
-        <a:defRPr sz="1800" kern="1200">
+      <a:lvl3pPr marL="1280160" algn="l" defTabSz="1280160" rtl="0" eaLnBrk="1" latinLnBrk="0" hangingPunct="1">
+        <a:defRPr sz="2520" kern="1200">
           <a:solidFill>
             <a:schemeClr val="tx1"/>
           </a:solidFill>
@@ -3596,8 +3250,8 @@
           <a:cs typeface="+mn-cs"/>
         </a:defRPr>
       </a:lvl3pPr>
-      <a:lvl4pPr marL="1371600" algn="l" defTabSz="914400" rtl="0" eaLnBrk="1" latinLnBrk="0" hangingPunct="1">
-        <a:defRPr sz="1800" kern="1200">
+      <a:lvl4pPr marL="1920240" algn="l" defTabSz="1280160" rtl="0" eaLnBrk="1" latinLnBrk="0" hangingPunct="1">
+        <a:defRPr sz="2520" kern="1200">
           <a:solidFill>
             <a:schemeClr val="tx1"/>
           </a:solidFill>
@@ -3606,8 +3260,8 @@
           <a:cs typeface="+mn-cs"/>
         </a:defRPr>
       </a:lvl4pPr>
-      <a:lvl5pPr marL="1828800" algn="l" defTabSz="914400" rtl="0" eaLnBrk="1" latinLnBrk="0" hangingPunct="1">
-        <a:defRPr sz="1800" kern="1200">
+      <a:lvl5pPr marL="2560320" algn="l" defTabSz="1280160" rtl="0" eaLnBrk="1" latinLnBrk="0" hangingPunct="1">
+        <a:defRPr sz="2520" kern="1200">
           <a:solidFill>
             <a:schemeClr val="tx1"/>
           </a:solidFill>
@@ -3616,8 +3270,8 @@
           <a:cs typeface="+mn-cs"/>
         </a:defRPr>
       </a:lvl5pPr>
-      <a:lvl6pPr marL="2286000" algn="l" defTabSz="914400" rtl="0" eaLnBrk="1" latinLnBrk="0" hangingPunct="1">
-        <a:defRPr sz="1800" kern="1200">
+      <a:lvl6pPr marL="3200400" algn="l" defTabSz="1280160" rtl="0" eaLnBrk="1" latinLnBrk="0" hangingPunct="1">
+        <a:defRPr sz="2520" kern="1200">
           <a:solidFill>
             <a:schemeClr val="tx1"/>
           </a:solidFill>
@@ -3626,8 +3280,8 @@
           <a:cs typeface="+mn-cs"/>
         </a:defRPr>
       </a:lvl6pPr>
-      <a:lvl7pPr marL="2743200" algn="l" defTabSz="914400" rtl="0" eaLnBrk="1" latinLnBrk="0" hangingPunct="1">
-        <a:defRPr sz="1800" kern="1200">
+      <a:lvl7pPr marL="3840480" algn="l" defTabSz="1280160" rtl="0" eaLnBrk="1" latinLnBrk="0" hangingPunct="1">
+        <a:defRPr sz="2520" kern="1200">
           <a:solidFill>
             <a:schemeClr val="tx1"/>
           </a:solidFill>
@@ -3636,8 +3290,8 @@
           <a:cs typeface="+mn-cs"/>
         </a:defRPr>
       </a:lvl7pPr>
-      <a:lvl8pPr marL="3200400" algn="l" defTabSz="914400" rtl="0" eaLnBrk="1" latinLnBrk="0" hangingPunct="1">
-        <a:defRPr sz="1800" kern="1200">
+      <a:lvl8pPr marL="4480560" algn="l" defTabSz="1280160" rtl="0" eaLnBrk="1" latinLnBrk="0" hangingPunct="1">
+        <a:defRPr sz="2520" kern="1200">
           <a:solidFill>
             <a:schemeClr val="tx1"/>
           </a:solidFill>
@@ -3646,8 +3300,8 @@
           <a:cs typeface="+mn-cs"/>
         </a:defRPr>
       </a:lvl8pPr>
-      <a:lvl9pPr marL="3657600" algn="l" defTabSz="914400" rtl="0" eaLnBrk="1" latinLnBrk="0" hangingPunct="1">
-        <a:defRPr sz="1800" kern="1200">
+      <a:lvl9pPr marL="5120640" algn="l" defTabSz="1280160" rtl="0" eaLnBrk="1" latinLnBrk="0" hangingPunct="1">
+        <a:defRPr sz="2520" kern="1200">
           <a:solidFill>
             <a:schemeClr val="tx1"/>
           </a:solidFill>
@@ -3692,8 +3346,8 @@
         </p:nvGrpSpPr>
         <p:grpSpPr>
           <a:xfrm>
-            <a:off x="710213" y="286312"/>
-            <a:ext cx="6077534" cy="2701875"/>
+            <a:off x="3345255" y="1500779"/>
+            <a:ext cx="6381410" cy="2836968"/>
             <a:chOff x="1710047" y="1938718"/>
             <a:chExt cx="8716489" cy="3875069"/>
           </a:xfrm>
@@ -3742,8 +3396,8 @@
           </p:nvSpPr>
           <p:spPr>
             <a:xfrm>
-              <a:off x="4201883" y="2979963"/>
-              <a:ext cx="492443" cy="461665"/>
+              <a:off x="4201883" y="2979964"/>
+              <a:ext cx="694533" cy="655820"/>
             </a:xfrm>
             <a:prstGeom prst="rect">
               <a:avLst/>
@@ -3757,7 +3411,7 @@
             <a:lstStyle/>
             <a:p>
               <a:r>
-                <a:rPr kumimoji="1" lang="zh-CN" altLang="en-US" sz="2400" b="1" dirty="0">
+                <a:rPr kumimoji="1" lang="zh-CN" altLang="en-US" sz="2520" b="1" dirty="0">
                   <a:solidFill>
                     <a:srgbClr val="C00000"/>
                   </a:solidFill>
@@ -3818,7 +3472,7 @@
             <a:lstStyle/>
             <a:p>
               <a:pPr algn="ctr"/>
-              <a:endParaRPr kumimoji="1" lang="zh-CN" altLang="en-US"/>
+              <a:endParaRPr kumimoji="1" lang="zh-CN" altLang="en-US" sz="1890"/>
             </a:p>
           </p:txBody>
         </p:sp>
@@ -3851,8 +3505,8 @@
         </p:blipFill>
         <p:spPr>
           <a:xfrm>
-            <a:off x="896838" y="2899397"/>
-            <a:ext cx="4896533" cy="3200847"/>
+            <a:off x="3541213" y="4244519"/>
+            <a:ext cx="5141359" cy="3360889"/>
           </a:xfrm>
           <a:prstGeom prst="rect">
             <a:avLst/>
@@ -3887,8 +3541,8 @@
         </p:blipFill>
         <p:spPr>
           <a:xfrm>
-            <a:off x="6254641" y="3111652"/>
-            <a:ext cx="5737270" cy="3152713"/>
+            <a:off x="9166904" y="4467386"/>
+            <a:ext cx="6024134" cy="3310348"/>
           </a:xfrm>
           <a:prstGeom prst="rect">
             <a:avLst/>
@@ -3953,8 +3607,8 @@
         </p:blipFill>
         <p:spPr>
           <a:xfrm>
-            <a:off x="3166023" y="1121371"/>
-            <a:ext cx="6303765" cy="4615257"/>
+            <a:off x="5923857" y="2377590"/>
+            <a:ext cx="6618953" cy="4846020"/>
           </a:xfrm>
           <a:prstGeom prst="rect">
             <a:avLst/>
@@ -4013,8 +3667,8 @@
         </p:blipFill>
         <p:spPr>
           <a:xfrm>
-            <a:off x="323850" y="923925"/>
-            <a:ext cx="11544300" cy="5010150"/>
+            <a:off x="2939575" y="2170273"/>
+            <a:ext cx="12121515" cy="5260657"/>
           </a:xfrm>
           <a:prstGeom prst="rect">
             <a:avLst/>
@@ -4079,8 +3733,8 @@
         </p:blipFill>
         <p:spPr>
           <a:xfrm>
-            <a:off x="2658980" y="1585110"/>
-            <a:ext cx="6890722" cy="4694304"/>
+            <a:off x="5391460" y="2864516"/>
+            <a:ext cx="7235258" cy="4929019"/>
           </a:xfrm>
           <a:prstGeom prst="rect">
             <a:avLst/>
@@ -4139,8 +3793,8 @@
         </p:blipFill>
         <p:spPr>
           <a:xfrm>
-            <a:off x="-762390" y="3163580"/>
-            <a:ext cx="1524779" cy="717498"/>
+            <a:off x="1799022" y="4521910"/>
+            <a:ext cx="1601018" cy="753373"/>
           </a:xfrm>
           <a:prstGeom prst="rect">
             <a:avLst/>
@@ -4164,8 +3818,8 @@
         </p:nvSpPr>
         <p:spPr>
           <a:xfrm>
-            <a:off x="973582" y="3125807"/>
-            <a:ext cx="1524779" cy="793049"/>
+            <a:off x="3621793" y="4482250"/>
+            <a:ext cx="1601018" cy="832701"/>
           </a:xfrm>
           <a:prstGeom prst="rect">
             <a:avLst/>
@@ -4201,7 +3855,7 @@
           <a:p>
             <a:pPr algn="ctr"/>
             <a:r>
-              <a:rPr lang="en-US" altLang="zh-CN" dirty="0">
+              <a:rPr lang="en-US" altLang="zh-CN" sz="1890" dirty="0">
                 <a:solidFill>
                   <a:schemeClr val="tx1"/>
                 </a:solidFill>
@@ -4214,7 +3868,7 @@
           <a:p>
             <a:pPr algn="ctr"/>
             <a:r>
-              <a:rPr lang="en-US" altLang="zh-CN" dirty="0">
+              <a:rPr lang="en-US" altLang="zh-CN" sz="1890" dirty="0">
                 <a:solidFill>
                   <a:schemeClr val="tx1"/>
                 </a:solidFill>
@@ -4223,7 +3877,7 @@
               </a:rPr>
               <a:t>preprocessing</a:t>
             </a:r>
-            <a:endParaRPr lang="zh-CN" altLang="en-US" dirty="0">
+            <a:endParaRPr lang="zh-CN" altLang="en-US" sz="1890" dirty="0">
               <a:solidFill>
                 <a:schemeClr val="tx1"/>
               </a:solidFill>
@@ -4247,8 +3901,8 @@
         </p:nvSpPr>
         <p:spPr>
           <a:xfrm>
-            <a:off x="6481003" y="729267"/>
-            <a:ext cx="1866123" cy="979714"/>
+            <a:off x="9404586" y="1965882"/>
+            <a:ext cx="1959429" cy="1028699"/>
           </a:xfrm>
           <a:prstGeom prst="rect">
             <a:avLst/>
@@ -4284,7 +3938,7 @@
           <a:p>
             <a:pPr algn="ctr"/>
             <a:r>
-              <a:rPr lang="en-US" altLang="zh-CN" dirty="0">
+              <a:rPr lang="en-US" altLang="zh-CN" sz="1890" dirty="0">
                 <a:solidFill>
                   <a:schemeClr val="tx1"/>
                 </a:solidFill>
@@ -4297,7 +3951,7 @@
           <a:p>
             <a:pPr algn="ctr"/>
             <a:r>
-              <a:rPr lang="en-US" altLang="zh-CN" dirty="0">
+              <a:rPr lang="en-US" altLang="zh-CN" sz="1890" dirty="0">
                 <a:solidFill>
                   <a:schemeClr val="tx1"/>
                 </a:solidFill>
@@ -4306,7 +3960,7 @@
               </a:rPr>
               <a:t>model</a:t>
             </a:r>
-            <a:endParaRPr lang="zh-CN" altLang="en-US" dirty="0">
+            <a:endParaRPr lang="zh-CN" altLang="en-US" sz="1890" dirty="0">
               <a:solidFill>
                 <a:schemeClr val="tx1"/>
               </a:solidFill>
@@ -4330,8 +3984,8 @@
         </p:nvSpPr>
         <p:spPr>
           <a:xfrm>
-            <a:off x="9009802" y="729267"/>
-            <a:ext cx="1866123" cy="979714"/>
+            <a:off x="12059825" y="1965882"/>
+            <a:ext cx="1959429" cy="1028699"/>
           </a:xfrm>
           <a:prstGeom prst="rect">
             <a:avLst/>
@@ -4367,7 +4021,7 @@
           <a:p>
             <a:pPr algn="ctr"/>
             <a:r>
-              <a:rPr lang="en-US" altLang="zh-CN" dirty="0">
+              <a:rPr lang="en-US" altLang="zh-CN" sz="1890" dirty="0">
                 <a:solidFill>
                   <a:schemeClr val="tx1"/>
                 </a:solidFill>
@@ -4376,7 +4030,7 @@
               </a:rPr>
               <a:t>Language model</a:t>
             </a:r>
-            <a:endParaRPr lang="zh-CN" altLang="en-US" dirty="0">
+            <a:endParaRPr lang="zh-CN" altLang="en-US" sz="1890" dirty="0">
               <a:solidFill>
                 <a:schemeClr val="tx1"/>
               </a:solidFill>
@@ -4400,8 +4054,8 @@
         </p:nvSpPr>
         <p:spPr>
           <a:xfrm>
-            <a:off x="3844876" y="729267"/>
-            <a:ext cx="1866123" cy="979714"/>
+            <a:off x="6636653" y="1965882"/>
+            <a:ext cx="1959429" cy="1028699"/>
           </a:xfrm>
           <a:prstGeom prst="rect">
             <a:avLst/>
@@ -4437,7 +4091,7 @@
           <a:p>
             <a:pPr algn="ctr"/>
             <a:r>
-              <a:rPr lang="en-US" altLang="zh-CN" dirty="0">
+              <a:rPr lang="en-US" altLang="zh-CN" sz="1890" dirty="0">
                 <a:solidFill>
                   <a:schemeClr val="tx1"/>
                 </a:solidFill>
@@ -4446,7 +4100,7 @@
               </a:rPr>
               <a:t>Feature Extraction</a:t>
             </a:r>
-            <a:endParaRPr lang="zh-CN" altLang="en-US" dirty="0">
+            <a:endParaRPr lang="zh-CN" altLang="en-US" sz="1890" dirty="0">
               <a:solidFill>
                 <a:schemeClr val="tx1"/>
               </a:solidFill>
@@ -4470,8 +4124,8 @@
         </p:nvSpPr>
         <p:spPr>
           <a:xfrm>
-            <a:off x="2866006" y="3125807"/>
-            <a:ext cx="1524779" cy="793049"/>
+            <a:off x="5608838" y="4482250"/>
+            <a:ext cx="1601018" cy="832701"/>
           </a:xfrm>
           <a:prstGeom prst="rect">
             <a:avLst/>
@@ -4507,7 +4161,7 @@
           <a:p>
             <a:pPr algn="ctr"/>
             <a:r>
-              <a:rPr lang="en-US" altLang="zh-CN" dirty="0">
+              <a:rPr lang="en-US" altLang="zh-CN" sz="1890" dirty="0">
                 <a:solidFill>
                   <a:schemeClr val="tx1"/>
                 </a:solidFill>
@@ -4516,7 +4170,7 @@
               </a:rPr>
               <a:t>Feature extraction</a:t>
             </a:r>
-            <a:endParaRPr lang="zh-CN" altLang="en-US" dirty="0">
+            <a:endParaRPr lang="zh-CN" altLang="en-US" sz="1890" dirty="0">
               <a:solidFill>
                 <a:schemeClr val="tx1"/>
               </a:solidFill>
@@ -4540,8 +4194,8 @@
         </p:nvSpPr>
         <p:spPr>
           <a:xfrm>
-            <a:off x="4758430" y="3125807"/>
-            <a:ext cx="1524779" cy="793049"/>
+            <a:off x="7595883" y="4482250"/>
+            <a:ext cx="1601018" cy="832701"/>
           </a:xfrm>
           <a:prstGeom prst="rect">
             <a:avLst/>
@@ -4577,7 +4231,7 @@
           <a:p>
             <a:pPr algn="ctr"/>
             <a:r>
-              <a:rPr lang="en-US" altLang="zh-CN" dirty="0">
+              <a:rPr lang="en-US" altLang="zh-CN" sz="1890" dirty="0">
                 <a:solidFill>
                   <a:schemeClr val="tx1"/>
                 </a:solidFill>
@@ -4590,7 +4244,7 @@
           <a:p>
             <a:pPr algn="ctr"/>
             <a:r>
-              <a:rPr lang="en-US" altLang="zh-CN" dirty="0">
+              <a:rPr lang="en-US" altLang="zh-CN" sz="1890" dirty="0">
                 <a:solidFill>
                   <a:schemeClr val="tx1"/>
                 </a:solidFill>
@@ -4599,7 +4253,7 @@
               </a:rPr>
               <a:t>model</a:t>
             </a:r>
-            <a:endParaRPr lang="zh-CN" altLang="en-US" dirty="0">
+            <a:endParaRPr lang="zh-CN" altLang="en-US" sz="1890" dirty="0">
               <a:solidFill>
                 <a:schemeClr val="tx1"/>
               </a:solidFill>
@@ -4623,8 +4277,8 @@
         </p:nvSpPr>
         <p:spPr>
           <a:xfrm>
-            <a:off x="6650854" y="3125806"/>
-            <a:ext cx="1524779" cy="793049"/>
+            <a:off x="9582929" y="4482248"/>
+            <a:ext cx="1601018" cy="832701"/>
           </a:xfrm>
           <a:prstGeom prst="rect">
             <a:avLst/>
@@ -4660,7 +4314,7 @@
           <a:p>
             <a:pPr algn="ctr"/>
             <a:r>
-              <a:rPr lang="en-US" altLang="zh-CN" dirty="0">
+              <a:rPr lang="en-US" altLang="zh-CN" sz="1890" dirty="0">
                 <a:solidFill>
                   <a:schemeClr val="tx1"/>
                 </a:solidFill>
@@ -4669,7 +4323,7 @@
               </a:rPr>
               <a:t>Pronunciation model</a:t>
             </a:r>
-            <a:endParaRPr lang="zh-CN" altLang="en-US" dirty="0">
+            <a:endParaRPr lang="zh-CN" altLang="en-US" sz="1890" dirty="0">
               <a:solidFill>
                 <a:schemeClr val="tx1"/>
               </a:solidFill>
@@ -4693,8 +4347,8 @@
         </p:nvSpPr>
         <p:spPr>
           <a:xfrm>
-            <a:off x="8543278" y="3125806"/>
-            <a:ext cx="1524779" cy="793049"/>
+            <a:off x="11569974" y="4482248"/>
+            <a:ext cx="1601018" cy="832701"/>
           </a:xfrm>
           <a:prstGeom prst="rect">
             <a:avLst/>
@@ -4730,7 +4384,7 @@
           <a:p>
             <a:pPr algn="ctr"/>
             <a:r>
-              <a:rPr lang="en-US" altLang="zh-CN" dirty="0">
+              <a:rPr lang="en-US" altLang="zh-CN" sz="1890" dirty="0">
                 <a:solidFill>
                   <a:schemeClr val="tx1"/>
                 </a:solidFill>
@@ -4739,7 +4393,7 @@
               </a:rPr>
               <a:t>Language model</a:t>
             </a:r>
-            <a:endParaRPr lang="zh-CN" altLang="en-US" dirty="0">
+            <a:endParaRPr lang="zh-CN" altLang="en-US" sz="1890" dirty="0">
               <a:solidFill>
                 <a:schemeClr val="tx1"/>
               </a:solidFill>
@@ -4763,8 +4417,8 @@
         </p:nvSpPr>
         <p:spPr>
           <a:xfrm flipV="1">
-            <a:off x="2498360" y="3471205"/>
-            <a:ext cx="367646" cy="102250"/>
+            <a:off x="5222809" y="4844916"/>
+            <a:ext cx="386028" cy="107362"/>
           </a:xfrm>
           <a:prstGeom prst="rightArrow">
             <a:avLst/>
@@ -4794,7 +4448,7 @@
           <a:lstStyle/>
           <a:p>
             <a:pPr algn="ctr"/>
-            <a:endParaRPr lang="zh-CN" altLang="en-US"/>
+            <a:endParaRPr lang="zh-CN" altLang="en-US" sz="1890"/>
           </a:p>
         </p:txBody>
       </p:sp>
@@ -4812,8 +4466,8 @@
         </p:nvSpPr>
         <p:spPr>
           <a:xfrm flipV="1">
-            <a:off x="4390784" y="3471205"/>
-            <a:ext cx="367646" cy="102250"/>
+            <a:off x="7209854" y="4844916"/>
+            <a:ext cx="386028" cy="107362"/>
           </a:xfrm>
           <a:prstGeom prst="rightArrow">
             <a:avLst/>
@@ -4843,7 +4497,7 @@
           <a:lstStyle/>
           <a:p>
             <a:pPr algn="ctr"/>
-            <a:endParaRPr lang="zh-CN" altLang="en-US"/>
+            <a:endParaRPr lang="zh-CN" altLang="en-US" sz="1890"/>
           </a:p>
         </p:txBody>
       </p:sp>
@@ -4861,8 +4515,8 @@
         </p:nvSpPr>
         <p:spPr>
           <a:xfrm flipV="1">
-            <a:off x="6283208" y="3471205"/>
-            <a:ext cx="367646" cy="102250"/>
+            <a:off x="9196899" y="4844916"/>
+            <a:ext cx="386028" cy="107362"/>
           </a:xfrm>
           <a:prstGeom prst="rightArrow">
             <a:avLst/>
@@ -4892,7 +4546,7 @@
           <a:lstStyle/>
           <a:p>
             <a:pPr algn="ctr"/>
-            <a:endParaRPr lang="zh-CN" altLang="en-US"/>
+            <a:endParaRPr lang="zh-CN" altLang="en-US" sz="1890"/>
           </a:p>
         </p:txBody>
       </p:sp>
@@ -4910,8 +4564,8 @@
         </p:nvSpPr>
         <p:spPr>
           <a:xfrm flipV="1">
-            <a:off x="8175633" y="3471205"/>
-            <a:ext cx="367646" cy="102250"/>
+            <a:off x="11183946" y="4844916"/>
+            <a:ext cx="386028" cy="107362"/>
           </a:xfrm>
           <a:prstGeom prst="rightArrow">
             <a:avLst/>
@@ -4941,7 +4595,7 @@
           <a:lstStyle/>
           <a:p>
             <a:pPr algn="ctr"/>
-            <a:endParaRPr lang="zh-CN" altLang="en-US"/>
+            <a:endParaRPr lang="zh-CN" altLang="en-US" sz="1890"/>
           </a:p>
         </p:txBody>
       </p:sp>
@@ -4959,8 +4613,8 @@
         </p:nvSpPr>
         <p:spPr>
           <a:xfrm flipV="1">
-            <a:off x="10068057" y="3471205"/>
-            <a:ext cx="367646" cy="102250"/>
+            <a:off x="13170991" y="4844916"/>
+            <a:ext cx="386028" cy="107362"/>
           </a:xfrm>
           <a:prstGeom prst="rightArrow">
             <a:avLst/>
@@ -4990,7 +4644,7 @@
           <a:lstStyle/>
           <a:p>
             <a:pPr algn="ctr"/>
-            <a:endParaRPr lang="zh-CN" altLang="en-US"/>
+            <a:endParaRPr lang="zh-CN" altLang="en-US" sz="1890"/>
           </a:p>
         </p:txBody>
       </p:sp>
@@ -5008,8 +4662,8 @@
         </p:nvSpPr>
         <p:spPr>
           <a:xfrm>
-            <a:off x="10435702" y="3199164"/>
-            <a:ext cx="1588897" cy="646331"/>
+            <a:off x="13561476" y="4559274"/>
+            <a:ext cx="1659429" cy="674031"/>
           </a:xfrm>
           <a:prstGeom prst="rect">
             <a:avLst/>
@@ -5024,7 +4678,7 @@
           <a:p>
             <a:pPr algn="ctr"/>
             <a:r>
-              <a:rPr lang="en-US" altLang="zh-CN" dirty="0">
+              <a:rPr lang="en-US" altLang="zh-CN" sz="1890" dirty="0">
                 <a:latin typeface="Times New Roman" panose="02020603050405020304" pitchFamily="18" charset="0"/>
                 <a:cs typeface="Times New Roman" panose="02020603050405020304" pitchFamily="18" charset="0"/>
               </a:rPr>
@@ -5034,13 +4688,13 @@
           <a:p>
             <a:pPr algn="ctr"/>
             <a:r>
-              <a:rPr lang="en-US" altLang="zh-CN" dirty="0">
+              <a:rPr lang="en-US" altLang="zh-CN" sz="1890" dirty="0">
                 <a:latin typeface="Times New Roman" panose="02020603050405020304" pitchFamily="18" charset="0"/>
                 <a:cs typeface="Times New Roman" panose="02020603050405020304" pitchFamily="18" charset="0"/>
               </a:rPr>
               <a:t> take a picture”</a:t>
             </a:r>
-            <a:endParaRPr lang="zh-CN" altLang="en-US" dirty="0">
+            <a:endParaRPr lang="zh-CN" altLang="en-US" sz="1890" dirty="0">
               <a:latin typeface="Times New Roman" panose="02020603050405020304" pitchFamily="18" charset="0"/>
               <a:cs typeface="Times New Roman" panose="02020603050405020304" pitchFamily="18" charset="0"/>
             </a:endParaRPr>
@@ -5061,6 +4715,2114 @@
 </file>
 
 <file path=ppt/slides/slide6.xml><?xml version="1.0" encoding="utf-8"?>
+<p:sld xmlns:a="http://schemas.openxmlformats.org/drawingml/2006/main" xmlns:r="http://schemas.openxmlformats.org/officeDocument/2006/relationships" xmlns:p="http://schemas.openxmlformats.org/presentationml/2006/main">
+  <p:cSld>
+    <p:spTree>
+      <p:nvGrpSpPr>
+        <p:cNvPr id="1" name=""/>
+        <p:cNvGrpSpPr/>
+        <p:nvPr/>
+      </p:nvGrpSpPr>
+      <p:grpSpPr>
+        <a:xfrm>
+          <a:off x="0" y="0"/>
+          <a:ext cx="0" cy="0"/>
+          <a:chOff x="0" y="0"/>
+          <a:chExt cx="0" cy="0"/>
+        </a:xfrm>
+      </p:grpSpPr>
+      <p:cxnSp>
+        <p:nvCxnSpPr>
+          <p:cNvPr id="76" name="直接箭头连接符 75">
+            <a:extLst>
+              <a:ext uri="{FF2B5EF4-FFF2-40B4-BE49-F238E27FC236}">
+                <a16:creationId xmlns:a16="http://schemas.microsoft.com/office/drawing/2014/main" id="{9C5B9D69-BE1C-4EAF-8B47-AD1CEC74BFBE}"/>
+              </a:ext>
+            </a:extLst>
+          </p:cNvPr>
+          <p:cNvCxnSpPr/>
+          <p:nvPr/>
+        </p:nvCxnSpPr>
+        <p:spPr>
+          <a:xfrm>
+            <a:off x="7402868" y="7246330"/>
+            <a:ext cx="5967908" cy="0"/>
+          </a:xfrm>
+          <a:prstGeom prst="straightConnector1">
+            <a:avLst/>
+          </a:prstGeom>
+          <a:ln w="19050">
+            <a:headEnd type="triangle"/>
+            <a:tailEnd type="triangle"/>
+          </a:ln>
+        </p:spPr>
+        <p:style>
+          <a:lnRef idx="1">
+            <a:schemeClr val="accent1"/>
+          </a:lnRef>
+          <a:fillRef idx="0">
+            <a:schemeClr val="accent1"/>
+          </a:fillRef>
+          <a:effectRef idx="0">
+            <a:schemeClr val="accent1"/>
+          </a:effectRef>
+          <a:fontRef idx="minor">
+            <a:schemeClr val="tx1"/>
+          </a:fontRef>
+        </p:style>
+      </p:cxnSp>
+      <p:pic>
+        <p:nvPicPr>
+          <p:cNvPr id="4" name="图片 3">
+            <a:extLst>
+              <a:ext uri="{FF2B5EF4-FFF2-40B4-BE49-F238E27FC236}">
+                <a16:creationId xmlns:a16="http://schemas.microsoft.com/office/drawing/2014/main" id="{4021AAD6-D4B7-4FBE-9C1B-C0128C7EB790}"/>
+              </a:ext>
+            </a:extLst>
+          </p:cNvPr>
+          <p:cNvPicPr>
+            <a:picLocks noChangeAspect="1"/>
+          </p:cNvPicPr>
+          <p:nvPr/>
+        </p:nvPicPr>
+        <p:blipFill>
+          <a:blip r:embed="rId2"/>
+          <a:stretch>
+            <a:fillRect/>
+          </a:stretch>
+        </p:blipFill>
+        <p:spPr>
+          <a:xfrm>
+            <a:off x="3579435" y="5831484"/>
+            <a:ext cx="1601018" cy="753373"/>
+          </a:xfrm>
+          <a:prstGeom prst="rect">
+            <a:avLst/>
+          </a:prstGeom>
+          <a:ln w="19050">
+            <a:noFill/>
+          </a:ln>
+        </p:spPr>
+      </p:pic>
+      <p:sp>
+        <p:nvSpPr>
+          <p:cNvPr id="5" name="矩形 4">
+            <a:extLst>
+              <a:ext uri="{FF2B5EF4-FFF2-40B4-BE49-F238E27FC236}">
+                <a16:creationId xmlns:a16="http://schemas.microsoft.com/office/drawing/2014/main" id="{847D25E5-45C9-4C97-A949-9ADCE2F4EDBA}"/>
+              </a:ext>
+            </a:extLst>
+          </p:cNvPr>
+          <p:cNvSpPr/>
+          <p:nvPr/>
+        </p:nvSpPr>
+        <p:spPr>
+          <a:xfrm>
+            <a:off x="3621793" y="4482250"/>
+            <a:ext cx="1601018" cy="832701"/>
+          </a:xfrm>
+          <a:prstGeom prst="rect">
+            <a:avLst/>
+          </a:prstGeom>
+          <a:solidFill>
+            <a:schemeClr val="bg1"/>
+          </a:solidFill>
+          <a:ln w="19050">
+            <a:solidFill>
+              <a:schemeClr val="tx1"/>
+            </a:solidFill>
+          </a:ln>
+        </p:spPr>
+        <p:style>
+          <a:lnRef idx="2">
+            <a:schemeClr val="accent1">
+              <a:shade val="50000"/>
+            </a:schemeClr>
+          </a:lnRef>
+          <a:fillRef idx="1">
+            <a:schemeClr val="accent1"/>
+          </a:fillRef>
+          <a:effectRef idx="0">
+            <a:schemeClr val="accent1"/>
+          </a:effectRef>
+          <a:fontRef idx="minor">
+            <a:schemeClr val="lt1"/>
+          </a:fontRef>
+        </p:style>
+        <p:txBody>
+          <a:bodyPr rtlCol="0" anchor="ctr"/>
+          <a:lstStyle/>
+          <a:p>
+            <a:pPr algn="ctr"/>
+            <a:r>
+              <a:rPr lang="en-US" altLang="zh-CN" b="1" dirty="0">
+                <a:solidFill>
+                  <a:schemeClr val="tx1"/>
+                </a:solidFill>
+                <a:latin typeface="Times New Roman" panose="02020603050405020304" pitchFamily="18" charset="0"/>
+                <a:cs typeface="Times New Roman" panose="02020603050405020304" pitchFamily="18" charset="0"/>
+              </a:rPr>
+              <a:t>Signal</a:t>
+            </a:r>
+          </a:p>
+          <a:p>
+            <a:pPr algn="ctr"/>
+            <a:r>
+              <a:rPr lang="en-US" altLang="zh-CN" b="1" dirty="0">
+                <a:solidFill>
+                  <a:schemeClr val="tx1"/>
+                </a:solidFill>
+                <a:latin typeface="Times New Roman" panose="02020603050405020304" pitchFamily="18" charset="0"/>
+                <a:cs typeface="Times New Roman" panose="02020603050405020304" pitchFamily="18" charset="0"/>
+              </a:rPr>
+              <a:t>preprocessing</a:t>
+            </a:r>
+            <a:endParaRPr lang="zh-CN" altLang="en-US" b="1" dirty="0">
+              <a:solidFill>
+                <a:schemeClr val="tx1"/>
+              </a:solidFill>
+              <a:latin typeface="Times New Roman" panose="02020603050405020304" pitchFamily="18" charset="0"/>
+              <a:cs typeface="Times New Roman" panose="02020603050405020304" pitchFamily="18" charset="0"/>
+            </a:endParaRPr>
+          </a:p>
+        </p:txBody>
+      </p:sp>
+      <p:sp>
+        <p:nvSpPr>
+          <p:cNvPr id="12" name="矩形 11">
+            <a:extLst>
+              <a:ext uri="{FF2B5EF4-FFF2-40B4-BE49-F238E27FC236}">
+                <a16:creationId xmlns:a16="http://schemas.microsoft.com/office/drawing/2014/main" id="{53CE6504-A28E-474F-8249-A66921168C65}"/>
+              </a:ext>
+            </a:extLst>
+          </p:cNvPr>
+          <p:cNvSpPr/>
+          <p:nvPr/>
+        </p:nvSpPr>
+        <p:spPr>
+          <a:xfrm>
+            <a:off x="5608838" y="4482250"/>
+            <a:ext cx="1601018" cy="832701"/>
+          </a:xfrm>
+          <a:prstGeom prst="rect">
+            <a:avLst/>
+          </a:prstGeom>
+          <a:solidFill>
+            <a:schemeClr val="bg1"/>
+          </a:solidFill>
+          <a:ln w="19050">
+            <a:solidFill>
+              <a:schemeClr val="tx1"/>
+            </a:solidFill>
+          </a:ln>
+        </p:spPr>
+        <p:style>
+          <a:lnRef idx="2">
+            <a:schemeClr val="accent1">
+              <a:shade val="50000"/>
+            </a:schemeClr>
+          </a:lnRef>
+          <a:fillRef idx="1">
+            <a:schemeClr val="accent1"/>
+          </a:fillRef>
+          <a:effectRef idx="0">
+            <a:schemeClr val="accent1"/>
+          </a:effectRef>
+          <a:fontRef idx="minor">
+            <a:schemeClr val="lt1"/>
+          </a:fontRef>
+        </p:style>
+        <p:txBody>
+          <a:bodyPr rtlCol="0" anchor="ctr"/>
+          <a:lstStyle/>
+          <a:p>
+            <a:pPr algn="ctr"/>
+            <a:r>
+              <a:rPr lang="en-US" altLang="zh-CN" b="1" dirty="0">
+                <a:solidFill>
+                  <a:schemeClr val="tx1"/>
+                </a:solidFill>
+                <a:latin typeface="Times New Roman" panose="02020603050405020304" pitchFamily="18" charset="0"/>
+                <a:cs typeface="Times New Roman" panose="02020603050405020304" pitchFamily="18" charset="0"/>
+              </a:rPr>
+              <a:t>Feature extraction</a:t>
+            </a:r>
+            <a:endParaRPr lang="zh-CN" altLang="en-US" b="1" dirty="0">
+              <a:solidFill>
+                <a:schemeClr val="tx1"/>
+              </a:solidFill>
+              <a:latin typeface="Times New Roman" panose="02020603050405020304" pitchFamily="18" charset="0"/>
+              <a:cs typeface="Times New Roman" panose="02020603050405020304" pitchFamily="18" charset="0"/>
+            </a:endParaRPr>
+          </a:p>
+        </p:txBody>
+      </p:sp>
+      <p:sp>
+        <p:nvSpPr>
+          <p:cNvPr id="13" name="矩形 12">
+            <a:extLst>
+              <a:ext uri="{FF2B5EF4-FFF2-40B4-BE49-F238E27FC236}">
+                <a16:creationId xmlns:a16="http://schemas.microsoft.com/office/drawing/2014/main" id="{71C98337-73A3-4AE1-96F6-CBBA876F1B8E}"/>
+              </a:ext>
+            </a:extLst>
+          </p:cNvPr>
+          <p:cNvSpPr/>
+          <p:nvPr/>
+        </p:nvSpPr>
+        <p:spPr>
+          <a:xfrm>
+            <a:off x="7595883" y="4482250"/>
+            <a:ext cx="1601018" cy="832701"/>
+          </a:xfrm>
+          <a:prstGeom prst="rect">
+            <a:avLst/>
+          </a:prstGeom>
+          <a:solidFill>
+            <a:schemeClr val="bg1"/>
+          </a:solidFill>
+          <a:ln w="19050">
+            <a:solidFill>
+              <a:schemeClr val="tx1"/>
+            </a:solidFill>
+          </a:ln>
+        </p:spPr>
+        <p:style>
+          <a:lnRef idx="2">
+            <a:schemeClr val="accent1">
+              <a:shade val="50000"/>
+            </a:schemeClr>
+          </a:lnRef>
+          <a:fillRef idx="1">
+            <a:schemeClr val="accent1"/>
+          </a:fillRef>
+          <a:effectRef idx="0">
+            <a:schemeClr val="accent1"/>
+          </a:effectRef>
+          <a:fontRef idx="minor">
+            <a:schemeClr val="lt1"/>
+          </a:fontRef>
+        </p:style>
+        <p:txBody>
+          <a:bodyPr rtlCol="0" anchor="ctr"/>
+          <a:lstStyle/>
+          <a:p>
+            <a:pPr algn="ctr"/>
+            <a:r>
+              <a:rPr lang="en-US" altLang="zh-CN" b="1" dirty="0">
+                <a:solidFill>
+                  <a:schemeClr val="tx1"/>
+                </a:solidFill>
+                <a:latin typeface="Times New Roman" panose="02020603050405020304" pitchFamily="18" charset="0"/>
+                <a:cs typeface="Times New Roman" panose="02020603050405020304" pitchFamily="18" charset="0"/>
+              </a:rPr>
+              <a:t>Acoustic</a:t>
+            </a:r>
+          </a:p>
+          <a:p>
+            <a:pPr algn="ctr"/>
+            <a:r>
+              <a:rPr lang="en-US" altLang="zh-CN" b="1" dirty="0">
+                <a:solidFill>
+                  <a:schemeClr val="tx1"/>
+                </a:solidFill>
+                <a:latin typeface="Times New Roman" panose="02020603050405020304" pitchFamily="18" charset="0"/>
+                <a:cs typeface="Times New Roman" panose="02020603050405020304" pitchFamily="18" charset="0"/>
+              </a:rPr>
+              <a:t>model</a:t>
+            </a:r>
+            <a:endParaRPr lang="zh-CN" altLang="en-US" b="1" dirty="0">
+              <a:solidFill>
+                <a:schemeClr val="tx1"/>
+              </a:solidFill>
+              <a:latin typeface="Times New Roman" panose="02020603050405020304" pitchFamily="18" charset="0"/>
+              <a:cs typeface="Times New Roman" panose="02020603050405020304" pitchFamily="18" charset="0"/>
+            </a:endParaRPr>
+          </a:p>
+        </p:txBody>
+      </p:sp>
+      <p:sp>
+        <p:nvSpPr>
+          <p:cNvPr id="14" name="矩形 13">
+            <a:extLst>
+              <a:ext uri="{FF2B5EF4-FFF2-40B4-BE49-F238E27FC236}">
+                <a16:creationId xmlns:a16="http://schemas.microsoft.com/office/drawing/2014/main" id="{0047F1D6-F6D0-4629-9C2C-8A6E65197B40}"/>
+              </a:ext>
+            </a:extLst>
+          </p:cNvPr>
+          <p:cNvSpPr/>
+          <p:nvPr/>
+        </p:nvSpPr>
+        <p:spPr>
+          <a:xfrm>
+            <a:off x="9582929" y="4482248"/>
+            <a:ext cx="1601018" cy="832701"/>
+          </a:xfrm>
+          <a:prstGeom prst="rect">
+            <a:avLst/>
+          </a:prstGeom>
+          <a:solidFill>
+            <a:schemeClr val="bg1"/>
+          </a:solidFill>
+          <a:ln w="19050">
+            <a:solidFill>
+              <a:schemeClr val="tx1"/>
+            </a:solidFill>
+          </a:ln>
+        </p:spPr>
+        <p:style>
+          <a:lnRef idx="2">
+            <a:schemeClr val="accent1">
+              <a:shade val="50000"/>
+            </a:schemeClr>
+          </a:lnRef>
+          <a:fillRef idx="1">
+            <a:schemeClr val="accent1"/>
+          </a:fillRef>
+          <a:effectRef idx="0">
+            <a:schemeClr val="accent1"/>
+          </a:effectRef>
+          <a:fontRef idx="minor">
+            <a:schemeClr val="lt1"/>
+          </a:fontRef>
+        </p:style>
+        <p:txBody>
+          <a:bodyPr rtlCol="0" anchor="ctr"/>
+          <a:lstStyle/>
+          <a:p>
+            <a:pPr algn="ctr"/>
+            <a:r>
+              <a:rPr lang="en-US" altLang="zh-CN" b="1" dirty="0">
+                <a:solidFill>
+                  <a:schemeClr val="tx1"/>
+                </a:solidFill>
+                <a:latin typeface="Times New Roman" panose="02020603050405020304" pitchFamily="18" charset="0"/>
+                <a:cs typeface="Times New Roman" panose="02020603050405020304" pitchFamily="18" charset="0"/>
+              </a:rPr>
+              <a:t>Pronunciation model</a:t>
+            </a:r>
+            <a:endParaRPr lang="zh-CN" altLang="en-US" b="1" dirty="0">
+              <a:solidFill>
+                <a:schemeClr val="tx1"/>
+              </a:solidFill>
+              <a:latin typeface="Times New Roman" panose="02020603050405020304" pitchFamily="18" charset="0"/>
+              <a:cs typeface="Times New Roman" panose="02020603050405020304" pitchFamily="18" charset="0"/>
+            </a:endParaRPr>
+          </a:p>
+        </p:txBody>
+      </p:sp>
+      <p:sp>
+        <p:nvSpPr>
+          <p:cNvPr id="16" name="矩形 15">
+            <a:extLst>
+              <a:ext uri="{FF2B5EF4-FFF2-40B4-BE49-F238E27FC236}">
+                <a16:creationId xmlns:a16="http://schemas.microsoft.com/office/drawing/2014/main" id="{258360EB-E755-451E-AEAD-B5AF1A497FA6}"/>
+              </a:ext>
+            </a:extLst>
+          </p:cNvPr>
+          <p:cNvSpPr/>
+          <p:nvPr/>
+        </p:nvSpPr>
+        <p:spPr>
+          <a:xfrm>
+            <a:off x="11569974" y="4482248"/>
+            <a:ext cx="1601018" cy="832701"/>
+          </a:xfrm>
+          <a:prstGeom prst="rect">
+            <a:avLst/>
+          </a:prstGeom>
+          <a:solidFill>
+            <a:schemeClr val="bg1"/>
+          </a:solidFill>
+          <a:ln w="19050">
+            <a:solidFill>
+              <a:schemeClr val="tx1"/>
+            </a:solidFill>
+          </a:ln>
+        </p:spPr>
+        <p:style>
+          <a:lnRef idx="2">
+            <a:schemeClr val="accent1">
+              <a:shade val="50000"/>
+            </a:schemeClr>
+          </a:lnRef>
+          <a:fillRef idx="1">
+            <a:schemeClr val="accent1"/>
+          </a:fillRef>
+          <a:effectRef idx="0">
+            <a:schemeClr val="accent1"/>
+          </a:effectRef>
+          <a:fontRef idx="minor">
+            <a:schemeClr val="lt1"/>
+          </a:fontRef>
+        </p:style>
+        <p:txBody>
+          <a:bodyPr rtlCol="0" anchor="ctr"/>
+          <a:lstStyle/>
+          <a:p>
+            <a:pPr algn="ctr"/>
+            <a:r>
+              <a:rPr lang="en-US" altLang="zh-CN" b="1" dirty="0">
+                <a:solidFill>
+                  <a:schemeClr val="tx1"/>
+                </a:solidFill>
+                <a:latin typeface="Times New Roman" panose="02020603050405020304" pitchFamily="18" charset="0"/>
+                <a:cs typeface="Times New Roman" panose="02020603050405020304" pitchFamily="18" charset="0"/>
+              </a:rPr>
+              <a:t>Language model</a:t>
+            </a:r>
+            <a:endParaRPr lang="zh-CN" altLang="en-US" b="1" dirty="0">
+              <a:solidFill>
+                <a:schemeClr val="tx1"/>
+              </a:solidFill>
+              <a:latin typeface="Times New Roman" panose="02020603050405020304" pitchFamily="18" charset="0"/>
+              <a:cs typeface="Times New Roman" panose="02020603050405020304" pitchFamily="18" charset="0"/>
+            </a:endParaRPr>
+          </a:p>
+        </p:txBody>
+      </p:sp>
+      <p:sp>
+        <p:nvSpPr>
+          <p:cNvPr id="17" name="箭头: 右 16">
+            <a:extLst>
+              <a:ext uri="{FF2B5EF4-FFF2-40B4-BE49-F238E27FC236}">
+                <a16:creationId xmlns:a16="http://schemas.microsoft.com/office/drawing/2014/main" id="{F8035F29-1A07-4850-A595-45CF8F7E52CA}"/>
+              </a:ext>
+            </a:extLst>
+          </p:cNvPr>
+          <p:cNvSpPr/>
+          <p:nvPr/>
+        </p:nvSpPr>
+        <p:spPr>
+          <a:xfrm flipV="1">
+            <a:off x="5222809" y="4844916"/>
+            <a:ext cx="386028" cy="107362"/>
+          </a:xfrm>
+          <a:prstGeom prst="rightArrow">
+            <a:avLst/>
+          </a:prstGeom>
+          <a:ln>
+            <a:noFill/>
+          </a:ln>
+        </p:spPr>
+        <p:style>
+          <a:lnRef idx="2">
+            <a:schemeClr val="accent1">
+              <a:shade val="50000"/>
+            </a:schemeClr>
+          </a:lnRef>
+          <a:fillRef idx="1">
+            <a:schemeClr val="accent1"/>
+          </a:fillRef>
+          <a:effectRef idx="0">
+            <a:schemeClr val="accent1"/>
+          </a:effectRef>
+          <a:fontRef idx="minor">
+            <a:schemeClr val="lt1"/>
+          </a:fontRef>
+        </p:style>
+        <p:txBody>
+          <a:bodyPr rtlCol="0" anchor="ctr"/>
+          <a:lstStyle/>
+          <a:p>
+            <a:pPr algn="ctr"/>
+            <a:endParaRPr lang="zh-CN" altLang="en-US" sz="1890"/>
+          </a:p>
+        </p:txBody>
+      </p:sp>
+      <p:sp>
+        <p:nvSpPr>
+          <p:cNvPr id="18" name="箭头: 右 17">
+            <a:extLst>
+              <a:ext uri="{FF2B5EF4-FFF2-40B4-BE49-F238E27FC236}">
+                <a16:creationId xmlns:a16="http://schemas.microsoft.com/office/drawing/2014/main" id="{7E344234-6814-48B9-916B-931533F147CB}"/>
+              </a:ext>
+            </a:extLst>
+          </p:cNvPr>
+          <p:cNvSpPr/>
+          <p:nvPr/>
+        </p:nvSpPr>
+        <p:spPr>
+          <a:xfrm flipV="1">
+            <a:off x="7209854" y="4844916"/>
+            <a:ext cx="386028" cy="107362"/>
+          </a:xfrm>
+          <a:prstGeom prst="rightArrow">
+            <a:avLst/>
+          </a:prstGeom>
+          <a:ln>
+            <a:noFill/>
+          </a:ln>
+        </p:spPr>
+        <p:style>
+          <a:lnRef idx="2">
+            <a:schemeClr val="accent1">
+              <a:shade val="50000"/>
+            </a:schemeClr>
+          </a:lnRef>
+          <a:fillRef idx="1">
+            <a:schemeClr val="accent1"/>
+          </a:fillRef>
+          <a:effectRef idx="0">
+            <a:schemeClr val="accent1"/>
+          </a:effectRef>
+          <a:fontRef idx="minor">
+            <a:schemeClr val="lt1"/>
+          </a:fontRef>
+        </p:style>
+        <p:txBody>
+          <a:bodyPr rtlCol="0" anchor="ctr"/>
+          <a:lstStyle/>
+          <a:p>
+            <a:pPr algn="ctr"/>
+            <a:endParaRPr lang="zh-CN" altLang="en-US" sz="1890"/>
+          </a:p>
+        </p:txBody>
+      </p:sp>
+      <p:sp>
+        <p:nvSpPr>
+          <p:cNvPr id="19" name="箭头: 右 18">
+            <a:extLst>
+              <a:ext uri="{FF2B5EF4-FFF2-40B4-BE49-F238E27FC236}">
+                <a16:creationId xmlns:a16="http://schemas.microsoft.com/office/drawing/2014/main" id="{F220A884-D2D9-4F99-B718-98C9A4C81BA7}"/>
+              </a:ext>
+            </a:extLst>
+          </p:cNvPr>
+          <p:cNvSpPr/>
+          <p:nvPr/>
+        </p:nvSpPr>
+        <p:spPr>
+          <a:xfrm flipV="1">
+            <a:off x="9196899" y="4844916"/>
+            <a:ext cx="386028" cy="107362"/>
+          </a:xfrm>
+          <a:prstGeom prst="rightArrow">
+            <a:avLst/>
+          </a:prstGeom>
+          <a:ln>
+            <a:noFill/>
+          </a:ln>
+        </p:spPr>
+        <p:style>
+          <a:lnRef idx="2">
+            <a:schemeClr val="accent1">
+              <a:shade val="50000"/>
+            </a:schemeClr>
+          </a:lnRef>
+          <a:fillRef idx="1">
+            <a:schemeClr val="accent1"/>
+          </a:fillRef>
+          <a:effectRef idx="0">
+            <a:schemeClr val="accent1"/>
+          </a:effectRef>
+          <a:fontRef idx="minor">
+            <a:schemeClr val="lt1"/>
+          </a:fontRef>
+        </p:style>
+        <p:txBody>
+          <a:bodyPr rtlCol="0" anchor="ctr"/>
+          <a:lstStyle/>
+          <a:p>
+            <a:pPr algn="ctr"/>
+            <a:endParaRPr lang="zh-CN" altLang="en-US" sz="1890"/>
+          </a:p>
+        </p:txBody>
+      </p:sp>
+      <p:sp>
+        <p:nvSpPr>
+          <p:cNvPr id="20" name="箭头: 右 19">
+            <a:extLst>
+              <a:ext uri="{FF2B5EF4-FFF2-40B4-BE49-F238E27FC236}">
+                <a16:creationId xmlns:a16="http://schemas.microsoft.com/office/drawing/2014/main" id="{62611EAA-DD8A-4AC7-93F9-07652DFAF0F1}"/>
+              </a:ext>
+            </a:extLst>
+          </p:cNvPr>
+          <p:cNvSpPr/>
+          <p:nvPr/>
+        </p:nvSpPr>
+        <p:spPr>
+          <a:xfrm flipV="1">
+            <a:off x="11183946" y="4844916"/>
+            <a:ext cx="386028" cy="107362"/>
+          </a:xfrm>
+          <a:prstGeom prst="rightArrow">
+            <a:avLst/>
+          </a:prstGeom>
+          <a:ln>
+            <a:noFill/>
+          </a:ln>
+        </p:spPr>
+        <p:style>
+          <a:lnRef idx="2">
+            <a:schemeClr val="accent1">
+              <a:shade val="50000"/>
+            </a:schemeClr>
+          </a:lnRef>
+          <a:fillRef idx="1">
+            <a:schemeClr val="accent1"/>
+          </a:fillRef>
+          <a:effectRef idx="0">
+            <a:schemeClr val="accent1"/>
+          </a:effectRef>
+          <a:fontRef idx="minor">
+            <a:schemeClr val="lt1"/>
+          </a:fontRef>
+        </p:style>
+        <p:txBody>
+          <a:bodyPr rtlCol="0" anchor="ctr"/>
+          <a:lstStyle/>
+          <a:p>
+            <a:pPr algn="ctr"/>
+            <a:endParaRPr lang="zh-CN" altLang="en-US" sz="1890"/>
+          </a:p>
+        </p:txBody>
+      </p:sp>
+      <p:sp>
+        <p:nvSpPr>
+          <p:cNvPr id="21" name="箭头: 右 20">
+            <a:extLst>
+              <a:ext uri="{FF2B5EF4-FFF2-40B4-BE49-F238E27FC236}">
+                <a16:creationId xmlns:a16="http://schemas.microsoft.com/office/drawing/2014/main" id="{2C0CF36B-CE05-40E8-B0B3-14C0548A6E75}"/>
+              </a:ext>
+            </a:extLst>
+          </p:cNvPr>
+          <p:cNvSpPr/>
+          <p:nvPr/>
+        </p:nvSpPr>
+        <p:spPr>
+          <a:xfrm flipV="1">
+            <a:off x="13170991" y="4844916"/>
+            <a:ext cx="386028" cy="107362"/>
+          </a:xfrm>
+          <a:prstGeom prst="rightArrow">
+            <a:avLst/>
+          </a:prstGeom>
+          <a:ln>
+            <a:noFill/>
+          </a:ln>
+        </p:spPr>
+        <p:style>
+          <a:lnRef idx="2">
+            <a:schemeClr val="accent1">
+              <a:shade val="50000"/>
+            </a:schemeClr>
+          </a:lnRef>
+          <a:fillRef idx="1">
+            <a:schemeClr val="accent1"/>
+          </a:fillRef>
+          <a:effectRef idx="0">
+            <a:schemeClr val="accent1"/>
+          </a:effectRef>
+          <a:fontRef idx="minor">
+            <a:schemeClr val="lt1"/>
+          </a:fontRef>
+        </p:style>
+        <p:txBody>
+          <a:bodyPr rtlCol="0" anchor="ctr"/>
+          <a:lstStyle/>
+          <a:p>
+            <a:pPr algn="ctr"/>
+            <a:endParaRPr lang="zh-CN" altLang="en-US" sz="1890"/>
+          </a:p>
+        </p:txBody>
+      </p:sp>
+      <p:sp>
+        <p:nvSpPr>
+          <p:cNvPr id="22" name="文本框 21">
+            <a:extLst>
+              <a:ext uri="{FF2B5EF4-FFF2-40B4-BE49-F238E27FC236}">
+                <a16:creationId xmlns:a16="http://schemas.microsoft.com/office/drawing/2014/main" id="{78B95B22-FE63-4C47-8197-985F87AD2B3E}"/>
+              </a:ext>
+            </a:extLst>
+          </p:cNvPr>
+          <p:cNvSpPr txBox="1"/>
+          <p:nvPr/>
+        </p:nvSpPr>
+        <p:spPr>
+          <a:xfrm>
+            <a:off x="13524066" y="4891672"/>
+            <a:ext cx="1780296" cy="383182"/>
+          </a:xfrm>
+          <a:prstGeom prst="rect">
+            <a:avLst/>
+          </a:prstGeom>
+          <a:noFill/>
+        </p:spPr>
+        <p:txBody>
+          <a:bodyPr wrap="none" rtlCol="0">
+            <a:spAutoFit/>
+          </a:bodyPr>
+          <a:lstStyle/>
+          <a:p>
+            <a:pPr algn="ctr"/>
+            <a:r>
+              <a:rPr lang="en-US" altLang="zh-CN" sz="1890" b="1" i="1" dirty="0">
+                <a:latin typeface="Times New Roman" panose="02020603050405020304" pitchFamily="18" charset="0"/>
+                <a:cs typeface="Times New Roman" panose="02020603050405020304" pitchFamily="18" charset="0"/>
+              </a:rPr>
+              <a:t>“take a picture”</a:t>
+            </a:r>
+            <a:endParaRPr lang="zh-CN" altLang="en-US" sz="1890" b="1" i="1" dirty="0">
+              <a:latin typeface="Times New Roman" panose="02020603050405020304" pitchFamily="18" charset="0"/>
+              <a:cs typeface="Times New Roman" panose="02020603050405020304" pitchFamily="18" charset="0"/>
+            </a:endParaRPr>
+          </a:p>
+        </p:txBody>
+      </p:sp>
+      <p:sp>
+        <p:nvSpPr>
+          <p:cNvPr id="23" name="文本框 22">
+            <a:extLst>
+              <a:ext uri="{FF2B5EF4-FFF2-40B4-BE49-F238E27FC236}">
+                <a16:creationId xmlns:a16="http://schemas.microsoft.com/office/drawing/2014/main" id="{FCBB539D-D88E-4981-B69C-6FBC427706F4}"/>
+              </a:ext>
+            </a:extLst>
+          </p:cNvPr>
+          <p:cNvSpPr txBox="1"/>
+          <p:nvPr/>
+        </p:nvSpPr>
+        <p:spPr>
+          <a:xfrm>
+            <a:off x="9359212" y="5763771"/>
+            <a:ext cx="2026790" cy="1121846"/>
+          </a:xfrm>
+          <a:prstGeom prst="rect">
+            <a:avLst/>
+          </a:prstGeom>
+          <a:noFill/>
+        </p:spPr>
+        <p:txBody>
+          <a:bodyPr wrap="square" rtlCol="0">
+            <a:spAutoFit/>
+          </a:bodyPr>
+          <a:lstStyle/>
+          <a:p>
+            <a:r>
+              <a:rPr lang="en-US" altLang="zh-CN" sz="1600" dirty="0">
+                <a:latin typeface="Times New Roman" panose="02020603050405020304" pitchFamily="18" charset="0"/>
+                <a:cs typeface="Times New Roman" panose="02020603050405020304" pitchFamily="18" charset="0"/>
+              </a:rPr>
+              <a:t>     /</a:t>
+            </a:r>
+            <a:r>
+              <a:rPr lang="en-US" altLang="zh-CN" sz="1600" dirty="0" err="1">
+                <a:latin typeface="Times New Roman" panose="02020603050405020304" pitchFamily="18" charset="0"/>
+                <a:cs typeface="Times New Roman" panose="02020603050405020304" pitchFamily="18" charset="0"/>
+              </a:rPr>
+              <a:t>teɪk</a:t>
+            </a:r>
+            <a:r>
+              <a:rPr lang="en-US" altLang="zh-CN" sz="1600" dirty="0">
+                <a:latin typeface="Times New Roman" panose="02020603050405020304" pitchFamily="18" charset="0"/>
+                <a:cs typeface="Times New Roman" panose="02020603050405020304" pitchFamily="18" charset="0"/>
+              </a:rPr>
+              <a:t>/     </a:t>
+            </a:r>
+            <a:r>
+              <a:rPr lang="zh-CN" altLang="en-US" sz="1600" dirty="0">
+                <a:latin typeface="Times New Roman" panose="02020603050405020304" pitchFamily="18" charset="0"/>
+                <a:cs typeface="Times New Roman" panose="02020603050405020304" pitchFamily="18" charset="0"/>
+              </a:rPr>
+              <a:t>→     </a:t>
+            </a:r>
+            <a:r>
+              <a:rPr lang="en-US" altLang="zh-CN" sz="1600" dirty="0">
+                <a:latin typeface="Times New Roman" panose="02020603050405020304" pitchFamily="18" charset="0"/>
+                <a:cs typeface="Times New Roman" panose="02020603050405020304" pitchFamily="18" charset="0"/>
+              </a:rPr>
+              <a:t>take</a:t>
+            </a:r>
+          </a:p>
+          <a:p>
+            <a:r>
+              <a:rPr lang="en-US" altLang="zh-CN" sz="1600" dirty="0">
+                <a:latin typeface="Times New Roman" panose="02020603050405020304" pitchFamily="18" charset="0"/>
+                <a:cs typeface="Times New Roman" panose="02020603050405020304" pitchFamily="18" charset="0"/>
+              </a:rPr>
+              <a:t>       /</a:t>
+            </a:r>
+            <a:r>
+              <a:rPr lang="en-US" altLang="zh-CN" sz="1600" dirty="0" err="1">
+                <a:latin typeface="Times New Roman" panose="02020603050405020304" pitchFamily="18" charset="0"/>
+                <a:cs typeface="Times New Roman" panose="02020603050405020304" pitchFamily="18" charset="0"/>
+              </a:rPr>
+              <a:t>eɪ</a:t>
+            </a:r>
+            <a:r>
+              <a:rPr lang="en-US" altLang="zh-CN" sz="1600" dirty="0">
+                <a:latin typeface="Times New Roman" panose="02020603050405020304" pitchFamily="18" charset="0"/>
+                <a:cs typeface="Times New Roman" panose="02020603050405020304" pitchFamily="18" charset="0"/>
+              </a:rPr>
+              <a:t>/      </a:t>
+            </a:r>
+            <a:r>
+              <a:rPr lang="zh-CN" altLang="en-US" sz="1600" dirty="0">
+                <a:latin typeface="Times New Roman" panose="02020603050405020304" pitchFamily="18" charset="0"/>
+                <a:cs typeface="Times New Roman" panose="02020603050405020304" pitchFamily="18" charset="0"/>
+              </a:rPr>
+              <a:t>→      </a:t>
+            </a:r>
+            <a:r>
+              <a:rPr lang="en-US" altLang="zh-CN" sz="1600" dirty="0">
+                <a:latin typeface="Times New Roman" panose="02020603050405020304" pitchFamily="18" charset="0"/>
+                <a:cs typeface="Times New Roman" panose="02020603050405020304" pitchFamily="18" charset="0"/>
+              </a:rPr>
+              <a:t>a   </a:t>
+            </a:r>
+          </a:p>
+          <a:p>
+            <a:r>
+              <a:rPr lang="en-US" altLang="zh-CN" sz="1600" dirty="0">
+                <a:latin typeface="Times New Roman" panose="02020603050405020304" pitchFamily="18" charset="0"/>
+                <a:cs typeface="Times New Roman" panose="02020603050405020304" pitchFamily="18" charset="0"/>
+              </a:rPr>
+              <a:t>/ˈ</a:t>
+            </a:r>
+            <a:r>
+              <a:rPr lang="en-US" altLang="zh-CN" sz="1600" dirty="0" err="1">
+                <a:latin typeface="Times New Roman" panose="02020603050405020304" pitchFamily="18" charset="0"/>
+                <a:cs typeface="Times New Roman" panose="02020603050405020304" pitchFamily="18" charset="0"/>
+              </a:rPr>
+              <a:t>pɪktʃə</a:t>
+            </a:r>
+            <a:r>
+              <a:rPr lang="en-US" altLang="zh-CN" sz="1600" dirty="0">
+                <a:latin typeface="Times New Roman" panose="02020603050405020304" pitchFamily="18" charset="0"/>
+                <a:cs typeface="Times New Roman" panose="02020603050405020304" pitchFamily="18" charset="0"/>
+              </a:rPr>
+              <a:t>(r)/</a:t>
+            </a:r>
+            <a:r>
+              <a:rPr lang="zh-CN" altLang="en-US" sz="1600" dirty="0">
+                <a:latin typeface="Times New Roman" panose="02020603050405020304" pitchFamily="18" charset="0"/>
+                <a:cs typeface="Times New Roman" panose="02020603050405020304" pitchFamily="18" charset="0"/>
+              </a:rPr>
+              <a:t> →</a:t>
+            </a:r>
+            <a:r>
+              <a:rPr lang="en-US" altLang="zh-CN" sz="1600" dirty="0">
+                <a:latin typeface="Times New Roman" panose="02020603050405020304" pitchFamily="18" charset="0"/>
+                <a:cs typeface="Times New Roman" panose="02020603050405020304" pitchFamily="18" charset="0"/>
+              </a:rPr>
+              <a:t>   picture</a:t>
+            </a:r>
+          </a:p>
+          <a:p>
+            <a:endParaRPr lang="en-US" altLang="zh-CN" sz="1890" dirty="0">
+              <a:latin typeface="Times New Roman" panose="02020603050405020304" pitchFamily="18" charset="0"/>
+              <a:cs typeface="Times New Roman" panose="02020603050405020304" pitchFamily="18" charset="0"/>
+            </a:endParaRPr>
+          </a:p>
+        </p:txBody>
+      </p:sp>
+      <p:grpSp>
+        <p:nvGrpSpPr>
+          <p:cNvPr id="62" name="组合 61">
+            <a:extLst>
+              <a:ext uri="{FF2B5EF4-FFF2-40B4-BE49-F238E27FC236}">
+                <a16:creationId xmlns:a16="http://schemas.microsoft.com/office/drawing/2014/main" id="{E82AC62E-B029-4BEE-9D89-F978344E5356}"/>
+              </a:ext>
+            </a:extLst>
+          </p:cNvPr>
+          <p:cNvGrpSpPr/>
+          <p:nvPr/>
+        </p:nvGrpSpPr>
+        <p:grpSpPr>
+          <a:xfrm>
+            <a:off x="7833228" y="5661727"/>
+            <a:ext cx="1126322" cy="639195"/>
+            <a:chOff x="7595881" y="5831484"/>
+            <a:chExt cx="1601018" cy="908588"/>
+          </a:xfrm>
+        </p:grpSpPr>
+        <p:sp>
+          <p:nvSpPr>
+            <p:cNvPr id="2" name="矩形 1">
+              <a:extLst>
+                <a:ext uri="{FF2B5EF4-FFF2-40B4-BE49-F238E27FC236}">
+                  <a16:creationId xmlns:a16="http://schemas.microsoft.com/office/drawing/2014/main" id="{71FC9794-E31B-4872-A3C1-EA03578924DC}"/>
+                </a:ext>
+              </a:extLst>
+            </p:cNvPr>
+            <p:cNvSpPr/>
+            <p:nvPr/>
+          </p:nvSpPr>
+          <p:spPr>
+            <a:xfrm>
+              <a:off x="7595881" y="5831484"/>
+              <a:ext cx="1601018" cy="908588"/>
+            </a:xfrm>
+            <a:prstGeom prst="rect">
+              <a:avLst/>
+            </a:prstGeom>
+            <a:noFill/>
+            <a:ln w="19050">
+              <a:solidFill>
+                <a:schemeClr val="tx1"/>
+              </a:solidFill>
+              <a:prstDash val="dash"/>
+            </a:ln>
+          </p:spPr>
+          <p:style>
+            <a:lnRef idx="2">
+              <a:schemeClr val="accent1">
+                <a:shade val="50000"/>
+              </a:schemeClr>
+            </a:lnRef>
+            <a:fillRef idx="1">
+              <a:schemeClr val="accent1"/>
+            </a:fillRef>
+            <a:effectRef idx="0">
+              <a:schemeClr val="accent1"/>
+            </a:effectRef>
+            <a:fontRef idx="minor">
+              <a:schemeClr val="lt1"/>
+            </a:fontRef>
+          </p:style>
+          <p:txBody>
+            <a:bodyPr rtlCol="0" anchor="ctr"/>
+            <a:lstStyle/>
+            <a:p>
+              <a:pPr algn="ctr"/>
+              <a:endParaRPr lang="zh-CN" altLang="en-US" dirty="0"/>
+            </a:p>
+          </p:txBody>
+        </p:sp>
+        <p:grpSp>
+          <p:nvGrpSpPr>
+            <p:cNvPr id="52" name="组合 51">
+              <a:extLst>
+                <a:ext uri="{FF2B5EF4-FFF2-40B4-BE49-F238E27FC236}">
+                  <a16:creationId xmlns:a16="http://schemas.microsoft.com/office/drawing/2014/main" id="{7EC02295-86AE-4C51-92DB-5D731EAEF4FE}"/>
+                </a:ext>
+              </a:extLst>
+            </p:cNvPr>
+            <p:cNvGrpSpPr/>
+            <p:nvPr/>
+          </p:nvGrpSpPr>
+          <p:grpSpPr>
+            <a:xfrm>
+              <a:off x="7680784" y="6095156"/>
+              <a:ext cx="1443237" cy="529644"/>
+              <a:chOff x="3292308" y="7277740"/>
+              <a:chExt cx="2316529" cy="850128"/>
+            </a:xfrm>
+          </p:grpSpPr>
+          <p:sp>
+            <p:nvSpPr>
+              <p:cNvPr id="3" name="流程图: 接点 2">
+                <a:extLst>
+                  <a:ext uri="{FF2B5EF4-FFF2-40B4-BE49-F238E27FC236}">
+                    <a16:creationId xmlns:a16="http://schemas.microsoft.com/office/drawing/2014/main" id="{6F1DBA45-BE85-4C25-8114-15B422BAA5F1}"/>
+                  </a:ext>
+                </a:extLst>
+              </p:cNvPr>
+              <p:cNvSpPr/>
+              <p:nvPr/>
+            </p:nvSpPr>
+            <p:spPr>
+              <a:xfrm>
+                <a:off x="4205508" y="7277740"/>
+                <a:ext cx="490129" cy="490129"/>
+              </a:xfrm>
+              <a:prstGeom prst="flowChartConnector">
+                <a:avLst/>
+              </a:prstGeom>
+              <a:noFill/>
+              <a:ln w="19050">
+                <a:solidFill>
+                  <a:schemeClr val="tx1"/>
+                </a:solidFill>
+              </a:ln>
+            </p:spPr>
+            <p:style>
+              <a:lnRef idx="2">
+                <a:schemeClr val="accent1">
+                  <a:shade val="50000"/>
+                </a:schemeClr>
+              </a:lnRef>
+              <a:fillRef idx="1">
+                <a:schemeClr val="accent1"/>
+              </a:fillRef>
+              <a:effectRef idx="0">
+                <a:schemeClr val="accent1"/>
+              </a:effectRef>
+              <a:fontRef idx="minor">
+                <a:schemeClr val="lt1"/>
+              </a:fontRef>
+            </p:style>
+            <p:txBody>
+              <a:bodyPr rtlCol="0" anchor="ctr"/>
+              <a:lstStyle/>
+              <a:p>
+                <a:pPr algn="ctr"/>
+                <a:endParaRPr lang="zh-CN" altLang="en-US" dirty="0"/>
+              </a:p>
+            </p:txBody>
+          </p:sp>
+          <p:sp>
+            <p:nvSpPr>
+              <p:cNvPr id="25" name="流程图: 接点 24">
+                <a:extLst>
+                  <a:ext uri="{FF2B5EF4-FFF2-40B4-BE49-F238E27FC236}">
+                    <a16:creationId xmlns:a16="http://schemas.microsoft.com/office/drawing/2014/main" id="{4D8BD399-F9BE-427D-9E50-94C937D9FD98}"/>
+                  </a:ext>
+                </a:extLst>
+              </p:cNvPr>
+              <p:cNvSpPr/>
+              <p:nvPr/>
+            </p:nvSpPr>
+            <p:spPr>
+              <a:xfrm>
+                <a:off x="3292308" y="7277740"/>
+                <a:ext cx="490129" cy="490129"/>
+              </a:xfrm>
+              <a:prstGeom prst="flowChartConnector">
+                <a:avLst/>
+              </a:prstGeom>
+              <a:noFill/>
+              <a:ln w="19050">
+                <a:solidFill>
+                  <a:schemeClr val="tx1"/>
+                </a:solidFill>
+              </a:ln>
+            </p:spPr>
+            <p:style>
+              <a:lnRef idx="2">
+                <a:schemeClr val="accent1">
+                  <a:shade val="50000"/>
+                </a:schemeClr>
+              </a:lnRef>
+              <a:fillRef idx="1">
+                <a:schemeClr val="accent1"/>
+              </a:fillRef>
+              <a:effectRef idx="0">
+                <a:schemeClr val="accent1"/>
+              </a:effectRef>
+              <a:fontRef idx="minor">
+                <a:schemeClr val="lt1"/>
+              </a:fontRef>
+            </p:style>
+            <p:txBody>
+              <a:bodyPr rtlCol="0" anchor="ctr"/>
+              <a:lstStyle/>
+              <a:p>
+                <a:pPr algn="ctr"/>
+                <a:endParaRPr lang="zh-CN" altLang="en-US" dirty="0"/>
+              </a:p>
+            </p:txBody>
+          </p:sp>
+          <p:sp>
+            <p:nvSpPr>
+              <p:cNvPr id="26" name="流程图: 接点 25">
+                <a:extLst>
+                  <a:ext uri="{FF2B5EF4-FFF2-40B4-BE49-F238E27FC236}">
+                    <a16:creationId xmlns:a16="http://schemas.microsoft.com/office/drawing/2014/main" id="{E6063984-78FF-4418-98EA-26073C7304B4}"/>
+                  </a:ext>
+                </a:extLst>
+              </p:cNvPr>
+              <p:cNvSpPr/>
+              <p:nvPr/>
+            </p:nvSpPr>
+            <p:spPr>
+              <a:xfrm>
+                <a:off x="5118708" y="7277740"/>
+                <a:ext cx="490129" cy="490129"/>
+              </a:xfrm>
+              <a:prstGeom prst="flowChartConnector">
+                <a:avLst/>
+              </a:prstGeom>
+              <a:noFill/>
+              <a:ln w="19050">
+                <a:solidFill>
+                  <a:schemeClr val="tx1"/>
+                </a:solidFill>
+              </a:ln>
+            </p:spPr>
+            <p:style>
+              <a:lnRef idx="2">
+                <a:schemeClr val="accent1">
+                  <a:shade val="50000"/>
+                </a:schemeClr>
+              </a:lnRef>
+              <a:fillRef idx="1">
+                <a:schemeClr val="accent1"/>
+              </a:fillRef>
+              <a:effectRef idx="0">
+                <a:schemeClr val="accent1"/>
+              </a:effectRef>
+              <a:fontRef idx="minor">
+                <a:schemeClr val="lt1"/>
+              </a:fontRef>
+            </p:style>
+            <p:txBody>
+              <a:bodyPr rtlCol="0" anchor="ctr"/>
+              <a:lstStyle/>
+              <a:p>
+                <a:pPr algn="ctr"/>
+                <a:endParaRPr lang="zh-CN" altLang="en-US" dirty="0"/>
+              </a:p>
+            </p:txBody>
+          </p:sp>
+          <p:cxnSp>
+            <p:nvCxnSpPr>
+              <p:cNvPr id="34" name="连接符: 曲线 33">
+                <a:extLst>
+                  <a:ext uri="{FF2B5EF4-FFF2-40B4-BE49-F238E27FC236}">
+                    <a16:creationId xmlns:a16="http://schemas.microsoft.com/office/drawing/2014/main" id="{9E83F3BC-114E-4684-A978-7D09C668117B}"/>
+                  </a:ext>
+                </a:extLst>
+              </p:cNvPr>
+              <p:cNvCxnSpPr>
+                <a:stCxn id="26" idx="7"/>
+                <a:endCxn id="26" idx="1"/>
+              </p:cNvCxnSpPr>
+              <p:nvPr/>
+            </p:nvCxnSpPr>
+            <p:spPr>
+              <a:xfrm rot="16200000" flipV="1">
+                <a:off x="5363773" y="7176231"/>
+                <a:ext cx="12700" cy="346573"/>
+              </a:xfrm>
+              <a:prstGeom prst="curvedConnector3">
+                <a:avLst>
+                  <a:gd name="adj1" fmla="val 2365181"/>
+                </a:avLst>
+              </a:prstGeom>
+              <a:ln w="19050">
+                <a:solidFill>
+                  <a:schemeClr val="tx1"/>
+                </a:solidFill>
+                <a:tailEnd type="triangle"/>
+              </a:ln>
+            </p:spPr>
+            <p:style>
+              <a:lnRef idx="1">
+                <a:schemeClr val="accent1"/>
+              </a:lnRef>
+              <a:fillRef idx="0">
+                <a:schemeClr val="accent1"/>
+              </a:fillRef>
+              <a:effectRef idx="0">
+                <a:schemeClr val="accent1"/>
+              </a:effectRef>
+              <a:fontRef idx="minor">
+                <a:schemeClr val="tx1"/>
+              </a:fontRef>
+            </p:style>
+          </p:cxnSp>
+          <p:cxnSp>
+            <p:nvCxnSpPr>
+              <p:cNvPr id="36" name="连接符: 曲线 35">
+                <a:extLst>
+                  <a:ext uri="{FF2B5EF4-FFF2-40B4-BE49-F238E27FC236}">
+                    <a16:creationId xmlns:a16="http://schemas.microsoft.com/office/drawing/2014/main" id="{B057B026-4E52-4121-906E-E6DB6AE45440}"/>
+                  </a:ext>
+                </a:extLst>
+              </p:cNvPr>
+              <p:cNvCxnSpPr>
+                <a:stCxn id="3" idx="7"/>
+                <a:endCxn id="3" idx="1"/>
+              </p:cNvCxnSpPr>
+              <p:nvPr/>
+            </p:nvCxnSpPr>
+            <p:spPr>
+              <a:xfrm rot="16200000" flipV="1">
+                <a:off x="4450573" y="7176231"/>
+                <a:ext cx="12700" cy="346573"/>
+              </a:xfrm>
+              <a:prstGeom prst="curvedConnector3">
+                <a:avLst>
+                  <a:gd name="adj1" fmla="val 2365181"/>
+                </a:avLst>
+              </a:prstGeom>
+              <a:ln w="19050">
+                <a:solidFill>
+                  <a:schemeClr val="tx1"/>
+                </a:solidFill>
+                <a:tailEnd type="triangle"/>
+              </a:ln>
+            </p:spPr>
+            <p:style>
+              <a:lnRef idx="1">
+                <a:schemeClr val="accent1"/>
+              </a:lnRef>
+              <a:fillRef idx="0">
+                <a:schemeClr val="accent1"/>
+              </a:fillRef>
+              <a:effectRef idx="0">
+                <a:schemeClr val="accent1"/>
+              </a:effectRef>
+              <a:fontRef idx="minor">
+                <a:schemeClr val="tx1"/>
+              </a:fontRef>
+            </p:style>
+          </p:cxnSp>
+          <p:cxnSp>
+            <p:nvCxnSpPr>
+              <p:cNvPr id="38" name="连接符: 曲线 37">
+                <a:extLst>
+                  <a:ext uri="{FF2B5EF4-FFF2-40B4-BE49-F238E27FC236}">
+                    <a16:creationId xmlns:a16="http://schemas.microsoft.com/office/drawing/2014/main" id="{9EAD1DBB-6A76-4D1B-AB8D-D6894053B651}"/>
+                  </a:ext>
+                </a:extLst>
+              </p:cNvPr>
+              <p:cNvCxnSpPr>
+                <a:stCxn id="25" idx="7"/>
+                <a:endCxn id="25" idx="1"/>
+              </p:cNvCxnSpPr>
+              <p:nvPr/>
+            </p:nvCxnSpPr>
+            <p:spPr>
+              <a:xfrm rot="16200000" flipV="1">
+                <a:off x="3537373" y="7176231"/>
+                <a:ext cx="12700" cy="346573"/>
+              </a:xfrm>
+              <a:prstGeom prst="curvedConnector3">
+                <a:avLst>
+                  <a:gd name="adj1" fmla="val 2365181"/>
+                </a:avLst>
+              </a:prstGeom>
+              <a:ln w="19050">
+                <a:solidFill>
+                  <a:schemeClr val="tx1"/>
+                </a:solidFill>
+                <a:tailEnd type="triangle"/>
+              </a:ln>
+            </p:spPr>
+            <p:style>
+              <a:lnRef idx="1">
+                <a:schemeClr val="accent1"/>
+              </a:lnRef>
+              <a:fillRef idx="0">
+                <a:schemeClr val="accent1"/>
+              </a:fillRef>
+              <a:effectRef idx="0">
+                <a:schemeClr val="accent1"/>
+              </a:effectRef>
+              <a:fontRef idx="minor">
+                <a:schemeClr val="tx1"/>
+              </a:fontRef>
+            </p:style>
+          </p:cxnSp>
+          <p:cxnSp>
+            <p:nvCxnSpPr>
+              <p:cNvPr id="40" name="直接箭头连接符 39">
+                <a:extLst>
+                  <a:ext uri="{FF2B5EF4-FFF2-40B4-BE49-F238E27FC236}">
+                    <a16:creationId xmlns:a16="http://schemas.microsoft.com/office/drawing/2014/main" id="{B3C36ADD-A28B-4729-9C80-B1CA482D1AE7}"/>
+                  </a:ext>
+                </a:extLst>
+              </p:cNvPr>
+              <p:cNvCxnSpPr>
+                <a:stCxn id="3" idx="2"/>
+                <a:endCxn id="25" idx="6"/>
+              </p:cNvCxnSpPr>
+              <p:nvPr/>
+            </p:nvCxnSpPr>
+            <p:spPr>
+              <a:xfrm flipH="1">
+                <a:off x="3782437" y="7522805"/>
+                <a:ext cx="423071" cy="0"/>
+              </a:xfrm>
+              <a:prstGeom prst="straightConnector1">
+                <a:avLst/>
+              </a:prstGeom>
+              <a:ln w="19050">
+                <a:solidFill>
+                  <a:schemeClr val="tx1"/>
+                </a:solidFill>
+                <a:tailEnd type="triangle"/>
+              </a:ln>
+            </p:spPr>
+            <p:style>
+              <a:lnRef idx="1">
+                <a:schemeClr val="accent1"/>
+              </a:lnRef>
+              <a:fillRef idx="0">
+                <a:schemeClr val="accent1"/>
+              </a:fillRef>
+              <a:effectRef idx="0">
+                <a:schemeClr val="accent1"/>
+              </a:effectRef>
+              <a:fontRef idx="minor">
+                <a:schemeClr val="tx1"/>
+              </a:fontRef>
+            </p:style>
+          </p:cxnSp>
+          <p:cxnSp>
+            <p:nvCxnSpPr>
+              <p:cNvPr id="42" name="直接箭头连接符 41">
+                <a:extLst>
+                  <a:ext uri="{FF2B5EF4-FFF2-40B4-BE49-F238E27FC236}">
+                    <a16:creationId xmlns:a16="http://schemas.microsoft.com/office/drawing/2014/main" id="{ADDFA026-3642-4B38-896D-449B02179B6D}"/>
+                  </a:ext>
+                </a:extLst>
+              </p:cNvPr>
+              <p:cNvCxnSpPr>
+                <a:stCxn id="26" idx="2"/>
+                <a:endCxn id="3" idx="6"/>
+              </p:cNvCxnSpPr>
+              <p:nvPr/>
+            </p:nvCxnSpPr>
+            <p:spPr>
+              <a:xfrm flipH="1">
+                <a:off x="4695637" y="7522805"/>
+                <a:ext cx="423071" cy="0"/>
+              </a:xfrm>
+              <a:prstGeom prst="straightConnector1">
+                <a:avLst/>
+              </a:prstGeom>
+              <a:ln w="19050">
+                <a:solidFill>
+                  <a:schemeClr val="tx1"/>
+                </a:solidFill>
+                <a:tailEnd type="triangle"/>
+              </a:ln>
+            </p:spPr>
+            <p:style>
+              <a:lnRef idx="1">
+                <a:schemeClr val="accent1"/>
+              </a:lnRef>
+              <a:fillRef idx="0">
+                <a:schemeClr val="accent1"/>
+              </a:fillRef>
+              <a:effectRef idx="0">
+                <a:schemeClr val="accent1"/>
+              </a:effectRef>
+              <a:fontRef idx="minor">
+                <a:schemeClr val="tx1"/>
+              </a:fontRef>
+            </p:style>
+          </p:cxnSp>
+          <p:cxnSp>
+            <p:nvCxnSpPr>
+              <p:cNvPr id="46" name="直接箭头连接符 45">
+                <a:extLst>
+                  <a:ext uri="{FF2B5EF4-FFF2-40B4-BE49-F238E27FC236}">
+                    <a16:creationId xmlns:a16="http://schemas.microsoft.com/office/drawing/2014/main" id="{5EBF9EDD-EA15-4A08-ADD8-32D11D029C73}"/>
+                  </a:ext>
+                </a:extLst>
+              </p:cNvPr>
+              <p:cNvCxnSpPr>
+                <a:stCxn id="25" idx="4"/>
+              </p:cNvCxnSpPr>
+              <p:nvPr/>
+            </p:nvCxnSpPr>
+            <p:spPr>
+              <a:xfrm>
+                <a:off x="3537373" y="7767868"/>
+                <a:ext cx="6350" cy="360000"/>
+              </a:xfrm>
+              <a:prstGeom prst="straightConnector1">
+                <a:avLst/>
+              </a:prstGeom>
+              <a:ln w="19050">
+                <a:solidFill>
+                  <a:schemeClr val="tx1"/>
+                </a:solidFill>
+                <a:tailEnd type="triangle"/>
+              </a:ln>
+            </p:spPr>
+            <p:style>
+              <a:lnRef idx="1">
+                <a:schemeClr val="accent1"/>
+              </a:lnRef>
+              <a:fillRef idx="0">
+                <a:schemeClr val="accent1"/>
+              </a:fillRef>
+              <a:effectRef idx="0">
+                <a:schemeClr val="accent1"/>
+              </a:effectRef>
+              <a:fontRef idx="minor">
+                <a:schemeClr val="tx1"/>
+              </a:fontRef>
+            </p:style>
+          </p:cxnSp>
+          <p:cxnSp>
+            <p:nvCxnSpPr>
+              <p:cNvPr id="48" name="直接箭头连接符 47">
+                <a:extLst>
+                  <a:ext uri="{FF2B5EF4-FFF2-40B4-BE49-F238E27FC236}">
+                    <a16:creationId xmlns:a16="http://schemas.microsoft.com/office/drawing/2014/main" id="{55D9DADB-6C16-4540-B837-777A59BC9CA1}"/>
+                  </a:ext>
+                </a:extLst>
+              </p:cNvPr>
+              <p:cNvCxnSpPr>
+                <a:cxnSpLocks/>
+                <a:stCxn id="3" idx="4"/>
+              </p:cNvCxnSpPr>
+              <p:nvPr/>
+            </p:nvCxnSpPr>
+            <p:spPr>
+              <a:xfrm>
+                <a:off x="4450573" y="7767868"/>
+                <a:ext cx="0" cy="360000"/>
+              </a:xfrm>
+              <a:prstGeom prst="straightConnector1">
+                <a:avLst/>
+              </a:prstGeom>
+              <a:ln w="19050">
+                <a:solidFill>
+                  <a:schemeClr val="tx1"/>
+                </a:solidFill>
+                <a:tailEnd type="triangle"/>
+              </a:ln>
+            </p:spPr>
+            <p:style>
+              <a:lnRef idx="1">
+                <a:schemeClr val="accent1"/>
+              </a:lnRef>
+              <a:fillRef idx="0">
+                <a:schemeClr val="accent1"/>
+              </a:fillRef>
+              <a:effectRef idx="0">
+                <a:schemeClr val="accent1"/>
+              </a:effectRef>
+              <a:fontRef idx="minor">
+                <a:schemeClr val="tx1"/>
+              </a:fontRef>
+            </p:style>
+          </p:cxnSp>
+          <p:cxnSp>
+            <p:nvCxnSpPr>
+              <p:cNvPr id="50" name="直接箭头连接符 49">
+                <a:extLst>
+                  <a:ext uri="{FF2B5EF4-FFF2-40B4-BE49-F238E27FC236}">
+                    <a16:creationId xmlns:a16="http://schemas.microsoft.com/office/drawing/2014/main" id="{B1C258C0-5358-4AD1-B23F-FF3D6B26B6FA}"/>
+                  </a:ext>
+                </a:extLst>
+              </p:cNvPr>
+              <p:cNvCxnSpPr>
+                <a:stCxn id="26" idx="4"/>
+              </p:cNvCxnSpPr>
+              <p:nvPr/>
+            </p:nvCxnSpPr>
+            <p:spPr>
+              <a:xfrm>
+                <a:off x="5363773" y="7767868"/>
+                <a:ext cx="6350" cy="360000"/>
+              </a:xfrm>
+              <a:prstGeom prst="straightConnector1">
+                <a:avLst/>
+              </a:prstGeom>
+              <a:ln w="19050">
+                <a:solidFill>
+                  <a:schemeClr val="tx1"/>
+                </a:solidFill>
+                <a:tailEnd type="triangle"/>
+              </a:ln>
+            </p:spPr>
+            <p:style>
+              <a:lnRef idx="1">
+                <a:schemeClr val="accent1"/>
+              </a:lnRef>
+              <a:fillRef idx="0">
+                <a:schemeClr val="accent1"/>
+              </a:fillRef>
+              <a:effectRef idx="0">
+                <a:schemeClr val="accent1"/>
+              </a:effectRef>
+              <a:fontRef idx="minor">
+                <a:schemeClr val="tx1"/>
+              </a:fontRef>
+            </p:style>
+          </p:cxnSp>
+        </p:grpSp>
+      </p:grpSp>
+      <p:sp>
+        <p:nvSpPr>
+          <p:cNvPr id="53" name="文本框 52">
+            <a:extLst>
+              <a:ext uri="{FF2B5EF4-FFF2-40B4-BE49-F238E27FC236}">
+                <a16:creationId xmlns:a16="http://schemas.microsoft.com/office/drawing/2014/main" id="{E3694525-57A5-4F05-A5BA-62C12818B72E}"/>
+              </a:ext>
+            </a:extLst>
+          </p:cNvPr>
+          <p:cNvSpPr txBox="1"/>
+          <p:nvPr/>
+        </p:nvSpPr>
+        <p:spPr>
+          <a:xfrm>
+            <a:off x="8207876" y="6598808"/>
+            <a:ext cx="377026" cy="369332"/>
+          </a:xfrm>
+          <a:prstGeom prst="rect">
+            <a:avLst/>
+          </a:prstGeom>
+          <a:noFill/>
+        </p:spPr>
+        <p:txBody>
+          <a:bodyPr wrap="square" rtlCol="0">
+            <a:spAutoFit/>
+          </a:bodyPr>
+          <a:lstStyle/>
+          <a:p>
+            <a:r>
+              <a:rPr lang="en-US" altLang="zh-CN" dirty="0">
+                <a:latin typeface="Times New Roman" panose="02020603050405020304" pitchFamily="18" charset="0"/>
+                <a:cs typeface="Times New Roman" panose="02020603050405020304" pitchFamily="18" charset="0"/>
+              </a:rPr>
+              <a:t>/t/</a:t>
+            </a:r>
+            <a:endParaRPr lang="zh-CN" altLang="en-US" dirty="0"/>
+          </a:p>
+        </p:txBody>
+      </p:sp>
+      <p:sp>
+        <p:nvSpPr>
+          <p:cNvPr id="55" name="箭头: 右 54">
+            <a:extLst>
+              <a:ext uri="{FF2B5EF4-FFF2-40B4-BE49-F238E27FC236}">
+                <a16:creationId xmlns:a16="http://schemas.microsoft.com/office/drawing/2014/main" id="{A8A5952B-BABE-4184-989C-B5C85B100EE1}"/>
+              </a:ext>
+            </a:extLst>
+          </p:cNvPr>
+          <p:cNvSpPr/>
+          <p:nvPr/>
+        </p:nvSpPr>
+        <p:spPr>
+          <a:xfrm rot="16200000" flipV="1">
+            <a:off x="4234848" y="5557588"/>
+            <a:ext cx="386028" cy="107362"/>
+          </a:xfrm>
+          <a:prstGeom prst="rightArrow">
+            <a:avLst/>
+          </a:prstGeom>
+          <a:ln>
+            <a:noFill/>
+          </a:ln>
+        </p:spPr>
+        <p:style>
+          <a:lnRef idx="2">
+            <a:schemeClr val="accent1">
+              <a:shade val="50000"/>
+            </a:schemeClr>
+          </a:lnRef>
+          <a:fillRef idx="1">
+            <a:schemeClr val="accent1"/>
+          </a:fillRef>
+          <a:effectRef idx="0">
+            <a:schemeClr val="accent1"/>
+          </a:effectRef>
+          <a:fontRef idx="minor">
+            <a:schemeClr val="lt1"/>
+          </a:fontRef>
+        </p:style>
+        <p:txBody>
+          <a:bodyPr rtlCol="0" anchor="ctr"/>
+          <a:lstStyle/>
+          <a:p>
+            <a:pPr algn="ctr"/>
+            <a:endParaRPr lang="zh-CN" altLang="en-US" sz="1890"/>
+          </a:p>
+        </p:txBody>
+      </p:sp>
+      <p:sp>
+        <p:nvSpPr>
+          <p:cNvPr id="56" name="文本框 55">
+            <a:extLst>
+              <a:ext uri="{FF2B5EF4-FFF2-40B4-BE49-F238E27FC236}">
+                <a16:creationId xmlns:a16="http://schemas.microsoft.com/office/drawing/2014/main" id="{093A1377-D013-42F6-BD85-1E8752056424}"/>
+              </a:ext>
+            </a:extLst>
+          </p:cNvPr>
+          <p:cNvSpPr txBox="1"/>
+          <p:nvPr/>
+        </p:nvSpPr>
+        <p:spPr>
+          <a:xfrm>
+            <a:off x="3635804" y="6609804"/>
+            <a:ext cx="1476754" cy="369332"/>
+          </a:xfrm>
+          <a:prstGeom prst="rect">
+            <a:avLst/>
+          </a:prstGeom>
+          <a:noFill/>
+        </p:spPr>
+        <p:txBody>
+          <a:bodyPr wrap="square" rtlCol="0">
+            <a:spAutoFit/>
+          </a:bodyPr>
+          <a:lstStyle/>
+          <a:p>
+            <a:pPr algn="ctr"/>
+            <a:r>
+              <a:rPr lang="en-US" altLang="zh-CN" dirty="0">
+                <a:latin typeface="Times New Roman" panose="02020603050405020304" pitchFamily="18" charset="0"/>
+                <a:cs typeface="Times New Roman" panose="02020603050405020304" pitchFamily="18" charset="0"/>
+              </a:rPr>
+              <a:t>Origin audio</a:t>
+            </a:r>
+            <a:endParaRPr lang="zh-CN" altLang="en-US" dirty="0"/>
+          </a:p>
+        </p:txBody>
+      </p:sp>
+      <p:grpSp>
+        <p:nvGrpSpPr>
+          <p:cNvPr id="61" name="组合 60">
+            <a:extLst>
+              <a:ext uri="{FF2B5EF4-FFF2-40B4-BE49-F238E27FC236}">
+                <a16:creationId xmlns:a16="http://schemas.microsoft.com/office/drawing/2014/main" id="{942F4ECD-C936-4CE8-8BB7-15F57DDCB98E}"/>
+              </a:ext>
+            </a:extLst>
+          </p:cNvPr>
+          <p:cNvGrpSpPr/>
+          <p:nvPr/>
+        </p:nvGrpSpPr>
+        <p:grpSpPr>
+          <a:xfrm>
+            <a:off x="11510447" y="5794613"/>
+            <a:ext cx="1704073" cy="584775"/>
+            <a:chOff x="11464924" y="5595996"/>
+            <a:chExt cx="1704073" cy="584775"/>
+          </a:xfrm>
+        </p:grpSpPr>
+        <p:sp>
+          <p:nvSpPr>
+            <p:cNvPr id="54" name="文本框 53">
+              <a:extLst>
+                <a:ext uri="{FF2B5EF4-FFF2-40B4-BE49-F238E27FC236}">
+                  <a16:creationId xmlns:a16="http://schemas.microsoft.com/office/drawing/2014/main" id="{83288FB8-2825-429D-9D98-6D7E47FD225E}"/>
+                </a:ext>
+              </a:extLst>
+            </p:cNvPr>
+            <p:cNvSpPr txBox="1"/>
+            <p:nvPr/>
+          </p:nvSpPr>
+          <p:spPr>
+            <a:xfrm>
+              <a:off x="11464924" y="5595996"/>
+              <a:ext cx="1601018" cy="584775"/>
+            </a:xfrm>
+            <a:prstGeom prst="rect">
+              <a:avLst/>
+            </a:prstGeom>
+            <a:noFill/>
+          </p:spPr>
+          <p:txBody>
+            <a:bodyPr wrap="square" rtlCol="0">
+              <a:spAutoFit/>
+            </a:bodyPr>
+            <a:lstStyle/>
+            <a:p>
+              <a:r>
+                <a:rPr lang="en-US" altLang="zh-CN" sz="1600" dirty="0">
+                  <a:latin typeface="Times New Roman" panose="02020603050405020304" pitchFamily="18" charset="0"/>
+                  <a:cs typeface="Times New Roman" panose="02020603050405020304" pitchFamily="18" charset="0"/>
+                </a:rPr>
+                <a:t>1. take a picture</a:t>
+              </a:r>
+            </a:p>
+            <a:p>
+              <a:r>
+                <a:rPr lang="en-US" altLang="zh-CN" sz="1600" dirty="0">
+                  <a:latin typeface="Times New Roman" panose="02020603050405020304" pitchFamily="18" charset="0"/>
+                  <a:cs typeface="Times New Roman" panose="02020603050405020304" pitchFamily="18" charset="0"/>
+                </a:rPr>
+                <a:t>2. take a denture</a:t>
+              </a:r>
+            </a:p>
+          </p:txBody>
+        </p:sp>
+        <p:pic>
+          <p:nvPicPr>
+            <p:cNvPr id="58" name="图形 57" descr="复选标记">
+              <a:extLst>
+                <a:ext uri="{FF2B5EF4-FFF2-40B4-BE49-F238E27FC236}">
+                  <a16:creationId xmlns:a16="http://schemas.microsoft.com/office/drawing/2014/main" id="{85413F16-D97B-4574-B9E9-7B5EA12F725C}"/>
+                </a:ext>
+              </a:extLst>
+            </p:cNvPr>
+            <p:cNvPicPr>
+              <a:picLocks noChangeAspect="1"/>
+            </p:cNvPicPr>
+            <p:nvPr/>
+          </p:nvPicPr>
+          <p:blipFill>
+            <a:blip r:embed="rId3">
+              <a:extLst>
+                <a:ext uri="{28A0092B-C50C-407E-A947-70E740481C1C}">
+                  <a14:useLocalDpi xmlns:a14="http://schemas.microsoft.com/office/drawing/2010/main" val="0"/>
+                </a:ext>
+                <a:ext uri="{96DAC541-7B7A-43D3-8B79-37D633B846F1}">
+                  <asvg:svgBlip xmlns:asvg="http://schemas.microsoft.com/office/drawing/2016/SVG/main" r:embed="rId4"/>
+                </a:ext>
+              </a:extLst>
+            </a:blip>
+            <a:stretch>
+              <a:fillRect/>
+            </a:stretch>
+          </p:blipFill>
+          <p:spPr>
+            <a:xfrm>
+              <a:off x="12963438" y="5658839"/>
+              <a:ext cx="199209" cy="199209"/>
+            </a:xfrm>
+            <a:prstGeom prst="rect">
+              <a:avLst/>
+            </a:prstGeom>
+          </p:spPr>
+        </p:pic>
+        <p:pic>
+          <p:nvPicPr>
+            <p:cNvPr id="60" name="图形 59" descr="关闭">
+              <a:extLst>
+                <a:ext uri="{FF2B5EF4-FFF2-40B4-BE49-F238E27FC236}">
+                  <a16:creationId xmlns:a16="http://schemas.microsoft.com/office/drawing/2014/main" id="{1D235C2C-57D2-43F9-8190-3E55460C43FE}"/>
+                </a:ext>
+              </a:extLst>
+            </p:cNvPr>
+            <p:cNvPicPr>
+              <a:picLocks noChangeAspect="1"/>
+            </p:cNvPicPr>
+            <p:nvPr/>
+          </p:nvPicPr>
+          <p:blipFill>
+            <a:blip r:embed="rId5">
+              <a:extLst>
+                <a:ext uri="{28A0092B-C50C-407E-A947-70E740481C1C}">
+                  <a14:useLocalDpi xmlns:a14="http://schemas.microsoft.com/office/drawing/2010/main" val="0"/>
+                </a:ext>
+                <a:ext uri="{96DAC541-7B7A-43D3-8B79-37D633B846F1}">
+                  <asvg:svgBlip xmlns:asvg="http://schemas.microsoft.com/office/drawing/2016/SVG/main" r:embed="rId6"/>
+                </a:ext>
+              </a:extLst>
+            </a:blip>
+            <a:stretch>
+              <a:fillRect/>
+            </a:stretch>
+          </p:blipFill>
+          <p:spPr>
+            <a:xfrm>
+              <a:off x="12962886" y="5920891"/>
+              <a:ext cx="206111" cy="206111"/>
+            </a:xfrm>
+            <a:prstGeom prst="rect">
+              <a:avLst/>
+            </a:prstGeom>
+          </p:spPr>
+        </p:pic>
+      </p:grpSp>
+      <p:cxnSp>
+        <p:nvCxnSpPr>
+          <p:cNvPr id="64" name="直接箭头连接符 63">
+            <a:extLst>
+              <a:ext uri="{FF2B5EF4-FFF2-40B4-BE49-F238E27FC236}">
+                <a16:creationId xmlns:a16="http://schemas.microsoft.com/office/drawing/2014/main" id="{64923ACE-F7AE-46CC-A556-C3FEDBCAD6C8}"/>
+              </a:ext>
+            </a:extLst>
+          </p:cNvPr>
+          <p:cNvCxnSpPr>
+            <a:cxnSpLocks/>
+          </p:cNvCxnSpPr>
+          <p:nvPr/>
+        </p:nvCxnSpPr>
+        <p:spPr>
+          <a:xfrm>
+            <a:off x="8403402" y="6324694"/>
+            <a:ext cx="0" cy="296317"/>
+          </a:xfrm>
+          <a:prstGeom prst="straightConnector1">
+            <a:avLst/>
+          </a:prstGeom>
+          <a:ln w="19050">
+            <a:solidFill>
+              <a:schemeClr val="tx1"/>
+            </a:solidFill>
+            <a:tailEnd type="triangle"/>
+          </a:ln>
+        </p:spPr>
+        <p:style>
+          <a:lnRef idx="1">
+            <a:schemeClr val="accent1"/>
+          </a:lnRef>
+          <a:fillRef idx="0">
+            <a:schemeClr val="accent1"/>
+          </a:fillRef>
+          <a:effectRef idx="0">
+            <a:schemeClr val="accent1"/>
+          </a:effectRef>
+          <a:fontRef idx="minor">
+            <a:schemeClr val="tx1"/>
+          </a:fontRef>
+        </p:style>
+      </p:cxnSp>
+      <p:cxnSp>
+        <p:nvCxnSpPr>
+          <p:cNvPr id="66" name="直接连接符 65">
+            <a:extLst>
+              <a:ext uri="{FF2B5EF4-FFF2-40B4-BE49-F238E27FC236}">
+                <a16:creationId xmlns:a16="http://schemas.microsoft.com/office/drawing/2014/main" id="{FC468AAB-82EA-41AC-AF04-672BE6935D1F}"/>
+              </a:ext>
+            </a:extLst>
+          </p:cNvPr>
+          <p:cNvCxnSpPr>
+            <a:cxnSpLocks/>
+          </p:cNvCxnSpPr>
+          <p:nvPr/>
+        </p:nvCxnSpPr>
+        <p:spPr>
+          <a:xfrm>
+            <a:off x="7381875" y="3981450"/>
+            <a:ext cx="0" cy="3383854"/>
+          </a:xfrm>
+          <a:prstGeom prst="line">
+            <a:avLst/>
+          </a:prstGeom>
+          <a:ln w="19050">
+            <a:solidFill>
+              <a:schemeClr val="accent1">
+                <a:lumMod val="75000"/>
+              </a:schemeClr>
+            </a:solidFill>
+            <a:prstDash val="lgDash"/>
+          </a:ln>
+        </p:spPr>
+        <p:style>
+          <a:lnRef idx="1">
+            <a:schemeClr val="accent1"/>
+          </a:lnRef>
+          <a:fillRef idx="0">
+            <a:schemeClr val="accent1"/>
+          </a:fillRef>
+          <a:effectRef idx="0">
+            <a:schemeClr val="accent1"/>
+          </a:effectRef>
+          <a:fontRef idx="minor">
+            <a:schemeClr val="tx1"/>
+          </a:fontRef>
+        </p:style>
+      </p:cxnSp>
+      <p:cxnSp>
+        <p:nvCxnSpPr>
+          <p:cNvPr id="67" name="直接连接符 66">
+            <a:extLst>
+              <a:ext uri="{FF2B5EF4-FFF2-40B4-BE49-F238E27FC236}">
+                <a16:creationId xmlns:a16="http://schemas.microsoft.com/office/drawing/2014/main" id="{F97195C0-83FD-4F29-A89C-7DA5FF3D9246}"/>
+              </a:ext>
+            </a:extLst>
+          </p:cNvPr>
+          <p:cNvCxnSpPr/>
+          <p:nvPr/>
+        </p:nvCxnSpPr>
+        <p:spPr>
+          <a:xfrm>
+            <a:off x="9359212" y="3998483"/>
+            <a:ext cx="0" cy="3076575"/>
+          </a:xfrm>
+          <a:prstGeom prst="line">
+            <a:avLst/>
+          </a:prstGeom>
+          <a:ln w="19050">
+            <a:solidFill>
+              <a:schemeClr val="accent1">
+                <a:lumMod val="75000"/>
+              </a:schemeClr>
+            </a:solidFill>
+            <a:prstDash val="lgDash"/>
+          </a:ln>
+        </p:spPr>
+        <p:style>
+          <a:lnRef idx="1">
+            <a:schemeClr val="accent1"/>
+          </a:lnRef>
+          <a:fillRef idx="0">
+            <a:schemeClr val="accent1"/>
+          </a:fillRef>
+          <a:effectRef idx="0">
+            <a:schemeClr val="accent1"/>
+          </a:effectRef>
+          <a:fontRef idx="minor">
+            <a:schemeClr val="tx1"/>
+          </a:fontRef>
+        </p:style>
+      </p:cxnSp>
+      <p:cxnSp>
+        <p:nvCxnSpPr>
+          <p:cNvPr id="68" name="直接连接符 67">
+            <a:extLst>
+              <a:ext uri="{FF2B5EF4-FFF2-40B4-BE49-F238E27FC236}">
+                <a16:creationId xmlns:a16="http://schemas.microsoft.com/office/drawing/2014/main" id="{E49F504D-072D-4692-99C6-F6EC78C72447}"/>
+              </a:ext>
+            </a:extLst>
+          </p:cNvPr>
+          <p:cNvCxnSpPr/>
+          <p:nvPr/>
+        </p:nvCxnSpPr>
+        <p:spPr>
+          <a:xfrm>
+            <a:off x="11391664" y="3999619"/>
+            <a:ext cx="0" cy="3076575"/>
+          </a:xfrm>
+          <a:prstGeom prst="line">
+            <a:avLst/>
+          </a:prstGeom>
+          <a:ln w="19050">
+            <a:solidFill>
+              <a:schemeClr val="accent1">
+                <a:lumMod val="75000"/>
+              </a:schemeClr>
+            </a:solidFill>
+            <a:prstDash val="lgDash"/>
+          </a:ln>
+        </p:spPr>
+        <p:style>
+          <a:lnRef idx="1">
+            <a:schemeClr val="accent1"/>
+          </a:lnRef>
+          <a:fillRef idx="0">
+            <a:schemeClr val="accent1"/>
+          </a:fillRef>
+          <a:effectRef idx="0">
+            <a:schemeClr val="accent1"/>
+          </a:effectRef>
+          <a:fontRef idx="minor">
+            <a:schemeClr val="tx1"/>
+          </a:fontRef>
+        </p:style>
+      </p:cxnSp>
+      <p:cxnSp>
+        <p:nvCxnSpPr>
+          <p:cNvPr id="69" name="直接连接符 68">
+            <a:extLst>
+              <a:ext uri="{FF2B5EF4-FFF2-40B4-BE49-F238E27FC236}">
+                <a16:creationId xmlns:a16="http://schemas.microsoft.com/office/drawing/2014/main" id="{EF48899C-9C55-4477-A712-85D29678DB79}"/>
+              </a:ext>
+            </a:extLst>
+          </p:cNvPr>
+          <p:cNvCxnSpPr>
+            <a:cxnSpLocks/>
+          </p:cNvCxnSpPr>
+          <p:nvPr/>
+        </p:nvCxnSpPr>
+        <p:spPr>
+          <a:xfrm>
+            <a:off x="13370776" y="4123439"/>
+            <a:ext cx="0" cy="3329547"/>
+          </a:xfrm>
+          <a:prstGeom prst="line">
+            <a:avLst/>
+          </a:prstGeom>
+          <a:ln w="19050">
+            <a:solidFill>
+              <a:schemeClr val="accent1">
+                <a:lumMod val="75000"/>
+              </a:schemeClr>
+            </a:solidFill>
+            <a:prstDash val="lgDash"/>
+          </a:ln>
+        </p:spPr>
+        <p:style>
+          <a:lnRef idx="1">
+            <a:schemeClr val="accent1"/>
+          </a:lnRef>
+          <a:fillRef idx="0">
+            <a:schemeClr val="accent1"/>
+          </a:fillRef>
+          <a:effectRef idx="0">
+            <a:schemeClr val="accent1"/>
+          </a:effectRef>
+          <a:fontRef idx="minor">
+            <a:schemeClr val="tx1"/>
+          </a:fontRef>
+        </p:style>
+      </p:cxnSp>
+      <p:sp>
+        <p:nvSpPr>
+          <p:cNvPr id="74" name="文本框 73">
+            <a:extLst>
+              <a:ext uri="{FF2B5EF4-FFF2-40B4-BE49-F238E27FC236}">
+                <a16:creationId xmlns:a16="http://schemas.microsoft.com/office/drawing/2014/main" id="{84480EE6-DA8C-494F-B903-DE048F9E2F2E}"/>
+              </a:ext>
+            </a:extLst>
+          </p:cNvPr>
+          <p:cNvSpPr txBox="1"/>
+          <p:nvPr/>
+        </p:nvSpPr>
+        <p:spPr>
+          <a:xfrm>
+            <a:off x="9389913" y="7061664"/>
+            <a:ext cx="2026771" cy="369332"/>
+          </a:xfrm>
+          <a:prstGeom prst="rect">
+            <a:avLst/>
+          </a:prstGeom>
+          <a:solidFill>
+            <a:schemeClr val="bg1"/>
+          </a:solidFill>
+        </p:spPr>
+        <p:txBody>
+          <a:bodyPr wrap="square" rtlCol="0">
+            <a:spAutoFit/>
+          </a:bodyPr>
+          <a:lstStyle/>
+          <a:p>
+            <a:pPr algn="ctr"/>
+            <a:r>
+              <a:rPr lang="en-US" altLang="zh-CN" b="1" dirty="0">
+                <a:latin typeface="Times New Roman" panose="02020603050405020304" pitchFamily="18" charset="0"/>
+                <a:cs typeface="Times New Roman" panose="02020603050405020304" pitchFamily="18" charset="0"/>
+              </a:rPr>
+              <a:t>Decoding model</a:t>
+            </a:r>
+            <a:endParaRPr lang="zh-CN" altLang="en-US" b="1" dirty="0"/>
+          </a:p>
+        </p:txBody>
+      </p:sp>
+      <p:sp>
+        <p:nvSpPr>
+          <p:cNvPr id="77" name="文本框 76">
+            <a:extLst>
+              <a:ext uri="{FF2B5EF4-FFF2-40B4-BE49-F238E27FC236}">
+                <a16:creationId xmlns:a16="http://schemas.microsoft.com/office/drawing/2014/main" id="{D73A2F48-7655-48B5-940F-2873C63AB779}"/>
+              </a:ext>
+            </a:extLst>
+          </p:cNvPr>
+          <p:cNvSpPr txBox="1"/>
+          <p:nvPr/>
+        </p:nvSpPr>
+        <p:spPr>
+          <a:xfrm>
+            <a:off x="13605391" y="4482248"/>
+            <a:ext cx="1476754" cy="369332"/>
+          </a:xfrm>
+          <a:prstGeom prst="rect">
+            <a:avLst/>
+          </a:prstGeom>
+          <a:noFill/>
+        </p:spPr>
+        <p:txBody>
+          <a:bodyPr wrap="square" rtlCol="0">
+            <a:spAutoFit/>
+          </a:bodyPr>
+          <a:lstStyle/>
+          <a:p>
+            <a:pPr algn="ctr"/>
+            <a:r>
+              <a:rPr lang="en-US" altLang="zh-CN" b="1" dirty="0">
+                <a:latin typeface="Times New Roman" panose="02020603050405020304" pitchFamily="18" charset="0"/>
+                <a:cs typeface="Times New Roman" panose="02020603050405020304" pitchFamily="18" charset="0"/>
+              </a:rPr>
+              <a:t>Output</a:t>
+            </a:r>
+            <a:endParaRPr lang="zh-CN" altLang="en-US" b="1" dirty="0"/>
+          </a:p>
+        </p:txBody>
+      </p:sp>
+    </p:spTree>
+    <p:extLst>
+      <p:ext uri="{BB962C8B-B14F-4D97-AF65-F5344CB8AC3E}">
+        <p14:creationId xmlns:p14="http://schemas.microsoft.com/office/powerpoint/2010/main" val="1644816946"/>
+      </p:ext>
+    </p:extLst>
+  </p:cSld>
+  <p:clrMapOvr>
+    <a:masterClrMapping/>
+  </p:clrMapOvr>
+</p:sld>
+</file>
+
+<file path=ppt/slides/slide7.xml><?xml version="1.0" encoding="utf-8"?>
 <p:sld xmlns:a="http://schemas.openxmlformats.org/drawingml/2006/main" xmlns:r="http://schemas.openxmlformats.org/officeDocument/2006/relationships" xmlns:p="http://schemas.openxmlformats.org/presentationml/2006/main">
   <p:cSld>
     <p:spTree>
@@ -5099,8 +6861,8 @@
         </p:blipFill>
         <p:spPr>
           <a:xfrm>
-            <a:off x="475202" y="3283771"/>
-            <a:ext cx="1524779" cy="717498"/>
+            <a:off x="5036249" y="3572717"/>
+            <a:ext cx="1601018" cy="753373"/>
           </a:xfrm>
           <a:prstGeom prst="rect">
             <a:avLst/>
@@ -5124,8 +6886,8 @@
         </p:nvSpPr>
         <p:spPr>
           <a:xfrm>
-            <a:off x="2281879" y="3222148"/>
-            <a:ext cx="1524779" cy="793049"/>
+            <a:off x="4995505" y="4583408"/>
+            <a:ext cx="1601018" cy="832701"/>
           </a:xfrm>
           <a:prstGeom prst="rect">
             <a:avLst/>
@@ -5161,7 +6923,7 @@
           <a:p>
             <a:pPr algn="ctr"/>
             <a:r>
-              <a:rPr lang="en-US" altLang="zh-CN" dirty="0">
+              <a:rPr lang="en-US" altLang="zh-CN" sz="1890" dirty="0">
                 <a:solidFill>
                   <a:schemeClr val="tx1"/>
                 </a:solidFill>
@@ -5174,7 +6936,7 @@
           <a:p>
             <a:pPr algn="ctr"/>
             <a:r>
-              <a:rPr lang="en-US" altLang="zh-CN" dirty="0">
+              <a:rPr lang="en-US" altLang="zh-CN" sz="1890" dirty="0">
                 <a:solidFill>
                   <a:schemeClr val="tx1"/>
                 </a:solidFill>
@@ -5183,7 +6945,7 @@
               </a:rPr>
               <a:t>preprocessing</a:t>
             </a:r>
-            <a:endParaRPr lang="zh-CN" altLang="en-US" dirty="0">
+            <a:endParaRPr lang="zh-CN" altLang="en-US" sz="1890" dirty="0">
               <a:solidFill>
                 <a:schemeClr val="tx1"/>
               </a:solidFill>
@@ -5207,8 +6969,8 @@
         </p:nvSpPr>
         <p:spPr>
           <a:xfrm>
-            <a:off x="6481003" y="729267"/>
-            <a:ext cx="1866123" cy="979714"/>
+            <a:off x="9404586" y="1965882"/>
+            <a:ext cx="1959429" cy="1028699"/>
           </a:xfrm>
           <a:prstGeom prst="rect">
             <a:avLst/>
@@ -5244,7 +7006,7 @@
           <a:p>
             <a:pPr algn="ctr"/>
             <a:r>
-              <a:rPr lang="en-US" altLang="zh-CN" dirty="0">
+              <a:rPr lang="en-US" altLang="zh-CN" sz="1890" dirty="0">
                 <a:solidFill>
                   <a:schemeClr val="tx1"/>
                 </a:solidFill>
@@ -5257,7 +7019,7 @@
           <a:p>
             <a:pPr algn="ctr"/>
             <a:r>
-              <a:rPr lang="en-US" altLang="zh-CN" dirty="0">
+              <a:rPr lang="en-US" altLang="zh-CN" sz="1890" dirty="0">
                 <a:solidFill>
                   <a:schemeClr val="tx1"/>
                 </a:solidFill>
@@ -5266,7 +7028,7 @@
               </a:rPr>
               <a:t>model</a:t>
             </a:r>
-            <a:endParaRPr lang="zh-CN" altLang="en-US" dirty="0">
+            <a:endParaRPr lang="zh-CN" altLang="en-US" sz="1890" dirty="0">
               <a:solidFill>
                 <a:schemeClr val="tx1"/>
               </a:solidFill>
@@ -5290,8 +7052,8 @@
         </p:nvSpPr>
         <p:spPr>
           <a:xfrm>
-            <a:off x="9009802" y="729267"/>
-            <a:ext cx="1866123" cy="979714"/>
+            <a:off x="12059825" y="1965882"/>
+            <a:ext cx="1959429" cy="1028699"/>
           </a:xfrm>
           <a:prstGeom prst="rect">
             <a:avLst/>
@@ -5327,7 +7089,7 @@
           <a:p>
             <a:pPr algn="ctr"/>
             <a:r>
-              <a:rPr lang="en-US" altLang="zh-CN" dirty="0">
+              <a:rPr lang="en-US" altLang="zh-CN" sz="1890" dirty="0">
                 <a:solidFill>
                   <a:schemeClr val="tx1"/>
                 </a:solidFill>
@@ -5336,7 +7098,7 @@
               </a:rPr>
               <a:t>Language model</a:t>
             </a:r>
-            <a:endParaRPr lang="zh-CN" altLang="en-US" dirty="0">
+            <a:endParaRPr lang="zh-CN" altLang="en-US" sz="1890" dirty="0">
               <a:solidFill>
                 <a:schemeClr val="tx1"/>
               </a:solidFill>
@@ -5360,8 +7122,8 @@
         </p:nvSpPr>
         <p:spPr>
           <a:xfrm>
-            <a:off x="3844876" y="729267"/>
-            <a:ext cx="1866123" cy="979714"/>
+            <a:off x="6636653" y="1965882"/>
+            <a:ext cx="1959429" cy="1028699"/>
           </a:xfrm>
           <a:prstGeom prst="rect">
             <a:avLst/>
@@ -5397,7 +7159,7 @@
           <a:p>
             <a:pPr algn="ctr"/>
             <a:r>
-              <a:rPr lang="en-US" altLang="zh-CN" dirty="0">
+              <a:rPr lang="en-US" altLang="zh-CN" sz="1890" dirty="0">
                 <a:solidFill>
                   <a:schemeClr val="tx1"/>
                 </a:solidFill>
@@ -5406,7 +7168,7 @@
               </a:rPr>
               <a:t>Feature Extraction</a:t>
             </a:r>
-            <a:endParaRPr lang="zh-CN" altLang="en-US" dirty="0">
+            <a:endParaRPr lang="zh-CN" altLang="en-US" sz="1890" dirty="0">
               <a:solidFill>
                 <a:schemeClr val="tx1"/>
               </a:solidFill>
@@ -5430,8 +7192,8 @@
         </p:nvSpPr>
         <p:spPr>
           <a:xfrm>
-            <a:off x="4174303" y="3222148"/>
-            <a:ext cx="1524779" cy="793049"/>
+            <a:off x="6982550" y="4583408"/>
+            <a:ext cx="1601018" cy="832701"/>
           </a:xfrm>
           <a:prstGeom prst="rect">
             <a:avLst/>
@@ -5467,7 +7229,7 @@
           <a:p>
             <a:pPr algn="ctr"/>
             <a:r>
-              <a:rPr lang="en-US" altLang="zh-CN" dirty="0">
+              <a:rPr lang="en-US" altLang="zh-CN" sz="1890" dirty="0">
                 <a:solidFill>
                   <a:schemeClr val="tx1"/>
                 </a:solidFill>
@@ -5476,7 +7238,7 @@
               </a:rPr>
               <a:t>Feature extraction</a:t>
             </a:r>
-            <a:endParaRPr lang="zh-CN" altLang="en-US" dirty="0">
+            <a:endParaRPr lang="zh-CN" altLang="en-US" sz="1890" dirty="0">
               <a:solidFill>
                 <a:schemeClr val="tx1"/>
               </a:solidFill>
@@ -5500,8 +7262,8 @@
         </p:nvSpPr>
         <p:spPr>
           <a:xfrm>
-            <a:off x="6066727" y="3380378"/>
-            <a:ext cx="2280399" cy="439677"/>
+            <a:off x="8969596" y="3618718"/>
+            <a:ext cx="2394419" cy="461661"/>
           </a:xfrm>
           <a:prstGeom prst="rect">
             <a:avLst/>
@@ -5537,7 +7299,7 @@
           <a:p>
             <a:pPr algn="ctr"/>
             <a:r>
-              <a:rPr lang="en-US" altLang="zh-CN" dirty="0">
+              <a:rPr lang="en-US" altLang="zh-CN" sz="1890" dirty="0">
                 <a:solidFill>
                   <a:schemeClr val="tx1"/>
                 </a:solidFill>
@@ -5546,7 +7308,7 @@
               </a:rPr>
               <a:t>Acoustic model</a:t>
             </a:r>
-            <a:endParaRPr lang="zh-CN" altLang="en-US" dirty="0">
+            <a:endParaRPr lang="zh-CN" altLang="en-US" sz="1890" dirty="0">
               <a:solidFill>
                 <a:schemeClr val="tx1"/>
               </a:solidFill>
@@ -5570,8 +7332,8 @@
         </p:nvSpPr>
         <p:spPr>
           <a:xfrm>
-            <a:off x="6066727" y="2759487"/>
-            <a:ext cx="2280399" cy="439677"/>
+            <a:off x="3435230" y="2605000"/>
+            <a:ext cx="1601019" cy="678648"/>
           </a:xfrm>
           <a:prstGeom prst="rect">
             <a:avLst/>
@@ -5607,7 +7369,7 @@
           <a:p>
             <a:pPr algn="ctr"/>
             <a:r>
-              <a:rPr lang="en-US" altLang="zh-CN" dirty="0">
+              <a:rPr lang="en-US" altLang="zh-CN" sz="1890" dirty="0">
                 <a:solidFill>
                   <a:schemeClr val="tx1"/>
                 </a:solidFill>
@@ -5616,7 +7378,7 @@
               </a:rPr>
               <a:t>Pronunciation model</a:t>
             </a:r>
-            <a:endParaRPr lang="zh-CN" altLang="en-US" dirty="0">
+            <a:endParaRPr lang="zh-CN" altLang="en-US" sz="1890" dirty="0">
               <a:solidFill>
                 <a:schemeClr val="tx1"/>
               </a:solidFill>
@@ -5640,8 +7402,8 @@
         </p:nvSpPr>
         <p:spPr>
           <a:xfrm>
-            <a:off x="6067151" y="4001269"/>
-            <a:ext cx="2279975" cy="439677"/>
+            <a:off x="8970040" y="5672527"/>
+            <a:ext cx="2393974" cy="461661"/>
           </a:xfrm>
           <a:prstGeom prst="rect">
             <a:avLst/>
@@ -5677,7 +7439,7 @@
           <a:p>
             <a:pPr algn="ctr"/>
             <a:r>
-              <a:rPr lang="en-US" altLang="zh-CN" dirty="0">
+              <a:rPr lang="en-US" altLang="zh-CN" sz="1890" dirty="0">
                 <a:solidFill>
                   <a:schemeClr val="tx1"/>
                 </a:solidFill>
@@ -5686,7 +7448,7 @@
               </a:rPr>
               <a:t>Language model</a:t>
             </a:r>
-            <a:endParaRPr lang="zh-CN" altLang="en-US" dirty="0">
+            <a:endParaRPr lang="zh-CN" altLang="en-US" sz="1890" dirty="0">
               <a:solidFill>
                 <a:schemeClr val="tx1"/>
               </a:solidFill>
@@ -5710,8 +7472,8 @@
         </p:nvSpPr>
         <p:spPr>
           <a:xfrm flipV="1">
-            <a:off x="3806657" y="3567546"/>
-            <a:ext cx="367646" cy="102250"/>
+            <a:off x="6596521" y="4946074"/>
+            <a:ext cx="386028" cy="107362"/>
           </a:xfrm>
           <a:prstGeom prst="rightArrow">
             <a:avLst/>
@@ -5741,7 +7503,7 @@
           <a:lstStyle/>
           <a:p>
             <a:pPr algn="ctr"/>
-            <a:endParaRPr lang="zh-CN" altLang="en-US"/>
+            <a:endParaRPr lang="zh-CN" altLang="en-US" sz="1890"/>
           </a:p>
         </p:txBody>
       </p:sp>
@@ -5759,8 +7521,8 @@
         </p:nvSpPr>
         <p:spPr>
           <a:xfrm flipV="1">
-            <a:off x="5699081" y="3567546"/>
-            <a:ext cx="367646" cy="102250"/>
+            <a:off x="8583566" y="4946074"/>
+            <a:ext cx="386028" cy="107362"/>
           </a:xfrm>
           <a:prstGeom prst="rightArrow">
             <a:avLst/>
@@ -5790,7 +7552,7 @@
           <a:lstStyle/>
           <a:p>
             <a:pPr algn="ctr"/>
-            <a:endParaRPr lang="zh-CN" altLang="en-US"/>
+            <a:endParaRPr lang="zh-CN" altLang="en-US" sz="1890"/>
           </a:p>
         </p:txBody>
       </p:sp>
@@ -5808,8 +7570,8 @@
         </p:nvSpPr>
         <p:spPr>
           <a:xfrm flipV="1">
-            <a:off x="8347126" y="3565625"/>
-            <a:ext cx="367646" cy="102250"/>
+            <a:off x="11364013" y="4944057"/>
+            <a:ext cx="386028" cy="107362"/>
           </a:xfrm>
           <a:prstGeom prst="rightArrow">
             <a:avLst/>
@@ -5839,7 +7601,7 @@
           <a:lstStyle/>
           <a:p>
             <a:pPr algn="ctr"/>
-            <a:endParaRPr lang="zh-CN" altLang="en-US"/>
+            <a:endParaRPr lang="zh-CN" altLang="en-US" sz="1890"/>
           </a:p>
         </p:txBody>
       </p:sp>
@@ -5857,8 +7619,8 @@
         </p:nvSpPr>
         <p:spPr>
           <a:xfrm>
-            <a:off x="8714771" y="3344709"/>
-            <a:ext cx="1588897" cy="646331"/>
+            <a:off x="13314747" y="4645623"/>
+            <a:ext cx="1659429" cy="674031"/>
           </a:xfrm>
           <a:prstGeom prst="rect">
             <a:avLst/>
@@ -5873,7 +7635,7 @@
           <a:p>
             <a:pPr algn="ctr"/>
             <a:r>
-              <a:rPr lang="en-US" altLang="zh-CN" dirty="0">
+              <a:rPr lang="en-US" altLang="zh-CN" sz="1890" dirty="0">
                 <a:latin typeface="Times New Roman" panose="02020603050405020304" pitchFamily="18" charset="0"/>
                 <a:cs typeface="Times New Roman" panose="02020603050405020304" pitchFamily="18" charset="0"/>
               </a:rPr>
@@ -5883,16 +7645,183 @@
           <a:p>
             <a:pPr algn="ctr"/>
             <a:r>
-              <a:rPr lang="en-US" altLang="zh-CN" dirty="0">
+              <a:rPr lang="en-US" altLang="zh-CN" sz="1890" dirty="0">
                 <a:latin typeface="Times New Roman" panose="02020603050405020304" pitchFamily="18" charset="0"/>
                 <a:cs typeface="Times New Roman" panose="02020603050405020304" pitchFamily="18" charset="0"/>
               </a:rPr>
               <a:t> take a picture”</a:t>
             </a:r>
-            <a:endParaRPr lang="zh-CN" altLang="en-US" dirty="0">
+            <a:endParaRPr lang="zh-CN" altLang="en-US" sz="1890" dirty="0">
               <a:latin typeface="Times New Roman" panose="02020603050405020304" pitchFamily="18" charset="0"/>
               <a:cs typeface="Times New Roman" panose="02020603050405020304" pitchFamily="18" charset="0"/>
             </a:endParaRPr>
+          </a:p>
+        </p:txBody>
+      </p:sp>
+      <p:sp>
+        <p:nvSpPr>
+          <p:cNvPr id="3" name="文本框 2">
+            <a:extLst>
+              <a:ext uri="{FF2B5EF4-FFF2-40B4-BE49-F238E27FC236}">
+                <a16:creationId xmlns:a16="http://schemas.microsoft.com/office/drawing/2014/main" id="{93C6A284-D7E9-4489-9A33-D7AD1433003F}"/>
+              </a:ext>
+            </a:extLst>
+          </p:cNvPr>
+          <p:cNvSpPr txBox="1"/>
+          <p:nvPr/>
+        </p:nvSpPr>
+        <p:spPr>
+          <a:xfrm>
+            <a:off x="7175330" y="6714298"/>
+            <a:ext cx="4884494" cy="1837426"/>
+          </a:xfrm>
+          <a:prstGeom prst="rect">
+            <a:avLst/>
+          </a:prstGeom>
+          <a:noFill/>
+        </p:spPr>
+        <p:txBody>
+          <a:bodyPr wrap="square" rtlCol="0">
+            <a:spAutoFit/>
+          </a:bodyPr>
+          <a:lstStyle/>
+          <a:p>
+            <a:r>
+              <a:rPr lang="en-US" altLang="zh-CN" sz="1890" dirty="0">
+                <a:latin typeface="Times New Roman" panose="02020603050405020304" pitchFamily="18" charset="0"/>
+                <a:cs typeface="Times New Roman" panose="02020603050405020304" pitchFamily="18" charset="0"/>
+              </a:rPr>
+              <a:t>I: /</a:t>
+            </a:r>
+            <a:r>
+              <a:rPr lang="en-US" altLang="zh-CN" sz="1890" dirty="0" err="1">
+                <a:latin typeface="Times New Roman" panose="02020603050405020304" pitchFamily="18" charset="0"/>
+                <a:cs typeface="Times New Roman" panose="02020603050405020304" pitchFamily="18" charset="0"/>
+              </a:rPr>
+              <a:t>aɪ</a:t>
+            </a:r>
+            <a:r>
+              <a:rPr lang="en-US" altLang="zh-CN" sz="1890" dirty="0">
+                <a:latin typeface="Times New Roman" panose="02020603050405020304" pitchFamily="18" charset="0"/>
+                <a:cs typeface="Times New Roman" panose="02020603050405020304" pitchFamily="18" charset="0"/>
+              </a:rPr>
+              <a:t>/ </a:t>
+            </a:r>
+          </a:p>
+          <a:p>
+            <a:r>
+              <a:rPr lang="en-US" altLang="zh-CN" sz="1890" dirty="0">
+                <a:latin typeface="Times New Roman" panose="02020603050405020304" pitchFamily="18" charset="0"/>
+                <a:cs typeface="Times New Roman" panose="02020603050405020304" pitchFamily="18" charset="0"/>
+              </a:rPr>
+              <a:t>Want: /</a:t>
+            </a:r>
+            <a:r>
+              <a:rPr lang="en-US" altLang="zh-CN" sz="1890" dirty="0" err="1">
+                <a:latin typeface="Times New Roman" panose="02020603050405020304" pitchFamily="18" charset="0"/>
+                <a:cs typeface="Times New Roman" panose="02020603050405020304" pitchFamily="18" charset="0"/>
+              </a:rPr>
+              <a:t>wɒnt</a:t>
+            </a:r>
+            <a:r>
+              <a:rPr lang="en-US" altLang="zh-CN" sz="1890" dirty="0">
+                <a:latin typeface="Times New Roman" panose="02020603050405020304" pitchFamily="18" charset="0"/>
+                <a:cs typeface="Times New Roman" panose="02020603050405020304" pitchFamily="18" charset="0"/>
+              </a:rPr>
+              <a:t>/ </a:t>
+            </a:r>
+          </a:p>
+          <a:p>
+            <a:r>
+              <a:rPr lang="en-US" altLang="zh-CN" sz="1890" dirty="0">
+                <a:latin typeface="Times New Roman" panose="02020603050405020304" pitchFamily="18" charset="0"/>
+                <a:cs typeface="Times New Roman" panose="02020603050405020304" pitchFamily="18" charset="0"/>
+              </a:rPr>
+              <a:t>To:  /</a:t>
+            </a:r>
+            <a:r>
+              <a:rPr lang="en-US" altLang="zh-CN" sz="1890" dirty="0" err="1">
+                <a:latin typeface="Times New Roman" panose="02020603050405020304" pitchFamily="18" charset="0"/>
+                <a:cs typeface="Times New Roman" panose="02020603050405020304" pitchFamily="18" charset="0"/>
+              </a:rPr>
+              <a:t>tu</a:t>
+            </a:r>
+            <a:r>
+              <a:rPr lang="en-US" altLang="zh-CN" sz="1890" dirty="0">
+                <a:latin typeface="Times New Roman" panose="02020603050405020304" pitchFamily="18" charset="0"/>
+                <a:cs typeface="Times New Roman" panose="02020603050405020304" pitchFamily="18" charset="0"/>
+              </a:rPr>
+              <a:t>ː/</a:t>
+            </a:r>
+          </a:p>
+          <a:p>
+            <a:r>
+              <a:rPr lang="en-US" altLang="zh-CN" sz="1890" dirty="0">
+                <a:latin typeface="Times New Roman" panose="02020603050405020304" pitchFamily="18" charset="0"/>
+                <a:cs typeface="Times New Roman" panose="02020603050405020304" pitchFamily="18" charset="0"/>
+              </a:rPr>
+              <a:t>Take:  /</a:t>
+            </a:r>
+            <a:r>
+              <a:rPr lang="en-US" altLang="zh-CN" sz="1890" dirty="0" err="1">
+                <a:latin typeface="Times New Roman" panose="02020603050405020304" pitchFamily="18" charset="0"/>
+                <a:cs typeface="Times New Roman" panose="02020603050405020304" pitchFamily="18" charset="0"/>
+              </a:rPr>
+              <a:t>teɪk</a:t>
+            </a:r>
+            <a:r>
+              <a:rPr lang="en-US" altLang="zh-CN" sz="1890" dirty="0">
+                <a:latin typeface="Times New Roman" panose="02020603050405020304" pitchFamily="18" charset="0"/>
+                <a:cs typeface="Times New Roman" panose="02020603050405020304" pitchFamily="18" charset="0"/>
+              </a:rPr>
+              <a:t>/ </a:t>
+            </a:r>
+          </a:p>
+          <a:p>
+            <a:r>
+              <a:rPr lang="en-US" altLang="zh-CN" sz="1890" dirty="0">
+                <a:latin typeface="Times New Roman" panose="02020603050405020304" pitchFamily="18" charset="0"/>
+                <a:cs typeface="Times New Roman" panose="02020603050405020304" pitchFamily="18" charset="0"/>
+              </a:rPr>
+              <a:t>A: /</a:t>
+            </a:r>
+            <a:r>
+              <a:rPr lang="en-US" altLang="zh-CN" sz="1890" dirty="0" err="1">
+                <a:latin typeface="Times New Roman" panose="02020603050405020304" pitchFamily="18" charset="0"/>
+                <a:cs typeface="Times New Roman" panose="02020603050405020304" pitchFamily="18" charset="0"/>
+              </a:rPr>
+              <a:t>eɪ</a:t>
+            </a:r>
+            <a:r>
+              <a:rPr lang="en-US" altLang="zh-CN" sz="1890" dirty="0">
+                <a:latin typeface="Times New Roman" panose="02020603050405020304" pitchFamily="18" charset="0"/>
+                <a:cs typeface="Times New Roman" panose="02020603050405020304" pitchFamily="18" charset="0"/>
+              </a:rPr>
+              <a:t>/</a:t>
+            </a:r>
+          </a:p>
+          <a:p>
+            <a:r>
+              <a:rPr lang="en-US" altLang="zh-CN" sz="1890" dirty="0">
+                <a:latin typeface="Times New Roman" panose="02020603050405020304" pitchFamily="18" charset="0"/>
+                <a:cs typeface="Times New Roman" panose="02020603050405020304" pitchFamily="18" charset="0"/>
+              </a:rPr>
+              <a:t>Picture: /ˈ</a:t>
+            </a:r>
+            <a:r>
+              <a:rPr lang="en-US" altLang="zh-CN" sz="1890" dirty="0" err="1">
+                <a:latin typeface="Times New Roman" panose="02020603050405020304" pitchFamily="18" charset="0"/>
+                <a:cs typeface="Times New Roman" panose="02020603050405020304" pitchFamily="18" charset="0"/>
+              </a:rPr>
+              <a:t>pɪktʃə</a:t>
+            </a:r>
+            <a:r>
+              <a:rPr lang="en-US" altLang="zh-CN" sz="1890" dirty="0">
+                <a:latin typeface="Times New Roman" panose="02020603050405020304" pitchFamily="18" charset="0"/>
+                <a:cs typeface="Times New Roman" panose="02020603050405020304" pitchFamily="18" charset="0"/>
+              </a:rPr>
+              <a:t>(r)/ </a:t>
+            </a:r>
           </a:p>
         </p:txBody>
       </p:sp>
@@ -5909,10 +7838,828 @@
 </p:sld>
 </file>
 
+<file path=ppt/slides/slide8.xml><?xml version="1.0" encoding="utf-8"?>
+<p:sld xmlns:a="http://schemas.openxmlformats.org/drawingml/2006/main" xmlns:r="http://schemas.openxmlformats.org/officeDocument/2006/relationships" xmlns:p="http://schemas.openxmlformats.org/presentationml/2006/main">
+  <p:cSld>
+    <p:spTree>
+      <p:nvGrpSpPr>
+        <p:cNvPr id="1" name=""/>
+        <p:cNvGrpSpPr/>
+        <p:nvPr/>
+      </p:nvGrpSpPr>
+      <p:grpSpPr>
+        <a:xfrm>
+          <a:off x="0" y="0"/>
+          <a:ext cx="0" cy="0"/>
+          <a:chOff x="0" y="0"/>
+          <a:chExt cx="0" cy="0"/>
+        </a:xfrm>
+      </p:grpSpPr>
+      <p:pic>
+        <p:nvPicPr>
+          <p:cNvPr id="4" name="图片 3">
+            <a:extLst>
+              <a:ext uri="{FF2B5EF4-FFF2-40B4-BE49-F238E27FC236}">
+                <a16:creationId xmlns:a16="http://schemas.microsoft.com/office/drawing/2014/main" id="{4021AAD6-D4B7-4FBE-9C1B-C0128C7EB790}"/>
+              </a:ext>
+            </a:extLst>
+          </p:cNvPr>
+          <p:cNvPicPr>
+            <a:picLocks noChangeAspect="1"/>
+          </p:cNvPicPr>
+          <p:nvPr/>
+        </p:nvPicPr>
+        <p:blipFill>
+          <a:blip r:embed="rId2"/>
+          <a:stretch>
+            <a:fillRect/>
+          </a:stretch>
+        </p:blipFill>
+        <p:spPr>
+          <a:xfrm>
+            <a:off x="5036249" y="3572717"/>
+            <a:ext cx="1601018" cy="753373"/>
+          </a:xfrm>
+          <a:prstGeom prst="rect">
+            <a:avLst/>
+          </a:prstGeom>
+          <a:ln w="19050">
+            <a:noFill/>
+          </a:ln>
+        </p:spPr>
+      </p:pic>
+      <p:sp>
+        <p:nvSpPr>
+          <p:cNvPr id="5" name="矩形 4">
+            <a:extLst>
+              <a:ext uri="{FF2B5EF4-FFF2-40B4-BE49-F238E27FC236}">
+                <a16:creationId xmlns:a16="http://schemas.microsoft.com/office/drawing/2014/main" id="{847D25E5-45C9-4C97-A949-9ADCE2F4EDBA}"/>
+              </a:ext>
+            </a:extLst>
+          </p:cNvPr>
+          <p:cNvSpPr/>
+          <p:nvPr/>
+        </p:nvSpPr>
+        <p:spPr>
+          <a:xfrm>
+            <a:off x="4995505" y="4583408"/>
+            <a:ext cx="1601018" cy="832701"/>
+          </a:xfrm>
+          <a:prstGeom prst="rect">
+            <a:avLst/>
+          </a:prstGeom>
+          <a:solidFill>
+            <a:schemeClr val="bg1"/>
+          </a:solidFill>
+          <a:ln w="19050">
+            <a:solidFill>
+              <a:schemeClr val="tx1"/>
+            </a:solidFill>
+          </a:ln>
+        </p:spPr>
+        <p:style>
+          <a:lnRef idx="2">
+            <a:schemeClr val="accent1">
+              <a:shade val="50000"/>
+            </a:schemeClr>
+          </a:lnRef>
+          <a:fillRef idx="1">
+            <a:schemeClr val="accent1"/>
+          </a:fillRef>
+          <a:effectRef idx="0">
+            <a:schemeClr val="accent1"/>
+          </a:effectRef>
+          <a:fontRef idx="minor">
+            <a:schemeClr val="lt1"/>
+          </a:fontRef>
+        </p:style>
+        <p:txBody>
+          <a:bodyPr rtlCol="0" anchor="ctr"/>
+          <a:lstStyle/>
+          <a:p>
+            <a:pPr algn="ctr"/>
+            <a:r>
+              <a:rPr lang="en-US" altLang="zh-CN" sz="1890" dirty="0">
+                <a:solidFill>
+                  <a:schemeClr val="tx1"/>
+                </a:solidFill>
+                <a:latin typeface="Times New Roman" panose="02020603050405020304" pitchFamily="18" charset="0"/>
+                <a:cs typeface="Times New Roman" panose="02020603050405020304" pitchFamily="18" charset="0"/>
+              </a:rPr>
+              <a:t>Signal</a:t>
+            </a:r>
+          </a:p>
+          <a:p>
+            <a:pPr algn="ctr"/>
+            <a:r>
+              <a:rPr lang="en-US" altLang="zh-CN" sz="1890" dirty="0">
+                <a:solidFill>
+                  <a:schemeClr val="tx1"/>
+                </a:solidFill>
+                <a:latin typeface="Times New Roman" panose="02020603050405020304" pitchFamily="18" charset="0"/>
+                <a:cs typeface="Times New Roman" panose="02020603050405020304" pitchFamily="18" charset="0"/>
+              </a:rPr>
+              <a:t>preprocessing</a:t>
+            </a:r>
+            <a:endParaRPr lang="zh-CN" altLang="en-US" sz="1890" dirty="0">
+              <a:solidFill>
+                <a:schemeClr val="tx1"/>
+              </a:solidFill>
+              <a:latin typeface="Times New Roman" panose="02020603050405020304" pitchFamily="18" charset="0"/>
+              <a:cs typeface="Times New Roman" panose="02020603050405020304" pitchFamily="18" charset="0"/>
+            </a:endParaRPr>
+          </a:p>
+        </p:txBody>
+      </p:sp>
+      <p:sp>
+        <p:nvSpPr>
+          <p:cNvPr id="12" name="矩形 11">
+            <a:extLst>
+              <a:ext uri="{FF2B5EF4-FFF2-40B4-BE49-F238E27FC236}">
+                <a16:creationId xmlns:a16="http://schemas.microsoft.com/office/drawing/2014/main" id="{53CE6504-A28E-474F-8249-A66921168C65}"/>
+              </a:ext>
+            </a:extLst>
+          </p:cNvPr>
+          <p:cNvSpPr/>
+          <p:nvPr/>
+        </p:nvSpPr>
+        <p:spPr>
+          <a:xfrm>
+            <a:off x="6982550" y="4583408"/>
+            <a:ext cx="1601018" cy="832701"/>
+          </a:xfrm>
+          <a:prstGeom prst="rect">
+            <a:avLst/>
+          </a:prstGeom>
+          <a:solidFill>
+            <a:schemeClr val="bg1"/>
+          </a:solidFill>
+          <a:ln w="19050">
+            <a:solidFill>
+              <a:schemeClr val="tx1"/>
+            </a:solidFill>
+          </a:ln>
+        </p:spPr>
+        <p:style>
+          <a:lnRef idx="2">
+            <a:schemeClr val="accent1">
+              <a:shade val="50000"/>
+            </a:schemeClr>
+          </a:lnRef>
+          <a:fillRef idx="1">
+            <a:schemeClr val="accent1"/>
+          </a:fillRef>
+          <a:effectRef idx="0">
+            <a:schemeClr val="accent1"/>
+          </a:effectRef>
+          <a:fontRef idx="minor">
+            <a:schemeClr val="lt1"/>
+          </a:fontRef>
+        </p:style>
+        <p:txBody>
+          <a:bodyPr rtlCol="0" anchor="ctr"/>
+          <a:lstStyle/>
+          <a:p>
+            <a:pPr algn="ctr"/>
+            <a:r>
+              <a:rPr lang="en-US" altLang="zh-CN" sz="1890" dirty="0">
+                <a:solidFill>
+                  <a:schemeClr val="tx1"/>
+                </a:solidFill>
+                <a:latin typeface="Times New Roman" panose="02020603050405020304" pitchFamily="18" charset="0"/>
+                <a:cs typeface="Times New Roman" panose="02020603050405020304" pitchFamily="18" charset="0"/>
+              </a:rPr>
+              <a:t>Feature extraction</a:t>
+            </a:r>
+            <a:endParaRPr lang="zh-CN" altLang="en-US" sz="1890" dirty="0">
+              <a:solidFill>
+                <a:schemeClr val="tx1"/>
+              </a:solidFill>
+              <a:latin typeface="Times New Roman" panose="02020603050405020304" pitchFamily="18" charset="0"/>
+              <a:cs typeface="Times New Roman" panose="02020603050405020304" pitchFamily="18" charset="0"/>
+            </a:endParaRPr>
+          </a:p>
+        </p:txBody>
+      </p:sp>
+      <p:sp>
+        <p:nvSpPr>
+          <p:cNvPr id="13" name="矩形 12">
+            <a:extLst>
+              <a:ext uri="{FF2B5EF4-FFF2-40B4-BE49-F238E27FC236}">
+                <a16:creationId xmlns:a16="http://schemas.microsoft.com/office/drawing/2014/main" id="{71C98337-73A3-4AE1-96F6-CBBA876F1B8E}"/>
+              </a:ext>
+            </a:extLst>
+          </p:cNvPr>
+          <p:cNvSpPr/>
+          <p:nvPr/>
+        </p:nvSpPr>
+        <p:spPr>
+          <a:xfrm>
+            <a:off x="9133777" y="3572081"/>
+            <a:ext cx="1622367" cy="678648"/>
+          </a:xfrm>
+          <a:prstGeom prst="rect">
+            <a:avLst/>
+          </a:prstGeom>
+          <a:solidFill>
+            <a:schemeClr val="bg1"/>
+          </a:solidFill>
+          <a:ln w="19050">
+            <a:solidFill>
+              <a:schemeClr val="tx1"/>
+            </a:solidFill>
+          </a:ln>
+        </p:spPr>
+        <p:style>
+          <a:lnRef idx="2">
+            <a:schemeClr val="accent1">
+              <a:shade val="50000"/>
+            </a:schemeClr>
+          </a:lnRef>
+          <a:fillRef idx="1">
+            <a:schemeClr val="accent1"/>
+          </a:fillRef>
+          <a:effectRef idx="0">
+            <a:schemeClr val="accent1"/>
+          </a:effectRef>
+          <a:fontRef idx="minor">
+            <a:schemeClr val="lt1"/>
+          </a:fontRef>
+        </p:style>
+        <p:txBody>
+          <a:bodyPr rtlCol="0" anchor="ctr"/>
+          <a:lstStyle/>
+          <a:p>
+            <a:pPr algn="ctr"/>
+            <a:r>
+              <a:rPr lang="en-US" altLang="zh-CN" sz="1890" dirty="0">
+                <a:solidFill>
+                  <a:schemeClr val="tx1"/>
+                </a:solidFill>
+                <a:latin typeface="Times New Roman" panose="02020603050405020304" pitchFamily="18" charset="0"/>
+                <a:cs typeface="Times New Roman" panose="02020603050405020304" pitchFamily="18" charset="0"/>
+              </a:rPr>
+              <a:t>Acoustic model</a:t>
+            </a:r>
+            <a:endParaRPr lang="zh-CN" altLang="en-US" sz="1890" dirty="0">
+              <a:solidFill>
+                <a:schemeClr val="tx1"/>
+              </a:solidFill>
+              <a:latin typeface="Times New Roman" panose="02020603050405020304" pitchFamily="18" charset="0"/>
+              <a:cs typeface="Times New Roman" panose="02020603050405020304" pitchFamily="18" charset="0"/>
+            </a:endParaRPr>
+          </a:p>
+        </p:txBody>
+      </p:sp>
+      <p:sp>
+        <p:nvSpPr>
+          <p:cNvPr id="14" name="矩形 13">
+            <a:extLst>
+              <a:ext uri="{FF2B5EF4-FFF2-40B4-BE49-F238E27FC236}">
+                <a16:creationId xmlns:a16="http://schemas.microsoft.com/office/drawing/2014/main" id="{0047F1D6-F6D0-4629-9C2C-8A6E65197B40}"/>
+              </a:ext>
+            </a:extLst>
+          </p:cNvPr>
+          <p:cNvSpPr/>
+          <p:nvPr/>
+        </p:nvSpPr>
+        <p:spPr>
+          <a:xfrm>
+            <a:off x="9155126" y="4641006"/>
+            <a:ext cx="1601018" cy="678648"/>
+          </a:xfrm>
+          <a:prstGeom prst="rect">
+            <a:avLst/>
+          </a:prstGeom>
+          <a:solidFill>
+            <a:schemeClr val="bg1"/>
+          </a:solidFill>
+          <a:ln w="19050">
+            <a:solidFill>
+              <a:schemeClr val="tx1"/>
+            </a:solidFill>
+          </a:ln>
+        </p:spPr>
+        <p:style>
+          <a:lnRef idx="2">
+            <a:schemeClr val="accent1">
+              <a:shade val="50000"/>
+            </a:schemeClr>
+          </a:lnRef>
+          <a:fillRef idx="1">
+            <a:schemeClr val="accent1"/>
+          </a:fillRef>
+          <a:effectRef idx="0">
+            <a:schemeClr val="accent1"/>
+          </a:effectRef>
+          <a:fontRef idx="minor">
+            <a:schemeClr val="lt1"/>
+          </a:fontRef>
+        </p:style>
+        <p:txBody>
+          <a:bodyPr rtlCol="0" anchor="ctr"/>
+          <a:lstStyle/>
+          <a:p>
+            <a:pPr algn="ctr"/>
+            <a:r>
+              <a:rPr lang="en-US" altLang="zh-CN" sz="1890" dirty="0">
+                <a:solidFill>
+                  <a:schemeClr val="tx1"/>
+                </a:solidFill>
+                <a:latin typeface="Times New Roman" panose="02020603050405020304" pitchFamily="18" charset="0"/>
+                <a:cs typeface="Times New Roman" panose="02020603050405020304" pitchFamily="18" charset="0"/>
+              </a:rPr>
+              <a:t>Pronunciation model</a:t>
+            </a:r>
+            <a:endParaRPr lang="zh-CN" altLang="en-US" sz="1890" dirty="0">
+              <a:solidFill>
+                <a:schemeClr val="tx1"/>
+              </a:solidFill>
+              <a:latin typeface="Times New Roman" panose="02020603050405020304" pitchFamily="18" charset="0"/>
+              <a:cs typeface="Times New Roman" panose="02020603050405020304" pitchFamily="18" charset="0"/>
+            </a:endParaRPr>
+          </a:p>
+        </p:txBody>
+      </p:sp>
+      <p:sp>
+        <p:nvSpPr>
+          <p:cNvPr id="16" name="矩形 15">
+            <a:extLst>
+              <a:ext uri="{FF2B5EF4-FFF2-40B4-BE49-F238E27FC236}">
+                <a16:creationId xmlns:a16="http://schemas.microsoft.com/office/drawing/2014/main" id="{258360EB-E755-451E-AEAD-B5AF1A497FA6}"/>
+              </a:ext>
+            </a:extLst>
+          </p:cNvPr>
+          <p:cNvSpPr/>
+          <p:nvPr/>
+        </p:nvSpPr>
+        <p:spPr>
+          <a:xfrm>
+            <a:off x="9134223" y="5672527"/>
+            <a:ext cx="1621921" cy="775553"/>
+          </a:xfrm>
+          <a:prstGeom prst="rect">
+            <a:avLst/>
+          </a:prstGeom>
+          <a:solidFill>
+            <a:schemeClr val="bg1"/>
+          </a:solidFill>
+          <a:ln w="19050">
+            <a:solidFill>
+              <a:schemeClr val="tx1"/>
+            </a:solidFill>
+          </a:ln>
+        </p:spPr>
+        <p:style>
+          <a:lnRef idx="2">
+            <a:schemeClr val="accent1">
+              <a:shade val="50000"/>
+            </a:schemeClr>
+          </a:lnRef>
+          <a:fillRef idx="1">
+            <a:schemeClr val="accent1"/>
+          </a:fillRef>
+          <a:effectRef idx="0">
+            <a:schemeClr val="accent1"/>
+          </a:effectRef>
+          <a:fontRef idx="minor">
+            <a:schemeClr val="lt1"/>
+          </a:fontRef>
+        </p:style>
+        <p:txBody>
+          <a:bodyPr rtlCol="0" anchor="ctr"/>
+          <a:lstStyle/>
+          <a:p>
+            <a:pPr algn="ctr"/>
+            <a:r>
+              <a:rPr lang="en-US" altLang="zh-CN" sz="1890" dirty="0">
+                <a:solidFill>
+                  <a:schemeClr val="tx1"/>
+                </a:solidFill>
+                <a:latin typeface="Times New Roman" panose="02020603050405020304" pitchFamily="18" charset="0"/>
+                <a:cs typeface="Times New Roman" panose="02020603050405020304" pitchFamily="18" charset="0"/>
+              </a:rPr>
+              <a:t>Language model</a:t>
+            </a:r>
+            <a:endParaRPr lang="zh-CN" altLang="en-US" sz="1890" dirty="0">
+              <a:solidFill>
+                <a:schemeClr val="tx1"/>
+              </a:solidFill>
+              <a:latin typeface="Times New Roman" panose="02020603050405020304" pitchFamily="18" charset="0"/>
+              <a:cs typeface="Times New Roman" panose="02020603050405020304" pitchFamily="18" charset="0"/>
+            </a:endParaRPr>
+          </a:p>
+        </p:txBody>
+      </p:sp>
+      <p:sp>
+        <p:nvSpPr>
+          <p:cNvPr id="17" name="箭头: 右 16">
+            <a:extLst>
+              <a:ext uri="{FF2B5EF4-FFF2-40B4-BE49-F238E27FC236}">
+                <a16:creationId xmlns:a16="http://schemas.microsoft.com/office/drawing/2014/main" id="{F8035F29-1A07-4850-A595-45CF8F7E52CA}"/>
+              </a:ext>
+            </a:extLst>
+          </p:cNvPr>
+          <p:cNvSpPr/>
+          <p:nvPr/>
+        </p:nvSpPr>
+        <p:spPr>
+          <a:xfrm flipV="1">
+            <a:off x="6596521" y="4946074"/>
+            <a:ext cx="386028" cy="107362"/>
+          </a:xfrm>
+          <a:prstGeom prst="rightArrow">
+            <a:avLst/>
+          </a:prstGeom>
+          <a:ln>
+            <a:noFill/>
+          </a:ln>
+        </p:spPr>
+        <p:style>
+          <a:lnRef idx="2">
+            <a:schemeClr val="accent1">
+              <a:shade val="50000"/>
+            </a:schemeClr>
+          </a:lnRef>
+          <a:fillRef idx="1">
+            <a:schemeClr val="accent1"/>
+          </a:fillRef>
+          <a:effectRef idx="0">
+            <a:schemeClr val="accent1"/>
+          </a:effectRef>
+          <a:fontRef idx="minor">
+            <a:schemeClr val="lt1"/>
+          </a:fontRef>
+        </p:style>
+        <p:txBody>
+          <a:bodyPr rtlCol="0" anchor="ctr"/>
+          <a:lstStyle/>
+          <a:p>
+            <a:pPr algn="ctr"/>
+            <a:endParaRPr lang="zh-CN" altLang="en-US" sz="1890"/>
+          </a:p>
+        </p:txBody>
+      </p:sp>
+      <p:sp>
+        <p:nvSpPr>
+          <p:cNvPr id="18" name="箭头: 右 17">
+            <a:extLst>
+              <a:ext uri="{FF2B5EF4-FFF2-40B4-BE49-F238E27FC236}">
+                <a16:creationId xmlns:a16="http://schemas.microsoft.com/office/drawing/2014/main" id="{7E344234-6814-48B9-916B-931533F147CB}"/>
+              </a:ext>
+            </a:extLst>
+          </p:cNvPr>
+          <p:cNvSpPr/>
+          <p:nvPr/>
+        </p:nvSpPr>
+        <p:spPr>
+          <a:xfrm flipV="1">
+            <a:off x="8583566" y="4946074"/>
+            <a:ext cx="386028" cy="107362"/>
+          </a:xfrm>
+          <a:prstGeom prst="rightArrow">
+            <a:avLst/>
+          </a:prstGeom>
+          <a:ln>
+            <a:noFill/>
+          </a:ln>
+        </p:spPr>
+        <p:style>
+          <a:lnRef idx="2">
+            <a:schemeClr val="accent1">
+              <a:shade val="50000"/>
+            </a:schemeClr>
+          </a:lnRef>
+          <a:fillRef idx="1">
+            <a:schemeClr val="accent1"/>
+          </a:fillRef>
+          <a:effectRef idx="0">
+            <a:schemeClr val="accent1"/>
+          </a:effectRef>
+          <a:fontRef idx="minor">
+            <a:schemeClr val="lt1"/>
+          </a:fontRef>
+        </p:style>
+        <p:txBody>
+          <a:bodyPr rtlCol="0" anchor="ctr"/>
+          <a:lstStyle/>
+          <a:p>
+            <a:pPr algn="ctr"/>
+            <a:endParaRPr lang="zh-CN" altLang="en-US" sz="1890"/>
+          </a:p>
+        </p:txBody>
+      </p:sp>
+      <p:sp>
+        <p:nvSpPr>
+          <p:cNvPr id="20" name="箭头: 右 19">
+            <a:extLst>
+              <a:ext uri="{FF2B5EF4-FFF2-40B4-BE49-F238E27FC236}">
+                <a16:creationId xmlns:a16="http://schemas.microsoft.com/office/drawing/2014/main" id="{62611EAA-DD8A-4AC7-93F9-07652DFAF0F1}"/>
+              </a:ext>
+            </a:extLst>
+          </p:cNvPr>
+          <p:cNvSpPr/>
+          <p:nvPr/>
+        </p:nvSpPr>
+        <p:spPr>
+          <a:xfrm flipV="1">
+            <a:off x="12966295" y="4980330"/>
+            <a:ext cx="386028" cy="107362"/>
+          </a:xfrm>
+          <a:prstGeom prst="rightArrow">
+            <a:avLst/>
+          </a:prstGeom>
+          <a:ln>
+            <a:noFill/>
+          </a:ln>
+        </p:spPr>
+        <p:style>
+          <a:lnRef idx="2">
+            <a:schemeClr val="accent1">
+              <a:shade val="50000"/>
+            </a:schemeClr>
+          </a:lnRef>
+          <a:fillRef idx="1">
+            <a:schemeClr val="accent1"/>
+          </a:fillRef>
+          <a:effectRef idx="0">
+            <a:schemeClr val="accent1"/>
+          </a:effectRef>
+          <a:fontRef idx="minor">
+            <a:schemeClr val="lt1"/>
+          </a:fontRef>
+        </p:style>
+        <p:txBody>
+          <a:bodyPr rtlCol="0" anchor="ctr"/>
+          <a:lstStyle/>
+          <a:p>
+            <a:pPr algn="ctr"/>
+            <a:endParaRPr lang="zh-CN" altLang="en-US" sz="1890"/>
+          </a:p>
+        </p:txBody>
+      </p:sp>
+      <p:sp>
+        <p:nvSpPr>
+          <p:cNvPr id="22" name="文本框 21">
+            <a:extLst>
+              <a:ext uri="{FF2B5EF4-FFF2-40B4-BE49-F238E27FC236}">
+                <a16:creationId xmlns:a16="http://schemas.microsoft.com/office/drawing/2014/main" id="{78B95B22-FE63-4C47-8197-985F87AD2B3E}"/>
+              </a:ext>
+            </a:extLst>
+          </p:cNvPr>
+          <p:cNvSpPr txBox="1"/>
+          <p:nvPr/>
+        </p:nvSpPr>
+        <p:spPr>
+          <a:xfrm>
+            <a:off x="13350861" y="4861845"/>
+            <a:ext cx="1987399" cy="383182"/>
+          </a:xfrm>
+          <a:prstGeom prst="rect">
+            <a:avLst/>
+          </a:prstGeom>
+          <a:noFill/>
+        </p:spPr>
+        <p:txBody>
+          <a:bodyPr wrap="square" rtlCol="0">
+            <a:spAutoFit/>
+          </a:bodyPr>
+          <a:lstStyle/>
+          <a:p>
+            <a:pPr algn="ctr"/>
+            <a:r>
+              <a:rPr lang="en-US" altLang="zh-CN" sz="1890" dirty="0">
+                <a:latin typeface="Times New Roman" panose="02020603050405020304" pitchFamily="18" charset="0"/>
+                <a:cs typeface="Times New Roman" panose="02020603050405020304" pitchFamily="18" charset="0"/>
+              </a:rPr>
+              <a:t>“take a picture”</a:t>
+            </a:r>
+            <a:endParaRPr lang="zh-CN" altLang="en-US" sz="1890" dirty="0">
+              <a:latin typeface="Times New Roman" panose="02020603050405020304" pitchFamily="18" charset="0"/>
+              <a:cs typeface="Times New Roman" panose="02020603050405020304" pitchFamily="18" charset="0"/>
+            </a:endParaRPr>
+          </a:p>
+        </p:txBody>
+      </p:sp>
+      <p:sp>
+        <p:nvSpPr>
+          <p:cNvPr id="3" name="文本框 2">
+            <a:extLst>
+              <a:ext uri="{FF2B5EF4-FFF2-40B4-BE49-F238E27FC236}">
+                <a16:creationId xmlns:a16="http://schemas.microsoft.com/office/drawing/2014/main" id="{93C6A284-D7E9-4489-9A33-D7AD1433003F}"/>
+              </a:ext>
+            </a:extLst>
+          </p:cNvPr>
+          <p:cNvSpPr txBox="1"/>
+          <p:nvPr/>
+        </p:nvSpPr>
+        <p:spPr>
+          <a:xfrm>
+            <a:off x="11030065" y="4564831"/>
+            <a:ext cx="2210151" cy="830997"/>
+          </a:xfrm>
+          <a:prstGeom prst="rect">
+            <a:avLst/>
+          </a:prstGeom>
+          <a:noFill/>
+        </p:spPr>
+        <p:txBody>
+          <a:bodyPr wrap="square" rtlCol="0">
+            <a:spAutoFit/>
+          </a:bodyPr>
+          <a:lstStyle/>
+          <a:p>
+            <a:r>
+              <a:rPr lang="en-US" altLang="zh-CN" sz="1600" dirty="0">
+                <a:latin typeface="Times New Roman" panose="02020603050405020304" pitchFamily="18" charset="0"/>
+                <a:cs typeface="Times New Roman" panose="02020603050405020304" pitchFamily="18" charset="0"/>
+              </a:rPr>
+              <a:t>Take:  /</a:t>
+            </a:r>
+            <a:r>
+              <a:rPr lang="en-US" altLang="zh-CN" sz="1600" dirty="0" err="1">
+                <a:latin typeface="Times New Roman" panose="02020603050405020304" pitchFamily="18" charset="0"/>
+                <a:cs typeface="Times New Roman" panose="02020603050405020304" pitchFamily="18" charset="0"/>
+              </a:rPr>
+              <a:t>teɪk</a:t>
+            </a:r>
+            <a:r>
+              <a:rPr lang="en-US" altLang="zh-CN" sz="1600" dirty="0">
+                <a:latin typeface="Times New Roman" panose="02020603050405020304" pitchFamily="18" charset="0"/>
+                <a:cs typeface="Times New Roman" panose="02020603050405020304" pitchFamily="18" charset="0"/>
+              </a:rPr>
+              <a:t>/ </a:t>
+            </a:r>
+          </a:p>
+          <a:p>
+            <a:r>
+              <a:rPr lang="en-US" altLang="zh-CN" sz="1600" dirty="0">
+                <a:latin typeface="Times New Roman" panose="02020603050405020304" pitchFamily="18" charset="0"/>
+                <a:cs typeface="Times New Roman" panose="02020603050405020304" pitchFamily="18" charset="0"/>
+              </a:rPr>
+              <a:t>A: /</a:t>
+            </a:r>
+            <a:r>
+              <a:rPr lang="en-US" altLang="zh-CN" sz="1600" dirty="0" err="1">
+                <a:latin typeface="Times New Roman" panose="02020603050405020304" pitchFamily="18" charset="0"/>
+                <a:cs typeface="Times New Roman" panose="02020603050405020304" pitchFamily="18" charset="0"/>
+              </a:rPr>
+              <a:t>eɪ</a:t>
+            </a:r>
+            <a:r>
+              <a:rPr lang="en-US" altLang="zh-CN" sz="1600" dirty="0">
+                <a:latin typeface="Times New Roman" panose="02020603050405020304" pitchFamily="18" charset="0"/>
+                <a:cs typeface="Times New Roman" panose="02020603050405020304" pitchFamily="18" charset="0"/>
+              </a:rPr>
+              <a:t>/</a:t>
+            </a:r>
+          </a:p>
+          <a:p>
+            <a:r>
+              <a:rPr lang="en-US" altLang="zh-CN" sz="1600" dirty="0">
+                <a:latin typeface="Times New Roman" panose="02020603050405020304" pitchFamily="18" charset="0"/>
+                <a:cs typeface="Times New Roman" panose="02020603050405020304" pitchFamily="18" charset="0"/>
+              </a:rPr>
+              <a:t>Picture: /ˈ</a:t>
+            </a:r>
+            <a:r>
+              <a:rPr lang="en-US" altLang="zh-CN" sz="1600" dirty="0" err="1">
+                <a:latin typeface="Times New Roman" panose="02020603050405020304" pitchFamily="18" charset="0"/>
+                <a:cs typeface="Times New Roman" panose="02020603050405020304" pitchFamily="18" charset="0"/>
+              </a:rPr>
+              <a:t>pɪktʃə</a:t>
+            </a:r>
+            <a:r>
+              <a:rPr lang="en-US" altLang="zh-CN" sz="1600" dirty="0">
+                <a:latin typeface="Times New Roman" panose="02020603050405020304" pitchFamily="18" charset="0"/>
+                <a:cs typeface="Times New Roman" panose="02020603050405020304" pitchFamily="18" charset="0"/>
+              </a:rPr>
+              <a:t>(r)/ </a:t>
+            </a:r>
+          </a:p>
+        </p:txBody>
+      </p:sp>
+      <p:sp>
+        <p:nvSpPr>
+          <p:cNvPr id="19" name="流程图: 接点 18">
+            <a:extLst>
+              <a:ext uri="{FF2B5EF4-FFF2-40B4-BE49-F238E27FC236}">
+                <a16:creationId xmlns:a16="http://schemas.microsoft.com/office/drawing/2014/main" id="{C000DFAB-A9F5-4AB9-93E5-3CF267E31A61}"/>
+              </a:ext>
+            </a:extLst>
+          </p:cNvPr>
+          <p:cNvSpPr/>
+          <p:nvPr/>
+        </p:nvSpPr>
+        <p:spPr>
+          <a:xfrm>
+            <a:off x="11943265" y="3572081"/>
+            <a:ext cx="490129" cy="490129"/>
+          </a:xfrm>
+          <a:prstGeom prst="flowChartConnector">
+            <a:avLst/>
+          </a:prstGeom>
+          <a:noFill/>
+          <a:ln w="19050">
+            <a:solidFill>
+              <a:schemeClr val="tx1"/>
+            </a:solidFill>
+          </a:ln>
+        </p:spPr>
+        <p:style>
+          <a:lnRef idx="2">
+            <a:schemeClr val="accent1">
+              <a:shade val="50000"/>
+            </a:schemeClr>
+          </a:lnRef>
+          <a:fillRef idx="1">
+            <a:schemeClr val="accent1"/>
+          </a:fillRef>
+          <a:effectRef idx="0">
+            <a:schemeClr val="accent1"/>
+          </a:effectRef>
+          <a:fontRef idx="minor">
+            <a:schemeClr val="lt1"/>
+          </a:fontRef>
+        </p:style>
+        <p:txBody>
+          <a:bodyPr rtlCol="0" anchor="ctr"/>
+          <a:lstStyle/>
+          <a:p>
+            <a:pPr algn="ctr"/>
+            <a:endParaRPr lang="zh-CN" altLang="en-US" dirty="0"/>
+          </a:p>
+        </p:txBody>
+      </p:sp>
+      <p:sp>
+        <p:nvSpPr>
+          <p:cNvPr id="21" name="流程图: 接点 20">
+            <a:extLst>
+              <a:ext uri="{FF2B5EF4-FFF2-40B4-BE49-F238E27FC236}">
+                <a16:creationId xmlns:a16="http://schemas.microsoft.com/office/drawing/2014/main" id="{41EEA9BC-49A5-4723-9770-F9D449D18BA3}"/>
+              </a:ext>
+            </a:extLst>
+          </p:cNvPr>
+          <p:cNvSpPr/>
+          <p:nvPr/>
+        </p:nvSpPr>
+        <p:spPr>
+          <a:xfrm>
+            <a:off x="11030065" y="3572081"/>
+            <a:ext cx="490129" cy="490129"/>
+          </a:xfrm>
+          <a:prstGeom prst="flowChartConnector">
+            <a:avLst/>
+          </a:prstGeom>
+          <a:noFill/>
+          <a:ln w="19050">
+            <a:solidFill>
+              <a:schemeClr val="tx1"/>
+            </a:solidFill>
+          </a:ln>
+        </p:spPr>
+        <p:style>
+          <a:lnRef idx="2">
+            <a:schemeClr val="accent1">
+              <a:shade val="50000"/>
+            </a:schemeClr>
+          </a:lnRef>
+          <a:fillRef idx="1">
+            <a:schemeClr val="accent1"/>
+          </a:fillRef>
+          <a:effectRef idx="0">
+            <a:schemeClr val="accent1"/>
+          </a:effectRef>
+          <a:fontRef idx="minor">
+            <a:schemeClr val="lt1"/>
+          </a:fontRef>
+        </p:style>
+        <p:txBody>
+          <a:bodyPr rtlCol="0" anchor="ctr"/>
+          <a:lstStyle/>
+          <a:p>
+            <a:pPr algn="ctr"/>
+            <a:endParaRPr lang="zh-CN" altLang="en-US" dirty="0"/>
+          </a:p>
+        </p:txBody>
+      </p:sp>
+    </p:spTree>
+    <p:extLst>
+      <p:ext uri="{BB962C8B-B14F-4D97-AF65-F5344CB8AC3E}">
+        <p14:creationId xmlns:p14="http://schemas.microsoft.com/office/powerpoint/2010/main" val="3363327003"/>
+      </p:ext>
+    </p:extLst>
+  </p:cSld>
+  <p:clrMapOvr>
+    <a:masterClrMapping/>
+  </p:clrMapOvr>
+</p:sld>
+</file>
+
 <file path=ppt/theme/theme1.xml><?xml version="1.0" encoding="utf-8"?>
 <a:theme xmlns:a="http://schemas.openxmlformats.org/drawingml/2006/main" name="Office 主题​​">
   <a:themeElements>
-    <a:clrScheme name="Office">
+    <a:clrScheme name="Office 主题​​">
       <a:dk1>
         <a:sysClr val="windowText" lastClr="000000"/>
       </a:dk1>
@@ -5950,9 +8697,9 @@
         <a:srgbClr val="954F72"/>
       </a:folHlink>
     </a:clrScheme>
-    <a:fontScheme name="Office">
+    <a:fontScheme name="Office 主题​​">
       <a:majorFont>
-        <a:latin typeface="等线 Light" panose="020F0302020204030204"/>
+        <a:latin typeface="Calibri Light" panose="020F0302020204030204"/>
         <a:ea typeface=""/>
         <a:cs typeface=""/>
         <a:font script="Jpan" typeface="游ゴシック Light"/>
@@ -5985,26 +8732,9 @@
         <a:font script="Viet" typeface="Times New Roman"/>
         <a:font script="Uigh" typeface="Microsoft Uighur"/>
         <a:font script="Geor" typeface="Sylfaen"/>
-        <a:font script="Armn" typeface="Arial"/>
-        <a:font script="Bugi" typeface="Leelawadee UI"/>
-        <a:font script="Bopo" typeface="Microsoft JhengHei"/>
-        <a:font script="Java" typeface="Javanese Text"/>
-        <a:font script="Lisu" typeface="Segoe UI"/>
-        <a:font script="Mymr" typeface="Myanmar Text"/>
-        <a:font script="Nkoo" typeface="Ebrima"/>
-        <a:font script="Olck" typeface="Nirmala UI"/>
-        <a:font script="Osma" typeface="Ebrima"/>
-        <a:font script="Phag" typeface="Phagspa"/>
-        <a:font script="Syrn" typeface="Estrangelo Edessa"/>
-        <a:font script="Syrj" typeface="Estrangelo Edessa"/>
-        <a:font script="Syre" typeface="Estrangelo Edessa"/>
-        <a:font script="Sora" typeface="Nirmala UI"/>
-        <a:font script="Tale" typeface="Microsoft Tai Le"/>
-        <a:font script="Talu" typeface="Microsoft New Tai Lue"/>
-        <a:font script="Tfng" typeface="Ebrima"/>
       </a:majorFont>
       <a:minorFont>
-        <a:latin typeface="等线" panose="020F0502020204030204"/>
+        <a:latin typeface="Calibri" panose="020F0502020204030204"/>
         <a:ea typeface=""/>
         <a:cs typeface=""/>
         <a:font script="Jpan" typeface="游ゴシック"/>
@@ -6037,26 +8767,9 @@
         <a:font script="Viet" typeface="Arial"/>
         <a:font script="Uigh" typeface="Microsoft Uighur"/>
         <a:font script="Geor" typeface="Sylfaen"/>
-        <a:font script="Armn" typeface="Arial"/>
-        <a:font script="Bugi" typeface="Leelawadee UI"/>
-        <a:font script="Bopo" typeface="Microsoft JhengHei"/>
-        <a:font script="Java" typeface="Javanese Text"/>
-        <a:font script="Lisu" typeface="Segoe UI"/>
-        <a:font script="Mymr" typeface="Myanmar Text"/>
-        <a:font script="Nkoo" typeface="Ebrima"/>
-        <a:font script="Olck" typeface="Nirmala UI"/>
-        <a:font script="Osma" typeface="Ebrima"/>
-        <a:font script="Phag" typeface="Phagspa"/>
-        <a:font script="Syrn" typeface="Estrangelo Edessa"/>
-        <a:font script="Syrj" typeface="Estrangelo Edessa"/>
-        <a:font script="Syre" typeface="Estrangelo Edessa"/>
-        <a:font script="Sora" typeface="Nirmala UI"/>
-        <a:font script="Tale" typeface="Microsoft Tai Le"/>
-        <a:font script="Talu" typeface="Microsoft New Tai Lue"/>
-        <a:font script="Tfng" typeface="Ebrima"/>
       </a:minorFont>
     </a:fontScheme>
-    <a:fmtScheme name="Office">
+    <a:fmtScheme name="Office 主题​​">
       <a:fillStyleLst>
         <a:solidFill>
           <a:schemeClr val="phClr"/>

--- a/Figure/asr/asr.pptx
+++ b/Figure/asr/asr.pptx
@@ -13,9 +13,9 @@
     <p:sldId id="258" r:id="rId4"/>
     <p:sldId id="259" r:id="rId5"/>
     <p:sldId id="260" r:id="rId6"/>
-    <p:sldId id="262" r:id="rId7"/>
-    <p:sldId id="261" r:id="rId8"/>
-    <p:sldId id="263" r:id="rId9"/>
+    <p:sldId id="261" r:id="rId7"/>
+    <p:sldId id="263" r:id="rId8"/>
+    <p:sldId id="262" r:id="rId9"/>
   </p:sldIdLst>
   <p:sldSz cx="18000663" cy="9601200"/>
   <p:notesSz cx="6858000" cy="9144000"/>
@@ -204,7 +204,7 @@
           <a:p>
             <a:fld id="{EE7C11CE-9749-499C-A126-5A53CC0AE764}" type="datetimeFigureOut">
               <a:rPr lang="zh-CN" altLang="en-US" smtClean="0"/>
-              <a:t>2020/8/3</a:t>
+              <a:t>2020/8/6</a:t>
             </a:fld>
             <a:endParaRPr lang="zh-CN" altLang="en-US"/>
           </a:p>
@@ -602,7 +602,7 @@
           <a:p>
             <a:fld id="{10DD3163-A593-45A8-89FE-8F3E8DA0C8D6}" type="datetimeFigureOut">
               <a:rPr lang="zh-CN" altLang="en-US" smtClean="0"/>
-              <a:t>2020/8/3</a:t>
+              <a:t>2020/8/6</a:t>
             </a:fld>
             <a:endParaRPr lang="zh-CN" altLang="en-US"/>
           </a:p>
@@ -772,7 +772,7 @@
           <a:p>
             <a:fld id="{10DD3163-A593-45A8-89FE-8F3E8DA0C8D6}" type="datetimeFigureOut">
               <a:rPr lang="zh-CN" altLang="en-US" smtClean="0"/>
-              <a:t>2020/8/3</a:t>
+              <a:t>2020/8/6</a:t>
             </a:fld>
             <a:endParaRPr lang="zh-CN" altLang="en-US"/>
           </a:p>
@@ -952,7 +952,7 @@
           <a:p>
             <a:fld id="{10DD3163-A593-45A8-89FE-8F3E8DA0C8D6}" type="datetimeFigureOut">
               <a:rPr lang="zh-CN" altLang="en-US" smtClean="0"/>
-              <a:t>2020/8/3</a:t>
+              <a:t>2020/8/6</a:t>
             </a:fld>
             <a:endParaRPr lang="zh-CN" altLang="en-US"/>
           </a:p>
@@ -1122,7 +1122,7 @@
           <a:p>
             <a:fld id="{10DD3163-A593-45A8-89FE-8F3E8DA0C8D6}" type="datetimeFigureOut">
               <a:rPr lang="zh-CN" altLang="en-US" smtClean="0"/>
-              <a:t>2020/8/3</a:t>
+              <a:t>2020/8/6</a:t>
             </a:fld>
             <a:endParaRPr lang="zh-CN" altLang="en-US"/>
           </a:p>
@@ -1368,7 +1368,7 @@
           <a:p>
             <a:fld id="{10DD3163-A593-45A8-89FE-8F3E8DA0C8D6}" type="datetimeFigureOut">
               <a:rPr lang="zh-CN" altLang="en-US" smtClean="0"/>
-              <a:t>2020/8/3</a:t>
+              <a:t>2020/8/6</a:t>
             </a:fld>
             <a:endParaRPr lang="zh-CN" altLang="en-US"/>
           </a:p>
@@ -1600,7 +1600,7 @@
           <a:p>
             <a:fld id="{10DD3163-A593-45A8-89FE-8F3E8DA0C8D6}" type="datetimeFigureOut">
               <a:rPr lang="zh-CN" altLang="en-US" smtClean="0"/>
-              <a:t>2020/8/3</a:t>
+              <a:t>2020/8/6</a:t>
             </a:fld>
             <a:endParaRPr lang="zh-CN" altLang="en-US"/>
           </a:p>
@@ -1967,7 +1967,7 @@
           <a:p>
             <a:fld id="{10DD3163-A593-45A8-89FE-8F3E8DA0C8D6}" type="datetimeFigureOut">
               <a:rPr lang="zh-CN" altLang="en-US" smtClean="0"/>
-              <a:t>2020/8/3</a:t>
+              <a:t>2020/8/6</a:t>
             </a:fld>
             <a:endParaRPr lang="zh-CN" altLang="en-US"/>
           </a:p>
@@ -2085,7 +2085,7 @@
           <a:p>
             <a:fld id="{10DD3163-A593-45A8-89FE-8F3E8DA0C8D6}" type="datetimeFigureOut">
               <a:rPr lang="zh-CN" altLang="en-US" smtClean="0"/>
-              <a:t>2020/8/3</a:t>
+              <a:t>2020/8/6</a:t>
             </a:fld>
             <a:endParaRPr lang="zh-CN" altLang="en-US"/>
           </a:p>
@@ -2180,7 +2180,7 @@
           <a:p>
             <a:fld id="{10DD3163-A593-45A8-89FE-8F3E8DA0C8D6}" type="datetimeFigureOut">
               <a:rPr lang="zh-CN" altLang="en-US" smtClean="0"/>
-              <a:t>2020/8/3</a:t>
+              <a:t>2020/8/6</a:t>
             </a:fld>
             <a:endParaRPr lang="zh-CN" altLang="en-US"/>
           </a:p>
@@ -2457,7 +2457,7 @@
           <a:p>
             <a:fld id="{10DD3163-A593-45A8-89FE-8F3E8DA0C8D6}" type="datetimeFigureOut">
               <a:rPr lang="zh-CN" altLang="en-US" smtClean="0"/>
-              <a:t>2020/8/3</a:t>
+              <a:t>2020/8/6</a:t>
             </a:fld>
             <a:endParaRPr lang="zh-CN" altLang="en-US"/>
           </a:p>
@@ -2714,7 +2714,7 @@
           <a:p>
             <a:fld id="{10DD3163-A593-45A8-89FE-8F3E8DA0C8D6}" type="datetimeFigureOut">
               <a:rPr lang="zh-CN" altLang="en-US" smtClean="0"/>
-              <a:t>2020/8/3</a:t>
+              <a:t>2020/8/6</a:t>
             </a:fld>
             <a:endParaRPr lang="zh-CN" altLang="en-US"/>
           </a:p>
@@ -2927,7 +2927,7 @@
           <a:p>
             <a:fld id="{10DD3163-A593-45A8-89FE-8F3E8DA0C8D6}" type="datetimeFigureOut">
               <a:rPr lang="zh-CN" altLang="en-US" smtClean="0"/>
-              <a:t>2020/8/3</a:t>
+              <a:t>2020/8/6</a:t>
             </a:fld>
             <a:endParaRPr lang="zh-CN" altLang="en-US"/>
           </a:p>
@@ -4731,6 +4731,1840 @@
           <a:chExt cx="0" cy="0"/>
         </a:xfrm>
       </p:grpSpPr>
+      <p:pic>
+        <p:nvPicPr>
+          <p:cNvPr id="4" name="图片 3">
+            <a:extLst>
+              <a:ext uri="{FF2B5EF4-FFF2-40B4-BE49-F238E27FC236}">
+                <a16:creationId xmlns:a16="http://schemas.microsoft.com/office/drawing/2014/main" id="{4021AAD6-D4B7-4FBE-9C1B-C0128C7EB790}"/>
+              </a:ext>
+            </a:extLst>
+          </p:cNvPr>
+          <p:cNvPicPr>
+            <a:picLocks noChangeAspect="1"/>
+          </p:cNvPicPr>
+          <p:nvPr/>
+        </p:nvPicPr>
+        <p:blipFill>
+          <a:blip r:embed="rId2"/>
+          <a:stretch>
+            <a:fillRect/>
+          </a:stretch>
+        </p:blipFill>
+        <p:spPr>
+          <a:xfrm>
+            <a:off x="5036249" y="3572717"/>
+            <a:ext cx="1601018" cy="753373"/>
+          </a:xfrm>
+          <a:prstGeom prst="rect">
+            <a:avLst/>
+          </a:prstGeom>
+          <a:ln w="19050">
+            <a:noFill/>
+          </a:ln>
+        </p:spPr>
+      </p:pic>
+      <p:sp>
+        <p:nvSpPr>
+          <p:cNvPr id="5" name="矩形 4">
+            <a:extLst>
+              <a:ext uri="{FF2B5EF4-FFF2-40B4-BE49-F238E27FC236}">
+                <a16:creationId xmlns:a16="http://schemas.microsoft.com/office/drawing/2014/main" id="{847D25E5-45C9-4C97-A949-9ADCE2F4EDBA}"/>
+              </a:ext>
+            </a:extLst>
+          </p:cNvPr>
+          <p:cNvSpPr/>
+          <p:nvPr/>
+        </p:nvSpPr>
+        <p:spPr>
+          <a:xfrm>
+            <a:off x="4995505" y="4583408"/>
+            <a:ext cx="1601018" cy="832701"/>
+          </a:xfrm>
+          <a:prstGeom prst="rect">
+            <a:avLst/>
+          </a:prstGeom>
+          <a:solidFill>
+            <a:schemeClr val="bg1"/>
+          </a:solidFill>
+          <a:ln w="19050">
+            <a:solidFill>
+              <a:schemeClr val="tx1"/>
+            </a:solidFill>
+          </a:ln>
+        </p:spPr>
+        <p:style>
+          <a:lnRef idx="2">
+            <a:schemeClr val="accent1">
+              <a:shade val="50000"/>
+            </a:schemeClr>
+          </a:lnRef>
+          <a:fillRef idx="1">
+            <a:schemeClr val="accent1"/>
+          </a:fillRef>
+          <a:effectRef idx="0">
+            <a:schemeClr val="accent1"/>
+          </a:effectRef>
+          <a:fontRef idx="minor">
+            <a:schemeClr val="lt1"/>
+          </a:fontRef>
+        </p:style>
+        <p:txBody>
+          <a:bodyPr rtlCol="0" anchor="ctr"/>
+          <a:lstStyle/>
+          <a:p>
+            <a:pPr algn="ctr"/>
+            <a:r>
+              <a:rPr lang="en-US" altLang="zh-CN" sz="1890" dirty="0">
+                <a:solidFill>
+                  <a:schemeClr val="tx1"/>
+                </a:solidFill>
+                <a:latin typeface="Times New Roman" panose="02020603050405020304" pitchFamily="18" charset="0"/>
+                <a:cs typeface="Times New Roman" panose="02020603050405020304" pitchFamily="18" charset="0"/>
+              </a:rPr>
+              <a:t>Signal</a:t>
+            </a:r>
+          </a:p>
+          <a:p>
+            <a:pPr algn="ctr"/>
+            <a:r>
+              <a:rPr lang="en-US" altLang="zh-CN" sz="1890" dirty="0">
+                <a:solidFill>
+                  <a:schemeClr val="tx1"/>
+                </a:solidFill>
+                <a:latin typeface="Times New Roman" panose="02020603050405020304" pitchFamily="18" charset="0"/>
+                <a:cs typeface="Times New Roman" panose="02020603050405020304" pitchFamily="18" charset="0"/>
+              </a:rPr>
+              <a:t>preprocessing</a:t>
+            </a:r>
+            <a:endParaRPr lang="zh-CN" altLang="en-US" sz="1890" dirty="0">
+              <a:solidFill>
+                <a:schemeClr val="tx1"/>
+              </a:solidFill>
+              <a:latin typeface="Times New Roman" panose="02020603050405020304" pitchFamily="18" charset="0"/>
+              <a:cs typeface="Times New Roman" panose="02020603050405020304" pitchFamily="18" charset="0"/>
+            </a:endParaRPr>
+          </a:p>
+        </p:txBody>
+      </p:sp>
+      <p:sp>
+        <p:nvSpPr>
+          <p:cNvPr id="8" name="矩形 7">
+            <a:extLst>
+              <a:ext uri="{FF2B5EF4-FFF2-40B4-BE49-F238E27FC236}">
+                <a16:creationId xmlns:a16="http://schemas.microsoft.com/office/drawing/2014/main" id="{AE383F55-9E2F-4A61-8778-E645F473047C}"/>
+              </a:ext>
+            </a:extLst>
+          </p:cNvPr>
+          <p:cNvSpPr/>
+          <p:nvPr/>
+        </p:nvSpPr>
+        <p:spPr>
+          <a:xfrm>
+            <a:off x="9404586" y="1965882"/>
+            <a:ext cx="1959429" cy="1028699"/>
+          </a:xfrm>
+          <a:prstGeom prst="rect">
+            <a:avLst/>
+          </a:prstGeom>
+          <a:solidFill>
+            <a:schemeClr val="bg1"/>
+          </a:solidFill>
+          <a:ln w="19050">
+            <a:solidFill>
+              <a:schemeClr val="tx1"/>
+            </a:solidFill>
+          </a:ln>
+        </p:spPr>
+        <p:style>
+          <a:lnRef idx="2">
+            <a:schemeClr val="accent1">
+              <a:shade val="50000"/>
+            </a:schemeClr>
+          </a:lnRef>
+          <a:fillRef idx="1">
+            <a:schemeClr val="accent1"/>
+          </a:fillRef>
+          <a:effectRef idx="0">
+            <a:schemeClr val="accent1"/>
+          </a:effectRef>
+          <a:fontRef idx="minor">
+            <a:schemeClr val="lt1"/>
+          </a:fontRef>
+        </p:style>
+        <p:txBody>
+          <a:bodyPr rtlCol="0" anchor="ctr"/>
+          <a:lstStyle/>
+          <a:p>
+            <a:pPr algn="ctr"/>
+            <a:r>
+              <a:rPr lang="en-US" altLang="zh-CN" sz="1890" dirty="0">
+                <a:solidFill>
+                  <a:schemeClr val="tx1"/>
+                </a:solidFill>
+                <a:latin typeface="Times New Roman" panose="02020603050405020304" pitchFamily="18" charset="0"/>
+                <a:cs typeface="Times New Roman" panose="02020603050405020304" pitchFamily="18" charset="0"/>
+              </a:rPr>
+              <a:t>Acoustic</a:t>
+            </a:r>
+          </a:p>
+          <a:p>
+            <a:pPr algn="ctr"/>
+            <a:r>
+              <a:rPr lang="en-US" altLang="zh-CN" sz="1890" dirty="0">
+                <a:solidFill>
+                  <a:schemeClr val="tx1"/>
+                </a:solidFill>
+                <a:latin typeface="Times New Roman" panose="02020603050405020304" pitchFamily="18" charset="0"/>
+                <a:cs typeface="Times New Roman" panose="02020603050405020304" pitchFamily="18" charset="0"/>
+              </a:rPr>
+              <a:t>model</a:t>
+            </a:r>
+            <a:endParaRPr lang="zh-CN" altLang="en-US" sz="1890" dirty="0">
+              <a:solidFill>
+                <a:schemeClr val="tx1"/>
+              </a:solidFill>
+              <a:latin typeface="Times New Roman" panose="02020603050405020304" pitchFamily="18" charset="0"/>
+              <a:cs typeface="Times New Roman" panose="02020603050405020304" pitchFamily="18" charset="0"/>
+            </a:endParaRPr>
+          </a:p>
+        </p:txBody>
+      </p:sp>
+      <p:sp>
+        <p:nvSpPr>
+          <p:cNvPr id="9" name="矩形 8">
+            <a:extLst>
+              <a:ext uri="{FF2B5EF4-FFF2-40B4-BE49-F238E27FC236}">
+                <a16:creationId xmlns:a16="http://schemas.microsoft.com/office/drawing/2014/main" id="{12ABCCE7-A1A3-442C-8149-55D3E8FA3CDD}"/>
+              </a:ext>
+            </a:extLst>
+          </p:cNvPr>
+          <p:cNvSpPr/>
+          <p:nvPr/>
+        </p:nvSpPr>
+        <p:spPr>
+          <a:xfrm>
+            <a:off x="12059825" y="1965882"/>
+            <a:ext cx="1959429" cy="1028699"/>
+          </a:xfrm>
+          <a:prstGeom prst="rect">
+            <a:avLst/>
+          </a:prstGeom>
+          <a:solidFill>
+            <a:schemeClr val="bg1"/>
+          </a:solidFill>
+          <a:ln w="19050">
+            <a:solidFill>
+              <a:schemeClr val="tx1"/>
+            </a:solidFill>
+          </a:ln>
+        </p:spPr>
+        <p:style>
+          <a:lnRef idx="2">
+            <a:schemeClr val="accent1">
+              <a:shade val="50000"/>
+            </a:schemeClr>
+          </a:lnRef>
+          <a:fillRef idx="1">
+            <a:schemeClr val="accent1"/>
+          </a:fillRef>
+          <a:effectRef idx="0">
+            <a:schemeClr val="accent1"/>
+          </a:effectRef>
+          <a:fontRef idx="minor">
+            <a:schemeClr val="lt1"/>
+          </a:fontRef>
+        </p:style>
+        <p:txBody>
+          <a:bodyPr rtlCol="0" anchor="ctr"/>
+          <a:lstStyle/>
+          <a:p>
+            <a:pPr algn="ctr"/>
+            <a:r>
+              <a:rPr lang="en-US" altLang="zh-CN" sz="1890" dirty="0">
+                <a:solidFill>
+                  <a:schemeClr val="tx1"/>
+                </a:solidFill>
+                <a:latin typeface="Times New Roman" panose="02020603050405020304" pitchFamily="18" charset="0"/>
+                <a:cs typeface="Times New Roman" panose="02020603050405020304" pitchFamily="18" charset="0"/>
+              </a:rPr>
+              <a:t>Language model</a:t>
+            </a:r>
+            <a:endParaRPr lang="zh-CN" altLang="en-US" sz="1890" dirty="0">
+              <a:solidFill>
+                <a:schemeClr val="tx1"/>
+              </a:solidFill>
+              <a:latin typeface="Times New Roman" panose="02020603050405020304" pitchFamily="18" charset="0"/>
+              <a:cs typeface="Times New Roman" panose="02020603050405020304" pitchFamily="18" charset="0"/>
+            </a:endParaRPr>
+          </a:p>
+        </p:txBody>
+      </p:sp>
+      <p:sp>
+        <p:nvSpPr>
+          <p:cNvPr id="11" name="矩形 10">
+            <a:extLst>
+              <a:ext uri="{FF2B5EF4-FFF2-40B4-BE49-F238E27FC236}">
+                <a16:creationId xmlns:a16="http://schemas.microsoft.com/office/drawing/2014/main" id="{C34E9B99-09A1-4ED9-8F5B-9E956D2D0D15}"/>
+              </a:ext>
+            </a:extLst>
+          </p:cNvPr>
+          <p:cNvSpPr/>
+          <p:nvPr/>
+        </p:nvSpPr>
+        <p:spPr>
+          <a:xfrm>
+            <a:off x="6636653" y="1965882"/>
+            <a:ext cx="1959429" cy="1028699"/>
+          </a:xfrm>
+          <a:prstGeom prst="rect">
+            <a:avLst/>
+          </a:prstGeom>
+          <a:solidFill>
+            <a:schemeClr val="bg1"/>
+          </a:solidFill>
+          <a:ln w="19050">
+            <a:solidFill>
+              <a:schemeClr val="tx1"/>
+            </a:solidFill>
+          </a:ln>
+        </p:spPr>
+        <p:style>
+          <a:lnRef idx="2">
+            <a:schemeClr val="accent1">
+              <a:shade val="50000"/>
+            </a:schemeClr>
+          </a:lnRef>
+          <a:fillRef idx="1">
+            <a:schemeClr val="accent1"/>
+          </a:fillRef>
+          <a:effectRef idx="0">
+            <a:schemeClr val="accent1"/>
+          </a:effectRef>
+          <a:fontRef idx="minor">
+            <a:schemeClr val="lt1"/>
+          </a:fontRef>
+        </p:style>
+        <p:txBody>
+          <a:bodyPr rtlCol="0" anchor="ctr"/>
+          <a:lstStyle/>
+          <a:p>
+            <a:pPr algn="ctr"/>
+            <a:r>
+              <a:rPr lang="en-US" altLang="zh-CN" sz="1890" dirty="0">
+                <a:solidFill>
+                  <a:schemeClr val="tx1"/>
+                </a:solidFill>
+                <a:latin typeface="Times New Roman" panose="02020603050405020304" pitchFamily="18" charset="0"/>
+                <a:cs typeface="Times New Roman" panose="02020603050405020304" pitchFamily="18" charset="0"/>
+              </a:rPr>
+              <a:t>Feature Extraction</a:t>
+            </a:r>
+            <a:endParaRPr lang="zh-CN" altLang="en-US" sz="1890" dirty="0">
+              <a:solidFill>
+                <a:schemeClr val="tx1"/>
+              </a:solidFill>
+              <a:latin typeface="Times New Roman" panose="02020603050405020304" pitchFamily="18" charset="0"/>
+              <a:cs typeface="Times New Roman" panose="02020603050405020304" pitchFamily="18" charset="0"/>
+            </a:endParaRPr>
+          </a:p>
+        </p:txBody>
+      </p:sp>
+      <p:sp>
+        <p:nvSpPr>
+          <p:cNvPr id="12" name="矩形 11">
+            <a:extLst>
+              <a:ext uri="{FF2B5EF4-FFF2-40B4-BE49-F238E27FC236}">
+                <a16:creationId xmlns:a16="http://schemas.microsoft.com/office/drawing/2014/main" id="{53CE6504-A28E-474F-8249-A66921168C65}"/>
+              </a:ext>
+            </a:extLst>
+          </p:cNvPr>
+          <p:cNvSpPr/>
+          <p:nvPr/>
+        </p:nvSpPr>
+        <p:spPr>
+          <a:xfrm>
+            <a:off x="6982550" y="4583408"/>
+            <a:ext cx="1601018" cy="832701"/>
+          </a:xfrm>
+          <a:prstGeom prst="rect">
+            <a:avLst/>
+          </a:prstGeom>
+          <a:solidFill>
+            <a:schemeClr val="bg1"/>
+          </a:solidFill>
+          <a:ln w="19050">
+            <a:solidFill>
+              <a:schemeClr val="tx1"/>
+            </a:solidFill>
+          </a:ln>
+        </p:spPr>
+        <p:style>
+          <a:lnRef idx="2">
+            <a:schemeClr val="accent1">
+              <a:shade val="50000"/>
+            </a:schemeClr>
+          </a:lnRef>
+          <a:fillRef idx="1">
+            <a:schemeClr val="accent1"/>
+          </a:fillRef>
+          <a:effectRef idx="0">
+            <a:schemeClr val="accent1"/>
+          </a:effectRef>
+          <a:fontRef idx="minor">
+            <a:schemeClr val="lt1"/>
+          </a:fontRef>
+        </p:style>
+        <p:txBody>
+          <a:bodyPr rtlCol="0" anchor="ctr"/>
+          <a:lstStyle/>
+          <a:p>
+            <a:pPr algn="ctr"/>
+            <a:r>
+              <a:rPr lang="en-US" altLang="zh-CN" sz="1890" dirty="0">
+                <a:solidFill>
+                  <a:schemeClr val="tx1"/>
+                </a:solidFill>
+                <a:latin typeface="Times New Roman" panose="02020603050405020304" pitchFamily="18" charset="0"/>
+                <a:cs typeface="Times New Roman" panose="02020603050405020304" pitchFamily="18" charset="0"/>
+              </a:rPr>
+              <a:t>Feature extraction</a:t>
+            </a:r>
+            <a:endParaRPr lang="zh-CN" altLang="en-US" sz="1890" dirty="0">
+              <a:solidFill>
+                <a:schemeClr val="tx1"/>
+              </a:solidFill>
+              <a:latin typeface="Times New Roman" panose="02020603050405020304" pitchFamily="18" charset="0"/>
+              <a:cs typeface="Times New Roman" panose="02020603050405020304" pitchFamily="18" charset="0"/>
+            </a:endParaRPr>
+          </a:p>
+        </p:txBody>
+      </p:sp>
+      <p:sp>
+        <p:nvSpPr>
+          <p:cNvPr id="13" name="矩形 12">
+            <a:extLst>
+              <a:ext uri="{FF2B5EF4-FFF2-40B4-BE49-F238E27FC236}">
+                <a16:creationId xmlns:a16="http://schemas.microsoft.com/office/drawing/2014/main" id="{71C98337-73A3-4AE1-96F6-CBBA876F1B8E}"/>
+              </a:ext>
+            </a:extLst>
+          </p:cNvPr>
+          <p:cNvSpPr/>
+          <p:nvPr/>
+        </p:nvSpPr>
+        <p:spPr>
+          <a:xfrm>
+            <a:off x="8969596" y="3618718"/>
+            <a:ext cx="2394419" cy="461661"/>
+          </a:xfrm>
+          <a:prstGeom prst="rect">
+            <a:avLst/>
+          </a:prstGeom>
+          <a:solidFill>
+            <a:schemeClr val="bg1"/>
+          </a:solidFill>
+          <a:ln w="19050">
+            <a:solidFill>
+              <a:schemeClr val="tx1"/>
+            </a:solidFill>
+          </a:ln>
+        </p:spPr>
+        <p:style>
+          <a:lnRef idx="2">
+            <a:schemeClr val="accent1">
+              <a:shade val="50000"/>
+            </a:schemeClr>
+          </a:lnRef>
+          <a:fillRef idx="1">
+            <a:schemeClr val="accent1"/>
+          </a:fillRef>
+          <a:effectRef idx="0">
+            <a:schemeClr val="accent1"/>
+          </a:effectRef>
+          <a:fontRef idx="minor">
+            <a:schemeClr val="lt1"/>
+          </a:fontRef>
+        </p:style>
+        <p:txBody>
+          <a:bodyPr rtlCol="0" anchor="ctr"/>
+          <a:lstStyle/>
+          <a:p>
+            <a:pPr algn="ctr"/>
+            <a:r>
+              <a:rPr lang="en-US" altLang="zh-CN" sz="1890" dirty="0">
+                <a:solidFill>
+                  <a:schemeClr val="tx1"/>
+                </a:solidFill>
+                <a:latin typeface="Times New Roman" panose="02020603050405020304" pitchFamily="18" charset="0"/>
+                <a:cs typeface="Times New Roman" panose="02020603050405020304" pitchFamily="18" charset="0"/>
+              </a:rPr>
+              <a:t>Acoustic model</a:t>
+            </a:r>
+            <a:endParaRPr lang="zh-CN" altLang="en-US" sz="1890" dirty="0">
+              <a:solidFill>
+                <a:schemeClr val="tx1"/>
+              </a:solidFill>
+              <a:latin typeface="Times New Roman" panose="02020603050405020304" pitchFamily="18" charset="0"/>
+              <a:cs typeface="Times New Roman" panose="02020603050405020304" pitchFamily="18" charset="0"/>
+            </a:endParaRPr>
+          </a:p>
+        </p:txBody>
+      </p:sp>
+      <p:sp>
+        <p:nvSpPr>
+          <p:cNvPr id="14" name="矩形 13">
+            <a:extLst>
+              <a:ext uri="{FF2B5EF4-FFF2-40B4-BE49-F238E27FC236}">
+                <a16:creationId xmlns:a16="http://schemas.microsoft.com/office/drawing/2014/main" id="{0047F1D6-F6D0-4629-9C2C-8A6E65197B40}"/>
+              </a:ext>
+            </a:extLst>
+          </p:cNvPr>
+          <p:cNvSpPr/>
+          <p:nvPr/>
+        </p:nvSpPr>
+        <p:spPr>
+          <a:xfrm>
+            <a:off x="3435230" y="2605000"/>
+            <a:ext cx="1601019" cy="678648"/>
+          </a:xfrm>
+          <a:prstGeom prst="rect">
+            <a:avLst/>
+          </a:prstGeom>
+          <a:solidFill>
+            <a:schemeClr val="bg1"/>
+          </a:solidFill>
+          <a:ln w="19050">
+            <a:solidFill>
+              <a:schemeClr val="tx1"/>
+            </a:solidFill>
+          </a:ln>
+        </p:spPr>
+        <p:style>
+          <a:lnRef idx="2">
+            <a:schemeClr val="accent1">
+              <a:shade val="50000"/>
+            </a:schemeClr>
+          </a:lnRef>
+          <a:fillRef idx="1">
+            <a:schemeClr val="accent1"/>
+          </a:fillRef>
+          <a:effectRef idx="0">
+            <a:schemeClr val="accent1"/>
+          </a:effectRef>
+          <a:fontRef idx="minor">
+            <a:schemeClr val="lt1"/>
+          </a:fontRef>
+        </p:style>
+        <p:txBody>
+          <a:bodyPr rtlCol="0" anchor="ctr"/>
+          <a:lstStyle/>
+          <a:p>
+            <a:pPr algn="ctr"/>
+            <a:r>
+              <a:rPr lang="en-US" altLang="zh-CN" sz="1890" dirty="0">
+                <a:solidFill>
+                  <a:schemeClr val="tx1"/>
+                </a:solidFill>
+                <a:latin typeface="Times New Roman" panose="02020603050405020304" pitchFamily="18" charset="0"/>
+                <a:cs typeface="Times New Roman" panose="02020603050405020304" pitchFamily="18" charset="0"/>
+              </a:rPr>
+              <a:t>Pronunciation model</a:t>
+            </a:r>
+            <a:endParaRPr lang="zh-CN" altLang="en-US" sz="1890" dirty="0">
+              <a:solidFill>
+                <a:schemeClr val="tx1"/>
+              </a:solidFill>
+              <a:latin typeface="Times New Roman" panose="02020603050405020304" pitchFamily="18" charset="0"/>
+              <a:cs typeface="Times New Roman" panose="02020603050405020304" pitchFamily="18" charset="0"/>
+            </a:endParaRPr>
+          </a:p>
+        </p:txBody>
+      </p:sp>
+      <p:sp>
+        <p:nvSpPr>
+          <p:cNvPr id="16" name="矩形 15">
+            <a:extLst>
+              <a:ext uri="{FF2B5EF4-FFF2-40B4-BE49-F238E27FC236}">
+                <a16:creationId xmlns:a16="http://schemas.microsoft.com/office/drawing/2014/main" id="{258360EB-E755-451E-AEAD-B5AF1A497FA6}"/>
+              </a:ext>
+            </a:extLst>
+          </p:cNvPr>
+          <p:cNvSpPr/>
+          <p:nvPr/>
+        </p:nvSpPr>
+        <p:spPr>
+          <a:xfrm>
+            <a:off x="8970040" y="5672527"/>
+            <a:ext cx="2393974" cy="461661"/>
+          </a:xfrm>
+          <a:prstGeom prst="rect">
+            <a:avLst/>
+          </a:prstGeom>
+          <a:solidFill>
+            <a:schemeClr val="bg1"/>
+          </a:solidFill>
+          <a:ln w="19050">
+            <a:solidFill>
+              <a:schemeClr val="tx1"/>
+            </a:solidFill>
+          </a:ln>
+        </p:spPr>
+        <p:style>
+          <a:lnRef idx="2">
+            <a:schemeClr val="accent1">
+              <a:shade val="50000"/>
+            </a:schemeClr>
+          </a:lnRef>
+          <a:fillRef idx="1">
+            <a:schemeClr val="accent1"/>
+          </a:fillRef>
+          <a:effectRef idx="0">
+            <a:schemeClr val="accent1"/>
+          </a:effectRef>
+          <a:fontRef idx="minor">
+            <a:schemeClr val="lt1"/>
+          </a:fontRef>
+        </p:style>
+        <p:txBody>
+          <a:bodyPr rtlCol="0" anchor="ctr"/>
+          <a:lstStyle/>
+          <a:p>
+            <a:pPr algn="ctr"/>
+            <a:r>
+              <a:rPr lang="en-US" altLang="zh-CN" sz="1890" dirty="0">
+                <a:solidFill>
+                  <a:schemeClr val="tx1"/>
+                </a:solidFill>
+                <a:latin typeface="Times New Roman" panose="02020603050405020304" pitchFamily="18" charset="0"/>
+                <a:cs typeface="Times New Roman" panose="02020603050405020304" pitchFamily="18" charset="0"/>
+              </a:rPr>
+              <a:t>Language model</a:t>
+            </a:r>
+            <a:endParaRPr lang="zh-CN" altLang="en-US" sz="1890" dirty="0">
+              <a:solidFill>
+                <a:schemeClr val="tx1"/>
+              </a:solidFill>
+              <a:latin typeface="Times New Roman" panose="02020603050405020304" pitchFamily="18" charset="0"/>
+              <a:cs typeface="Times New Roman" panose="02020603050405020304" pitchFamily="18" charset="0"/>
+            </a:endParaRPr>
+          </a:p>
+        </p:txBody>
+      </p:sp>
+      <p:sp>
+        <p:nvSpPr>
+          <p:cNvPr id="17" name="箭头: 右 16">
+            <a:extLst>
+              <a:ext uri="{FF2B5EF4-FFF2-40B4-BE49-F238E27FC236}">
+                <a16:creationId xmlns:a16="http://schemas.microsoft.com/office/drawing/2014/main" id="{F8035F29-1A07-4850-A595-45CF8F7E52CA}"/>
+              </a:ext>
+            </a:extLst>
+          </p:cNvPr>
+          <p:cNvSpPr/>
+          <p:nvPr/>
+        </p:nvSpPr>
+        <p:spPr>
+          <a:xfrm flipV="1">
+            <a:off x="6596521" y="4946074"/>
+            <a:ext cx="386028" cy="107362"/>
+          </a:xfrm>
+          <a:prstGeom prst="rightArrow">
+            <a:avLst/>
+          </a:prstGeom>
+          <a:ln>
+            <a:noFill/>
+          </a:ln>
+        </p:spPr>
+        <p:style>
+          <a:lnRef idx="2">
+            <a:schemeClr val="accent1">
+              <a:shade val="50000"/>
+            </a:schemeClr>
+          </a:lnRef>
+          <a:fillRef idx="1">
+            <a:schemeClr val="accent1"/>
+          </a:fillRef>
+          <a:effectRef idx="0">
+            <a:schemeClr val="accent1"/>
+          </a:effectRef>
+          <a:fontRef idx="minor">
+            <a:schemeClr val="lt1"/>
+          </a:fontRef>
+        </p:style>
+        <p:txBody>
+          <a:bodyPr rtlCol="0" anchor="ctr"/>
+          <a:lstStyle/>
+          <a:p>
+            <a:pPr algn="ctr"/>
+            <a:endParaRPr lang="zh-CN" altLang="en-US" sz="1890"/>
+          </a:p>
+        </p:txBody>
+      </p:sp>
+      <p:sp>
+        <p:nvSpPr>
+          <p:cNvPr id="18" name="箭头: 右 17">
+            <a:extLst>
+              <a:ext uri="{FF2B5EF4-FFF2-40B4-BE49-F238E27FC236}">
+                <a16:creationId xmlns:a16="http://schemas.microsoft.com/office/drawing/2014/main" id="{7E344234-6814-48B9-916B-931533F147CB}"/>
+              </a:ext>
+            </a:extLst>
+          </p:cNvPr>
+          <p:cNvSpPr/>
+          <p:nvPr/>
+        </p:nvSpPr>
+        <p:spPr>
+          <a:xfrm flipV="1">
+            <a:off x="8583566" y="4946074"/>
+            <a:ext cx="386028" cy="107362"/>
+          </a:xfrm>
+          <a:prstGeom prst="rightArrow">
+            <a:avLst/>
+          </a:prstGeom>
+          <a:ln>
+            <a:noFill/>
+          </a:ln>
+        </p:spPr>
+        <p:style>
+          <a:lnRef idx="2">
+            <a:schemeClr val="accent1">
+              <a:shade val="50000"/>
+            </a:schemeClr>
+          </a:lnRef>
+          <a:fillRef idx="1">
+            <a:schemeClr val="accent1"/>
+          </a:fillRef>
+          <a:effectRef idx="0">
+            <a:schemeClr val="accent1"/>
+          </a:effectRef>
+          <a:fontRef idx="minor">
+            <a:schemeClr val="lt1"/>
+          </a:fontRef>
+        </p:style>
+        <p:txBody>
+          <a:bodyPr rtlCol="0" anchor="ctr"/>
+          <a:lstStyle/>
+          <a:p>
+            <a:pPr algn="ctr"/>
+            <a:endParaRPr lang="zh-CN" altLang="en-US" sz="1890"/>
+          </a:p>
+        </p:txBody>
+      </p:sp>
+      <p:sp>
+        <p:nvSpPr>
+          <p:cNvPr id="20" name="箭头: 右 19">
+            <a:extLst>
+              <a:ext uri="{FF2B5EF4-FFF2-40B4-BE49-F238E27FC236}">
+                <a16:creationId xmlns:a16="http://schemas.microsoft.com/office/drawing/2014/main" id="{62611EAA-DD8A-4AC7-93F9-07652DFAF0F1}"/>
+              </a:ext>
+            </a:extLst>
+          </p:cNvPr>
+          <p:cNvSpPr/>
+          <p:nvPr/>
+        </p:nvSpPr>
+        <p:spPr>
+          <a:xfrm flipV="1">
+            <a:off x="11364013" y="4944057"/>
+            <a:ext cx="386028" cy="107362"/>
+          </a:xfrm>
+          <a:prstGeom prst="rightArrow">
+            <a:avLst/>
+          </a:prstGeom>
+          <a:ln>
+            <a:noFill/>
+          </a:ln>
+        </p:spPr>
+        <p:style>
+          <a:lnRef idx="2">
+            <a:schemeClr val="accent1">
+              <a:shade val="50000"/>
+            </a:schemeClr>
+          </a:lnRef>
+          <a:fillRef idx="1">
+            <a:schemeClr val="accent1"/>
+          </a:fillRef>
+          <a:effectRef idx="0">
+            <a:schemeClr val="accent1"/>
+          </a:effectRef>
+          <a:fontRef idx="minor">
+            <a:schemeClr val="lt1"/>
+          </a:fontRef>
+        </p:style>
+        <p:txBody>
+          <a:bodyPr rtlCol="0" anchor="ctr"/>
+          <a:lstStyle/>
+          <a:p>
+            <a:pPr algn="ctr"/>
+            <a:endParaRPr lang="zh-CN" altLang="en-US" sz="1890"/>
+          </a:p>
+        </p:txBody>
+      </p:sp>
+      <p:sp>
+        <p:nvSpPr>
+          <p:cNvPr id="22" name="文本框 21">
+            <a:extLst>
+              <a:ext uri="{FF2B5EF4-FFF2-40B4-BE49-F238E27FC236}">
+                <a16:creationId xmlns:a16="http://schemas.microsoft.com/office/drawing/2014/main" id="{78B95B22-FE63-4C47-8197-985F87AD2B3E}"/>
+              </a:ext>
+            </a:extLst>
+          </p:cNvPr>
+          <p:cNvSpPr txBox="1"/>
+          <p:nvPr/>
+        </p:nvSpPr>
+        <p:spPr>
+          <a:xfrm>
+            <a:off x="13314747" y="4645623"/>
+            <a:ext cx="1659429" cy="674031"/>
+          </a:xfrm>
+          <a:prstGeom prst="rect">
+            <a:avLst/>
+          </a:prstGeom>
+          <a:noFill/>
+        </p:spPr>
+        <p:txBody>
+          <a:bodyPr wrap="none" rtlCol="0">
+            <a:spAutoFit/>
+          </a:bodyPr>
+          <a:lstStyle/>
+          <a:p>
+            <a:pPr algn="ctr"/>
+            <a:r>
+              <a:rPr lang="en-US" altLang="zh-CN" sz="1890" dirty="0">
+                <a:latin typeface="Times New Roman" panose="02020603050405020304" pitchFamily="18" charset="0"/>
+                <a:cs typeface="Times New Roman" panose="02020603050405020304" pitchFamily="18" charset="0"/>
+              </a:rPr>
+              <a:t>“I want to</a:t>
+            </a:r>
+          </a:p>
+          <a:p>
+            <a:pPr algn="ctr"/>
+            <a:r>
+              <a:rPr lang="en-US" altLang="zh-CN" sz="1890" dirty="0">
+                <a:latin typeface="Times New Roman" panose="02020603050405020304" pitchFamily="18" charset="0"/>
+                <a:cs typeface="Times New Roman" panose="02020603050405020304" pitchFamily="18" charset="0"/>
+              </a:rPr>
+              <a:t> take a picture”</a:t>
+            </a:r>
+            <a:endParaRPr lang="zh-CN" altLang="en-US" sz="1890" dirty="0">
+              <a:latin typeface="Times New Roman" panose="02020603050405020304" pitchFamily="18" charset="0"/>
+              <a:cs typeface="Times New Roman" panose="02020603050405020304" pitchFamily="18" charset="0"/>
+            </a:endParaRPr>
+          </a:p>
+        </p:txBody>
+      </p:sp>
+      <p:sp>
+        <p:nvSpPr>
+          <p:cNvPr id="3" name="文本框 2">
+            <a:extLst>
+              <a:ext uri="{FF2B5EF4-FFF2-40B4-BE49-F238E27FC236}">
+                <a16:creationId xmlns:a16="http://schemas.microsoft.com/office/drawing/2014/main" id="{93C6A284-D7E9-4489-9A33-D7AD1433003F}"/>
+              </a:ext>
+            </a:extLst>
+          </p:cNvPr>
+          <p:cNvSpPr txBox="1"/>
+          <p:nvPr/>
+        </p:nvSpPr>
+        <p:spPr>
+          <a:xfrm>
+            <a:off x="7175330" y="6714298"/>
+            <a:ext cx="4884494" cy="1837426"/>
+          </a:xfrm>
+          <a:prstGeom prst="rect">
+            <a:avLst/>
+          </a:prstGeom>
+          <a:noFill/>
+        </p:spPr>
+        <p:txBody>
+          <a:bodyPr wrap="square" rtlCol="0">
+            <a:spAutoFit/>
+          </a:bodyPr>
+          <a:lstStyle/>
+          <a:p>
+            <a:r>
+              <a:rPr lang="en-US" altLang="zh-CN" sz="1890" dirty="0">
+                <a:latin typeface="Times New Roman" panose="02020603050405020304" pitchFamily="18" charset="0"/>
+                <a:cs typeface="Times New Roman" panose="02020603050405020304" pitchFamily="18" charset="0"/>
+              </a:rPr>
+              <a:t>I: /</a:t>
+            </a:r>
+            <a:r>
+              <a:rPr lang="en-US" altLang="zh-CN" sz="1890" dirty="0" err="1">
+                <a:latin typeface="Times New Roman" panose="02020603050405020304" pitchFamily="18" charset="0"/>
+                <a:cs typeface="Times New Roman" panose="02020603050405020304" pitchFamily="18" charset="0"/>
+              </a:rPr>
+              <a:t>aɪ</a:t>
+            </a:r>
+            <a:r>
+              <a:rPr lang="en-US" altLang="zh-CN" sz="1890" dirty="0">
+                <a:latin typeface="Times New Roman" panose="02020603050405020304" pitchFamily="18" charset="0"/>
+                <a:cs typeface="Times New Roman" panose="02020603050405020304" pitchFamily="18" charset="0"/>
+              </a:rPr>
+              <a:t>/ </a:t>
+            </a:r>
+          </a:p>
+          <a:p>
+            <a:r>
+              <a:rPr lang="en-US" altLang="zh-CN" sz="1890" dirty="0">
+                <a:latin typeface="Times New Roman" panose="02020603050405020304" pitchFamily="18" charset="0"/>
+                <a:cs typeface="Times New Roman" panose="02020603050405020304" pitchFamily="18" charset="0"/>
+              </a:rPr>
+              <a:t>Want: /</a:t>
+            </a:r>
+            <a:r>
+              <a:rPr lang="en-US" altLang="zh-CN" sz="1890" dirty="0" err="1">
+                <a:latin typeface="Times New Roman" panose="02020603050405020304" pitchFamily="18" charset="0"/>
+                <a:cs typeface="Times New Roman" panose="02020603050405020304" pitchFamily="18" charset="0"/>
+              </a:rPr>
+              <a:t>wɒnt</a:t>
+            </a:r>
+            <a:r>
+              <a:rPr lang="en-US" altLang="zh-CN" sz="1890" dirty="0">
+                <a:latin typeface="Times New Roman" panose="02020603050405020304" pitchFamily="18" charset="0"/>
+                <a:cs typeface="Times New Roman" panose="02020603050405020304" pitchFamily="18" charset="0"/>
+              </a:rPr>
+              <a:t>/ </a:t>
+            </a:r>
+          </a:p>
+          <a:p>
+            <a:r>
+              <a:rPr lang="en-US" altLang="zh-CN" sz="1890" dirty="0">
+                <a:latin typeface="Times New Roman" panose="02020603050405020304" pitchFamily="18" charset="0"/>
+                <a:cs typeface="Times New Roman" panose="02020603050405020304" pitchFamily="18" charset="0"/>
+              </a:rPr>
+              <a:t>To:  /</a:t>
+            </a:r>
+            <a:r>
+              <a:rPr lang="en-US" altLang="zh-CN" sz="1890" dirty="0" err="1">
+                <a:latin typeface="Times New Roman" panose="02020603050405020304" pitchFamily="18" charset="0"/>
+                <a:cs typeface="Times New Roman" panose="02020603050405020304" pitchFamily="18" charset="0"/>
+              </a:rPr>
+              <a:t>tu</a:t>
+            </a:r>
+            <a:r>
+              <a:rPr lang="en-US" altLang="zh-CN" sz="1890" dirty="0">
+                <a:latin typeface="Times New Roman" panose="02020603050405020304" pitchFamily="18" charset="0"/>
+                <a:cs typeface="Times New Roman" panose="02020603050405020304" pitchFamily="18" charset="0"/>
+              </a:rPr>
+              <a:t>ː/</a:t>
+            </a:r>
+          </a:p>
+          <a:p>
+            <a:r>
+              <a:rPr lang="en-US" altLang="zh-CN" sz="1890" dirty="0">
+                <a:latin typeface="Times New Roman" panose="02020603050405020304" pitchFamily="18" charset="0"/>
+                <a:cs typeface="Times New Roman" panose="02020603050405020304" pitchFamily="18" charset="0"/>
+              </a:rPr>
+              <a:t>Take:  /</a:t>
+            </a:r>
+            <a:r>
+              <a:rPr lang="en-US" altLang="zh-CN" sz="1890" dirty="0" err="1">
+                <a:latin typeface="Times New Roman" panose="02020603050405020304" pitchFamily="18" charset="0"/>
+                <a:cs typeface="Times New Roman" panose="02020603050405020304" pitchFamily="18" charset="0"/>
+              </a:rPr>
+              <a:t>teɪk</a:t>
+            </a:r>
+            <a:r>
+              <a:rPr lang="en-US" altLang="zh-CN" sz="1890" dirty="0">
+                <a:latin typeface="Times New Roman" panose="02020603050405020304" pitchFamily="18" charset="0"/>
+                <a:cs typeface="Times New Roman" panose="02020603050405020304" pitchFamily="18" charset="0"/>
+              </a:rPr>
+              <a:t>/ </a:t>
+            </a:r>
+          </a:p>
+          <a:p>
+            <a:r>
+              <a:rPr lang="en-US" altLang="zh-CN" sz="1890" dirty="0">
+                <a:latin typeface="Times New Roman" panose="02020603050405020304" pitchFamily="18" charset="0"/>
+                <a:cs typeface="Times New Roman" panose="02020603050405020304" pitchFamily="18" charset="0"/>
+              </a:rPr>
+              <a:t>A: /</a:t>
+            </a:r>
+            <a:r>
+              <a:rPr lang="en-US" altLang="zh-CN" sz="1890" dirty="0" err="1">
+                <a:latin typeface="Times New Roman" panose="02020603050405020304" pitchFamily="18" charset="0"/>
+                <a:cs typeface="Times New Roman" panose="02020603050405020304" pitchFamily="18" charset="0"/>
+              </a:rPr>
+              <a:t>eɪ</a:t>
+            </a:r>
+            <a:r>
+              <a:rPr lang="en-US" altLang="zh-CN" sz="1890" dirty="0">
+                <a:latin typeface="Times New Roman" panose="02020603050405020304" pitchFamily="18" charset="0"/>
+                <a:cs typeface="Times New Roman" panose="02020603050405020304" pitchFamily="18" charset="0"/>
+              </a:rPr>
+              <a:t>/</a:t>
+            </a:r>
+          </a:p>
+          <a:p>
+            <a:r>
+              <a:rPr lang="en-US" altLang="zh-CN" sz="1890" dirty="0">
+                <a:latin typeface="Times New Roman" panose="02020603050405020304" pitchFamily="18" charset="0"/>
+                <a:cs typeface="Times New Roman" panose="02020603050405020304" pitchFamily="18" charset="0"/>
+              </a:rPr>
+              <a:t>Picture: /ˈ</a:t>
+            </a:r>
+            <a:r>
+              <a:rPr lang="en-US" altLang="zh-CN" sz="1890" dirty="0" err="1">
+                <a:latin typeface="Times New Roman" panose="02020603050405020304" pitchFamily="18" charset="0"/>
+                <a:cs typeface="Times New Roman" panose="02020603050405020304" pitchFamily="18" charset="0"/>
+              </a:rPr>
+              <a:t>pɪktʃə</a:t>
+            </a:r>
+            <a:r>
+              <a:rPr lang="en-US" altLang="zh-CN" sz="1890" dirty="0">
+                <a:latin typeface="Times New Roman" panose="02020603050405020304" pitchFamily="18" charset="0"/>
+                <a:cs typeface="Times New Roman" panose="02020603050405020304" pitchFamily="18" charset="0"/>
+              </a:rPr>
+              <a:t>(r)/ </a:t>
+            </a:r>
+          </a:p>
+        </p:txBody>
+      </p:sp>
+    </p:spTree>
+    <p:extLst>
+      <p:ext uri="{BB962C8B-B14F-4D97-AF65-F5344CB8AC3E}">
+        <p14:creationId xmlns:p14="http://schemas.microsoft.com/office/powerpoint/2010/main" val="3812739351"/>
+      </p:ext>
+    </p:extLst>
+  </p:cSld>
+  <p:clrMapOvr>
+    <a:masterClrMapping/>
+  </p:clrMapOvr>
+</p:sld>
+</file>
+
+<file path=ppt/slides/slide7.xml><?xml version="1.0" encoding="utf-8"?>
+<p:sld xmlns:a="http://schemas.openxmlformats.org/drawingml/2006/main" xmlns:r="http://schemas.openxmlformats.org/officeDocument/2006/relationships" xmlns:p="http://schemas.openxmlformats.org/presentationml/2006/main">
+  <p:cSld>
+    <p:spTree>
+      <p:nvGrpSpPr>
+        <p:cNvPr id="1" name=""/>
+        <p:cNvGrpSpPr/>
+        <p:nvPr/>
+      </p:nvGrpSpPr>
+      <p:grpSpPr>
+        <a:xfrm>
+          <a:off x="0" y="0"/>
+          <a:ext cx="0" cy="0"/>
+          <a:chOff x="0" y="0"/>
+          <a:chExt cx="0" cy="0"/>
+        </a:xfrm>
+      </p:grpSpPr>
+      <p:pic>
+        <p:nvPicPr>
+          <p:cNvPr id="4" name="图片 3">
+            <a:extLst>
+              <a:ext uri="{FF2B5EF4-FFF2-40B4-BE49-F238E27FC236}">
+                <a16:creationId xmlns:a16="http://schemas.microsoft.com/office/drawing/2014/main" id="{4021AAD6-D4B7-4FBE-9C1B-C0128C7EB790}"/>
+              </a:ext>
+            </a:extLst>
+          </p:cNvPr>
+          <p:cNvPicPr>
+            <a:picLocks noChangeAspect="1"/>
+          </p:cNvPicPr>
+          <p:nvPr/>
+        </p:nvPicPr>
+        <p:blipFill>
+          <a:blip r:embed="rId2"/>
+          <a:stretch>
+            <a:fillRect/>
+          </a:stretch>
+        </p:blipFill>
+        <p:spPr>
+          <a:xfrm>
+            <a:off x="5036249" y="3572717"/>
+            <a:ext cx="1601018" cy="753373"/>
+          </a:xfrm>
+          <a:prstGeom prst="rect">
+            <a:avLst/>
+          </a:prstGeom>
+          <a:ln w="19050">
+            <a:noFill/>
+          </a:ln>
+        </p:spPr>
+      </p:pic>
+      <p:sp>
+        <p:nvSpPr>
+          <p:cNvPr id="5" name="矩形 4">
+            <a:extLst>
+              <a:ext uri="{FF2B5EF4-FFF2-40B4-BE49-F238E27FC236}">
+                <a16:creationId xmlns:a16="http://schemas.microsoft.com/office/drawing/2014/main" id="{847D25E5-45C9-4C97-A949-9ADCE2F4EDBA}"/>
+              </a:ext>
+            </a:extLst>
+          </p:cNvPr>
+          <p:cNvSpPr/>
+          <p:nvPr/>
+        </p:nvSpPr>
+        <p:spPr>
+          <a:xfrm>
+            <a:off x="4995505" y="4583408"/>
+            <a:ext cx="1601018" cy="832701"/>
+          </a:xfrm>
+          <a:prstGeom prst="rect">
+            <a:avLst/>
+          </a:prstGeom>
+          <a:solidFill>
+            <a:schemeClr val="bg1"/>
+          </a:solidFill>
+          <a:ln w="19050">
+            <a:solidFill>
+              <a:schemeClr val="tx1"/>
+            </a:solidFill>
+          </a:ln>
+        </p:spPr>
+        <p:style>
+          <a:lnRef idx="2">
+            <a:schemeClr val="accent1">
+              <a:shade val="50000"/>
+            </a:schemeClr>
+          </a:lnRef>
+          <a:fillRef idx="1">
+            <a:schemeClr val="accent1"/>
+          </a:fillRef>
+          <a:effectRef idx="0">
+            <a:schemeClr val="accent1"/>
+          </a:effectRef>
+          <a:fontRef idx="minor">
+            <a:schemeClr val="lt1"/>
+          </a:fontRef>
+        </p:style>
+        <p:txBody>
+          <a:bodyPr rtlCol="0" anchor="ctr"/>
+          <a:lstStyle/>
+          <a:p>
+            <a:pPr algn="ctr"/>
+            <a:r>
+              <a:rPr lang="en-US" altLang="zh-CN" sz="1890" dirty="0">
+                <a:solidFill>
+                  <a:schemeClr val="tx1"/>
+                </a:solidFill>
+                <a:latin typeface="Times New Roman" panose="02020603050405020304" pitchFamily="18" charset="0"/>
+                <a:cs typeface="Times New Roman" panose="02020603050405020304" pitchFamily="18" charset="0"/>
+              </a:rPr>
+              <a:t>Signal</a:t>
+            </a:r>
+          </a:p>
+          <a:p>
+            <a:pPr algn="ctr"/>
+            <a:r>
+              <a:rPr lang="en-US" altLang="zh-CN" sz="1890" dirty="0">
+                <a:solidFill>
+                  <a:schemeClr val="tx1"/>
+                </a:solidFill>
+                <a:latin typeface="Times New Roman" panose="02020603050405020304" pitchFamily="18" charset="0"/>
+                <a:cs typeface="Times New Roman" panose="02020603050405020304" pitchFamily="18" charset="0"/>
+              </a:rPr>
+              <a:t>preprocessing</a:t>
+            </a:r>
+            <a:endParaRPr lang="zh-CN" altLang="en-US" sz="1890" dirty="0">
+              <a:solidFill>
+                <a:schemeClr val="tx1"/>
+              </a:solidFill>
+              <a:latin typeface="Times New Roman" panose="02020603050405020304" pitchFamily="18" charset="0"/>
+              <a:cs typeface="Times New Roman" panose="02020603050405020304" pitchFamily="18" charset="0"/>
+            </a:endParaRPr>
+          </a:p>
+        </p:txBody>
+      </p:sp>
+      <p:sp>
+        <p:nvSpPr>
+          <p:cNvPr id="12" name="矩形 11">
+            <a:extLst>
+              <a:ext uri="{FF2B5EF4-FFF2-40B4-BE49-F238E27FC236}">
+                <a16:creationId xmlns:a16="http://schemas.microsoft.com/office/drawing/2014/main" id="{53CE6504-A28E-474F-8249-A66921168C65}"/>
+              </a:ext>
+            </a:extLst>
+          </p:cNvPr>
+          <p:cNvSpPr/>
+          <p:nvPr/>
+        </p:nvSpPr>
+        <p:spPr>
+          <a:xfrm>
+            <a:off x="6982550" y="4583408"/>
+            <a:ext cx="1601018" cy="832701"/>
+          </a:xfrm>
+          <a:prstGeom prst="rect">
+            <a:avLst/>
+          </a:prstGeom>
+          <a:solidFill>
+            <a:schemeClr val="bg1"/>
+          </a:solidFill>
+          <a:ln w="19050">
+            <a:solidFill>
+              <a:schemeClr val="tx1"/>
+            </a:solidFill>
+          </a:ln>
+        </p:spPr>
+        <p:style>
+          <a:lnRef idx="2">
+            <a:schemeClr val="accent1">
+              <a:shade val="50000"/>
+            </a:schemeClr>
+          </a:lnRef>
+          <a:fillRef idx="1">
+            <a:schemeClr val="accent1"/>
+          </a:fillRef>
+          <a:effectRef idx="0">
+            <a:schemeClr val="accent1"/>
+          </a:effectRef>
+          <a:fontRef idx="minor">
+            <a:schemeClr val="lt1"/>
+          </a:fontRef>
+        </p:style>
+        <p:txBody>
+          <a:bodyPr rtlCol="0" anchor="ctr"/>
+          <a:lstStyle/>
+          <a:p>
+            <a:pPr algn="ctr"/>
+            <a:r>
+              <a:rPr lang="en-US" altLang="zh-CN" sz="1890" dirty="0">
+                <a:solidFill>
+                  <a:schemeClr val="tx1"/>
+                </a:solidFill>
+                <a:latin typeface="Times New Roman" panose="02020603050405020304" pitchFamily="18" charset="0"/>
+                <a:cs typeface="Times New Roman" panose="02020603050405020304" pitchFamily="18" charset="0"/>
+              </a:rPr>
+              <a:t>Feature extraction</a:t>
+            </a:r>
+            <a:endParaRPr lang="zh-CN" altLang="en-US" sz="1890" dirty="0">
+              <a:solidFill>
+                <a:schemeClr val="tx1"/>
+              </a:solidFill>
+              <a:latin typeface="Times New Roman" panose="02020603050405020304" pitchFamily="18" charset="0"/>
+              <a:cs typeface="Times New Roman" panose="02020603050405020304" pitchFamily="18" charset="0"/>
+            </a:endParaRPr>
+          </a:p>
+        </p:txBody>
+      </p:sp>
+      <p:sp>
+        <p:nvSpPr>
+          <p:cNvPr id="13" name="矩形 12">
+            <a:extLst>
+              <a:ext uri="{FF2B5EF4-FFF2-40B4-BE49-F238E27FC236}">
+                <a16:creationId xmlns:a16="http://schemas.microsoft.com/office/drawing/2014/main" id="{71C98337-73A3-4AE1-96F6-CBBA876F1B8E}"/>
+              </a:ext>
+            </a:extLst>
+          </p:cNvPr>
+          <p:cNvSpPr/>
+          <p:nvPr/>
+        </p:nvSpPr>
+        <p:spPr>
+          <a:xfrm>
+            <a:off x="9133777" y="3572081"/>
+            <a:ext cx="1622367" cy="678648"/>
+          </a:xfrm>
+          <a:prstGeom prst="rect">
+            <a:avLst/>
+          </a:prstGeom>
+          <a:solidFill>
+            <a:schemeClr val="bg1"/>
+          </a:solidFill>
+          <a:ln w="19050">
+            <a:solidFill>
+              <a:schemeClr val="tx1"/>
+            </a:solidFill>
+          </a:ln>
+        </p:spPr>
+        <p:style>
+          <a:lnRef idx="2">
+            <a:schemeClr val="accent1">
+              <a:shade val="50000"/>
+            </a:schemeClr>
+          </a:lnRef>
+          <a:fillRef idx="1">
+            <a:schemeClr val="accent1"/>
+          </a:fillRef>
+          <a:effectRef idx="0">
+            <a:schemeClr val="accent1"/>
+          </a:effectRef>
+          <a:fontRef idx="minor">
+            <a:schemeClr val="lt1"/>
+          </a:fontRef>
+        </p:style>
+        <p:txBody>
+          <a:bodyPr rtlCol="0" anchor="ctr"/>
+          <a:lstStyle/>
+          <a:p>
+            <a:pPr algn="ctr"/>
+            <a:r>
+              <a:rPr lang="en-US" altLang="zh-CN" sz="1890" dirty="0">
+                <a:solidFill>
+                  <a:schemeClr val="tx1"/>
+                </a:solidFill>
+                <a:latin typeface="Times New Roman" panose="02020603050405020304" pitchFamily="18" charset="0"/>
+                <a:cs typeface="Times New Roman" panose="02020603050405020304" pitchFamily="18" charset="0"/>
+              </a:rPr>
+              <a:t>Acoustic model</a:t>
+            </a:r>
+            <a:endParaRPr lang="zh-CN" altLang="en-US" sz="1890" dirty="0">
+              <a:solidFill>
+                <a:schemeClr val="tx1"/>
+              </a:solidFill>
+              <a:latin typeface="Times New Roman" panose="02020603050405020304" pitchFamily="18" charset="0"/>
+              <a:cs typeface="Times New Roman" panose="02020603050405020304" pitchFamily="18" charset="0"/>
+            </a:endParaRPr>
+          </a:p>
+        </p:txBody>
+      </p:sp>
+      <p:sp>
+        <p:nvSpPr>
+          <p:cNvPr id="14" name="矩形 13">
+            <a:extLst>
+              <a:ext uri="{FF2B5EF4-FFF2-40B4-BE49-F238E27FC236}">
+                <a16:creationId xmlns:a16="http://schemas.microsoft.com/office/drawing/2014/main" id="{0047F1D6-F6D0-4629-9C2C-8A6E65197B40}"/>
+              </a:ext>
+            </a:extLst>
+          </p:cNvPr>
+          <p:cNvSpPr/>
+          <p:nvPr/>
+        </p:nvSpPr>
+        <p:spPr>
+          <a:xfrm>
+            <a:off x="9155126" y="4641006"/>
+            <a:ext cx="1601018" cy="678648"/>
+          </a:xfrm>
+          <a:prstGeom prst="rect">
+            <a:avLst/>
+          </a:prstGeom>
+          <a:solidFill>
+            <a:schemeClr val="bg1"/>
+          </a:solidFill>
+          <a:ln w="19050">
+            <a:solidFill>
+              <a:schemeClr val="tx1"/>
+            </a:solidFill>
+          </a:ln>
+        </p:spPr>
+        <p:style>
+          <a:lnRef idx="2">
+            <a:schemeClr val="accent1">
+              <a:shade val="50000"/>
+            </a:schemeClr>
+          </a:lnRef>
+          <a:fillRef idx="1">
+            <a:schemeClr val="accent1"/>
+          </a:fillRef>
+          <a:effectRef idx="0">
+            <a:schemeClr val="accent1"/>
+          </a:effectRef>
+          <a:fontRef idx="minor">
+            <a:schemeClr val="lt1"/>
+          </a:fontRef>
+        </p:style>
+        <p:txBody>
+          <a:bodyPr rtlCol="0" anchor="ctr"/>
+          <a:lstStyle/>
+          <a:p>
+            <a:pPr algn="ctr"/>
+            <a:r>
+              <a:rPr lang="en-US" altLang="zh-CN" sz="1890" dirty="0">
+                <a:solidFill>
+                  <a:schemeClr val="tx1"/>
+                </a:solidFill>
+                <a:latin typeface="Times New Roman" panose="02020603050405020304" pitchFamily="18" charset="0"/>
+                <a:cs typeface="Times New Roman" panose="02020603050405020304" pitchFamily="18" charset="0"/>
+              </a:rPr>
+              <a:t>Pronunciation model</a:t>
+            </a:r>
+            <a:endParaRPr lang="zh-CN" altLang="en-US" sz="1890" dirty="0">
+              <a:solidFill>
+                <a:schemeClr val="tx1"/>
+              </a:solidFill>
+              <a:latin typeface="Times New Roman" panose="02020603050405020304" pitchFamily="18" charset="0"/>
+              <a:cs typeface="Times New Roman" panose="02020603050405020304" pitchFamily="18" charset="0"/>
+            </a:endParaRPr>
+          </a:p>
+        </p:txBody>
+      </p:sp>
+      <p:sp>
+        <p:nvSpPr>
+          <p:cNvPr id="16" name="矩形 15">
+            <a:extLst>
+              <a:ext uri="{FF2B5EF4-FFF2-40B4-BE49-F238E27FC236}">
+                <a16:creationId xmlns:a16="http://schemas.microsoft.com/office/drawing/2014/main" id="{258360EB-E755-451E-AEAD-B5AF1A497FA6}"/>
+              </a:ext>
+            </a:extLst>
+          </p:cNvPr>
+          <p:cNvSpPr/>
+          <p:nvPr/>
+        </p:nvSpPr>
+        <p:spPr>
+          <a:xfrm>
+            <a:off x="9134223" y="5672527"/>
+            <a:ext cx="1621921" cy="775553"/>
+          </a:xfrm>
+          <a:prstGeom prst="rect">
+            <a:avLst/>
+          </a:prstGeom>
+          <a:solidFill>
+            <a:schemeClr val="bg1"/>
+          </a:solidFill>
+          <a:ln w="19050">
+            <a:solidFill>
+              <a:schemeClr val="tx1"/>
+            </a:solidFill>
+          </a:ln>
+        </p:spPr>
+        <p:style>
+          <a:lnRef idx="2">
+            <a:schemeClr val="accent1">
+              <a:shade val="50000"/>
+            </a:schemeClr>
+          </a:lnRef>
+          <a:fillRef idx="1">
+            <a:schemeClr val="accent1"/>
+          </a:fillRef>
+          <a:effectRef idx="0">
+            <a:schemeClr val="accent1"/>
+          </a:effectRef>
+          <a:fontRef idx="minor">
+            <a:schemeClr val="lt1"/>
+          </a:fontRef>
+        </p:style>
+        <p:txBody>
+          <a:bodyPr rtlCol="0" anchor="ctr"/>
+          <a:lstStyle/>
+          <a:p>
+            <a:pPr algn="ctr"/>
+            <a:r>
+              <a:rPr lang="en-US" altLang="zh-CN" sz="1890" dirty="0">
+                <a:solidFill>
+                  <a:schemeClr val="tx1"/>
+                </a:solidFill>
+                <a:latin typeface="Times New Roman" panose="02020603050405020304" pitchFamily="18" charset="0"/>
+                <a:cs typeface="Times New Roman" panose="02020603050405020304" pitchFamily="18" charset="0"/>
+              </a:rPr>
+              <a:t>Language model</a:t>
+            </a:r>
+            <a:endParaRPr lang="zh-CN" altLang="en-US" sz="1890" dirty="0">
+              <a:solidFill>
+                <a:schemeClr val="tx1"/>
+              </a:solidFill>
+              <a:latin typeface="Times New Roman" panose="02020603050405020304" pitchFamily="18" charset="0"/>
+              <a:cs typeface="Times New Roman" panose="02020603050405020304" pitchFamily="18" charset="0"/>
+            </a:endParaRPr>
+          </a:p>
+        </p:txBody>
+      </p:sp>
+      <p:sp>
+        <p:nvSpPr>
+          <p:cNvPr id="17" name="箭头: 右 16">
+            <a:extLst>
+              <a:ext uri="{FF2B5EF4-FFF2-40B4-BE49-F238E27FC236}">
+                <a16:creationId xmlns:a16="http://schemas.microsoft.com/office/drawing/2014/main" id="{F8035F29-1A07-4850-A595-45CF8F7E52CA}"/>
+              </a:ext>
+            </a:extLst>
+          </p:cNvPr>
+          <p:cNvSpPr/>
+          <p:nvPr/>
+        </p:nvSpPr>
+        <p:spPr>
+          <a:xfrm flipV="1">
+            <a:off x="6596521" y="4946074"/>
+            <a:ext cx="386028" cy="107362"/>
+          </a:xfrm>
+          <a:prstGeom prst="rightArrow">
+            <a:avLst/>
+          </a:prstGeom>
+          <a:ln>
+            <a:noFill/>
+          </a:ln>
+        </p:spPr>
+        <p:style>
+          <a:lnRef idx="2">
+            <a:schemeClr val="accent1">
+              <a:shade val="50000"/>
+            </a:schemeClr>
+          </a:lnRef>
+          <a:fillRef idx="1">
+            <a:schemeClr val="accent1"/>
+          </a:fillRef>
+          <a:effectRef idx="0">
+            <a:schemeClr val="accent1"/>
+          </a:effectRef>
+          <a:fontRef idx="minor">
+            <a:schemeClr val="lt1"/>
+          </a:fontRef>
+        </p:style>
+        <p:txBody>
+          <a:bodyPr rtlCol="0" anchor="ctr"/>
+          <a:lstStyle/>
+          <a:p>
+            <a:pPr algn="ctr"/>
+            <a:endParaRPr lang="zh-CN" altLang="en-US" sz="1890"/>
+          </a:p>
+        </p:txBody>
+      </p:sp>
+      <p:sp>
+        <p:nvSpPr>
+          <p:cNvPr id="18" name="箭头: 右 17">
+            <a:extLst>
+              <a:ext uri="{FF2B5EF4-FFF2-40B4-BE49-F238E27FC236}">
+                <a16:creationId xmlns:a16="http://schemas.microsoft.com/office/drawing/2014/main" id="{7E344234-6814-48B9-916B-931533F147CB}"/>
+              </a:ext>
+            </a:extLst>
+          </p:cNvPr>
+          <p:cNvSpPr/>
+          <p:nvPr/>
+        </p:nvSpPr>
+        <p:spPr>
+          <a:xfrm flipV="1">
+            <a:off x="8583566" y="4946074"/>
+            <a:ext cx="386028" cy="107362"/>
+          </a:xfrm>
+          <a:prstGeom prst="rightArrow">
+            <a:avLst/>
+          </a:prstGeom>
+          <a:ln>
+            <a:noFill/>
+          </a:ln>
+        </p:spPr>
+        <p:style>
+          <a:lnRef idx="2">
+            <a:schemeClr val="accent1">
+              <a:shade val="50000"/>
+            </a:schemeClr>
+          </a:lnRef>
+          <a:fillRef idx="1">
+            <a:schemeClr val="accent1"/>
+          </a:fillRef>
+          <a:effectRef idx="0">
+            <a:schemeClr val="accent1"/>
+          </a:effectRef>
+          <a:fontRef idx="minor">
+            <a:schemeClr val="lt1"/>
+          </a:fontRef>
+        </p:style>
+        <p:txBody>
+          <a:bodyPr rtlCol="0" anchor="ctr"/>
+          <a:lstStyle/>
+          <a:p>
+            <a:pPr algn="ctr"/>
+            <a:endParaRPr lang="zh-CN" altLang="en-US" sz="1890"/>
+          </a:p>
+        </p:txBody>
+      </p:sp>
+      <p:sp>
+        <p:nvSpPr>
+          <p:cNvPr id="20" name="箭头: 右 19">
+            <a:extLst>
+              <a:ext uri="{FF2B5EF4-FFF2-40B4-BE49-F238E27FC236}">
+                <a16:creationId xmlns:a16="http://schemas.microsoft.com/office/drawing/2014/main" id="{62611EAA-DD8A-4AC7-93F9-07652DFAF0F1}"/>
+              </a:ext>
+            </a:extLst>
+          </p:cNvPr>
+          <p:cNvSpPr/>
+          <p:nvPr/>
+        </p:nvSpPr>
+        <p:spPr>
+          <a:xfrm flipV="1">
+            <a:off x="12966295" y="4980330"/>
+            <a:ext cx="386028" cy="107362"/>
+          </a:xfrm>
+          <a:prstGeom prst="rightArrow">
+            <a:avLst/>
+          </a:prstGeom>
+          <a:ln>
+            <a:noFill/>
+          </a:ln>
+        </p:spPr>
+        <p:style>
+          <a:lnRef idx="2">
+            <a:schemeClr val="accent1">
+              <a:shade val="50000"/>
+            </a:schemeClr>
+          </a:lnRef>
+          <a:fillRef idx="1">
+            <a:schemeClr val="accent1"/>
+          </a:fillRef>
+          <a:effectRef idx="0">
+            <a:schemeClr val="accent1"/>
+          </a:effectRef>
+          <a:fontRef idx="minor">
+            <a:schemeClr val="lt1"/>
+          </a:fontRef>
+        </p:style>
+        <p:txBody>
+          <a:bodyPr rtlCol="0" anchor="ctr"/>
+          <a:lstStyle/>
+          <a:p>
+            <a:pPr algn="ctr"/>
+            <a:endParaRPr lang="zh-CN" altLang="en-US" sz="1890"/>
+          </a:p>
+        </p:txBody>
+      </p:sp>
+      <p:sp>
+        <p:nvSpPr>
+          <p:cNvPr id="22" name="文本框 21">
+            <a:extLst>
+              <a:ext uri="{FF2B5EF4-FFF2-40B4-BE49-F238E27FC236}">
+                <a16:creationId xmlns:a16="http://schemas.microsoft.com/office/drawing/2014/main" id="{78B95B22-FE63-4C47-8197-985F87AD2B3E}"/>
+              </a:ext>
+            </a:extLst>
+          </p:cNvPr>
+          <p:cNvSpPr txBox="1"/>
+          <p:nvPr/>
+        </p:nvSpPr>
+        <p:spPr>
+          <a:xfrm>
+            <a:off x="13350861" y="4861845"/>
+            <a:ext cx="1987399" cy="383182"/>
+          </a:xfrm>
+          <a:prstGeom prst="rect">
+            <a:avLst/>
+          </a:prstGeom>
+          <a:noFill/>
+        </p:spPr>
+        <p:txBody>
+          <a:bodyPr wrap="square" rtlCol="0">
+            <a:spAutoFit/>
+          </a:bodyPr>
+          <a:lstStyle/>
+          <a:p>
+            <a:pPr algn="ctr"/>
+            <a:r>
+              <a:rPr lang="en-US" altLang="zh-CN" sz="1890" dirty="0">
+                <a:latin typeface="Times New Roman" panose="02020603050405020304" pitchFamily="18" charset="0"/>
+                <a:cs typeface="Times New Roman" panose="02020603050405020304" pitchFamily="18" charset="0"/>
+              </a:rPr>
+              <a:t>“take a picture”</a:t>
+            </a:r>
+            <a:endParaRPr lang="zh-CN" altLang="en-US" sz="1890" dirty="0">
+              <a:latin typeface="Times New Roman" panose="02020603050405020304" pitchFamily="18" charset="0"/>
+              <a:cs typeface="Times New Roman" panose="02020603050405020304" pitchFamily="18" charset="0"/>
+            </a:endParaRPr>
+          </a:p>
+        </p:txBody>
+      </p:sp>
+      <p:sp>
+        <p:nvSpPr>
+          <p:cNvPr id="3" name="文本框 2">
+            <a:extLst>
+              <a:ext uri="{FF2B5EF4-FFF2-40B4-BE49-F238E27FC236}">
+                <a16:creationId xmlns:a16="http://schemas.microsoft.com/office/drawing/2014/main" id="{93C6A284-D7E9-4489-9A33-D7AD1433003F}"/>
+              </a:ext>
+            </a:extLst>
+          </p:cNvPr>
+          <p:cNvSpPr txBox="1"/>
+          <p:nvPr/>
+        </p:nvSpPr>
+        <p:spPr>
+          <a:xfrm>
+            <a:off x="11030065" y="4564831"/>
+            <a:ext cx="2210151" cy="830997"/>
+          </a:xfrm>
+          <a:prstGeom prst="rect">
+            <a:avLst/>
+          </a:prstGeom>
+          <a:noFill/>
+        </p:spPr>
+        <p:txBody>
+          <a:bodyPr wrap="square" rtlCol="0">
+            <a:spAutoFit/>
+          </a:bodyPr>
+          <a:lstStyle/>
+          <a:p>
+            <a:r>
+              <a:rPr lang="en-US" altLang="zh-CN" sz="1600" dirty="0">
+                <a:latin typeface="Times New Roman" panose="02020603050405020304" pitchFamily="18" charset="0"/>
+                <a:cs typeface="Times New Roman" panose="02020603050405020304" pitchFamily="18" charset="0"/>
+              </a:rPr>
+              <a:t>Take:  /</a:t>
+            </a:r>
+            <a:r>
+              <a:rPr lang="en-US" altLang="zh-CN" sz="1600" dirty="0" err="1">
+                <a:latin typeface="Times New Roman" panose="02020603050405020304" pitchFamily="18" charset="0"/>
+                <a:cs typeface="Times New Roman" panose="02020603050405020304" pitchFamily="18" charset="0"/>
+              </a:rPr>
+              <a:t>teɪk</a:t>
+            </a:r>
+            <a:r>
+              <a:rPr lang="en-US" altLang="zh-CN" sz="1600" dirty="0">
+                <a:latin typeface="Times New Roman" panose="02020603050405020304" pitchFamily="18" charset="0"/>
+                <a:cs typeface="Times New Roman" panose="02020603050405020304" pitchFamily="18" charset="0"/>
+              </a:rPr>
+              <a:t>/ </a:t>
+            </a:r>
+          </a:p>
+          <a:p>
+            <a:r>
+              <a:rPr lang="en-US" altLang="zh-CN" sz="1600" dirty="0">
+                <a:latin typeface="Times New Roman" panose="02020603050405020304" pitchFamily="18" charset="0"/>
+                <a:cs typeface="Times New Roman" panose="02020603050405020304" pitchFamily="18" charset="0"/>
+              </a:rPr>
+              <a:t>A: /</a:t>
+            </a:r>
+            <a:r>
+              <a:rPr lang="en-US" altLang="zh-CN" sz="1600" dirty="0" err="1">
+                <a:latin typeface="Times New Roman" panose="02020603050405020304" pitchFamily="18" charset="0"/>
+                <a:cs typeface="Times New Roman" panose="02020603050405020304" pitchFamily="18" charset="0"/>
+              </a:rPr>
+              <a:t>eɪ</a:t>
+            </a:r>
+            <a:r>
+              <a:rPr lang="en-US" altLang="zh-CN" sz="1600" dirty="0">
+                <a:latin typeface="Times New Roman" panose="02020603050405020304" pitchFamily="18" charset="0"/>
+                <a:cs typeface="Times New Roman" panose="02020603050405020304" pitchFamily="18" charset="0"/>
+              </a:rPr>
+              <a:t>/</a:t>
+            </a:r>
+          </a:p>
+          <a:p>
+            <a:r>
+              <a:rPr lang="en-US" altLang="zh-CN" sz="1600" dirty="0">
+                <a:latin typeface="Times New Roman" panose="02020603050405020304" pitchFamily="18" charset="0"/>
+                <a:cs typeface="Times New Roman" panose="02020603050405020304" pitchFamily="18" charset="0"/>
+              </a:rPr>
+              <a:t>Picture: /ˈ</a:t>
+            </a:r>
+            <a:r>
+              <a:rPr lang="en-US" altLang="zh-CN" sz="1600" dirty="0" err="1">
+                <a:latin typeface="Times New Roman" panose="02020603050405020304" pitchFamily="18" charset="0"/>
+                <a:cs typeface="Times New Roman" panose="02020603050405020304" pitchFamily="18" charset="0"/>
+              </a:rPr>
+              <a:t>pɪktʃə</a:t>
+            </a:r>
+            <a:r>
+              <a:rPr lang="en-US" altLang="zh-CN" sz="1600" dirty="0">
+                <a:latin typeface="Times New Roman" panose="02020603050405020304" pitchFamily="18" charset="0"/>
+                <a:cs typeface="Times New Roman" panose="02020603050405020304" pitchFamily="18" charset="0"/>
+              </a:rPr>
+              <a:t>(r)/ </a:t>
+            </a:r>
+          </a:p>
+        </p:txBody>
+      </p:sp>
+      <p:sp>
+        <p:nvSpPr>
+          <p:cNvPr id="19" name="流程图: 接点 18">
+            <a:extLst>
+              <a:ext uri="{FF2B5EF4-FFF2-40B4-BE49-F238E27FC236}">
+                <a16:creationId xmlns:a16="http://schemas.microsoft.com/office/drawing/2014/main" id="{C000DFAB-A9F5-4AB9-93E5-3CF267E31A61}"/>
+              </a:ext>
+            </a:extLst>
+          </p:cNvPr>
+          <p:cNvSpPr/>
+          <p:nvPr/>
+        </p:nvSpPr>
+        <p:spPr>
+          <a:xfrm>
+            <a:off x="11943265" y="3572081"/>
+            <a:ext cx="490129" cy="490129"/>
+          </a:xfrm>
+          <a:prstGeom prst="flowChartConnector">
+            <a:avLst/>
+          </a:prstGeom>
+          <a:noFill/>
+          <a:ln w="19050">
+            <a:solidFill>
+              <a:schemeClr val="tx1"/>
+            </a:solidFill>
+          </a:ln>
+        </p:spPr>
+        <p:style>
+          <a:lnRef idx="2">
+            <a:schemeClr val="accent1">
+              <a:shade val="50000"/>
+            </a:schemeClr>
+          </a:lnRef>
+          <a:fillRef idx="1">
+            <a:schemeClr val="accent1"/>
+          </a:fillRef>
+          <a:effectRef idx="0">
+            <a:schemeClr val="accent1"/>
+          </a:effectRef>
+          <a:fontRef idx="minor">
+            <a:schemeClr val="lt1"/>
+          </a:fontRef>
+        </p:style>
+        <p:txBody>
+          <a:bodyPr rtlCol="0" anchor="ctr"/>
+          <a:lstStyle/>
+          <a:p>
+            <a:pPr algn="ctr"/>
+            <a:endParaRPr lang="zh-CN" altLang="en-US" dirty="0"/>
+          </a:p>
+        </p:txBody>
+      </p:sp>
+      <p:sp>
+        <p:nvSpPr>
+          <p:cNvPr id="21" name="流程图: 接点 20">
+            <a:extLst>
+              <a:ext uri="{FF2B5EF4-FFF2-40B4-BE49-F238E27FC236}">
+                <a16:creationId xmlns:a16="http://schemas.microsoft.com/office/drawing/2014/main" id="{41EEA9BC-49A5-4723-9770-F9D449D18BA3}"/>
+              </a:ext>
+            </a:extLst>
+          </p:cNvPr>
+          <p:cNvSpPr/>
+          <p:nvPr/>
+        </p:nvSpPr>
+        <p:spPr>
+          <a:xfrm>
+            <a:off x="11030065" y="3572081"/>
+            <a:ext cx="490129" cy="490129"/>
+          </a:xfrm>
+          <a:prstGeom prst="flowChartConnector">
+            <a:avLst/>
+          </a:prstGeom>
+          <a:noFill/>
+          <a:ln w="19050">
+            <a:solidFill>
+              <a:schemeClr val="tx1"/>
+            </a:solidFill>
+          </a:ln>
+        </p:spPr>
+        <p:style>
+          <a:lnRef idx="2">
+            <a:schemeClr val="accent1">
+              <a:shade val="50000"/>
+            </a:schemeClr>
+          </a:lnRef>
+          <a:fillRef idx="1">
+            <a:schemeClr val="accent1"/>
+          </a:fillRef>
+          <a:effectRef idx="0">
+            <a:schemeClr val="accent1"/>
+          </a:effectRef>
+          <a:fontRef idx="minor">
+            <a:schemeClr val="lt1"/>
+          </a:fontRef>
+        </p:style>
+        <p:txBody>
+          <a:bodyPr rtlCol="0" anchor="ctr"/>
+          <a:lstStyle/>
+          <a:p>
+            <a:pPr algn="ctr"/>
+            <a:endParaRPr lang="zh-CN" altLang="en-US" dirty="0"/>
+          </a:p>
+        </p:txBody>
+      </p:sp>
+    </p:spTree>
+    <p:extLst>
+      <p:ext uri="{BB962C8B-B14F-4D97-AF65-F5344CB8AC3E}">
+        <p14:creationId xmlns:p14="http://schemas.microsoft.com/office/powerpoint/2010/main" val="3363327003"/>
+      </p:ext>
+    </p:extLst>
+  </p:cSld>
+  <p:clrMapOvr>
+    <a:masterClrMapping/>
+  </p:clrMapOvr>
+</p:sld>
+</file>
+
+<file path=ppt/slides/slide8.xml><?xml version="1.0" encoding="utf-8"?>
+<p:sld xmlns:a="http://schemas.openxmlformats.org/drawingml/2006/main" xmlns:r="http://schemas.openxmlformats.org/officeDocument/2006/relationships" xmlns:p="http://schemas.openxmlformats.org/presentationml/2006/main">
+  <p:cSld>
+    <p:spTree>
+      <p:nvGrpSpPr>
+        <p:cNvPr id="1" name=""/>
+        <p:cNvGrpSpPr/>
+        <p:nvPr/>
+      </p:nvGrpSpPr>
+      <p:grpSpPr>
+        <a:xfrm>
+          <a:off x="0" y="0"/>
+          <a:ext cx="0" cy="0"/>
+          <a:chOff x="0" y="0"/>
+          <a:chExt cx="0" cy="0"/>
+        </a:xfrm>
+      </p:grpSpPr>
       <p:cxnSp>
         <p:nvCxnSpPr>
           <p:cNvPr id="76" name="直接箭头连接符 75">
@@ -4818,7 +6652,7 @@
         </p:nvSpPr>
         <p:spPr>
           <a:xfrm>
-            <a:off x="3621793" y="4482250"/>
+            <a:off x="3621793" y="4482248"/>
             <a:ext cx="1601018" cy="832701"/>
           </a:xfrm>
           <a:prstGeom prst="rect">
@@ -4901,7 +6735,7 @@
         </p:nvSpPr>
         <p:spPr>
           <a:xfrm>
-            <a:off x="5608838" y="4482250"/>
+            <a:off x="5608838" y="4482248"/>
             <a:ext cx="1601018" cy="832701"/>
           </a:xfrm>
           <a:prstGeom prst="rect">
@@ -4971,7 +6805,7 @@
         </p:nvSpPr>
         <p:spPr>
           <a:xfrm>
-            <a:off x="7595883" y="4482250"/>
+            <a:off x="7595883" y="4482248"/>
             <a:ext cx="1601018" cy="832701"/>
           </a:xfrm>
           <a:prstGeom prst="rect">
@@ -6651,7 +8485,7 @@
         </p:nvCxnSpPr>
         <p:spPr>
           <a:xfrm>
-            <a:off x="11391664" y="3999619"/>
+            <a:off x="11391664" y="3998483"/>
             <a:ext cx="0" cy="3076575"/>
           </a:xfrm>
           <a:prstGeom prst="line">
@@ -6697,7 +8531,7 @@
         </p:nvCxnSpPr>
         <p:spPr>
           <a:xfrm>
-            <a:off x="13370776" y="4123439"/>
+            <a:off x="13370776" y="4035757"/>
             <a:ext cx="0" cy="3329547"/>
           </a:xfrm>
           <a:prstGeom prst="line">
@@ -6813,1840 +8647,6 @@
     <p:extLst>
       <p:ext uri="{BB962C8B-B14F-4D97-AF65-F5344CB8AC3E}">
         <p14:creationId xmlns:p14="http://schemas.microsoft.com/office/powerpoint/2010/main" val="1644816946"/>
-      </p:ext>
-    </p:extLst>
-  </p:cSld>
-  <p:clrMapOvr>
-    <a:masterClrMapping/>
-  </p:clrMapOvr>
-</p:sld>
-</file>
-
-<file path=ppt/slides/slide7.xml><?xml version="1.0" encoding="utf-8"?>
-<p:sld xmlns:a="http://schemas.openxmlformats.org/drawingml/2006/main" xmlns:r="http://schemas.openxmlformats.org/officeDocument/2006/relationships" xmlns:p="http://schemas.openxmlformats.org/presentationml/2006/main">
-  <p:cSld>
-    <p:spTree>
-      <p:nvGrpSpPr>
-        <p:cNvPr id="1" name=""/>
-        <p:cNvGrpSpPr/>
-        <p:nvPr/>
-      </p:nvGrpSpPr>
-      <p:grpSpPr>
-        <a:xfrm>
-          <a:off x="0" y="0"/>
-          <a:ext cx="0" cy="0"/>
-          <a:chOff x="0" y="0"/>
-          <a:chExt cx="0" cy="0"/>
-        </a:xfrm>
-      </p:grpSpPr>
-      <p:pic>
-        <p:nvPicPr>
-          <p:cNvPr id="4" name="图片 3">
-            <a:extLst>
-              <a:ext uri="{FF2B5EF4-FFF2-40B4-BE49-F238E27FC236}">
-                <a16:creationId xmlns:a16="http://schemas.microsoft.com/office/drawing/2014/main" id="{4021AAD6-D4B7-4FBE-9C1B-C0128C7EB790}"/>
-              </a:ext>
-            </a:extLst>
-          </p:cNvPr>
-          <p:cNvPicPr>
-            <a:picLocks noChangeAspect="1"/>
-          </p:cNvPicPr>
-          <p:nvPr/>
-        </p:nvPicPr>
-        <p:blipFill>
-          <a:blip r:embed="rId2"/>
-          <a:stretch>
-            <a:fillRect/>
-          </a:stretch>
-        </p:blipFill>
-        <p:spPr>
-          <a:xfrm>
-            <a:off x="5036249" y="3572717"/>
-            <a:ext cx="1601018" cy="753373"/>
-          </a:xfrm>
-          <a:prstGeom prst="rect">
-            <a:avLst/>
-          </a:prstGeom>
-          <a:ln w="19050">
-            <a:noFill/>
-          </a:ln>
-        </p:spPr>
-      </p:pic>
-      <p:sp>
-        <p:nvSpPr>
-          <p:cNvPr id="5" name="矩形 4">
-            <a:extLst>
-              <a:ext uri="{FF2B5EF4-FFF2-40B4-BE49-F238E27FC236}">
-                <a16:creationId xmlns:a16="http://schemas.microsoft.com/office/drawing/2014/main" id="{847D25E5-45C9-4C97-A949-9ADCE2F4EDBA}"/>
-              </a:ext>
-            </a:extLst>
-          </p:cNvPr>
-          <p:cNvSpPr/>
-          <p:nvPr/>
-        </p:nvSpPr>
-        <p:spPr>
-          <a:xfrm>
-            <a:off x="4995505" y="4583408"/>
-            <a:ext cx="1601018" cy="832701"/>
-          </a:xfrm>
-          <a:prstGeom prst="rect">
-            <a:avLst/>
-          </a:prstGeom>
-          <a:solidFill>
-            <a:schemeClr val="bg1"/>
-          </a:solidFill>
-          <a:ln w="19050">
-            <a:solidFill>
-              <a:schemeClr val="tx1"/>
-            </a:solidFill>
-          </a:ln>
-        </p:spPr>
-        <p:style>
-          <a:lnRef idx="2">
-            <a:schemeClr val="accent1">
-              <a:shade val="50000"/>
-            </a:schemeClr>
-          </a:lnRef>
-          <a:fillRef idx="1">
-            <a:schemeClr val="accent1"/>
-          </a:fillRef>
-          <a:effectRef idx="0">
-            <a:schemeClr val="accent1"/>
-          </a:effectRef>
-          <a:fontRef idx="minor">
-            <a:schemeClr val="lt1"/>
-          </a:fontRef>
-        </p:style>
-        <p:txBody>
-          <a:bodyPr rtlCol="0" anchor="ctr"/>
-          <a:lstStyle/>
-          <a:p>
-            <a:pPr algn="ctr"/>
-            <a:r>
-              <a:rPr lang="en-US" altLang="zh-CN" sz="1890" dirty="0">
-                <a:solidFill>
-                  <a:schemeClr val="tx1"/>
-                </a:solidFill>
-                <a:latin typeface="Times New Roman" panose="02020603050405020304" pitchFamily="18" charset="0"/>
-                <a:cs typeface="Times New Roman" panose="02020603050405020304" pitchFamily="18" charset="0"/>
-              </a:rPr>
-              <a:t>Signal</a:t>
-            </a:r>
-          </a:p>
-          <a:p>
-            <a:pPr algn="ctr"/>
-            <a:r>
-              <a:rPr lang="en-US" altLang="zh-CN" sz="1890" dirty="0">
-                <a:solidFill>
-                  <a:schemeClr val="tx1"/>
-                </a:solidFill>
-                <a:latin typeface="Times New Roman" panose="02020603050405020304" pitchFamily="18" charset="0"/>
-                <a:cs typeface="Times New Roman" panose="02020603050405020304" pitchFamily="18" charset="0"/>
-              </a:rPr>
-              <a:t>preprocessing</a:t>
-            </a:r>
-            <a:endParaRPr lang="zh-CN" altLang="en-US" sz="1890" dirty="0">
-              <a:solidFill>
-                <a:schemeClr val="tx1"/>
-              </a:solidFill>
-              <a:latin typeface="Times New Roman" panose="02020603050405020304" pitchFamily="18" charset="0"/>
-              <a:cs typeface="Times New Roman" panose="02020603050405020304" pitchFamily="18" charset="0"/>
-            </a:endParaRPr>
-          </a:p>
-        </p:txBody>
-      </p:sp>
-      <p:sp>
-        <p:nvSpPr>
-          <p:cNvPr id="8" name="矩形 7">
-            <a:extLst>
-              <a:ext uri="{FF2B5EF4-FFF2-40B4-BE49-F238E27FC236}">
-                <a16:creationId xmlns:a16="http://schemas.microsoft.com/office/drawing/2014/main" id="{AE383F55-9E2F-4A61-8778-E645F473047C}"/>
-              </a:ext>
-            </a:extLst>
-          </p:cNvPr>
-          <p:cNvSpPr/>
-          <p:nvPr/>
-        </p:nvSpPr>
-        <p:spPr>
-          <a:xfrm>
-            <a:off x="9404586" y="1965882"/>
-            <a:ext cx="1959429" cy="1028699"/>
-          </a:xfrm>
-          <a:prstGeom prst="rect">
-            <a:avLst/>
-          </a:prstGeom>
-          <a:solidFill>
-            <a:schemeClr val="bg1"/>
-          </a:solidFill>
-          <a:ln w="19050">
-            <a:solidFill>
-              <a:schemeClr val="tx1"/>
-            </a:solidFill>
-          </a:ln>
-        </p:spPr>
-        <p:style>
-          <a:lnRef idx="2">
-            <a:schemeClr val="accent1">
-              <a:shade val="50000"/>
-            </a:schemeClr>
-          </a:lnRef>
-          <a:fillRef idx="1">
-            <a:schemeClr val="accent1"/>
-          </a:fillRef>
-          <a:effectRef idx="0">
-            <a:schemeClr val="accent1"/>
-          </a:effectRef>
-          <a:fontRef idx="minor">
-            <a:schemeClr val="lt1"/>
-          </a:fontRef>
-        </p:style>
-        <p:txBody>
-          <a:bodyPr rtlCol="0" anchor="ctr"/>
-          <a:lstStyle/>
-          <a:p>
-            <a:pPr algn="ctr"/>
-            <a:r>
-              <a:rPr lang="en-US" altLang="zh-CN" sz="1890" dirty="0">
-                <a:solidFill>
-                  <a:schemeClr val="tx1"/>
-                </a:solidFill>
-                <a:latin typeface="Times New Roman" panose="02020603050405020304" pitchFamily="18" charset="0"/>
-                <a:cs typeface="Times New Roman" panose="02020603050405020304" pitchFamily="18" charset="0"/>
-              </a:rPr>
-              <a:t>Acoustic</a:t>
-            </a:r>
-          </a:p>
-          <a:p>
-            <a:pPr algn="ctr"/>
-            <a:r>
-              <a:rPr lang="en-US" altLang="zh-CN" sz="1890" dirty="0">
-                <a:solidFill>
-                  <a:schemeClr val="tx1"/>
-                </a:solidFill>
-                <a:latin typeface="Times New Roman" panose="02020603050405020304" pitchFamily="18" charset="0"/>
-                <a:cs typeface="Times New Roman" panose="02020603050405020304" pitchFamily="18" charset="0"/>
-              </a:rPr>
-              <a:t>model</a:t>
-            </a:r>
-            <a:endParaRPr lang="zh-CN" altLang="en-US" sz="1890" dirty="0">
-              <a:solidFill>
-                <a:schemeClr val="tx1"/>
-              </a:solidFill>
-              <a:latin typeface="Times New Roman" panose="02020603050405020304" pitchFamily="18" charset="0"/>
-              <a:cs typeface="Times New Roman" panose="02020603050405020304" pitchFamily="18" charset="0"/>
-            </a:endParaRPr>
-          </a:p>
-        </p:txBody>
-      </p:sp>
-      <p:sp>
-        <p:nvSpPr>
-          <p:cNvPr id="9" name="矩形 8">
-            <a:extLst>
-              <a:ext uri="{FF2B5EF4-FFF2-40B4-BE49-F238E27FC236}">
-                <a16:creationId xmlns:a16="http://schemas.microsoft.com/office/drawing/2014/main" id="{12ABCCE7-A1A3-442C-8149-55D3E8FA3CDD}"/>
-              </a:ext>
-            </a:extLst>
-          </p:cNvPr>
-          <p:cNvSpPr/>
-          <p:nvPr/>
-        </p:nvSpPr>
-        <p:spPr>
-          <a:xfrm>
-            <a:off x="12059825" y="1965882"/>
-            <a:ext cx="1959429" cy="1028699"/>
-          </a:xfrm>
-          <a:prstGeom prst="rect">
-            <a:avLst/>
-          </a:prstGeom>
-          <a:solidFill>
-            <a:schemeClr val="bg1"/>
-          </a:solidFill>
-          <a:ln w="19050">
-            <a:solidFill>
-              <a:schemeClr val="tx1"/>
-            </a:solidFill>
-          </a:ln>
-        </p:spPr>
-        <p:style>
-          <a:lnRef idx="2">
-            <a:schemeClr val="accent1">
-              <a:shade val="50000"/>
-            </a:schemeClr>
-          </a:lnRef>
-          <a:fillRef idx="1">
-            <a:schemeClr val="accent1"/>
-          </a:fillRef>
-          <a:effectRef idx="0">
-            <a:schemeClr val="accent1"/>
-          </a:effectRef>
-          <a:fontRef idx="minor">
-            <a:schemeClr val="lt1"/>
-          </a:fontRef>
-        </p:style>
-        <p:txBody>
-          <a:bodyPr rtlCol="0" anchor="ctr"/>
-          <a:lstStyle/>
-          <a:p>
-            <a:pPr algn="ctr"/>
-            <a:r>
-              <a:rPr lang="en-US" altLang="zh-CN" sz="1890" dirty="0">
-                <a:solidFill>
-                  <a:schemeClr val="tx1"/>
-                </a:solidFill>
-                <a:latin typeface="Times New Roman" panose="02020603050405020304" pitchFamily="18" charset="0"/>
-                <a:cs typeface="Times New Roman" panose="02020603050405020304" pitchFamily="18" charset="0"/>
-              </a:rPr>
-              <a:t>Language model</a:t>
-            </a:r>
-            <a:endParaRPr lang="zh-CN" altLang="en-US" sz="1890" dirty="0">
-              <a:solidFill>
-                <a:schemeClr val="tx1"/>
-              </a:solidFill>
-              <a:latin typeface="Times New Roman" panose="02020603050405020304" pitchFamily="18" charset="0"/>
-              <a:cs typeface="Times New Roman" panose="02020603050405020304" pitchFamily="18" charset="0"/>
-            </a:endParaRPr>
-          </a:p>
-        </p:txBody>
-      </p:sp>
-      <p:sp>
-        <p:nvSpPr>
-          <p:cNvPr id="11" name="矩形 10">
-            <a:extLst>
-              <a:ext uri="{FF2B5EF4-FFF2-40B4-BE49-F238E27FC236}">
-                <a16:creationId xmlns:a16="http://schemas.microsoft.com/office/drawing/2014/main" id="{C34E9B99-09A1-4ED9-8F5B-9E956D2D0D15}"/>
-              </a:ext>
-            </a:extLst>
-          </p:cNvPr>
-          <p:cNvSpPr/>
-          <p:nvPr/>
-        </p:nvSpPr>
-        <p:spPr>
-          <a:xfrm>
-            <a:off x="6636653" y="1965882"/>
-            <a:ext cx="1959429" cy="1028699"/>
-          </a:xfrm>
-          <a:prstGeom prst="rect">
-            <a:avLst/>
-          </a:prstGeom>
-          <a:solidFill>
-            <a:schemeClr val="bg1"/>
-          </a:solidFill>
-          <a:ln w="19050">
-            <a:solidFill>
-              <a:schemeClr val="tx1"/>
-            </a:solidFill>
-          </a:ln>
-        </p:spPr>
-        <p:style>
-          <a:lnRef idx="2">
-            <a:schemeClr val="accent1">
-              <a:shade val="50000"/>
-            </a:schemeClr>
-          </a:lnRef>
-          <a:fillRef idx="1">
-            <a:schemeClr val="accent1"/>
-          </a:fillRef>
-          <a:effectRef idx="0">
-            <a:schemeClr val="accent1"/>
-          </a:effectRef>
-          <a:fontRef idx="minor">
-            <a:schemeClr val="lt1"/>
-          </a:fontRef>
-        </p:style>
-        <p:txBody>
-          <a:bodyPr rtlCol="0" anchor="ctr"/>
-          <a:lstStyle/>
-          <a:p>
-            <a:pPr algn="ctr"/>
-            <a:r>
-              <a:rPr lang="en-US" altLang="zh-CN" sz="1890" dirty="0">
-                <a:solidFill>
-                  <a:schemeClr val="tx1"/>
-                </a:solidFill>
-                <a:latin typeface="Times New Roman" panose="02020603050405020304" pitchFamily="18" charset="0"/>
-                <a:cs typeface="Times New Roman" panose="02020603050405020304" pitchFamily="18" charset="0"/>
-              </a:rPr>
-              <a:t>Feature Extraction</a:t>
-            </a:r>
-            <a:endParaRPr lang="zh-CN" altLang="en-US" sz="1890" dirty="0">
-              <a:solidFill>
-                <a:schemeClr val="tx1"/>
-              </a:solidFill>
-              <a:latin typeface="Times New Roman" panose="02020603050405020304" pitchFamily="18" charset="0"/>
-              <a:cs typeface="Times New Roman" panose="02020603050405020304" pitchFamily="18" charset="0"/>
-            </a:endParaRPr>
-          </a:p>
-        </p:txBody>
-      </p:sp>
-      <p:sp>
-        <p:nvSpPr>
-          <p:cNvPr id="12" name="矩形 11">
-            <a:extLst>
-              <a:ext uri="{FF2B5EF4-FFF2-40B4-BE49-F238E27FC236}">
-                <a16:creationId xmlns:a16="http://schemas.microsoft.com/office/drawing/2014/main" id="{53CE6504-A28E-474F-8249-A66921168C65}"/>
-              </a:ext>
-            </a:extLst>
-          </p:cNvPr>
-          <p:cNvSpPr/>
-          <p:nvPr/>
-        </p:nvSpPr>
-        <p:spPr>
-          <a:xfrm>
-            <a:off x="6982550" y="4583408"/>
-            <a:ext cx="1601018" cy="832701"/>
-          </a:xfrm>
-          <a:prstGeom prst="rect">
-            <a:avLst/>
-          </a:prstGeom>
-          <a:solidFill>
-            <a:schemeClr val="bg1"/>
-          </a:solidFill>
-          <a:ln w="19050">
-            <a:solidFill>
-              <a:schemeClr val="tx1"/>
-            </a:solidFill>
-          </a:ln>
-        </p:spPr>
-        <p:style>
-          <a:lnRef idx="2">
-            <a:schemeClr val="accent1">
-              <a:shade val="50000"/>
-            </a:schemeClr>
-          </a:lnRef>
-          <a:fillRef idx="1">
-            <a:schemeClr val="accent1"/>
-          </a:fillRef>
-          <a:effectRef idx="0">
-            <a:schemeClr val="accent1"/>
-          </a:effectRef>
-          <a:fontRef idx="minor">
-            <a:schemeClr val="lt1"/>
-          </a:fontRef>
-        </p:style>
-        <p:txBody>
-          <a:bodyPr rtlCol="0" anchor="ctr"/>
-          <a:lstStyle/>
-          <a:p>
-            <a:pPr algn="ctr"/>
-            <a:r>
-              <a:rPr lang="en-US" altLang="zh-CN" sz="1890" dirty="0">
-                <a:solidFill>
-                  <a:schemeClr val="tx1"/>
-                </a:solidFill>
-                <a:latin typeface="Times New Roman" panose="02020603050405020304" pitchFamily="18" charset="0"/>
-                <a:cs typeface="Times New Roman" panose="02020603050405020304" pitchFamily="18" charset="0"/>
-              </a:rPr>
-              <a:t>Feature extraction</a:t>
-            </a:r>
-            <a:endParaRPr lang="zh-CN" altLang="en-US" sz="1890" dirty="0">
-              <a:solidFill>
-                <a:schemeClr val="tx1"/>
-              </a:solidFill>
-              <a:latin typeface="Times New Roman" panose="02020603050405020304" pitchFamily="18" charset="0"/>
-              <a:cs typeface="Times New Roman" panose="02020603050405020304" pitchFamily="18" charset="0"/>
-            </a:endParaRPr>
-          </a:p>
-        </p:txBody>
-      </p:sp>
-      <p:sp>
-        <p:nvSpPr>
-          <p:cNvPr id="13" name="矩形 12">
-            <a:extLst>
-              <a:ext uri="{FF2B5EF4-FFF2-40B4-BE49-F238E27FC236}">
-                <a16:creationId xmlns:a16="http://schemas.microsoft.com/office/drawing/2014/main" id="{71C98337-73A3-4AE1-96F6-CBBA876F1B8E}"/>
-              </a:ext>
-            </a:extLst>
-          </p:cNvPr>
-          <p:cNvSpPr/>
-          <p:nvPr/>
-        </p:nvSpPr>
-        <p:spPr>
-          <a:xfrm>
-            <a:off x="8969596" y="3618718"/>
-            <a:ext cx="2394419" cy="461661"/>
-          </a:xfrm>
-          <a:prstGeom prst="rect">
-            <a:avLst/>
-          </a:prstGeom>
-          <a:solidFill>
-            <a:schemeClr val="bg1"/>
-          </a:solidFill>
-          <a:ln w="19050">
-            <a:solidFill>
-              <a:schemeClr val="tx1"/>
-            </a:solidFill>
-          </a:ln>
-        </p:spPr>
-        <p:style>
-          <a:lnRef idx="2">
-            <a:schemeClr val="accent1">
-              <a:shade val="50000"/>
-            </a:schemeClr>
-          </a:lnRef>
-          <a:fillRef idx="1">
-            <a:schemeClr val="accent1"/>
-          </a:fillRef>
-          <a:effectRef idx="0">
-            <a:schemeClr val="accent1"/>
-          </a:effectRef>
-          <a:fontRef idx="minor">
-            <a:schemeClr val="lt1"/>
-          </a:fontRef>
-        </p:style>
-        <p:txBody>
-          <a:bodyPr rtlCol="0" anchor="ctr"/>
-          <a:lstStyle/>
-          <a:p>
-            <a:pPr algn="ctr"/>
-            <a:r>
-              <a:rPr lang="en-US" altLang="zh-CN" sz="1890" dirty="0">
-                <a:solidFill>
-                  <a:schemeClr val="tx1"/>
-                </a:solidFill>
-                <a:latin typeface="Times New Roman" panose="02020603050405020304" pitchFamily="18" charset="0"/>
-                <a:cs typeface="Times New Roman" panose="02020603050405020304" pitchFamily="18" charset="0"/>
-              </a:rPr>
-              <a:t>Acoustic model</a:t>
-            </a:r>
-            <a:endParaRPr lang="zh-CN" altLang="en-US" sz="1890" dirty="0">
-              <a:solidFill>
-                <a:schemeClr val="tx1"/>
-              </a:solidFill>
-              <a:latin typeface="Times New Roman" panose="02020603050405020304" pitchFamily="18" charset="0"/>
-              <a:cs typeface="Times New Roman" panose="02020603050405020304" pitchFamily="18" charset="0"/>
-            </a:endParaRPr>
-          </a:p>
-        </p:txBody>
-      </p:sp>
-      <p:sp>
-        <p:nvSpPr>
-          <p:cNvPr id="14" name="矩形 13">
-            <a:extLst>
-              <a:ext uri="{FF2B5EF4-FFF2-40B4-BE49-F238E27FC236}">
-                <a16:creationId xmlns:a16="http://schemas.microsoft.com/office/drawing/2014/main" id="{0047F1D6-F6D0-4629-9C2C-8A6E65197B40}"/>
-              </a:ext>
-            </a:extLst>
-          </p:cNvPr>
-          <p:cNvSpPr/>
-          <p:nvPr/>
-        </p:nvSpPr>
-        <p:spPr>
-          <a:xfrm>
-            <a:off x="3435230" y="2605000"/>
-            <a:ext cx="1601019" cy="678648"/>
-          </a:xfrm>
-          <a:prstGeom prst="rect">
-            <a:avLst/>
-          </a:prstGeom>
-          <a:solidFill>
-            <a:schemeClr val="bg1"/>
-          </a:solidFill>
-          <a:ln w="19050">
-            <a:solidFill>
-              <a:schemeClr val="tx1"/>
-            </a:solidFill>
-          </a:ln>
-        </p:spPr>
-        <p:style>
-          <a:lnRef idx="2">
-            <a:schemeClr val="accent1">
-              <a:shade val="50000"/>
-            </a:schemeClr>
-          </a:lnRef>
-          <a:fillRef idx="1">
-            <a:schemeClr val="accent1"/>
-          </a:fillRef>
-          <a:effectRef idx="0">
-            <a:schemeClr val="accent1"/>
-          </a:effectRef>
-          <a:fontRef idx="minor">
-            <a:schemeClr val="lt1"/>
-          </a:fontRef>
-        </p:style>
-        <p:txBody>
-          <a:bodyPr rtlCol="0" anchor="ctr"/>
-          <a:lstStyle/>
-          <a:p>
-            <a:pPr algn="ctr"/>
-            <a:r>
-              <a:rPr lang="en-US" altLang="zh-CN" sz="1890" dirty="0">
-                <a:solidFill>
-                  <a:schemeClr val="tx1"/>
-                </a:solidFill>
-                <a:latin typeface="Times New Roman" panose="02020603050405020304" pitchFamily="18" charset="0"/>
-                <a:cs typeface="Times New Roman" panose="02020603050405020304" pitchFamily="18" charset="0"/>
-              </a:rPr>
-              <a:t>Pronunciation model</a:t>
-            </a:r>
-            <a:endParaRPr lang="zh-CN" altLang="en-US" sz="1890" dirty="0">
-              <a:solidFill>
-                <a:schemeClr val="tx1"/>
-              </a:solidFill>
-              <a:latin typeface="Times New Roman" panose="02020603050405020304" pitchFamily="18" charset="0"/>
-              <a:cs typeface="Times New Roman" panose="02020603050405020304" pitchFamily="18" charset="0"/>
-            </a:endParaRPr>
-          </a:p>
-        </p:txBody>
-      </p:sp>
-      <p:sp>
-        <p:nvSpPr>
-          <p:cNvPr id="16" name="矩形 15">
-            <a:extLst>
-              <a:ext uri="{FF2B5EF4-FFF2-40B4-BE49-F238E27FC236}">
-                <a16:creationId xmlns:a16="http://schemas.microsoft.com/office/drawing/2014/main" id="{258360EB-E755-451E-AEAD-B5AF1A497FA6}"/>
-              </a:ext>
-            </a:extLst>
-          </p:cNvPr>
-          <p:cNvSpPr/>
-          <p:nvPr/>
-        </p:nvSpPr>
-        <p:spPr>
-          <a:xfrm>
-            <a:off x="8970040" y="5672527"/>
-            <a:ext cx="2393974" cy="461661"/>
-          </a:xfrm>
-          <a:prstGeom prst="rect">
-            <a:avLst/>
-          </a:prstGeom>
-          <a:solidFill>
-            <a:schemeClr val="bg1"/>
-          </a:solidFill>
-          <a:ln w="19050">
-            <a:solidFill>
-              <a:schemeClr val="tx1"/>
-            </a:solidFill>
-          </a:ln>
-        </p:spPr>
-        <p:style>
-          <a:lnRef idx="2">
-            <a:schemeClr val="accent1">
-              <a:shade val="50000"/>
-            </a:schemeClr>
-          </a:lnRef>
-          <a:fillRef idx="1">
-            <a:schemeClr val="accent1"/>
-          </a:fillRef>
-          <a:effectRef idx="0">
-            <a:schemeClr val="accent1"/>
-          </a:effectRef>
-          <a:fontRef idx="minor">
-            <a:schemeClr val="lt1"/>
-          </a:fontRef>
-        </p:style>
-        <p:txBody>
-          <a:bodyPr rtlCol="0" anchor="ctr"/>
-          <a:lstStyle/>
-          <a:p>
-            <a:pPr algn="ctr"/>
-            <a:r>
-              <a:rPr lang="en-US" altLang="zh-CN" sz="1890" dirty="0">
-                <a:solidFill>
-                  <a:schemeClr val="tx1"/>
-                </a:solidFill>
-                <a:latin typeface="Times New Roman" panose="02020603050405020304" pitchFamily="18" charset="0"/>
-                <a:cs typeface="Times New Roman" panose="02020603050405020304" pitchFamily="18" charset="0"/>
-              </a:rPr>
-              <a:t>Language model</a:t>
-            </a:r>
-            <a:endParaRPr lang="zh-CN" altLang="en-US" sz="1890" dirty="0">
-              <a:solidFill>
-                <a:schemeClr val="tx1"/>
-              </a:solidFill>
-              <a:latin typeface="Times New Roman" panose="02020603050405020304" pitchFamily="18" charset="0"/>
-              <a:cs typeface="Times New Roman" panose="02020603050405020304" pitchFamily="18" charset="0"/>
-            </a:endParaRPr>
-          </a:p>
-        </p:txBody>
-      </p:sp>
-      <p:sp>
-        <p:nvSpPr>
-          <p:cNvPr id="17" name="箭头: 右 16">
-            <a:extLst>
-              <a:ext uri="{FF2B5EF4-FFF2-40B4-BE49-F238E27FC236}">
-                <a16:creationId xmlns:a16="http://schemas.microsoft.com/office/drawing/2014/main" id="{F8035F29-1A07-4850-A595-45CF8F7E52CA}"/>
-              </a:ext>
-            </a:extLst>
-          </p:cNvPr>
-          <p:cNvSpPr/>
-          <p:nvPr/>
-        </p:nvSpPr>
-        <p:spPr>
-          <a:xfrm flipV="1">
-            <a:off x="6596521" y="4946074"/>
-            <a:ext cx="386028" cy="107362"/>
-          </a:xfrm>
-          <a:prstGeom prst="rightArrow">
-            <a:avLst/>
-          </a:prstGeom>
-          <a:ln>
-            <a:noFill/>
-          </a:ln>
-        </p:spPr>
-        <p:style>
-          <a:lnRef idx="2">
-            <a:schemeClr val="accent1">
-              <a:shade val="50000"/>
-            </a:schemeClr>
-          </a:lnRef>
-          <a:fillRef idx="1">
-            <a:schemeClr val="accent1"/>
-          </a:fillRef>
-          <a:effectRef idx="0">
-            <a:schemeClr val="accent1"/>
-          </a:effectRef>
-          <a:fontRef idx="minor">
-            <a:schemeClr val="lt1"/>
-          </a:fontRef>
-        </p:style>
-        <p:txBody>
-          <a:bodyPr rtlCol="0" anchor="ctr"/>
-          <a:lstStyle/>
-          <a:p>
-            <a:pPr algn="ctr"/>
-            <a:endParaRPr lang="zh-CN" altLang="en-US" sz="1890"/>
-          </a:p>
-        </p:txBody>
-      </p:sp>
-      <p:sp>
-        <p:nvSpPr>
-          <p:cNvPr id="18" name="箭头: 右 17">
-            <a:extLst>
-              <a:ext uri="{FF2B5EF4-FFF2-40B4-BE49-F238E27FC236}">
-                <a16:creationId xmlns:a16="http://schemas.microsoft.com/office/drawing/2014/main" id="{7E344234-6814-48B9-916B-931533F147CB}"/>
-              </a:ext>
-            </a:extLst>
-          </p:cNvPr>
-          <p:cNvSpPr/>
-          <p:nvPr/>
-        </p:nvSpPr>
-        <p:spPr>
-          <a:xfrm flipV="1">
-            <a:off x="8583566" y="4946074"/>
-            <a:ext cx="386028" cy="107362"/>
-          </a:xfrm>
-          <a:prstGeom prst="rightArrow">
-            <a:avLst/>
-          </a:prstGeom>
-          <a:ln>
-            <a:noFill/>
-          </a:ln>
-        </p:spPr>
-        <p:style>
-          <a:lnRef idx="2">
-            <a:schemeClr val="accent1">
-              <a:shade val="50000"/>
-            </a:schemeClr>
-          </a:lnRef>
-          <a:fillRef idx="1">
-            <a:schemeClr val="accent1"/>
-          </a:fillRef>
-          <a:effectRef idx="0">
-            <a:schemeClr val="accent1"/>
-          </a:effectRef>
-          <a:fontRef idx="minor">
-            <a:schemeClr val="lt1"/>
-          </a:fontRef>
-        </p:style>
-        <p:txBody>
-          <a:bodyPr rtlCol="0" anchor="ctr"/>
-          <a:lstStyle/>
-          <a:p>
-            <a:pPr algn="ctr"/>
-            <a:endParaRPr lang="zh-CN" altLang="en-US" sz="1890"/>
-          </a:p>
-        </p:txBody>
-      </p:sp>
-      <p:sp>
-        <p:nvSpPr>
-          <p:cNvPr id="20" name="箭头: 右 19">
-            <a:extLst>
-              <a:ext uri="{FF2B5EF4-FFF2-40B4-BE49-F238E27FC236}">
-                <a16:creationId xmlns:a16="http://schemas.microsoft.com/office/drawing/2014/main" id="{62611EAA-DD8A-4AC7-93F9-07652DFAF0F1}"/>
-              </a:ext>
-            </a:extLst>
-          </p:cNvPr>
-          <p:cNvSpPr/>
-          <p:nvPr/>
-        </p:nvSpPr>
-        <p:spPr>
-          <a:xfrm flipV="1">
-            <a:off x="11364013" y="4944057"/>
-            <a:ext cx="386028" cy="107362"/>
-          </a:xfrm>
-          <a:prstGeom prst="rightArrow">
-            <a:avLst/>
-          </a:prstGeom>
-          <a:ln>
-            <a:noFill/>
-          </a:ln>
-        </p:spPr>
-        <p:style>
-          <a:lnRef idx="2">
-            <a:schemeClr val="accent1">
-              <a:shade val="50000"/>
-            </a:schemeClr>
-          </a:lnRef>
-          <a:fillRef idx="1">
-            <a:schemeClr val="accent1"/>
-          </a:fillRef>
-          <a:effectRef idx="0">
-            <a:schemeClr val="accent1"/>
-          </a:effectRef>
-          <a:fontRef idx="minor">
-            <a:schemeClr val="lt1"/>
-          </a:fontRef>
-        </p:style>
-        <p:txBody>
-          <a:bodyPr rtlCol="0" anchor="ctr"/>
-          <a:lstStyle/>
-          <a:p>
-            <a:pPr algn="ctr"/>
-            <a:endParaRPr lang="zh-CN" altLang="en-US" sz="1890"/>
-          </a:p>
-        </p:txBody>
-      </p:sp>
-      <p:sp>
-        <p:nvSpPr>
-          <p:cNvPr id="22" name="文本框 21">
-            <a:extLst>
-              <a:ext uri="{FF2B5EF4-FFF2-40B4-BE49-F238E27FC236}">
-                <a16:creationId xmlns:a16="http://schemas.microsoft.com/office/drawing/2014/main" id="{78B95B22-FE63-4C47-8197-985F87AD2B3E}"/>
-              </a:ext>
-            </a:extLst>
-          </p:cNvPr>
-          <p:cNvSpPr txBox="1"/>
-          <p:nvPr/>
-        </p:nvSpPr>
-        <p:spPr>
-          <a:xfrm>
-            <a:off x="13314747" y="4645623"/>
-            <a:ext cx="1659429" cy="674031"/>
-          </a:xfrm>
-          <a:prstGeom prst="rect">
-            <a:avLst/>
-          </a:prstGeom>
-          <a:noFill/>
-        </p:spPr>
-        <p:txBody>
-          <a:bodyPr wrap="none" rtlCol="0">
-            <a:spAutoFit/>
-          </a:bodyPr>
-          <a:lstStyle/>
-          <a:p>
-            <a:pPr algn="ctr"/>
-            <a:r>
-              <a:rPr lang="en-US" altLang="zh-CN" sz="1890" dirty="0">
-                <a:latin typeface="Times New Roman" panose="02020603050405020304" pitchFamily="18" charset="0"/>
-                <a:cs typeface="Times New Roman" panose="02020603050405020304" pitchFamily="18" charset="0"/>
-              </a:rPr>
-              <a:t>“I want to</a:t>
-            </a:r>
-          </a:p>
-          <a:p>
-            <a:pPr algn="ctr"/>
-            <a:r>
-              <a:rPr lang="en-US" altLang="zh-CN" sz="1890" dirty="0">
-                <a:latin typeface="Times New Roman" panose="02020603050405020304" pitchFamily="18" charset="0"/>
-                <a:cs typeface="Times New Roman" panose="02020603050405020304" pitchFamily="18" charset="0"/>
-              </a:rPr>
-              <a:t> take a picture”</a:t>
-            </a:r>
-            <a:endParaRPr lang="zh-CN" altLang="en-US" sz="1890" dirty="0">
-              <a:latin typeface="Times New Roman" panose="02020603050405020304" pitchFamily="18" charset="0"/>
-              <a:cs typeface="Times New Roman" panose="02020603050405020304" pitchFamily="18" charset="0"/>
-            </a:endParaRPr>
-          </a:p>
-        </p:txBody>
-      </p:sp>
-      <p:sp>
-        <p:nvSpPr>
-          <p:cNvPr id="3" name="文本框 2">
-            <a:extLst>
-              <a:ext uri="{FF2B5EF4-FFF2-40B4-BE49-F238E27FC236}">
-                <a16:creationId xmlns:a16="http://schemas.microsoft.com/office/drawing/2014/main" id="{93C6A284-D7E9-4489-9A33-D7AD1433003F}"/>
-              </a:ext>
-            </a:extLst>
-          </p:cNvPr>
-          <p:cNvSpPr txBox="1"/>
-          <p:nvPr/>
-        </p:nvSpPr>
-        <p:spPr>
-          <a:xfrm>
-            <a:off x="7175330" y="6714298"/>
-            <a:ext cx="4884494" cy="1837426"/>
-          </a:xfrm>
-          <a:prstGeom prst="rect">
-            <a:avLst/>
-          </a:prstGeom>
-          <a:noFill/>
-        </p:spPr>
-        <p:txBody>
-          <a:bodyPr wrap="square" rtlCol="0">
-            <a:spAutoFit/>
-          </a:bodyPr>
-          <a:lstStyle/>
-          <a:p>
-            <a:r>
-              <a:rPr lang="en-US" altLang="zh-CN" sz="1890" dirty="0">
-                <a:latin typeface="Times New Roman" panose="02020603050405020304" pitchFamily="18" charset="0"/>
-                <a:cs typeface="Times New Roman" panose="02020603050405020304" pitchFamily="18" charset="0"/>
-              </a:rPr>
-              <a:t>I: /</a:t>
-            </a:r>
-            <a:r>
-              <a:rPr lang="en-US" altLang="zh-CN" sz="1890" dirty="0" err="1">
-                <a:latin typeface="Times New Roman" panose="02020603050405020304" pitchFamily="18" charset="0"/>
-                <a:cs typeface="Times New Roman" panose="02020603050405020304" pitchFamily="18" charset="0"/>
-              </a:rPr>
-              <a:t>aɪ</a:t>
-            </a:r>
-            <a:r>
-              <a:rPr lang="en-US" altLang="zh-CN" sz="1890" dirty="0">
-                <a:latin typeface="Times New Roman" panose="02020603050405020304" pitchFamily="18" charset="0"/>
-                <a:cs typeface="Times New Roman" panose="02020603050405020304" pitchFamily="18" charset="0"/>
-              </a:rPr>
-              <a:t>/ </a:t>
-            </a:r>
-          </a:p>
-          <a:p>
-            <a:r>
-              <a:rPr lang="en-US" altLang="zh-CN" sz="1890" dirty="0">
-                <a:latin typeface="Times New Roman" panose="02020603050405020304" pitchFamily="18" charset="0"/>
-                <a:cs typeface="Times New Roman" panose="02020603050405020304" pitchFamily="18" charset="0"/>
-              </a:rPr>
-              <a:t>Want: /</a:t>
-            </a:r>
-            <a:r>
-              <a:rPr lang="en-US" altLang="zh-CN" sz="1890" dirty="0" err="1">
-                <a:latin typeface="Times New Roman" panose="02020603050405020304" pitchFamily="18" charset="0"/>
-                <a:cs typeface="Times New Roman" panose="02020603050405020304" pitchFamily="18" charset="0"/>
-              </a:rPr>
-              <a:t>wɒnt</a:t>
-            </a:r>
-            <a:r>
-              <a:rPr lang="en-US" altLang="zh-CN" sz="1890" dirty="0">
-                <a:latin typeface="Times New Roman" panose="02020603050405020304" pitchFamily="18" charset="0"/>
-                <a:cs typeface="Times New Roman" panose="02020603050405020304" pitchFamily="18" charset="0"/>
-              </a:rPr>
-              <a:t>/ </a:t>
-            </a:r>
-          </a:p>
-          <a:p>
-            <a:r>
-              <a:rPr lang="en-US" altLang="zh-CN" sz="1890" dirty="0">
-                <a:latin typeface="Times New Roman" panose="02020603050405020304" pitchFamily="18" charset="0"/>
-                <a:cs typeface="Times New Roman" panose="02020603050405020304" pitchFamily="18" charset="0"/>
-              </a:rPr>
-              <a:t>To:  /</a:t>
-            </a:r>
-            <a:r>
-              <a:rPr lang="en-US" altLang="zh-CN" sz="1890" dirty="0" err="1">
-                <a:latin typeface="Times New Roman" panose="02020603050405020304" pitchFamily="18" charset="0"/>
-                <a:cs typeface="Times New Roman" panose="02020603050405020304" pitchFamily="18" charset="0"/>
-              </a:rPr>
-              <a:t>tu</a:t>
-            </a:r>
-            <a:r>
-              <a:rPr lang="en-US" altLang="zh-CN" sz="1890" dirty="0">
-                <a:latin typeface="Times New Roman" panose="02020603050405020304" pitchFamily="18" charset="0"/>
-                <a:cs typeface="Times New Roman" panose="02020603050405020304" pitchFamily="18" charset="0"/>
-              </a:rPr>
-              <a:t>ː/</a:t>
-            </a:r>
-          </a:p>
-          <a:p>
-            <a:r>
-              <a:rPr lang="en-US" altLang="zh-CN" sz="1890" dirty="0">
-                <a:latin typeface="Times New Roman" panose="02020603050405020304" pitchFamily="18" charset="0"/>
-                <a:cs typeface="Times New Roman" panose="02020603050405020304" pitchFamily="18" charset="0"/>
-              </a:rPr>
-              <a:t>Take:  /</a:t>
-            </a:r>
-            <a:r>
-              <a:rPr lang="en-US" altLang="zh-CN" sz="1890" dirty="0" err="1">
-                <a:latin typeface="Times New Roman" panose="02020603050405020304" pitchFamily="18" charset="0"/>
-                <a:cs typeface="Times New Roman" panose="02020603050405020304" pitchFamily="18" charset="0"/>
-              </a:rPr>
-              <a:t>teɪk</a:t>
-            </a:r>
-            <a:r>
-              <a:rPr lang="en-US" altLang="zh-CN" sz="1890" dirty="0">
-                <a:latin typeface="Times New Roman" panose="02020603050405020304" pitchFamily="18" charset="0"/>
-                <a:cs typeface="Times New Roman" panose="02020603050405020304" pitchFamily="18" charset="0"/>
-              </a:rPr>
-              <a:t>/ </a:t>
-            </a:r>
-          </a:p>
-          <a:p>
-            <a:r>
-              <a:rPr lang="en-US" altLang="zh-CN" sz="1890" dirty="0">
-                <a:latin typeface="Times New Roman" panose="02020603050405020304" pitchFamily="18" charset="0"/>
-                <a:cs typeface="Times New Roman" panose="02020603050405020304" pitchFamily="18" charset="0"/>
-              </a:rPr>
-              <a:t>A: /</a:t>
-            </a:r>
-            <a:r>
-              <a:rPr lang="en-US" altLang="zh-CN" sz="1890" dirty="0" err="1">
-                <a:latin typeface="Times New Roman" panose="02020603050405020304" pitchFamily="18" charset="0"/>
-                <a:cs typeface="Times New Roman" panose="02020603050405020304" pitchFamily="18" charset="0"/>
-              </a:rPr>
-              <a:t>eɪ</a:t>
-            </a:r>
-            <a:r>
-              <a:rPr lang="en-US" altLang="zh-CN" sz="1890" dirty="0">
-                <a:latin typeface="Times New Roman" panose="02020603050405020304" pitchFamily="18" charset="0"/>
-                <a:cs typeface="Times New Roman" panose="02020603050405020304" pitchFamily="18" charset="0"/>
-              </a:rPr>
-              <a:t>/</a:t>
-            </a:r>
-          </a:p>
-          <a:p>
-            <a:r>
-              <a:rPr lang="en-US" altLang="zh-CN" sz="1890" dirty="0">
-                <a:latin typeface="Times New Roman" panose="02020603050405020304" pitchFamily="18" charset="0"/>
-                <a:cs typeface="Times New Roman" panose="02020603050405020304" pitchFamily="18" charset="0"/>
-              </a:rPr>
-              <a:t>Picture: /ˈ</a:t>
-            </a:r>
-            <a:r>
-              <a:rPr lang="en-US" altLang="zh-CN" sz="1890" dirty="0" err="1">
-                <a:latin typeface="Times New Roman" panose="02020603050405020304" pitchFamily="18" charset="0"/>
-                <a:cs typeface="Times New Roman" panose="02020603050405020304" pitchFamily="18" charset="0"/>
-              </a:rPr>
-              <a:t>pɪktʃə</a:t>
-            </a:r>
-            <a:r>
-              <a:rPr lang="en-US" altLang="zh-CN" sz="1890" dirty="0">
-                <a:latin typeface="Times New Roman" panose="02020603050405020304" pitchFamily="18" charset="0"/>
-                <a:cs typeface="Times New Roman" panose="02020603050405020304" pitchFamily="18" charset="0"/>
-              </a:rPr>
-              <a:t>(r)/ </a:t>
-            </a:r>
-          </a:p>
-        </p:txBody>
-      </p:sp>
-    </p:spTree>
-    <p:extLst>
-      <p:ext uri="{BB962C8B-B14F-4D97-AF65-F5344CB8AC3E}">
-        <p14:creationId xmlns:p14="http://schemas.microsoft.com/office/powerpoint/2010/main" val="3812739351"/>
-      </p:ext>
-    </p:extLst>
-  </p:cSld>
-  <p:clrMapOvr>
-    <a:masterClrMapping/>
-  </p:clrMapOvr>
-</p:sld>
-</file>
-
-<file path=ppt/slides/slide8.xml><?xml version="1.0" encoding="utf-8"?>
-<p:sld xmlns:a="http://schemas.openxmlformats.org/drawingml/2006/main" xmlns:r="http://schemas.openxmlformats.org/officeDocument/2006/relationships" xmlns:p="http://schemas.openxmlformats.org/presentationml/2006/main">
-  <p:cSld>
-    <p:spTree>
-      <p:nvGrpSpPr>
-        <p:cNvPr id="1" name=""/>
-        <p:cNvGrpSpPr/>
-        <p:nvPr/>
-      </p:nvGrpSpPr>
-      <p:grpSpPr>
-        <a:xfrm>
-          <a:off x="0" y="0"/>
-          <a:ext cx="0" cy="0"/>
-          <a:chOff x="0" y="0"/>
-          <a:chExt cx="0" cy="0"/>
-        </a:xfrm>
-      </p:grpSpPr>
-      <p:pic>
-        <p:nvPicPr>
-          <p:cNvPr id="4" name="图片 3">
-            <a:extLst>
-              <a:ext uri="{FF2B5EF4-FFF2-40B4-BE49-F238E27FC236}">
-                <a16:creationId xmlns:a16="http://schemas.microsoft.com/office/drawing/2014/main" id="{4021AAD6-D4B7-4FBE-9C1B-C0128C7EB790}"/>
-              </a:ext>
-            </a:extLst>
-          </p:cNvPr>
-          <p:cNvPicPr>
-            <a:picLocks noChangeAspect="1"/>
-          </p:cNvPicPr>
-          <p:nvPr/>
-        </p:nvPicPr>
-        <p:blipFill>
-          <a:blip r:embed="rId2"/>
-          <a:stretch>
-            <a:fillRect/>
-          </a:stretch>
-        </p:blipFill>
-        <p:spPr>
-          <a:xfrm>
-            <a:off x="5036249" y="3572717"/>
-            <a:ext cx="1601018" cy="753373"/>
-          </a:xfrm>
-          <a:prstGeom prst="rect">
-            <a:avLst/>
-          </a:prstGeom>
-          <a:ln w="19050">
-            <a:noFill/>
-          </a:ln>
-        </p:spPr>
-      </p:pic>
-      <p:sp>
-        <p:nvSpPr>
-          <p:cNvPr id="5" name="矩形 4">
-            <a:extLst>
-              <a:ext uri="{FF2B5EF4-FFF2-40B4-BE49-F238E27FC236}">
-                <a16:creationId xmlns:a16="http://schemas.microsoft.com/office/drawing/2014/main" id="{847D25E5-45C9-4C97-A949-9ADCE2F4EDBA}"/>
-              </a:ext>
-            </a:extLst>
-          </p:cNvPr>
-          <p:cNvSpPr/>
-          <p:nvPr/>
-        </p:nvSpPr>
-        <p:spPr>
-          <a:xfrm>
-            <a:off x="4995505" y="4583408"/>
-            <a:ext cx="1601018" cy="832701"/>
-          </a:xfrm>
-          <a:prstGeom prst="rect">
-            <a:avLst/>
-          </a:prstGeom>
-          <a:solidFill>
-            <a:schemeClr val="bg1"/>
-          </a:solidFill>
-          <a:ln w="19050">
-            <a:solidFill>
-              <a:schemeClr val="tx1"/>
-            </a:solidFill>
-          </a:ln>
-        </p:spPr>
-        <p:style>
-          <a:lnRef idx="2">
-            <a:schemeClr val="accent1">
-              <a:shade val="50000"/>
-            </a:schemeClr>
-          </a:lnRef>
-          <a:fillRef idx="1">
-            <a:schemeClr val="accent1"/>
-          </a:fillRef>
-          <a:effectRef idx="0">
-            <a:schemeClr val="accent1"/>
-          </a:effectRef>
-          <a:fontRef idx="minor">
-            <a:schemeClr val="lt1"/>
-          </a:fontRef>
-        </p:style>
-        <p:txBody>
-          <a:bodyPr rtlCol="0" anchor="ctr"/>
-          <a:lstStyle/>
-          <a:p>
-            <a:pPr algn="ctr"/>
-            <a:r>
-              <a:rPr lang="en-US" altLang="zh-CN" sz="1890" dirty="0">
-                <a:solidFill>
-                  <a:schemeClr val="tx1"/>
-                </a:solidFill>
-                <a:latin typeface="Times New Roman" panose="02020603050405020304" pitchFamily="18" charset="0"/>
-                <a:cs typeface="Times New Roman" panose="02020603050405020304" pitchFamily="18" charset="0"/>
-              </a:rPr>
-              <a:t>Signal</a:t>
-            </a:r>
-          </a:p>
-          <a:p>
-            <a:pPr algn="ctr"/>
-            <a:r>
-              <a:rPr lang="en-US" altLang="zh-CN" sz="1890" dirty="0">
-                <a:solidFill>
-                  <a:schemeClr val="tx1"/>
-                </a:solidFill>
-                <a:latin typeface="Times New Roman" panose="02020603050405020304" pitchFamily="18" charset="0"/>
-                <a:cs typeface="Times New Roman" panose="02020603050405020304" pitchFamily="18" charset="0"/>
-              </a:rPr>
-              <a:t>preprocessing</a:t>
-            </a:r>
-            <a:endParaRPr lang="zh-CN" altLang="en-US" sz="1890" dirty="0">
-              <a:solidFill>
-                <a:schemeClr val="tx1"/>
-              </a:solidFill>
-              <a:latin typeface="Times New Roman" panose="02020603050405020304" pitchFamily="18" charset="0"/>
-              <a:cs typeface="Times New Roman" panose="02020603050405020304" pitchFamily="18" charset="0"/>
-            </a:endParaRPr>
-          </a:p>
-        </p:txBody>
-      </p:sp>
-      <p:sp>
-        <p:nvSpPr>
-          <p:cNvPr id="12" name="矩形 11">
-            <a:extLst>
-              <a:ext uri="{FF2B5EF4-FFF2-40B4-BE49-F238E27FC236}">
-                <a16:creationId xmlns:a16="http://schemas.microsoft.com/office/drawing/2014/main" id="{53CE6504-A28E-474F-8249-A66921168C65}"/>
-              </a:ext>
-            </a:extLst>
-          </p:cNvPr>
-          <p:cNvSpPr/>
-          <p:nvPr/>
-        </p:nvSpPr>
-        <p:spPr>
-          <a:xfrm>
-            <a:off x="6982550" y="4583408"/>
-            <a:ext cx="1601018" cy="832701"/>
-          </a:xfrm>
-          <a:prstGeom prst="rect">
-            <a:avLst/>
-          </a:prstGeom>
-          <a:solidFill>
-            <a:schemeClr val="bg1"/>
-          </a:solidFill>
-          <a:ln w="19050">
-            <a:solidFill>
-              <a:schemeClr val="tx1"/>
-            </a:solidFill>
-          </a:ln>
-        </p:spPr>
-        <p:style>
-          <a:lnRef idx="2">
-            <a:schemeClr val="accent1">
-              <a:shade val="50000"/>
-            </a:schemeClr>
-          </a:lnRef>
-          <a:fillRef idx="1">
-            <a:schemeClr val="accent1"/>
-          </a:fillRef>
-          <a:effectRef idx="0">
-            <a:schemeClr val="accent1"/>
-          </a:effectRef>
-          <a:fontRef idx="minor">
-            <a:schemeClr val="lt1"/>
-          </a:fontRef>
-        </p:style>
-        <p:txBody>
-          <a:bodyPr rtlCol="0" anchor="ctr"/>
-          <a:lstStyle/>
-          <a:p>
-            <a:pPr algn="ctr"/>
-            <a:r>
-              <a:rPr lang="en-US" altLang="zh-CN" sz="1890" dirty="0">
-                <a:solidFill>
-                  <a:schemeClr val="tx1"/>
-                </a:solidFill>
-                <a:latin typeface="Times New Roman" panose="02020603050405020304" pitchFamily="18" charset="0"/>
-                <a:cs typeface="Times New Roman" panose="02020603050405020304" pitchFamily="18" charset="0"/>
-              </a:rPr>
-              <a:t>Feature extraction</a:t>
-            </a:r>
-            <a:endParaRPr lang="zh-CN" altLang="en-US" sz="1890" dirty="0">
-              <a:solidFill>
-                <a:schemeClr val="tx1"/>
-              </a:solidFill>
-              <a:latin typeface="Times New Roman" panose="02020603050405020304" pitchFamily="18" charset="0"/>
-              <a:cs typeface="Times New Roman" panose="02020603050405020304" pitchFamily="18" charset="0"/>
-            </a:endParaRPr>
-          </a:p>
-        </p:txBody>
-      </p:sp>
-      <p:sp>
-        <p:nvSpPr>
-          <p:cNvPr id="13" name="矩形 12">
-            <a:extLst>
-              <a:ext uri="{FF2B5EF4-FFF2-40B4-BE49-F238E27FC236}">
-                <a16:creationId xmlns:a16="http://schemas.microsoft.com/office/drawing/2014/main" id="{71C98337-73A3-4AE1-96F6-CBBA876F1B8E}"/>
-              </a:ext>
-            </a:extLst>
-          </p:cNvPr>
-          <p:cNvSpPr/>
-          <p:nvPr/>
-        </p:nvSpPr>
-        <p:spPr>
-          <a:xfrm>
-            <a:off x="9133777" y="3572081"/>
-            <a:ext cx="1622367" cy="678648"/>
-          </a:xfrm>
-          <a:prstGeom prst="rect">
-            <a:avLst/>
-          </a:prstGeom>
-          <a:solidFill>
-            <a:schemeClr val="bg1"/>
-          </a:solidFill>
-          <a:ln w="19050">
-            <a:solidFill>
-              <a:schemeClr val="tx1"/>
-            </a:solidFill>
-          </a:ln>
-        </p:spPr>
-        <p:style>
-          <a:lnRef idx="2">
-            <a:schemeClr val="accent1">
-              <a:shade val="50000"/>
-            </a:schemeClr>
-          </a:lnRef>
-          <a:fillRef idx="1">
-            <a:schemeClr val="accent1"/>
-          </a:fillRef>
-          <a:effectRef idx="0">
-            <a:schemeClr val="accent1"/>
-          </a:effectRef>
-          <a:fontRef idx="minor">
-            <a:schemeClr val="lt1"/>
-          </a:fontRef>
-        </p:style>
-        <p:txBody>
-          <a:bodyPr rtlCol="0" anchor="ctr"/>
-          <a:lstStyle/>
-          <a:p>
-            <a:pPr algn="ctr"/>
-            <a:r>
-              <a:rPr lang="en-US" altLang="zh-CN" sz="1890" dirty="0">
-                <a:solidFill>
-                  <a:schemeClr val="tx1"/>
-                </a:solidFill>
-                <a:latin typeface="Times New Roman" panose="02020603050405020304" pitchFamily="18" charset="0"/>
-                <a:cs typeface="Times New Roman" panose="02020603050405020304" pitchFamily="18" charset="0"/>
-              </a:rPr>
-              <a:t>Acoustic model</a:t>
-            </a:r>
-            <a:endParaRPr lang="zh-CN" altLang="en-US" sz="1890" dirty="0">
-              <a:solidFill>
-                <a:schemeClr val="tx1"/>
-              </a:solidFill>
-              <a:latin typeface="Times New Roman" panose="02020603050405020304" pitchFamily="18" charset="0"/>
-              <a:cs typeface="Times New Roman" panose="02020603050405020304" pitchFamily="18" charset="0"/>
-            </a:endParaRPr>
-          </a:p>
-        </p:txBody>
-      </p:sp>
-      <p:sp>
-        <p:nvSpPr>
-          <p:cNvPr id="14" name="矩形 13">
-            <a:extLst>
-              <a:ext uri="{FF2B5EF4-FFF2-40B4-BE49-F238E27FC236}">
-                <a16:creationId xmlns:a16="http://schemas.microsoft.com/office/drawing/2014/main" id="{0047F1D6-F6D0-4629-9C2C-8A6E65197B40}"/>
-              </a:ext>
-            </a:extLst>
-          </p:cNvPr>
-          <p:cNvSpPr/>
-          <p:nvPr/>
-        </p:nvSpPr>
-        <p:spPr>
-          <a:xfrm>
-            <a:off x="9155126" y="4641006"/>
-            <a:ext cx="1601018" cy="678648"/>
-          </a:xfrm>
-          <a:prstGeom prst="rect">
-            <a:avLst/>
-          </a:prstGeom>
-          <a:solidFill>
-            <a:schemeClr val="bg1"/>
-          </a:solidFill>
-          <a:ln w="19050">
-            <a:solidFill>
-              <a:schemeClr val="tx1"/>
-            </a:solidFill>
-          </a:ln>
-        </p:spPr>
-        <p:style>
-          <a:lnRef idx="2">
-            <a:schemeClr val="accent1">
-              <a:shade val="50000"/>
-            </a:schemeClr>
-          </a:lnRef>
-          <a:fillRef idx="1">
-            <a:schemeClr val="accent1"/>
-          </a:fillRef>
-          <a:effectRef idx="0">
-            <a:schemeClr val="accent1"/>
-          </a:effectRef>
-          <a:fontRef idx="minor">
-            <a:schemeClr val="lt1"/>
-          </a:fontRef>
-        </p:style>
-        <p:txBody>
-          <a:bodyPr rtlCol="0" anchor="ctr"/>
-          <a:lstStyle/>
-          <a:p>
-            <a:pPr algn="ctr"/>
-            <a:r>
-              <a:rPr lang="en-US" altLang="zh-CN" sz="1890" dirty="0">
-                <a:solidFill>
-                  <a:schemeClr val="tx1"/>
-                </a:solidFill>
-                <a:latin typeface="Times New Roman" panose="02020603050405020304" pitchFamily="18" charset="0"/>
-                <a:cs typeface="Times New Roman" panose="02020603050405020304" pitchFamily="18" charset="0"/>
-              </a:rPr>
-              <a:t>Pronunciation model</a:t>
-            </a:r>
-            <a:endParaRPr lang="zh-CN" altLang="en-US" sz="1890" dirty="0">
-              <a:solidFill>
-                <a:schemeClr val="tx1"/>
-              </a:solidFill>
-              <a:latin typeface="Times New Roman" panose="02020603050405020304" pitchFamily="18" charset="0"/>
-              <a:cs typeface="Times New Roman" panose="02020603050405020304" pitchFamily="18" charset="0"/>
-            </a:endParaRPr>
-          </a:p>
-        </p:txBody>
-      </p:sp>
-      <p:sp>
-        <p:nvSpPr>
-          <p:cNvPr id="16" name="矩形 15">
-            <a:extLst>
-              <a:ext uri="{FF2B5EF4-FFF2-40B4-BE49-F238E27FC236}">
-                <a16:creationId xmlns:a16="http://schemas.microsoft.com/office/drawing/2014/main" id="{258360EB-E755-451E-AEAD-B5AF1A497FA6}"/>
-              </a:ext>
-            </a:extLst>
-          </p:cNvPr>
-          <p:cNvSpPr/>
-          <p:nvPr/>
-        </p:nvSpPr>
-        <p:spPr>
-          <a:xfrm>
-            <a:off x="9134223" y="5672527"/>
-            <a:ext cx="1621921" cy="775553"/>
-          </a:xfrm>
-          <a:prstGeom prst="rect">
-            <a:avLst/>
-          </a:prstGeom>
-          <a:solidFill>
-            <a:schemeClr val="bg1"/>
-          </a:solidFill>
-          <a:ln w="19050">
-            <a:solidFill>
-              <a:schemeClr val="tx1"/>
-            </a:solidFill>
-          </a:ln>
-        </p:spPr>
-        <p:style>
-          <a:lnRef idx="2">
-            <a:schemeClr val="accent1">
-              <a:shade val="50000"/>
-            </a:schemeClr>
-          </a:lnRef>
-          <a:fillRef idx="1">
-            <a:schemeClr val="accent1"/>
-          </a:fillRef>
-          <a:effectRef idx="0">
-            <a:schemeClr val="accent1"/>
-          </a:effectRef>
-          <a:fontRef idx="minor">
-            <a:schemeClr val="lt1"/>
-          </a:fontRef>
-        </p:style>
-        <p:txBody>
-          <a:bodyPr rtlCol="0" anchor="ctr"/>
-          <a:lstStyle/>
-          <a:p>
-            <a:pPr algn="ctr"/>
-            <a:r>
-              <a:rPr lang="en-US" altLang="zh-CN" sz="1890" dirty="0">
-                <a:solidFill>
-                  <a:schemeClr val="tx1"/>
-                </a:solidFill>
-                <a:latin typeface="Times New Roman" panose="02020603050405020304" pitchFamily="18" charset="0"/>
-                <a:cs typeface="Times New Roman" panose="02020603050405020304" pitchFamily="18" charset="0"/>
-              </a:rPr>
-              <a:t>Language model</a:t>
-            </a:r>
-            <a:endParaRPr lang="zh-CN" altLang="en-US" sz="1890" dirty="0">
-              <a:solidFill>
-                <a:schemeClr val="tx1"/>
-              </a:solidFill>
-              <a:latin typeface="Times New Roman" panose="02020603050405020304" pitchFamily="18" charset="0"/>
-              <a:cs typeface="Times New Roman" panose="02020603050405020304" pitchFamily="18" charset="0"/>
-            </a:endParaRPr>
-          </a:p>
-        </p:txBody>
-      </p:sp>
-      <p:sp>
-        <p:nvSpPr>
-          <p:cNvPr id="17" name="箭头: 右 16">
-            <a:extLst>
-              <a:ext uri="{FF2B5EF4-FFF2-40B4-BE49-F238E27FC236}">
-                <a16:creationId xmlns:a16="http://schemas.microsoft.com/office/drawing/2014/main" id="{F8035F29-1A07-4850-A595-45CF8F7E52CA}"/>
-              </a:ext>
-            </a:extLst>
-          </p:cNvPr>
-          <p:cNvSpPr/>
-          <p:nvPr/>
-        </p:nvSpPr>
-        <p:spPr>
-          <a:xfrm flipV="1">
-            <a:off x="6596521" y="4946074"/>
-            <a:ext cx="386028" cy="107362"/>
-          </a:xfrm>
-          <a:prstGeom prst="rightArrow">
-            <a:avLst/>
-          </a:prstGeom>
-          <a:ln>
-            <a:noFill/>
-          </a:ln>
-        </p:spPr>
-        <p:style>
-          <a:lnRef idx="2">
-            <a:schemeClr val="accent1">
-              <a:shade val="50000"/>
-            </a:schemeClr>
-          </a:lnRef>
-          <a:fillRef idx="1">
-            <a:schemeClr val="accent1"/>
-          </a:fillRef>
-          <a:effectRef idx="0">
-            <a:schemeClr val="accent1"/>
-          </a:effectRef>
-          <a:fontRef idx="minor">
-            <a:schemeClr val="lt1"/>
-          </a:fontRef>
-        </p:style>
-        <p:txBody>
-          <a:bodyPr rtlCol="0" anchor="ctr"/>
-          <a:lstStyle/>
-          <a:p>
-            <a:pPr algn="ctr"/>
-            <a:endParaRPr lang="zh-CN" altLang="en-US" sz="1890"/>
-          </a:p>
-        </p:txBody>
-      </p:sp>
-      <p:sp>
-        <p:nvSpPr>
-          <p:cNvPr id="18" name="箭头: 右 17">
-            <a:extLst>
-              <a:ext uri="{FF2B5EF4-FFF2-40B4-BE49-F238E27FC236}">
-                <a16:creationId xmlns:a16="http://schemas.microsoft.com/office/drawing/2014/main" id="{7E344234-6814-48B9-916B-931533F147CB}"/>
-              </a:ext>
-            </a:extLst>
-          </p:cNvPr>
-          <p:cNvSpPr/>
-          <p:nvPr/>
-        </p:nvSpPr>
-        <p:spPr>
-          <a:xfrm flipV="1">
-            <a:off x="8583566" y="4946074"/>
-            <a:ext cx="386028" cy="107362"/>
-          </a:xfrm>
-          <a:prstGeom prst="rightArrow">
-            <a:avLst/>
-          </a:prstGeom>
-          <a:ln>
-            <a:noFill/>
-          </a:ln>
-        </p:spPr>
-        <p:style>
-          <a:lnRef idx="2">
-            <a:schemeClr val="accent1">
-              <a:shade val="50000"/>
-            </a:schemeClr>
-          </a:lnRef>
-          <a:fillRef idx="1">
-            <a:schemeClr val="accent1"/>
-          </a:fillRef>
-          <a:effectRef idx="0">
-            <a:schemeClr val="accent1"/>
-          </a:effectRef>
-          <a:fontRef idx="minor">
-            <a:schemeClr val="lt1"/>
-          </a:fontRef>
-        </p:style>
-        <p:txBody>
-          <a:bodyPr rtlCol="0" anchor="ctr"/>
-          <a:lstStyle/>
-          <a:p>
-            <a:pPr algn="ctr"/>
-            <a:endParaRPr lang="zh-CN" altLang="en-US" sz="1890"/>
-          </a:p>
-        </p:txBody>
-      </p:sp>
-      <p:sp>
-        <p:nvSpPr>
-          <p:cNvPr id="20" name="箭头: 右 19">
-            <a:extLst>
-              <a:ext uri="{FF2B5EF4-FFF2-40B4-BE49-F238E27FC236}">
-                <a16:creationId xmlns:a16="http://schemas.microsoft.com/office/drawing/2014/main" id="{62611EAA-DD8A-4AC7-93F9-07652DFAF0F1}"/>
-              </a:ext>
-            </a:extLst>
-          </p:cNvPr>
-          <p:cNvSpPr/>
-          <p:nvPr/>
-        </p:nvSpPr>
-        <p:spPr>
-          <a:xfrm flipV="1">
-            <a:off x="12966295" y="4980330"/>
-            <a:ext cx="386028" cy="107362"/>
-          </a:xfrm>
-          <a:prstGeom prst="rightArrow">
-            <a:avLst/>
-          </a:prstGeom>
-          <a:ln>
-            <a:noFill/>
-          </a:ln>
-        </p:spPr>
-        <p:style>
-          <a:lnRef idx="2">
-            <a:schemeClr val="accent1">
-              <a:shade val="50000"/>
-            </a:schemeClr>
-          </a:lnRef>
-          <a:fillRef idx="1">
-            <a:schemeClr val="accent1"/>
-          </a:fillRef>
-          <a:effectRef idx="0">
-            <a:schemeClr val="accent1"/>
-          </a:effectRef>
-          <a:fontRef idx="minor">
-            <a:schemeClr val="lt1"/>
-          </a:fontRef>
-        </p:style>
-        <p:txBody>
-          <a:bodyPr rtlCol="0" anchor="ctr"/>
-          <a:lstStyle/>
-          <a:p>
-            <a:pPr algn="ctr"/>
-            <a:endParaRPr lang="zh-CN" altLang="en-US" sz="1890"/>
-          </a:p>
-        </p:txBody>
-      </p:sp>
-      <p:sp>
-        <p:nvSpPr>
-          <p:cNvPr id="22" name="文本框 21">
-            <a:extLst>
-              <a:ext uri="{FF2B5EF4-FFF2-40B4-BE49-F238E27FC236}">
-                <a16:creationId xmlns:a16="http://schemas.microsoft.com/office/drawing/2014/main" id="{78B95B22-FE63-4C47-8197-985F87AD2B3E}"/>
-              </a:ext>
-            </a:extLst>
-          </p:cNvPr>
-          <p:cNvSpPr txBox="1"/>
-          <p:nvPr/>
-        </p:nvSpPr>
-        <p:spPr>
-          <a:xfrm>
-            <a:off x="13350861" y="4861845"/>
-            <a:ext cx="1987399" cy="383182"/>
-          </a:xfrm>
-          <a:prstGeom prst="rect">
-            <a:avLst/>
-          </a:prstGeom>
-          <a:noFill/>
-        </p:spPr>
-        <p:txBody>
-          <a:bodyPr wrap="square" rtlCol="0">
-            <a:spAutoFit/>
-          </a:bodyPr>
-          <a:lstStyle/>
-          <a:p>
-            <a:pPr algn="ctr"/>
-            <a:r>
-              <a:rPr lang="en-US" altLang="zh-CN" sz="1890" dirty="0">
-                <a:latin typeface="Times New Roman" panose="02020603050405020304" pitchFamily="18" charset="0"/>
-                <a:cs typeface="Times New Roman" panose="02020603050405020304" pitchFamily="18" charset="0"/>
-              </a:rPr>
-              <a:t>“take a picture”</a:t>
-            </a:r>
-            <a:endParaRPr lang="zh-CN" altLang="en-US" sz="1890" dirty="0">
-              <a:latin typeface="Times New Roman" panose="02020603050405020304" pitchFamily="18" charset="0"/>
-              <a:cs typeface="Times New Roman" panose="02020603050405020304" pitchFamily="18" charset="0"/>
-            </a:endParaRPr>
-          </a:p>
-        </p:txBody>
-      </p:sp>
-      <p:sp>
-        <p:nvSpPr>
-          <p:cNvPr id="3" name="文本框 2">
-            <a:extLst>
-              <a:ext uri="{FF2B5EF4-FFF2-40B4-BE49-F238E27FC236}">
-                <a16:creationId xmlns:a16="http://schemas.microsoft.com/office/drawing/2014/main" id="{93C6A284-D7E9-4489-9A33-D7AD1433003F}"/>
-              </a:ext>
-            </a:extLst>
-          </p:cNvPr>
-          <p:cNvSpPr txBox="1"/>
-          <p:nvPr/>
-        </p:nvSpPr>
-        <p:spPr>
-          <a:xfrm>
-            <a:off x="11030065" y="4564831"/>
-            <a:ext cx="2210151" cy="830997"/>
-          </a:xfrm>
-          <a:prstGeom prst="rect">
-            <a:avLst/>
-          </a:prstGeom>
-          <a:noFill/>
-        </p:spPr>
-        <p:txBody>
-          <a:bodyPr wrap="square" rtlCol="0">
-            <a:spAutoFit/>
-          </a:bodyPr>
-          <a:lstStyle/>
-          <a:p>
-            <a:r>
-              <a:rPr lang="en-US" altLang="zh-CN" sz="1600" dirty="0">
-                <a:latin typeface="Times New Roman" panose="02020603050405020304" pitchFamily="18" charset="0"/>
-                <a:cs typeface="Times New Roman" panose="02020603050405020304" pitchFamily="18" charset="0"/>
-              </a:rPr>
-              <a:t>Take:  /</a:t>
-            </a:r>
-            <a:r>
-              <a:rPr lang="en-US" altLang="zh-CN" sz="1600" dirty="0" err="1">
-                <a:latin typeface="Times New Roman" panose="02020603050405020304" pitchFamily="18" charset="0"/>
-                <a:cs typeface="Times New Roman" panose="02020603050405020304" pitchFamily="18" charset="0"/>
-              </a:rPr>
-              <a:t>teɪk</a:t>
-            </a:r>
-            <a:r>
-              <a:rPr lang="en-US" altLang="zh-CN" sz="1600" dirty="0">
-                <a:latin typeface="Times New Roman" panose="02020603050405020304" pitchFamily="18" charset="0"/>
-                <a:cs typeface="Times New Roman" panose="02020603050405020304" pitchFamily="18" charset="0"/>
-              </a:rPr>
-              <a:t>/ </a:t>
-            </a:r>
-          </a:p>
-          <a:p>
-            <a:r>
-              <a:rPr lang="en-US" altLang="zh-CN" sz="1600" dirty="0">
-                <a:latin typeface="Times New Roman" panose="02020603050405020304" pitchFamily="18" charset="0"/>
-                <a:cs typeface="Times New Roman" panose="02020603050405020304" pitchFamily="18" charset="0"/>
-              </a:rPr>
-              <a:t>A: /</a:t>
-            </a:r>
-            <a:r>
-              <a:rPr lang="en-US" altLang="zh-CN" sz="1600" dirty="0" err="1">
-                <a:latin typeface="Times New Roman" panose="02020603050405020304" pitchFamily="18" charset="0"/>
-                <a:cs typeface="Times New Roman" panose="02020603050405020304" pitchFamily="18" charset="0"/>
-              </a:rPr>
-              <a:t>eɪ</a:t>
-            </a:r>
-            <a:r>
-              <a:rPr lang="en-US" altLang="zh-CN" sz="1600" dirty="0">
-                <a:latin typeface="Times New Roman" panose="02020603050405020304" pitchFamily="18" charset="0"/>
-                <a:cs typeface="Times New Roman" panose="02020603050405020304" pitchFamily="18" charset="0"/>
-              </a:rPr>
-              <a:t>/</a:t>
-            </a:r>
-          </a:p>
-          <a:p>
-            <a:r>
-              <a:rPr lang="en-US" altLang="zh-CN" sz="1600" dirty="0">
-                <a:latin typeface="Times New Roman" panose="02020603050405020304" pitchFamily="18" charset="0"/>
-                <a:cs typeface="Times New Roman" panose="02020603050405020304" pitchFamily="18" charset="0"/>
-              </a:rPr>
-              <a:t>Picture: /ˈ</a:t>
-            </a:r>
-            <a:r>
-              <a:rPr lang="en-US" altLang="zh-CN" sz="1600" dirty="0" err="1">
-                <a:latin typeface="Times New Roman" panose="02020603050405020304" pitchFamily="18" charset="0"/>
-                <a:cs typeface="Times New Roman" panose="02020603050405020304" pitchFamily="18" charset="0"/>
-              </a:rPr>
-              <a:t>pɪktʃə</a:t>
-            </a:r>
-            <a:r>
-              <a:rPr lang="en-US" altLang="zh-CN" sz="1600" dirty="0">
-                <a:latin typeface="Times New Roman" panose="02020603050405020304" pitchFamily="18" charset="0"/>
-                <a:cs typeface="Times New Roman" panose="02020603050405020304" pitchFamily="18" charset="0"/>
-              </a:rPr>
-              <a:t>(r)/ </a:t>
-            </a:r>
-          </a:p>
-        </p:txBody>
-      </p:sp>
-      <p:sp>
-        <p:nvSpPr>
-          <p:cNvPr id="19" name="流程图: 接点 18">
-            <a:extLst>
-              <a:ext uri="{FF2B5EF4-FFF2-40B4-BE49-F238E27FC236}">
-                <a16:creationId xmlns:a16="http://schemas.microsoft.com/office/drawing/2014/main" id="{C000DFAB-A9F5-4AB9-93E5-3CF267E31A61}"/>
-              </a:ext>
-            </a:extLst>
-          </p:cNvPr>
-          <p:cNvSpPr/>
-          <p:nvPr/>
-        </p:nvSpPr>
-        <p:spPr>
-          <a:xfrm>
-            <a:off x="11943265" y="3572081"/>
-            <a:ext cx="490129" cy="490129"/>
-          </a:xfrm>
-          <a:prstGeom prst="flowChartConnector">
-            <a:avLst/>
-          </a:prstGeom>
-          <a:noFill/>
-          <a:ln w="19050">
-            <a:solidFill>
-              <a:schemeClr val="tx1"/>
-            </a:solidFill>
-          </a:ln>
-        </p:spPr>
-        <p:style>
-          <a:lnRef idx="2">
-            <a:schemeClr val="accent1">
-              <a:shade val="50000"/>
-            </a:schemeClr>
-          </a:lnRef>
-          <a:fillRef idx="1">
-            <a:schemeClr val="accent1"/>
-          </a:fillRef>
-          <a:effectRef idx="0">
-            <a:schemeClr val="accent1"/>
-          </a:effectRef>
-          <a:fontRef idx="minor">
-            <a:schemeClr val="lt1"/>
-          </a:fontRef>
-        </p:style>
-        <p:txBody>
-          <a:bodyPr rtlCol="0" anchor="ctr"/>
-          <a:lstStyle/>
-          <a:p>
-            <a:pPr algn="ctr"/>
-            <a:endParaRPr lang="zh-CN" altLang="en-US" dirty="0"/>
-          </a:p>
-        </p:txBody>
-      </p:sp>
-      <p:sp>
-        <p:nvSpPr>
-          <p:cNvPr id="21" name="流程图: 接点 20">
-            <a:extLst>
-              <a:ext uri="{FF2B5EF4-FFF2-40B4-BE49-F238E27FC236}">
-                <a16:creationId xmlns:a16="http://schemas.microsoft.com/office/drawing/2014/main" id="{41EEA9BC-49A5-4723-9770-F9D449D18BA3}"/>
-              </a:ext>
-            </a:extLst>
-          </p:cNvPr>
-          <p:cNvSpPr/>
-          <p:nvPr/>
-        </p:nvSpPr>
-        <p:spPr>
-          <a:xfrm>
-            <a:off x="11030065" y="3572081"/>
-            <a:ext cx="490129" cy="490129"/>
-          </a:xfrm>
-          <a:prstGeom prst="flowChartConnector">
-            <a:avLst/>
-          </a:prstGeom>
-          <a:noFill/>
-          <a:ln w="19050">
-            <a:solidFill>
-              <a:schemeClr val="tx1"/>
-            </a:solidFill>
-          </a:ln>
-        </p:spPr>
-        <p:style>
-          <a:lnRef idx="2">
-            <a:schemeClr val="accent1">
-              <a:shade val="50000"/>
-            </a:schemeClr>
-          </a:lnRef>
-          <a:fillRef idx="1">
-            <a:schemeClr val="accent1"/>
-          </a:fillRef>
-          <a:effectRef idx="0">
-            <a:schemeClr val="accent1"/>
-          </a:effectRef>
-          <a:fontRef idx="minor">
-            <a:schemeClr val="lt1"/>
-          </a:fontRef>
-        </p:style>
-        <p:txBody>
-          <a:bodyPr rtlCol="0" anchor="ctr"/>
-          <a:lstStyle/>
-          <a:p>
-            <a:pPr algn="ctr"/>
-            <a:endParaRPr lang="zh-CN" altLang="en-US" dirty="0"/>
-          </a:p>
-        </p:txBody>
-      </p:sp>
-    </p:spTree>
-    <p:extLst>
-      <p:ext uri="{BB962C8B-B14F-4D97-AF65-F5344CB8AC3E}">
-        <p14:creationId xmlns:p14="http://schemas.microsoft.com/office/powerpoint/2010/main" val="3363327003"/>
       </p:ext>
     </p:extLst>
   </p:cSld>
